--- a/backbone/doc/MobileNet V2.pptx
+++ b/backbone/doc/MobileNet V2.pptx
@@ -236,7 +236,7 @@
             <a:spLocks noGrp="1" noChangeArrowheads="1"/>
             <a:extLst>
               <a:ext uri="smNativeData">
-                <pr:smNativeData xmlns:pr="smNativeData" xmlns="smNativeData" val="SMDATA_15_Lb0aZBMAAAAlAAAAZAAAAA8BAAAAkAAAAEgAAACQAAAASAAAAAAAAAABAAAAAAAAAAEAAABQAAAAAAAAAAAA4D8AAAAAAADgPwAAAAAAAOA/AAAAAAAA4D8AAAAAAADgPwAAAAAAAOA/AAAAAAAA4D8AAAAAAADgPwAAAAAAAOA/AAAAAAAA4D8CAAAAjAAAAAAAAAAAAAAAu+DjDP///wgAAAAAAAAAAAAAAAAAAAAAAAAAAAAAAAAAAAAAZAAAAAEAAABAAAAAAAAAAAAAAAAAAAAAAAAAAAAAAAAAAAAAAAAAAAAAAAAAAAAAAAAAAAAAAAAAAAAAAAAAAAAAAAAAAAAAAAAAAAAAAAAAAAAAAAAAAAAAAAAAAAAAFAAAADwAAAAAAAAAAAAAAAAAAAkUAAAAAQAAABQAAAAUAAAAFAAAAAEAAAAAAAAAZAAAAGQAAAAAAAAAZAAAAGQAAAAVAAAAYAAAAAAAAAAAAAAADwAAACADAAAAAAAAAAAAAAEAAACgMgAAVgcAAKr4//8BAAAAf39/AAEAAABkAAAAAAAAABQAAABAHwAAAAAAACYAAAAAAAAAwOD//wAAAAAmAAAAZAAAABYAAABMAAAAAAAAAAAAAAAEAAAAAAAAAAEAAACAgIAKAAAAACgAAAAoAAAAZAAAAGQAAAAAAAAAzMzMAAAAAABQAAAAUAAAAGQAAABkAAAAAAAAABcAAAAUAAAAAAAAAAAAAAD/fwAA/38AAAAAAAAJAAAABAAAAAAAAAAeAAAAaAAAAAAAAAAAAAAAAAAAAAAAAAAAAAAAECcAABAnAAAAAAAAAAAAAAAAAAAAAAAAAAAAAAAAAAAAAAAAAAAAABQAAAAAAAAAwMD/AAAAAABkAAAAMgAAAAAAAABkAAAAAAAAAH9/fwAKAAAAIgAAABgAAAAAAAAAAAAAAAAAAAAAAAAAAAAAAAAAAAAkAAAAJAAAAAAAAAAHAAAAAAAAAAAAAAAAAAAAAAAAAAAAAAAAAAAAf39/ACUAAABYAAAAAAAAAAAAAAAAAAAAAAAAAAAAAAAAAAAAAAAAAAAAAAAAAAAAAAAAAAAAAAA/AAAAAAAAAKCGAQAAAAAAAAAAAAAAAAAMAAAAAQAAAAAAAAAAAAAAAAAAAB8AAABUAAAAAAAABQAAAAEAAAAAAAAAAAAAAAAAAAAAAAAAAAAAAAAAAAAAAAAAAAAAAAJ/f38AAAAAA8zMzADAwP8Af39/AAAAAAAAAAAAAAAAAAAAAAAAAAAAIQAAABgAAAAUAAAAoAUAABoNAABgRQAAJhYAABAAAAAmAAAACAAAAAEAAAAAAAAA"/>
+                <pr:smNativeData xmlns:pr="smNativeData" xmlns="smNativeData" val="SMDATA_15_Sr0aZBMAAAAlAAAAZAAAAA8BAAAAkAAAAEgAAACQAAAASAAAAAAAAAABAAAAAAAAAAEAAABQAAAAAAAAAAAA4D8AAAAAAADgPwAAAAAAAOA/AAAAAAAA4D8AAAAAAADgPwAAAAAAAOA/AAAAAAAA4D8AAAAAAADgPwAAAAAAAOA/AAAAAAAA4D8CAAAAjAAAAAAAAAAAAAAAu+DjDP///wgAAAAAAAAAAAAAAAAAAAAAAAAAAAAAAAAAAAAAZAAAAAEAAABAAAAAAAAAAAAAAAAAAAAAAAAAAAAAAAAAAAAAAAAAAAAAAAAAAAAAAAAAAAAAAAAAAAAAAAAAAAAAAAAAAAAAAAAAAAAAAAAAAAAAAAAAAAAAAAAAAAAAFAAAADwAAAAAAAAAAAAAAAAAAAkUAAAAAQAAABQAAAAUAAAAFAAAAAEAAAAAAAAAZAAAAGQAAAAAAAAAZAAAAGQAAAAVAAAAYAAAAAAAAAAAAAAADwAAACADAAAAAAAAAAAAAAEAAACgMgAAVgcAAKr4//8BAAAAf39/AAEAAABkAAAAAAAAABQAAABAHwAAAAAAACYAAAAAAAAAwOD//wAAAAAmAAAAZAAAABYAAABMAAAAAAAAAAAAAAAEAAAAAAAAAAEAAACAgIAKAAAAACgAAAAoAAAAZAAAAGQAAAAAAAAAzMzMAAAAAABQAAAAUAAAAGQAAABkAAAAAAAAABcAAAAUAAAAAAAAAAAAAAD/fwAA/38AAAAAAAAJAAAABAAAAAAAAAAeAAAAaAAAAAAAAAAAAAAAAAAAAAAAAAAAAAAAECcAABAnAAAAAAAAAAAAAAAAAAAAAAAAAAAAAAAAAAAAAAAAAAAAABQAAAAAAAAAwMD/AAAAAABkAAAAMgAAAAAAAABkAAAAAAAAAH9/fwAKAAAAIgAAABgAAAAAAAAAAAAAAAAAAAAAAAAAAAAAAAAAAAAkAAAAJAAAAAAAAAAHAAAAAAAAAAAAAAAAAAAAAAAAAAAAAAAAAAAAf39/ACUAAABYAAAAAAAAAAAAAAAAAAAAAAAAAAAAAAAAAAAAAAAAAAAAAAAAAAAAAAAAAAAAAAA/AAAAAAAAAKCGAQAAAAAAAAAAAAAAAAAMAAAAAQAAAAAAAAAAAAAAAAAAAB8AAABUAAAAAAAABQAAAAEAAAAAAAAAAAAAAAAAAAAAAAAAAAAAAAAAAAAAAAAAAAAAAAJ/f38AAAAAA8zMzADAwP8Af39/AAAAAAAAAAAAAAAAAAAAAAAAAAAAIQAAABgAAAAUAAAAoAUAABoNAABgRQAAJhYAABAAAAAmAAAACAAAAAEAAAAAAAAA"/>
               </a:ext>
             </a:extLst>
           </p:cNvSpPr>
@@ -268,7 +268,7 @@
             <a:spLocks noGrp="1" noChangeArrowheads="1"/>
             <a:extLst>
               <a:ext uri="smNativeData">
-                <pr:smNativeData xmlns:pr="smNativeData" xmlns="smNativeData" val="SMDATA_15_Lb0aZBMAAAAlAAAAZAAAAA8BAAAAkAAAAEgAAACQAAAASAAAAAAAAAAAAAAAAAAAAAEAAABQAAAAAAAAAAAA4D8AAAAAAADgPwAAAAAAAOA/AAAAAAAA4D8AAAAAAADgPwAAAAAAAOA/AAAAAAAA4D8AAAAAAADgPwAAAAAAAOA/AAAAAAAA4D8CAAAAjAAAAAAAAAAAAAAAu+DjDP///wgAAAAAAAAAAAAAAAAAAAAAAAAAAAAAAAAAAAAAZAAAAAEAAABAAAAAAAAAAAAAAAAAAAAAAAAAAAAAAAAAAAAAAAAAAAAAAAAAAAAAAAAAAAAAAAAAAAAAAAAAAAAAAAAAAAAAAAAAAAAAAAAAAAAAAAAAAAAAAAAAAAAAFAAAADwAAAAAAAAAAAAAAAAAAAkUAAAAAQAAABQAAAAUAAAAFAAAAAEAAAAAAAAAZAAAAGQAAAAAAAAAZAAAAGQAAAAVAAAAYAAAAAAAAAAAAAAADwAAACADAAAAAAAAAAAAAAEAAACgMgAAVgcAAKr4//8BAAAAf39/AAEAAABkAAAAAAAAABQAAABAHwAAAAAAACYAAAAAAAAAwOD//wAAAAAmAAAAZAAAABYAAABMAAAAAAAAAAAAAAAEAAAAAAAAAAEAAACAgIAKAAAAACgAAAAoAAAAZAAAAGQAAAAAAAAAzMzMAAAAAABQAAAAUAAAAGQAAABkAAAAAAAAABcAAAAUAAAAAAAAAAAAAAD/fwAA/38AAAAAAAAJAAAABAAAAAAAAAAeAAAAaAAAAAAAAAAAAAAAAAAAAAAAAAAAAAAAECcAABAnAAAAAAAAAAAAAAAAAAAAAAAAAAAAAAAAAAAAAAAAAAAAABQAAAAAAAAAwMD/AAAAAABkAAAAMgAAAAAAAABkAAAAAAAAAH9/fwAKAAAAIgAAABgAAAAAAAAAAAAAAAAAAAAAAAAAAAAAAAAAAAAkAAAAJAAAAAAAAAAHAAAAAAAAAAAAAAAAAAAAAAAAAAAAAAAAAAAAf39/ACUAAABYAAAAAAAAAAAAAAAAAAAAAAAAAAAAAAAAAAAAAAAAAAAAAAAAAAAAAAAAAAAAAAA/AAAAAAAAAKCGAQAAAAAAAAAAAAAAAAAMAAAAAQAAAAAAAAAAAAAAAAAAAB8AAABUAAAAAAAABQAAAAEAAAAAAAAAAAAAAAAAAAAAAAAAAAAAAAAAAAAAAAAAAAAAAAJ/f38AAAAAA8zMzADAwP8Af39/AAAAAAAAAAAAAAAAAAAAAAAAAAAAIQAAABgAAAAUAAAAQAsAAOgXAADAPwAAsCIAABAAAAAmAAAACAAAAAGAAAAAAAAA"/>
+                <pr:smNativeData xmlns:pr="smNativeData" xmlns="smNativeData" val="SMDATA_15_Sr0aZBMAAAAlAAAAZAAAAA8BAAAAkAAAAEgAAACQAAAASAAAAAAAAAAAAAAAAAAAAAEAAABQAAAAAAAAAAAA4D8AAAAAAADgPwAAAAAAAOA/AAAAAAAA4D8AAAAAAADgPwAAAAAAAOA/AAAAAAAA4D8AAAAAAADgPwAAAAAAAOA/AAAAAAAA4D8CAAAAjAAAAAAAAAAAAAAAu+DjDP///wgAAAAAAAAAAAAAAAAAAAAAAAAAAAAAAAAAAAAAZAAAAAEAAABAAAAAAAAAAAAAAAAAAAAAAAAAAAAAAAAAAAAAAAAAAAAAAAAAAAAAAAAAAAAAAAAAAAAAAAAAAAAAAAAAAAAAAAAAAAAAAAAAAAAAAAAAAAAAAAAAAAAAFAAAADwAAAAAAAAAAAAAAAAAAAkUAAAAAQAAABQAAAAUAAAAFAAAAAEAAAAAAAAAZAAAAGQAAAAAAAAAZAAAAGQAAAAVAAAAYAAAAAAAAAAAAAAADwAAACADAAAAAAAAAAAAAAEAAACgMgAAVgcAAKr4//8BAAAAf39/AAEAAABkAAAAAAAAABQAAABAHwAAAAAAACYAAAAAAAAAwOD//wAAAAAmAAAAZAAAABYAAABMAAAAAAAAAAAAAAAEAAAAAAAAAAEAAACAgIAKAAAAACgAAAAoAAAAZAAAAGQAAAAAAAAAzMzMAAAAAABQAAAAUAAAAGQAAABkAAAAAAAAABcAAAAUAAAAAAAAAAAAAAD/fwAA/38AAAAAAAAJAAAABAAAAAAAAAAeAAAAaAAAAAAAAAAAAAAAAAAAAAAAAAAAAAAAECcAABAnAAAAAAAAAAAAAAAAAAAAAAAAAAAAAAAAAAAAAAAAAAAAABQAAAAAAAAAwMD/AAAAAABkAAAAMgAAAAAAAABkAAAAAAAAAH9/fwAKAAAAIgAAABgAAAAAAAAAAAAAAAAAAAAAAAAAAAAAAAAAAAAkAAAAJAAAAAAAAAAHAAAAAAAAAAAAAAAAAAAAAAAAAAAAAAAAAAAAf39/ACUAAABYAAAAAAAAAAAAAAAAAAAAAAAAAAAAAAAAAAAAAAAAAAAAAAAAAAAAAAAAAAAAAAA/AAAAAAAAAKCGAQAAAAAAAAAAAAAAAAAMAAAAAQAAAAAAAAAAAAAAAAAAAB8AAABUAAAAAAAABQAAAAEAAAAAAAAAAAAAAAAAAAAAAAAAAAAAAAAAAAAAAAAAAAAAAAJ/f38AAAAAA8zMzADAwP8Af39/AAAAAAAAAAAAAAAAAAAAAAAAAAAAIQAAABgAAAAUAAAAQAsAAOgXAADAPwAAsCIAABAAAAAmAAAACAAAAAGAAAAAAAAA"/>
               </a:ext>
             </a:extLst>
           </p:cNvSpPr>
@@ -328,7 +328,7 @@
             <a:spLocks noGrp="1" noChangeArrowheads="1"/>
             <a:extLst>
               <a:ext uri="smNativeData">
-                <pr:smNativeData xmlns:pr="smNativeData" xmlns="smNativeData" val="SMDATA_15_Lb0aZBMAAAAlAAAAZAAAAA8BAAAAkAAAAEgAAACQAAAASAAAAAAAAAABAAAAAAAAAAEAAABQAAAAAAAAAAAA4D8AAAAAAADgPwAAAAAAAOA/AAAAAAAA4D8AAAAAAADgPwAAAAAAAOA/AAAAAAAA4D8AAAAAAADgPwAAAAAAAOA/AAAAAAAA4D8CAAAAjAAAAAAAAAAAAAAAu+DjDP///wgAAAAAAAAAAAAAAAAAAAAAAAAAAAAAAAAAAAAAZAAAAAEAAABAAAAAAAAAAAAAAAAAAAAAAAAAAAAAAAAAAAAAAAAAAAAAAAAAAAAAAAAAAAAAAAAAAAAAAAAAAAAAAAAAAAAAAAAAAAAAAAAAAAAAAAAAAAAAAAAAAAAAFAAAADwAAAAAAAAAAAAAAAAAAAkUAAAAAQAAABQAAAAUAAAAFAAAAAEAAAAAAAAAZAAAAGQAAAAAAAAAZAAAAGQAAAAVAAAAYAAAAAAAAAAAAAAADwAAACADAAAAAAAAAAAAAAEAAACgMgAAVgcAAKr4//8BAAAAf39/AAEAAABkAAAAAAAAABQAAABAHwAAAAAAACYAAAAAAAAAwOD//wAAAAAmAAAAZAAAABYAAABMAAAAAAAAAAAAAAAEAAAAAAAAAAEAAACAgIAKAAAAACgAAAAoAAAAZAAAAGQAAAAAAAAAzMzMAAAAAABQAAAAUAAAAGQAAABkAAAAAAAAABcAAAAUAAAAAAAAAAAAAAD/fwAA/38AAAAAAAAJAAAABAAAAAAAAAAeAAAAaAAAAAAAAAAAAAAAAAAAAAAAAAAAAAAAECcAABAnAAAAAAAAAAAAAAAAAAAAAAAAAAAAAAAAAAAAAAAAAAAAABQAAAAAAAAAwMD/AAAAAABkAAAAMgAAAAAAAABkAAAAAAAAAH9/fwAKAAAAIgAAABgAAAAAAAAAAAAAAAAAAAAAAAAAAAAAAAAAAAAkAAAAJAAAAAAAAAAHAAAAAAAAAAAAAAAAAAAAAAAAAAAAAAAAAAAAf39/ACUAAABYAAAAAAAAAAAAAAAAAAAAAAAAAAAAAAAAAAAAAAAAAAAAAAAAAAAAAAAAAAAAAAA/AAAAAAAAAKCGAQAAAAAAAAAAAAAAAAAMAAAAAQAAAAAAAAAAAAAAAAAAAB8AAABUAAAAAAAABQAAAAEAAAAAAAAAAAAAAAAAAAAAAAAAAAAAAAAAAAAAAAAAAAAAAAJ/f38AAAAAA8zMzADAwP8Af39/AAAAAAAAAAAAAAAAAAAAAAAAAAAAIQAAABgAAAAUAAAAwAMAABsnAAA/FQAAWSkAABAAAAAmAAAACAAAAAAAAAAAAAAA"/>
+                <pr:smNativeData xmlns:pr="smNativeData" xmlns="smNativeData" val="SMDATA_15_Sr0aZBMAAAAlAAAAZAAAAA8BAAAAkAAAAEgAAACQAAAASAAAAAAAAAABAAAAAAAAAAEAAABQAAAAAAAAAAAA4D8AAAAAAADgPwAAAAAAAOA/AAAAAAAA4D8AAAAAAADgPwAAAAAAAOA/AAAAAAAA4D8AAAAAAADgPwAAAAAAAOA/AAAAAAAA4D8CAAAAjAAAAAAAAAAAAAAAu+DjDP///wgAAAAAAAAAAAAAAAAAAAAAAAAAAAAAAAAAAAAAZAAAAAEAAABAAAAAAAAAAAAAAAAAAAAAAAAAAAAAAAAAAAAAAAAAAAAAAAAAAAAAAAAAAAAAAAAAAAAAAAAAAAAAAAAAAAAAAAAAAAAAAAAAAAAAAAAAAAAAAAAAAAAAFAAAADwAAAAAAAAAAAAAAAAAAAkUAAAAAQAAABQAAAAUAAAAFAAAAAEAAAAAAAAAZAAAAGQAAAAAAAAAZAAAAGQAAAAVAAAAYAAAAAAAAAAAAAAADwAAACADAAAAAAAAAAAAAAEAAACgMgAAVgcAAKr4//8BAAAAf39/AAEAAABkAAAAAAAAABQAAABAHwAAAAAAACYAAAAAAAAAwOD//wAAAAAmAAAAZAAAABYAAABMAAAAAAAAAAAAAAAEAAAAAAAAAAEAAACAgIAKAAAAACgAAAAoAAAAZAAAAGQAAAAAAAAAzMzMAAAAAABQAAAAUAAAAGQAAABkAAAAAAAAABcAAAAUAAAAAAAAAAAAAAD/fwAA/38AAAAAAAAJAAAABAAAAAAAAAAeAAAAaAAAAAAAAAAAAAAAAAAAAAAAAAAAAAAAECcAABAnAAAAAAAAAAAAAAAAAAAAAAAAAAAAAAAAAAAAAAAAAAAAABQAAAAAAAAAwMD/AAAAAABkAAAAMgAAAAAAAABkAAAAAAAAAH9/fwAKAAAAIgAAABgAAAAAAAAAAAAAAAAAAAAAAAAAAAAAAAAAAAAkAAAAJAAAAAAAAAAHAAAAAAAAAAAAAAAAAAAAAAAAAAAAAAAAAAAAf39/ACUAAABYAAAAAAAAAAAAAAAAAAAAAAAAAAAAAAAAAAAAAAAAAAAAAAAAAAAAAAAAAAAAAAA/AAAAAAAAAKCGAQAAAAAAAAAAAAAAAAAMAAAAAQAAAAAAAAAAAAAAAAAAAB8AAABUAAAAAAAABQAAAAEAAAAAAAAAAAAAAAAAAAAAAAAAAAAAAAAAAAAAAAAAAAAAAAJ/f38AAAAAA8zMzADAwP8Af39/AAAAAAAAAAAAAAAAAAAAAAAAAAAAIQAAABgAAAAUAAAAwAMAABsnAAA/FQAAWSkAABAAAAAmAAAACAAAAAAAAAAAAAAA"/>
               </a:ext>
             </a:extLst>
           </p:cNvSpPr>
@@ -342,7 +342,7 @@
           <a:lstStyle/>
           <a:p>
             <a:pPr/>
-            <a:fld id="{3E41558B-C5D3-14A3-9DF9-33F61BB76B66}" type="datetime1">
+            <a:fld id="{3EE5369F-D1D3-B0C0-9D5D-279578136B72}" type="datetime1">
               <a:t/>
             </a:fld>
           </a:p>
@@ -355,7 +355,7 @@
             <a:spLocks noGrp="1" noChangeArrowheads="1"/>
             <a:extLst>
               <a:ext uri="smNativeData">
-                <pr:smNativeData xmlns:pr="smNativeData" xmlns="smNativeData" val="SMDATA_15_Lb0aZBMAAAAlAAAAZAAAAA8BAAAAkAAAAEgAAACQAAAASAAAAAAAAAABAAAAAAAAAAEAAABQAAAAAAAAAAAA4D8AAAAAAADgPwAAAAAAAOA/AAAAAAAA4D8AAAAAAADgPwAAAAAAAOA/AAAAAAAA4D8AAAAAAADgPwAAAAAAAOA/AAAAAAAA4D8CAAAAjAAAAAAAAAAAAAAAu+DjDP///wgAAAAAAAAAAAAAAAAAAAAAAAAAAAAAAAAAAAAAZAAAAAEAAABAAAAAAAAAAAAAAAAAAAAAAAAAAAAAAAAAAAAAAAAAAAAAAAAAAAAAAAAAAAAAAAAAAAAAAAAAAAAAAAAAAAAAAAAAAAAAAAAAAAAAAAAAAAAAAAAAAAAAFAAAADwAAAAAAAAAAAAAAAAAAAkUAAAAAQAAABQAAAAUAAAAFAAAAAEAAAAAAAAAZAAAAGQAAAAAAAAAZAAAAGQAAAAVAAAAYAAAAAAAAAAAAAAADwAAACADAAAAAAAAAAAAAAEAAACgMgAAVgcAAKr4//8BAAAAf39/AAEAAABkAAAAAAAAABQAAABAHwAAAAAAACYAAAAAAAAAwOD//wAAAAAmAAAAZAAAABYAAABMAAAAAAAAAAAAAAAEAAAAAAAAAAEAAACAgIAKAAAAACgAAAAoAAAAZAAAAGQAAAAAAAAAzMzMAAAAAABQAAAAUAAAAGQAAABkAAAAAAAAABcAAAAUAAAAAAAAAAAAAAD/fwAA/38AAAAAAAAJAAAABAAAAAAAAAAeAAAAaAAAAAAAAAAAAAAAAAAAAAAAAAAAAAAAECcAABAnAAAAAAAAAAAAAAAAAAAAAAAAAAAAAAAAAAAAAAAAAAAAABQAAAAAAAAAwMD/AAAAAABkAAAAMgAAAAAAAABkAAAAAAAAAH9/fwAKAAAAIgAAABgAAAAAAAAAAAAAAAAAAAAAAAAAAAAAAAAAAAAkAAAAJAAAAAAAAAAHAAAAAAAAAAAAAAAAAAAAAAAAAAAAAAAAAAAAf39/ACUAAABYAAAAAAAAAAAAAAAAAAAAAAAAAAAAAAAAAAAAAAAAAAAAAAAAAAAAAAAAAAAAAAA/AAAAAAAAAKCGAQAAAAAAAAAAAAAAAAAMAAAAAQAAAAAAAAAAAAAAAAAAAB8AAABUAAAAAAAABQAAAAEAAAAAAAAAAAAAAAAAAAAAAAAAAAAAAAAAAAAAAAAAAAAAAAJ/f38AAAAAA8zMzADAwP8Af39/AAAAAAAAAAAAAAAAAAAAAAAAAAAAIQAAABgAAAAUAAAAoRkAABsnAABfMQAAWSkAABAAAAAmAAAACAAAAAAAAAAAAAAA"/>
+                <pr:smNativeData xmlns:pr="smNativeData" xmlns="smNativeData" val="SMDATA_15_Sr0aZBMAAAAlAAAAZAAAAA8BAAAAkAAAAEgAAACQAAAASAAAAAAAAAABAAAAAAAAAAEAAABQAAAAAAAAAAAA4D8AAAAAAADgPwAAAAAAAOA/AAAAAAAA4D8AAAAAAADgPwAAAAAAAOA/AAAAAAAA4D8AAAAAAADgPwAAAAAAAOA/AAAAAAAA4D8CAAAAjAAAAAAAAAAAAAAAu+DjDP///wgAAAAAAAAAAAAAAAAAAAAAAAAAAAAAAAAAAAAAZAAAAAEAAABAAAAAAAAAAAAAAAAAAAAAAAAAAAAAAAAAAAAAAAAAAAAAAAAAAAAAAAAAAAAAAAAAAAAAAAAAAAAAAAAAAAAAAAAAAAAAAAAAAAAAAAAAAAAAAAAAAAAAFAAAADwAAAAAAAAAAAAAAAAAAAkUAAAAAQAAABQAAAAUAAAAFAAAAAEAAAAAAAAAZAAAAGQAAAAAAAAAZAAAAGQAAAAVAAAAYAAAAAAAAAAAAAAADwAAACADAAAAAAAAAAAAAAEAAACgMgAAVgcAAKr4//8BAAAAf39/AAEAAABkAAAAAAAAABQAAABAHwAAAAAAACYAAAAAAAAAwOD//wAAAAAmAAAAZAAAABYAAABMAAAAAAAAAAAAAAAEAAAAAAAAAAEAAACAgIAKAAAAACgAAAAoAAAAZAAAAGQAAAAAAAAAzMzMAAAAAABQAAAAUAAAAGQAAABkAAAAAAAAABcAAAAUAAAAAAAAAAAAAAD/fwAA/38AAAAAAAAJAAAABAAAAAAAAAAeAAAAaAAAAAAAAAAAAAAAAAAAAAAAAAAAAAAAECcAABAnAAAAAAAAAAAAAAAAAAAAAAAAAAAAAAAAAAAAAAAAAAAAABQAAAAAAAAAwMD/AAAAAABkAAAAMgAAAAAAAABkAAAAAAAAAH9/fwAKAAAAIgAAABgAAAAAAAAAAAAAAAAAAAAAAAAAAAAAAAAAAAAkAAAAJAAAAAAAAAAHAAAAAAAAAAAAAAAAAAAAAAAAAAAAAAAAAAAAf39/ACUAAABYAAAAAAAAAAAAAAAAAAAAAAAAAAAAAAAAAAAAAAAAAAAAAAAAAAAAAAAAAAAAAAA/AAAAAAAAAKCGAQAAAAAAAAAAAAAAAAAMAAAAAQAAAAAAAAAAAAAAAAAAAB8AAABUAAAAAAAABQAAAAEAAAAAAAAAAAAAAAAAAAAAAAAAAAAAAAAAAAAAAAAAAAAAAAJ/f38AAAAAA8zMzADAwP8Af39/AAAAAAAAAAAAAAAAAAAAAAAAAAAAIQAAABgAAAAUAAAAoRkAABsnAABfMQAAWSkAABAAAAAmAAAACAAAAAAAAAAAAAAA"/>
               </a:ext>
             </a:extLst>
           </p:cNvSpPr>
@@ -382,7 +382,7 @@
             <a:spLocks noGrp="1" noChangeArrowheads="1"/>
             <a:extLst>
               <a:ext uri="smNativeData">
-                <pr:smNativeData xmlns:pr="smNativeData" xmlns="smNativeData" val="SMDATA_15_Lb0aZBMAAAAlAAAAZAAAAA8BAAAAkAAAAEgAAACQAAAASAAAAAAAAAABAAAAAAAAAAEAAABQAAAAAAAAAAAA4D8AAAAAAADgPwAAAAAAAOA/AAAAAAAA4D8AAAAAAADgPwAAAAAAAOA/AAAAAAAA4D8AAAAAAADgPwAAAAAAAOA/AAAAAAAA4D8CAAAAjAAAAAAAAAAAAAAAu+DjDP///wgAAAAAAAAAAAAAAAAAAAAAAAAAAAAAAAAAAAAAZAAAAAEAAABAAAAAAAAAAAAAAAAAAAAAAAAAAAAAAAAAAAAAAAAAAAAAAAAAAAAAAAAAAAAAAAAAAAAAAAAAAAAAAAAAAAAAAAAAAAAAAAAAAAAAAAAAAAAAAAAAAAAAFAAAADwAAAAAAAAAAAAAAAAAAAkUAAAAAQAAABQAAAAUAAAAFAAAAAEAAAAAAAAAZAAAAGQAAAAAAAAAZAAAAGQAAAAVAAAAYAAAAAAAAAAAAAAADwAAACADAAAAAAAAAAAAAAEAAACgMgAAVgcAAKr4//8BAAAAf39/AAEAAABkAAAAAAAAABQAAABAHwAAAAAAACYAAAAAAAAAwOD//wAAAAAmAAAAZAAAABYAAABMAAAAAAAAAAAAAAAEAAAAAAAAAAEAAACAgIAKAAAAACgAAAAoAAAAZAAAAGQAAAAAAAAAzMzMAAAAAABQAAAAUAAAAGQAAABkAAAAAAAAABcAAAAUAAAAAAAAAAAAAAD/fwAA/38AAAAAAAAJAAAABAAAAHsAfAAeAAAAaAAAAAAAAAAAAAAAAAAAAAAAAAAAAAAAECcAABAnAAAAAAAAAAAAAAAAAAAAAAAAAAAAAAAAAAAAAAAAAAAAABQAAAAAAAAAwMD/AAAAAABkAAAAMgAAAAAAAABkAAAAAAAAAH9/fwAKAAAAIgAAABgAAAAAAAAAAAAAAAAAAAAAAAAAAAAAAAAAAAAkAAAAJAAAAAAAAAAHAAAAAAAAAAAAAAAAAAAAAAAAAAAAAAAAAAAAf39/ACUAAABYAAAAAAAAAAAAAAAAAAAAAAAAAAAAAAAAAAAAAAAAAAAAAAAAAAAAAAAAAAAAAAA/AAAAAAAAAKCGAQAAAAAAAAAAAAAAAAAMAAAAAQAAAAAAAAAAAAAAAAAAAB8AAABUAAAAAAAABQAAAAEAAAAAAAAAAAAAAAAAAAAAAAAAAAAAAAAAAAAAAAAAAAAAAAJ/f38AAAAAA8zMzADAwP8Af39/AAAAAAAAAAAAAAAAAAAAAAAAAAAAIQAAABgAAAAUAAAAwTUAABsnAABARwAAWSkAABAAAAAmAAAACAAAAAAAAAAAAAAA"/>
+                <pr:smNativeData xmlns:pr="smNativeData" xmlns="smNativeData" val="SMDATA_15_Sr0aZBMAAAAlAAAAZAAAAA8BAAAAkAAAAEgAAACQAAAASAAAAAAAAAABAAAAAAAAAAEAAABQAAAAAAAAAAAA4D8AAAAAAADgPwAAAAAAAOA/AAAAAAAA4D8AAAAAAADgPwAAAAAAAOA/AAAAAAAA4D8AAAAAAADgPwAAAAAAAOA/AAAAAAAA4D8CAAAAjAAAAAAAAAAAAAAAu+DjDP///wgAAAAAAAAAAAAAAAAAAAAAAAAAAAAAAAAAAAAAZAAAAAEAAABAAAAAAAAAAAAAAAAAAAAAAAAAAAAAAAAAAAAAAAAAAAAAAAAAAAAAAAAAAAAAAAAAAAAAAAAAAAAAAAAAAAAAAAAAAAAAAAAAAAAAAAAAAAAAAAAAAAAAFAAAADwAAAAAAAAAAAAAAAAAAAkUAAAAAQAAABQAAAAUAAAAFAAAAAEAAAAAAAAAZAAAAGQAAAAAAAAAZAAAAGQAAAAVAAAAYAAAAAAAAAAAAAAADwAAACADAAAAAAAAAAAAAAEAAACgMgAAVgcAAKr4//8BAAAAf39/AAEAAABkAAAAAAAAABQAAABAHwAAAAAAACYAAAAAAAAAwOD//wAAAAAmAAAAZAAAABYAAABMAAAAAAAAAAAAAAAEAAAAAAAAAAEAAACAgIAKAAAAACgAAAAoAAAAZAAAAGQAAAAAAAAAzMzMAAAAAABQAAAAUAAAAGQAAABkAAAAAAAAABcAAAAUAAAAAAAAAAAAAAD/fwAA/38AAAAAAAAJAAAABAAAAHsAfAAeAAAAaAAAAAAAAAAAAAAAAAAAAAAAAAAAAAAAECcAABAnAAAAAAAAAAAAAAAAAAAAAAAAAAAAAAAAAAAAAAAAAAAAABQAAAAAAAAAwMD/AAAAAABkAAAAMgAAAAAAAABkAAAAAAAAAH9/fwAKAAAAIgAAABgAAAAAAAAAAAAAAAAAAAAAAAAAAAAAAAAAAAAkAAAAJAAAAAAAAAAHAAAAAAAAAAAAAAAAAAAAAAAAAAAAAAAAAAAAf39/ACUAAABYAAAAAAAAAAAAAAAAAAAAAAAAAAAAAAAAAAAAAAAAAAAAAAAAAAAAAAAAAAAAAAA/AAAAAAAAAKCGAQAAAAAAAAAAAAAAAAAMAAAAAQAAAAAAAAAAAAAAAAAAAB8AAABUAAAAAAAABQAAAAEAAAAAAAAAAAAAAAAAAAAAAAAAAAAAAAAAAAAAAAAAAAAAAAJ/f38AAAAAA8zMzADAwP8Af39/AAAAAAAAAAAAAAAAAAAAAAAAAAAAIQAAABgAAAAUAAAAwTUAABsnAABARwAAWSkAABAAAAAmAAAACAAAAAAAAAAAAAAA"/>
               </a:ext>
             </a:extLst>
           </p:cNvSpPr>
@@ -396,7 +396,7 @@
           <a:lstStyle/>
           <a:p>
             <a:pPr/>
-            <a:fld id="{3E41677C-32D3-1491-9DF9-C4C429B76B91}" type="slidenum">
+            <a:fld id="{3EE51551-1FD3-B0E3-9D5D-E9B65B136BBC}" type="slidenum">
               <a:t/>
             </a:fld>
           </a:p>
@@ -434,7 +434,7 @@
             <a:spLocks noGrp="1" noChangeArrowheads="1"/>
             <a:extLst>
               <a:ext uri="smNativeData">
-                <pr:smNativeData xmlns:pr="smNativeData" xmlns="smNativeData" val="SMDATA_15_Lb0aZBMAAAAlAAAAZAAAAA8BAAAAkAAAAEgAAACQAAAASAAAAAAAAAABAAAAAAAAAAEAAABQAAAAAAAAAAAA4D8AAAAAAADgPwAAAAAAAOA/AAAAAAAA4D8AAAAAAADgPwAAAAAAAOA/AAAAAAAA4D8AAAAAAADgPwAAAAAAAOA/AAAAAAAA4D8CAAAAjAAAAAAAAAAAAAAAu+DjDP///wgAAAAAAAAAAAAAAAAAAAAAAAAAAAAAAAAAAAAAZAAAAAEAAABAAAAAAAAAAAAAAAAAAAAAAAAAAAAAAAAAAAAAAAAAAAAAAAAAAAAAAAAAAAAAAAAAAAAAAAAAAAAAAAAAAAAAAAAAAAAAAAAAAAAAAAAAAAAAAAAAAAAAFAAAADwAAAAAAAAAAAAAAAAAAAkUAAAAAQAAABQAAAAUAAAAFAAAAAEAAAAAAAAAZAAAAGQAAAAAAAAAZAAAAGQAAAAVAAAAYAAAAAAAAAAAAAAADwAAACADAAAAAAAAAAAAAAEAAACgMgAAVgcAAKr4//8BAAAAf39/AAEAAABkAAAAAAAAABQAAABAHwAAAAAAACYAAAAAAAAAwOD//wAAAAAmAAAAZAAAABYAAABMAAAAAAAAAAAAAAAEAAAAAAAAAAEAAACAgIAKAAAAACgAAAAoAAAAZAAAAGQAAAAAAAAAzMzMAAAAAABQAAAAUAAAAGQAAABkAAAAAAAAABcAAAAUAAAAAAAAAAAAAAD/fwAA/38AAAAAAAAJAAAABAAAAG49IjEeAAAAaAAAAAAAAAAAAAAAAAAAAAAAAAAAAAAAECcAABAnAAAAAAAAAAAAAAAAAAAAAAAAAAAAAAAAAAAAAAAAAAAAABQAAAAAAAAAwMD/AAAAAABkAAAAMgAAAAAAAABkAAAAAAAAAH9/fwAKAAAAIgAAABgAAAAAAAAAAAAAAAAAAAAAAAAAAAAAAAAAAAAkAAAAJAAAAAAAAAAHAAAAAAAAAAAAAAAAAAAAAAAAAAAAAAAAAAAAf39/ACUAAABYAAAAAAAAAAAAAAAAAAAAAAAAAAAAAAAAAAAAAAAAAAAAAAAAAAAAAAAAAAAAAAA/AAAAAAAAAKCGAQAAAAAAAAAAAAAAAAAMAAAAAQAAAAAAAAAAAAAAAAAAAB8AAABUAAAAAAAABQAAAAEAAAAAAAAAAAAAAAAAAAAAAAAAAAAAAAAAAAAAAAAAAAAAAAJ/f38AAAAAA8zMzADAwP8Af39/AAAAAAAAAAAAAAAAAAAAAAAAAAAAIQAAABgAAAAUAAAAwAMAALABAABARwAAuAgAABAAAAAmAAAACAAAAAAAAAAAAAAA"/>
+                <pr:smNativeData xmlns:pr="smNativeData" xmlns="smNativeData" val="SMDATA_15_Sr0aZBMAAAAlAAAAZAAAAA8BAAAAkAAAAEgAAACQAAAASAAAAAAAAAABAAAAAAAAAAEAAABQAAAAAAAAAAAA4D8AAAAAAADgPwAAAAAAAOA/AAAAAAAA4D8AAAAAAADgPwAAAAAAAOA/AAAAAAAA4D8AAAAAAADgPwAAAAAAAOA/AAAAAAAA4D8CAAAAjAAAAAAAAAAAAAAAu+DjDP///wgAAAAAAAAAAAAAAAAAAAAAAAAAAAAAAAAAAAAAZAAAAAEAAABAAAAAAAAAAAAAAAAAAAAAAAAAAAAAAAAAAAAAAAAAAAAAAAAAAAAAAAAAAAAAAAAAAAAAAAAAAAAAAAAAAAAAAAAAAAAAAAAAAAAAAAAAAAAAAAAAAAAAFAAAADwAAAAAAAAAAAAAAAAAAAkUAAAAAQAAABQAAAAUAAAAFAAAAAEAAAAAAAAAZAAAAGQAAAAAAAAAZAAAAGQAAAAVAAAAYAAAAAAAAAAAAAAADwAAACADAAAAAAAAAAAAAAEAAACgMgAAVgcAAKr4//8BAAAAf39/AAEAAABkAAAAAAAAABQAAABAHwAAAAAAACYAAAAAAAAAwOD//wAAAAAmAAAAZAAAABYAAABMAAAAAAAAAAAAAAAEAAAAAAAAAAEAAACAgIAKAAAAACgAAAAoAAAAZAAAAGQAAAAAAAAAzMzMAAAAAABQAAAAUAAAAGQAAABkAAAAAAAAABcAAAAUAAAAAAAAAAAAAAD/fwAA/38AAAAAAAAJAAAABAAAAG49IjEeAAAAaAAAAAAAAAAAAAAAAAAAAAAAAAAAAAAAECcAABAnAAAAAAAAAAAAAAAAAAAAAAAAAAAAAAAAAAAAAAAAAAAAABQAAAAAAAAAwMD/AAAAAABkAAAAMgAAAAAAAABkAAAAAAAAAH9/fwAKAAAAIgAAABgAAAAAAAAAAAAAAAAAAAAAAAAAAAAAAAAAAAAkAAAAJAAAAAAAAAAHAAAAAAAAAAAAAAAAAAAAAAAAAAAAAAAAAAAAf39/ACUAAABYAAAAAAAAAAAAAAAAAAAAAAAAAAAAAAAAAAAAAAAAAAAAAAAAAAAAAAAAAAAAAAA/AAAAAAAAAKCGAQAAAAAAAAAAAAAAAAAMAAAAAQAAAAAAAAAAAAAAAAAAAB8AAABUAAAAAAAABQAAAAEAAAAAAAAAAAAAAAAAAAAAAAAAAAAAAAAAAAAAAAAAAAAAAAJ/f38AAAAAA8zMzADAwP8Af39/AAAAAAAAAAAAAAAAAAAAAAAAAAAAIQAAABgAAAAUAAAAwAMAALABAABARwAAuAgAABAAAAAmAAAACAAAAAAAAAAAAAAA"/>
               </a:ext>
             </a:extLst>
           </p:cNvSpPr>
@@ -461,7 +461,7 @@
             <a:spLocks noGrp="1" noChangeArrowheads="1"/>
             <a:extLst>
               <a:ext uri="smNativeData">
-                <pr:smNativeData xmlns:pr="smNativeData" xmlns="smNativeData" val="SMDATA_15_Lb0aZBMAAAAlAAAAZAAAAA8BAAAAkAAAAEgAAACQAAAASAAAAAAAAAAAAAAAAQAAAAEAAABQAAAAAAAAAAAA4D8AAAAAAADgPwAAAAAAAOA/AAAAAAAA4D8AAAAAAADgPwAAAAAAAOA/AAAAAAAA4D8AAAAAAADgPwAAAAAAAOA/AAAAAAAA4D8CAAAAjAAAAAAAAAAAAAAAu+DjDP///wgAAAAAAAAAAAAAAAAAAAAAAAAAAAAAAAAAAAAAZAAAAAEAAABAAAAAAAAAAAAAAAAAAAAAAAAAAAAAAAAAAAAAAAAAAAAAAAAAAAAAAAAAAAAAAAAAAAAAAAAAAAAAAAAAAAAAAAAAAAAAAAAAAAAAAAAAAAAAAAAAAAAAFAAAADwAAAAAAAAAAAAAAAAAAAkUAAAAAQAAABQAAAAUAAAAFAAAAAEAAAAAAAAAZAAAAGQAAAAAAAAAZAAAAGQAAAAVAAAAYAAAAAAAAAAAAAAADwAAACADAAAAAAAAAAAAAAEAAACgMgAAVgcAAKr4//8BAAAAf39/AAEAAABkAAAAAAAAABQAAABAHwAAAAAAACYAAAAAAAAAwOD//wAAAAAmAAAAZAAAABYAAABMAAAAAAAAAAAAAAAEAAAAAAAAAAEAAACAgIAKAAAAACgAAAAoAAAAZAAAAGQAAAAAAAAAzMzMAAAAAABQAAAAUAAAAGQAAABkAAAAAAAAABcAAAAUAAAAAAAAAAAAAAD/fwAA/38AAAAAAAAJAAAABAAAAAAAAAAeAAAAaAAAAAAAAAAAAAAAAAAAAAAAAAAAAAAAECcAABAnAAAAAAAAAAAAAAAAAAAAAAAAAAAAAAAAAAAAAAAAAAAAABQAAAAAAAAAwMD/AAAAAABkAAAAMgAAAAAAAABkAAAAAAAAAH9/fwAKAAAAIgAAABgAAAAAAAAAAAAAAAAAAAAAAAAAAAAAAAAAAAAkAAAAJAAAAAAAAAAHAAAAAAAAAAAAAAAAAAAAAAAAAAAAAAAAAAAAf39/ACUAAABYAAAAAAAAAAAAAAAAAAAAAAAAAAAAAAAAAAAAAAAAAAAAAAAAAAAAAAAAAAAAAAA/AAAAAAAAAKCGAQAAAAAAAAAAAAAAAAAMAAAAAQAAAAAAAAAAAAAAAAAAAB8AAABUAAAAAAAABQAAAAEAAAAAAAAAAAAAAAAAAAAAAAAAAAAAAAAAAAAAAAAAAAAAAAJ/f38AAAAAA8zMzADAwP8Af39/AAAAAAAAAAAAAAAAAAAAAAAAAAAAIQAAABgAAAAUAAAAwAMAANgJAABARwAAsCUAABAAAAAmAAAACAAAAAIAAAAAAAAA"/>
+                <pr:smNativeData xmlns:pr="smNativeData" xmlns="smNativeData" val="SMDATA_15_Sr0aZBMAAAAlAAAAZAAAAA8BAAAAkAAAAEgAAACQAAAASAAAAAAAAAAAAAAAAQAAAAEAAABQAAAAAAAAAAAA4D8AAAAAAADgPwAAAAAAAOA/AAAAAAAA4D8AAAAAAADgPwAAAAAAAOA/AAAAAAAA4D8AAAAAAADgPwAAAAAAAOA/AAAAAAAA4D8CAAAAjAAAAAAAAAAAAAAAu+DjDP///wgAAAAAAAAAAAAAAAAAAAAAAAAAAAAAAAAAAAAAZAAAAAEAAABAAAAAAAAAAAAAAAAAAAAAAAAAAAAAAAAAAAAAAAAAAAAAAAAAAAAAAAAAAAAAAAAAAAAAAAAAAAAAAAAAAAAAAAAAAAAAAAAAAAAAAAAAAAAAAAAAAAAAFAAAADwAAAAAAAAAAAAAAAAAAAkUAAAAAQAAABQAAAAUAAAAFAAAAAEAAAAAAAAAZAAAAGQAAAAAAAAAZAAAAGQAAAAVAAAAYAAAAAAAAAAAAAAADwAAACADAAAAAAAAAAAAAAEAAACgMgAAVgcAAKr4//8BAAAAf39/AAEAAABkAAAAAAAAABQAAABAHwAAAAAAACYAAAAAAAAAwOD//wAAAAAmAAAAZAAAABYAAABMAAAAAAAAAAAAAAAEAAAAAAAAAAEAAACAgIAKAAAAACgAAAAoAAAAZAAAAGQAAAAAAAAAzMzMAAAAAABQAAAAUAAAAGQAAABkAAAAAAAAABcAAAAUAAAAAAAAAAAAAAD/fwAA/38AAAAAAAAJAAAABAAAAAAAAAAeAAAAaAAAAAAAAAAAAAAAAAAAAAAAAAAAAAAAECcAABAnAAAAAAAAAAAAAAAAAAAAAAAAAAAAAAAAAAAAAAAAAAAAABQAAAAAAAAAwMD/AAAAAABkAAAAMgAAAAAAAABkAAAAAAAAAH9/fwAKAAAAIgAAABgAAAAAAAAAAAAAAAAAAAAAAAAAAAAAAAAAAAAkAAAAJAAAAAAAAAAHAAAAAAAAAAAAAAAAAAAAAAAAAAAAAAAAAAAAf39/ACUAAABYAAAAAAAAAAAAAAAAAAAAAAAAAAAAAAAAAAAAAAAAAAAAAAAAAAAAAAAAAAAAAAA/AAAAAAAAAKCGAQAAAAAAAAAAAAAAAAAMAAAAAQAAAAAAAAAAAAAAAAAAAB8AAABUAAAAAAAABQAAAAEAAAAAAAAAAAAAAAAAAAAAAAAAAAAAAAAAAAAAAAAAAAAAAAJ/f38AAAAAA8zMzADAwP8Af39/AAAAAAAAAAAAAAAAAAAAAAAAAAAAIQAAABgAAAAUAAAAwAMAANgJAABARwAAsCUAABAAAAAmAAAACAAAAAIAAAAAAAAA"/>
               </a:ext>
             </a:extLst>
           </p:cNvSpPr>
@@ -516,7 +516,7 @@
             <a:spLocks noGrp="1" noChangeArrowheads="1"/>
             <a:extLst>
               <a:ext uri="smNativeData">
-                <pr:smNativeData xmlns:pr="smNativeData" xmlns="smNativeData" val="SMDATA_15_Lb0aZBMAAAAlAAAAZAAAAA8BAAAAkAAAAEgAAACQAAAASAAAAAAAAAABAAAAAAAAAAEAAABQAAAAAAAAAAAA4D8AAAAAAADgPwAAAAAAAOA/AAAAAAAA4D8AAAAAAADgPwAAAAAAAOA/AAAAAAAA4D8AAAAAAADgPwAAAAAAAOA/AAAAAAAA4D8CAAAAjAAAAAAAAAAAAAAAu+DjDP///wgAAAAAAAAAAAAAAAAAAAAAAAAAAAAAAAAAAAAAZAAAAAEAAABAAAAAAAAAAAAAAAAAAAAAAAAAAAAAAAAAAAAAAAAAAAAAAAAAAAAAAAAAAAAAAAAAAAAAAAAAAAAAAAAAAAAAAAAAAAAAAAAAAAAAAAAAAAAAAAAAAAAAFAAAADwAAAAAAAAAAAAAAAAAAAkUAAAAAQAAABQAAAAUAAAAFAAAAAEAAAAAAAAAZAAAAGQAAAAAAAAAZAAAAGQAAAAVAAAAYAAAAAAAAAAAAAAADwAAACADAAAAAAAAAAAAAAEAAACgMgAAVgcAAKr4//8BAAAAf39/AAEAAABkAAAAAAAAABQAAABAHwAAAAAAACYAAAAAAAAAwOD//wAAAAAmAAAAZAAAABYAAABMAAAAAAAAAAAAAAAEAAAAAAAAAAEAAACAgIAKAAAAACgAAAAoAAAAZAAAAGQAAAAAAAAAzMzMAAAAAABQAAAAUAAAAGQAAABkAAAAAAAAABcAAAAUAAAAAAAAAAAAAAD/fwAA/38AAAAAAAAJAAAABAAAAAAAAAAeAAAAaAAAAAAAAAAAAAAAAAAAAAAAAAAAAAAAECcAABAnAAAAAAAAAAAAAAAAAAAAAAAAAAAAAAAAAAAAAAAAAAAAABQAAAAAAAAAwMD/AAAAAABkAAAAMgAAAAAAAABkAAAAAAAAAH9/fwAKAAAAIgAAABgAAAAAAAAAAAAAAAAAAAAAAAAAAAAAAAAAAAAkAAAAJAAAAAAAAAAHAAAAAAAAAAAAAAAAAAAAAAAAAAAAAAAAAAAAf39/ACUAAABYAAAAAAAAAAAAAAAAAAAAAAAAAAAAAAAAAAAAAAAAAAAAAAAAAAAAAAAAAAAAAAA/AAAAAAAAAKCGAQAAAAAAAAAAAAAAAAAMAAAAAQAAAAAAAAAAAAAAAAAAAB8AAABUAAAAAAAABQAAAAEAAAAAAAAAAAAAAAAAAAAAAAAAAAAAAAAAAAAAAAAAAAAAAAJ/f38AAAAAA8zMzADAwP8Af39/AAAAAAAAAAAAAAAAAAAAAAAAAAAAIQAAABgAAAAUAAAAwAMAABsnAAA/FQAAWSkAABAAAAAmAAAACAAAAAAAAAAAAAAA"/>
+                <pr:smNativeData xmlns:pr="smNativeData" xmlns="smNativeData" val="SMDATA_15_Sr0aZBMAAAAlAAAAZAAAAA8BAAAAkAAAAEgAAACQAAAASAAAAAAAAAABAAAAAAAAAAEAAABQAAAAAAAAAAAA4D8AAAAAAADgPwAAAAAAAOA/AAAAAAAA4D8AAAAAAADgPwAAAAAAAOA/AAAAAAAA4D8AAAAAAADgPwAAAAAAAOA/AAAAAAAA4D8CAAAAjAAAAAAAAAAAAAAAu+DjDP///wgAAAAAAAAAAAAAAAAAAAAAAAAAAAAAAAAAAAAAZAAAAAEAAABAAAAAAAAAAAAAAAAAAAAAAAAAAAAAAAAAAAAAAAAAAAAAAAAAAAAAAAAAAAAAAAAAAAAAAAAAAAAAAAAAAAAAAAAAAAAAAAAAAAAAAAAAAAAAAAAAAAAAFAAAADwAAAAAAAAAAAAAAAAAAAkUAAAAAQAAABQAAAAUAAAAFAAAAAEAAAAAAAAAZAAAAGQAAAAAAAAAZAAAAGQAAAAVAAAAYAAAAAAAAAAAAAAADwAAACADAAAAAAAAAAAAAAEAAACgMgAAVgcAAKr4//8BAAAAf39/AAEAAABkAAAAAAAAABQAAABAHwAAAAAAACYAAAAAAAAAwOD//wAAAAAmAAAAZAAAABYAAABMAAAAAAAAAAAAAAAEAAAAAAAAAAEAAACAgIAKAAAAACgAAAAoAAAAZAAAAGQAAAAAAAAAzMzMAAAAAABQAAAAUAAAAGQAAABkAAAAAAAAABcAAAAUAAAAAAAAAAAAAAD/fwAA/38AAAAAAAAJAAAABAAAAAAAAAAeAAAAaAAAAAAAAAAAAAAAAAAAAAAAAAAAAAAAECcAABAnAAAAAAAAAAAAAAAAAAAAAAAAAAAAAAAAAAAAAAAAAAAAABQAAAAAAAAAwMD/AAAAAABkAAAAMgAAAAAAAABkAAAAAAAAAH9/fwAKAAAAIgAAABgAAAAAAAAAAAAAAAAAAAAAAAAAAAAAAAAAAAAkAAAAJAAAAAAAAAAHAAAAAAAAAAAAAAAAAAAAAAAAAAAAAAAAAAAAf39/ACUAAABYAAAAAAAAAAAAAAAAAAAAAAAAAAAAAAAAAAAAAAAAAAAAAAAAAAAAAAAAAAAAAAA/AAAAAAAAAKCGAQAAAAAAAAAAAAAAAAAMAAAAAQAAAAAAAAAAAAAAAAAAAB8AAABUAAAAAAAABQAAAAEAAAAAAAAAAAAAAAAAAAAAAAAAAAAAAAAAAAAAAAAAAAAAAAJ/f38AAAAAA8zMzADAwP8Af39/AAAAAAAAAAAAAAAAAAAAAAAAAAAAIQAAABgAAAAUAAAAwAMAABsnAAA/FQAAWSkAABAAAAAmAAAACAAAAAAAAAAAAAAA"/>
               </a:ext>
             </a:extLst>
           </p:cNvSpPr>
@@ -530,7 +530,7 @@
           <a:lstStyle/>
           <a:p>
             <a:pPr/>
-            <a:fld id="{3E4152B9-F7D3-14A4-9DF9-01F11CB76B54}" type="datetime1">
+            <a:fld id="{3EE55E05-4BD3-B0A8-9D5D-BDFD10136BE8}" type="datetime1">
               <a:t/>
             </a:fld>
           </a:p>
@@ -543,7 +543,7 @@
             <a:spLocks noGrp="1" noChangeArrowheads="1"/>
             <a:extLst>
               <a:ext uri="smNativeData">
-                <pr:smNativeData xmlns:pr="smNativeData" xmlns="smNativeData" val="SMDATA_15_Lb0aZBMAAAAlAAAAZAAAAA8BAAAAkAAAAEgAAACQAAAASAAAAAAAAAABAAAAAAAAAAEAAABQAAAAAAAAAAAA4D8AAAAAAADgPwAAAAAAAOA/AAAAAAAA4D8AAAAAAADgPwAAAAAAAOA/AAAAAAAA4D8AAAAAAADgPwAAAAAAAOA/AAAAAAAA4D8CAAAAjAAAAAAAAAAAAAAAu+DjDP///wgAAAAAAAAAAAAAAAAAAAAAAAAAAAAAAAAAAAAAZAAAAAEAAABAAAAAAAAAAAAAAAAAAAAAAAAAAAAAAAAAAAAAAAAAAAAAAAAAAAAAAAAAAAAAAAAAAAAAAAAAAAAAAAAAAAAAAAAAAAAAAAAAAAAAAAAAAAAAAAAAAAAAFAAAADwAAAAAAAAAAAAAAAAAAAkUAAAAAQAAABQAAAAUAAAAFAAAAAEAAAAAAAAAZAAAAGQAAAAAAAAAZAAAAGQAAAAVAAAAYAAAAAAAAAAAAAAADwAAACADAAAAAAAAAAAAAAEAAACgMgAAVgcAAKr4//8BAAAAf39/AAEAAABkAAAAAAAAABQAAABAHwAAAAAAACYAAAAAAAAAwOD//wAAAAAmAAAAZAAAABYAAABMAAAAAAAAAAAAAAAEAAAAAAAAAAEAAACAgIAKAAAAACgAAAAoAAAAZAAAAGQAAAAAAAAAzMzMAAAAAABQAAAAUAAAAGQAAABkAAAAAAAAABcAAAAUAAAAAAAAAAAAAAD/fwAA/38AAAAAAAAJAAAABAAAAGE6c3AeAAAAaAAAAAAAAAAAAAAAAAAAAAAAAAAAAAAAECcAABAnAAAAAAAAAAAAAAAAAAAAAAAAAAAAAAAAAAAAAAAAAAAAABQAAAAAAAAAwMD/AAAAAABkAAAAMgAAAAAAAABkAAAAAAAAAH9/fwAKAAAAIgAAABgAAAAAAAAAAAAAAAAAAAAAAAAAAAAAAAAAAAAkAAAAJAAAAAAAAAAHAAAAAAAAAAAAAAAAAAAAAAAAAAAAAAAAAAAAf39/ACUAAABYAAAAAAAAAAAAAAAAAAAAAAAAAAAAAAAAAAAAAAAAAAAAAAAAAAAAAAAAAAAAAAA/AAAAAAAAAKCGAQAAAAAAAAAAAAAAAAAMAAAAAQAAAAAAAAAAAAAAAAAAAB8AAABUAAAAAAAABQAAAAEAAAAAAAAAAAAAAAAAAAAAAAAAAAAAAAAAAAAAAAAAAAAAAAJ/f38AAAAAA8zMzADAwP8Af39/AAAAAAAAAAAAAAAAAAAAAAAAAAAAIQAAABgAAAAUAAAAoRkAABsnAABfMQAAWSkAABAAAAAmAAAACAAAAAAAAAAAAAAA"/>
+                <pr:smNativeData xmlns:pr="smNativeData" xmlns="smNativeData" val="SMDATA_15_Sr0aZBMAAAAlAAAAZAAAAA8BAAAAkAAAAEgAAACQAAAASAAAAAAAAAABAAAAAAAAAAEAAABQAAAAAAAAAAAA4D8AAAAAAADgPwAAAAAAAOA/AAAAAAAA4D8AAAAAAADgPwAAAAAAAOA/AAAAAAAA4D8AAAAAAADgPwAAAAAAAOA/AAAAAAAA4D8CAAAAjAAAAAAAAAAAAAAAu+DjDP///wgAAAAAAAAAAAAAAAAAAAAAAAAAAAAAAAAAAAAAZAAAAAEAAABAAAAAAAAAAAAAAAAAAAAAAAAAAAAAAAAAAAAAAAAAAAAAAAAAAAAAAAAAAAAAAAAAAAAAAAAAAAAAAAAAAAAAAAAAAAAAAAAAAAAAAAAAAAAAAAAAAAAAFAAAADwAAAAAAAAAAAAAAAAAAAkUAAAAAQAAABQAAAAUAAAAFAAAAAEAAAAAAAAAZAAAAGQAAAAAAAAAZAAAAGQAAAAVAAAAYAAAAAAAAAAAAAAADwAAACADAAAAAAAAAAAAAAEAAACgMgAAVgcAAKr4//8BAAAAf39/AAEAAABkAAAAAAAAABQAAABAHwAAAAAAACYAAAAAAAAAwOD//wAAAAAmAAAAZAAAABYAAABMAAAAAAAAAAAAAAAEAAAAAAAAAAEAAACAgIAKAAAAACgAAAAoAAAAZAAAAGQAAAAAAAAAzMzMAAAAAABQAAAAUAAAAGQAAABkAAAAAAAAABcAAAAUAAAAAAAAAAAAAAD/fwAA/38AAAAAAAAJAAAABAAAAGE6c3AeAAAAaAAAAAAAAAAAAAAAAAAAAAAAAAAAAAAAECcAABAnAAAAAAAAAAAAAAAAAAAAAAAAAAAAAAAAAAAAAAAAAAAAABQAAAAAAAAAwMD/AAAAAABkAAAAMgAAAAAAAABkAAAAAAAAAH9/fwAKAAAAIgAAABgAAAAAAAAAAAAAAAAAAAAAAAAAAAAAAAAAAAAkAAAAJAAAAAAAAAAHAAAAAAAAAAAAAAAAAAAAAAAAAAAAAAAAAAAAf39/ACUAAABYAAAAAAAAAAAAAAAAAAAAAAAAAAAAAAAAAAAAAAAAAAAAAAAAAAAAAAAAAAAAAAA/AAAAAAAAAKCGAQAAAAAAAAAAAAAAAAAMAAAAAQAAAAAAAAAAAAAAAAAAAB8AAABUAAAAAAAABQAAAAEAAAAAAAAAAAAAAAAAAAAAAAAAAAAAAAAAAAAAAAAAAAAAAAJ/f38AAAAAA8zMzADAwP8Af39/AAAAAAAAAAAAAAAAAAAAAAAAAAAAIQAAABgAAAAUAAAAoRkAABsnAABfMQAAWSkAABAAAAAmAAAACAAAAAAAAAAAAAAA"/>
               </a:ext>
             </a:extLst>
           </p:cNvSpPr>
@@ -570,7 +570,7 @@
             <a:spLocks noGrp="1" noChangeArrowheads="1"/>
             <a:extLst>
               <a:ext uri="smNativeData">
-                <pr:smNativeData xmlns:pr="smNativeData" xmlns="smNativeData" val="SMDATA_15_Lb0aZBMAAAAlAAAAZAAAAA8BAAAAkAAAAEgAAACQAAAASAAAAAAAAAABAAAAAAAAAAEAAABQAAAAAAAAAAAA4D8AAAAAAADgPwAAAAAAAOA/AAAAAAAA4D8AAAAAAADgPwAAAAAAAOA/AAAAAAAA4D8AAAAAAADgPwAAAAAAAOA/AAAAAAAA4D8CAAAAjAAAAAAAAAAAAAAAu+DjDP///wgAAAAAAAAAAAAAAAAAAAAAAAAAAAAAAAAAAAAAZAAAAAEAAABAAAAAAAAAAAAAAAAAAAAAAAAAAAAAAAAAAAAAAAAAAAAAAAAAAAAAAAAAAAAAAAAAAAAAAAAAAAAAAAAAAAAAAAAAAAAAAAAAAAAAAAAAAAAAAAAAAAAAFAAAADwAAAAAAAAAAAAAAAAAAAkUAAAAAQAAABQAAAAUAAAAFAAAAAEAAAAAAAAAZAAAAGQAAAAAAAAAZAAAAGQAAAAVAAAAYAAAAAAAAAAAAAAADwAAACADAAAAAAAAAAAAAAEAAACgMgAAVgcAAKr4//8BAAAAf39/AAEAAABkAAAAAAAAABQAAABAHwAAAAAAACYAAAAAAAAAwOD//wAAAAAmAAAAZAAAABYAAABMAAAAAAAAAAAAAAAEAAAAAAAAAAEAAACAgIAKAAAAACgAAAAoAAAAZAAAAGQAAAAAAAAAzMzMAAAAAABQAAAAUAAAAGQAAABkAAAAAAAAABcAAAAUAAAAAAAAAAAAAAD/fwAA/38AAAAAAAAJAAAABAAAAAAAAAAeAAAAaAAAAAAAAAAAAAAAAAAAAAAAAAAAAAAAECcAABAnAAAAAAAAAAAAAAAAAAAAAAAAAAAAAAAAAAAAAAAAAAAAABQAAAAAAAAAwMD/AAAAAABkAAAAMgAAAAAAAABkAAAAAAAAAH9/fwAKAAAAIgAAABgAAAAAAAAAAAAAAAAAAAAAAAAAAAAAAAAAAAAkAAAAJAAAAAAAAAAHAAAAAAAAAAAAAAAAAAAAAAAAAAAAAAAAAAAAf39/ACUAAABYAAAAAAAAAAAAAAAAAAAAAAAAAAAAAAAAAAAAAAAAAAAAAAAAAAAAAAAAAAAAAAA/AAAAAAAAAKCGAQAAAAAAAAAAAAAAAAAMAAAAAQAAAAAAAAAAAAAAAAAAAB8AAABUAAAAAAAABQAAAAEAAAAAAAAAAAAAAAAAAAAAAAAAAAAAAAAAAAAAAAAAAAAAAAJ/f38AAAAAA8zMzADAwP8Af39/AAAAAAAAAAAAAAAAAAAAAAAAAAAAIQAAABgAAAAUAAAAwTUAABsnAABARwAAWSkAABAAAAAmAAAACAAAAAAAAAAAAAAA"/>
+                <pr:smNativeData xmlns:pr="smNativeData" xmlns="smNativeData" val="SMDATA_15_Sr0aZBMAAAAlAAAAZAAAAA8BAAAAkAAAAEgAAACQAAAASAAAAAAAAAABAAAAAAAAAAEAAABQAAAAAAAAAAAA4D8AAAAAAADgPwAAAAAAAOA/AAAAAAAA4D8AAAAAAADgPwAAAAAAAOA/AAAAAAAA4D8AAAAAAADgPwAAAAAAAOA/AAAAAAAA4D8CAAAAjAAAAAAAAAAAAAAAu+DjDP///wgAAAAAAAAAAAAAAAAAAAAAAAAAAAAAAAAAAAAAZAAAAAEAAABAAAAAAAAAAAAAAAAAAAAAAAAAAAAAAAAAAAAAAAAAAAAAAAAAAAAAAAAAAAAAAAAAAAAAAAAAAAAAAAAAAAAAAAAAAAAAAAAAAAAAAAAAAAAAAAAAAAAAFAAAADwAAAAAAAAAAAAAAAAAAAkUAAAAAQAAABQAAAAUAAAAFAAAAAEAAAAAAAAAZAAAAGQAAAAAAAAAZAAAAGQAAAAVAAAAYAAAAAAAAAAAAAAADwAAACADAAAAAAAAAAAAAAEAAACgMgAAVgcAAKr4//8BAAAAf39/AAEAAABkAAAAAAAAABQAAABAHwAAAAAAACYAAAAAAAAAwOD//wAAAAAmAAAAZAAAABYAAABMAAAAAAAAAAAAAAAEAAAAAAAAAAEAAACAgIAKAAAAACgAAAAoAAAAZAAAAGQAAAAAAAAAzMzMAAAAAABQAAAAUAAAAGQAAABkAAAAAAAAABcAAAAUAAAAAAAAAAAAAAD/fwAA/38AAAAAAAAJAAAABAAAAAAAAAAeAAAAaAAAAAAAAAAAAAAAAAAAAAAAAAAAAAAAECcAABAnAAAAAAAAAAAAAAAAAAAAAAAAAAAAAAAAAAAAAAAAAAAAABQAAAAAAAAAwMD/AAAAAABkAAAAMgAAAAAAAABkAAAAAAAAAH9/fwAKAAAAIgAAABgAAAAAAAAAAAAAAAAAAAAAAAAAAAAAAAAAAAAkAAAAJAAAAAAAAAAHAAAAAAAAAAAAAAAAAAAAAAAAAAAAAAAAAAAAf39/ACUAAABYAAAAAAAAAAAAAAAAAAAAAAAAAAAAAAAAAAAAAAAAAAAAAAAAAAAAAAAAAAAAAAA/AAAAAAAAAKCGAQAAAAAAAAAAAAAAAAAMAAAAAQAAAAAAAAAAAAAAAAAAAB8AAABUAAAAAAAABQAAAAEAAAAAAAAAAAAAAAAAAAAAAAAAAAAAAAAAAAAAAAAAAAAAAAJ/f38AAAAAA8zMzADAwP8Af39/AAAAAAAAAAAAAAAAAAAAAAAAAAAAIQAAABgAAAAUAAAAwTUAABsnAABARwAAWSkAABAAAAAmAAAACAAAAAAAAAAAAAAA"/>
               </a:ext>
             </a:extLst>
           </p:cNvSpPr>
@@ -584,7 +584,7 @@
           <a:lstStyle/>
           <a:p>
             <a:pPr/>
-            <a:fld id="{3E411866-28D3-14EE-9DF9-DEBB56B76B8B}" type="slidenum">
+            <a:fld id="{3EE517E6-A8D3-B0E1-9D5D-5EB459136B0B}" type="slidenum">
               <a:t/>
             </a:fld>
           </a:p>
@@ -622,7 +622,7 @@
             <a:spLocks noGrp="1" noChangeArrowheads="1"/>
             <a:extLst>
               <a:ext uri="smNativeData">
-                <pr:smNativeData xmlns:pr="smNativeData" xmlns="smNativeData" val="SMDATA_15_Lb0aZBMAAAAlAAAAZAAAAA8BAAAAkAAAAEgAAACQAAAASAAAAAAAAAACAAAAAQAAAAEAAABQAAAAAAAAAAAA4D8AAAAAAADgPwAAAAAAAOA/AAAAAAAA4D8AAAAAAADgPwAAAAAAAOA/AAAAAAAA4D8AAAAAAADgPwAAAAAAAOA/AAAAAAAA4D8CAAAAjAAAAAAAAAAAAAAAu+DjDP///wgAAAAAAAAAAAAAAAAAAAAAAAAAAAAAAAAAAAAAZAAAAAEAAABAAAAAAAAAAAAAAAAAAAAAAAAAAAAAAAAAAAAAAAAAAAAAAAAAAAAAAAAAAAAAAAAAAAAAAAAAAAAAAAAAAAAAAAAAAAAAAAAAAAAAAAAAAAAAAAAAAAAAFAAAADwAAAAAAAAAAAAAAAAAAAkUAAAAAQAAABQAAAAUAAAAFAAAAAEAAAAAAAAAZAAAAGQAAAAAAAAAZAAAAGQAAAAVAAAAYAAAAAAAAAAAAAAADwAAACADAAAAAAAAAAAAAAEAAACgMgAAVgcAAKr4//8BAAAAf39/AAEAAABkAAAAAAAAABQAAABAHwAAAAAAACYAAAAAAAAAwOD//wAAAAAmAAAAZAAAABYAAABMAAAAAAAAAAAAAAAEAAAAAAAAAAEAAACAgIAKAAAAACgAAAAoAAAAZAAAAGQAAAAAAAAAzMzMAAAAAABQAAAAUAAAAGQAAABkAAAAAAAAABcAAAAUAAAAAAAAAAAAAAD/fwAA/38AAAAAAAAJAAAABAAAAAAAAAAeAAAAaAAAAAAAAAAAAAAAAAAAAAAAAAAAAAAAECcAABAnAAAAAAAAAAAAAAAAAAAAAAAAAAAAAAAAAAAAAAAAAAAAABQAAAAAAAAAwMD/AAAAAABkAAAAMgAAAAAAAABkAAAAAAAAAH9/fwAKAAAAIgAAABgAAAAAAAAAAAAAAAAAAAAAAAAAAAAAAAAAAAAkAAAAJAAAAAAAAAAHAAAAAAAAAAAAAAAAAAAAAAAAAAAAAAAAAAAAf39/ACUAAABYAAAAAAAAAAAAAAAAAAAAAAAAAAAAAAAAAAAAAAAAAAAAAAAAAAAAAAAAAAAAAAA/AAAAAAAAAKCGAQAAAAAAAAAAAAAAAAAMAAAAAQAAAAAAAAAAAAAAAAAAAB8AAABUAAAAAAAABQAAAAEAAAAAAAAAAAAAAAAAAAAAAAAAAAAAAAAAAAAAAAAAAAAAAAJ/f38AAAAAA8zMzADAwP8Af39/AAAAAAAAAAAAAAAAAAAAAAAAAAAAIQAAABgAAAAUAAAAYDYAALABAABARwAAsCUAABAAAAAmAAAACAAAAIMAAAAAAAAA"/>
+                <pr:smNativeData xmlns:pr="smNativeData" xmlns="smNativeData" val="SMDATA_15_Sr0aZBMAAAAlAAAAZAAAAA8BAAAAkAAAAEgAAACQAAAASAAAAAAAAAACAAAAAQAAAAEAAABQAAAAAAAAAAAA4D8AAAAAAADgPwAAAAAAAOA/AAAAAAAA4D8AAAAAAADgPwAAAAAAAOA/AAAAAAAA4D8AAAAAAADgPwAAAAAAAOA/AAAAAAAA4D8CAAAAjAAAAAAAAAAAAAAAu+DjDP///wgAAAAAAAAAAAAAAAAAAAAAAAAAAAAAAAAAAAAAZAAAAAEAAABAAAAAAAAAAAAAAAAAAAAAAAAAAAAAAAAAAAAAAAAAAAAAAAAAAAAAAAAAAAAAAAAAAAAAAAAAAAAAAAAAAAAAAAAAAAAAAAAAAAAAAAAAAAAAAAAAAAAAFAAAADwAAAAAAAAAAAAAAAAAAAkUAAAAAQAAABQAAAAUAAAAFAAAAAEAAAAAAAAAZAAAAGQAAAAAAAAAZAAAAGQAAAAVAAAAYAAAAAAAAAAAAAAADwAAACADAAAAAAAAAAAAAAEAAACgMgAAVgcAAKr4//8BAAAAf39/AAEAAABkAAAAAAAAABQAAABAHwAAAAAAACYAAAAAAAAAwOD//wAAAAAmAAAAZAAAABYAAABMAAAAAAAAAAAAAAAEAAAAAAAAAAEAAACAgIAKAAAAACgAAAAoAAAAZAAAAGQAAAAAAAAAzMzMAAAAAABQAAAAUAAAAGQAAABkAAAAAAAAABcAAAAUAAAAAAAAAAAAAAD/fwAA/38AAAAAAAAJAAAABAAAAAAAAAAeAAAAaAAAAAAAAAAAAAAAAAAAAAAAAAAAAAAAECcAABAnAAAAAAAAAAAAAAAAAAAAAAAAAAAAAAAAAAAAAAAAAAAAABQAAAAAAAAAwMD/AAAAAABkAAAAMgAAAAAAAABkAAAAAAAAAH9/fwAKAAAAIgAAABgAAAAAAAAAAAAAAAAAAAAAAAAAAAAAAAAAAAAkAAAAJAAAAAAAAAAHAAAAAAAAAAAAAAAAAAAAAAAAAAAAAAAAAAAAf39/ACUAAABYAAAAAAAAAAAAAAAAAAAAAAAAAAAAAAAAAAAAAAAAAAAAAAAAAAAAAAAAAAAAAAA/AAAAAAAAAKCGAQAAAAAAAAAAAAAAAAAMAAAAAQAAAAAAAAAAAAAAAAAAAB8AAABUAAAAAAAABQAAAAEAAAAAAAAAAAAAAAAAAAAAAAAAAAAAAAAAAAAAAAAAAAAAAAJ/f38AAAAAA8zMzADAwP8Af39/AAAAAAAAAAAAAAAAAAAAAAAAAAAAIQAAABgAAAAUAAAAYDYAALABAABARwAAsCUAABAAAAAmAAAACAAAAIMAAAAAAAAA"/>
               </a:ext>
             </a:extLst>
           </p:cNvSpPr>
@@ -658,7 +658,7 @@
             <a:spLocks noGrp="1" noChangeArrowheads="1"/>
             <a:extLst>
               <a:ext uri="smNativeData">
-                <pr:smNativeData xmlns:pr="smNativeData" xmlns="smNativeData" val="SMDATA_15_Lb0aZBMAAAAlAAAAZAAAAA8BAAAAkAAAAEgAAACQAAAASAAAAAAAAAAAAAAAAQAAAAEAAABQAAAAAAAAAAAA4D8AAAAAAADgPwAAAAAAAOA/AAAAAAAA4D8AAAAAAADgPwAAAAAAAOA/AAAAAAAA4D8AAAAAAADgPwAAAAAAAOA/AAAAAAAA4D8CAAAAjAAAAAAAAAAAAAAAu+DjDP///wgAAAAAAAAAAAAAAAAAAAAAAAAAAAAAAAAAAAAAZAAAAAEAAABAAAAAAAAAAAAAAAAAAAAAAAAAAAAAAAAAAAAAAAAAAAAAAAAAAAAAAAAAAAAAAAAAAAAAAAAAAAAAAAAAAAAAAAAAAAAAAAAAAAAAAAAAAAAAAAAAAAAAFAAAADwAAAAAAAAAAAAAAAAAAAkUAAAAAQAAABQAAAAUAAAAFAAAAAEAAAAAAAAAZAAAAGQAAAAAAAAAZAAAAGQAAAAVAAAAYAAAAAAAAAAAAAAADwAAACADAAAAAAAAAAAAAAEAAACgMgAAVgcAAKr4//8BAAAAf39/AAEAAABkAAAAAAAAABQAAABAHwAAAAAAACYAAAAAAAAAwOD//wAAAAAmAAAAZAAAABYAAABMAAAAAAAAAAAAAAAEAAAAAAAAAAEAAACAgIAKAAAAACgAAAAoAAAAZAAAAGQAAAAAAAAAzMzMAAAAAABQAAAAUAAAAGQAAABkAAAAAAAAABcAAAAUAAAAAAAAAAAAAAD/fwAA/38AAAAAAAAJAAAABAAAAAAAAAAeAAAAaAAAAAAAAAAAAAAAAAAAAAAAAAAAAAAAECcAABAnAAAAAAAAAAAAAAAAAAAAAAAAAAAAAAAAAAAAAAAAAAAAABQAAAAAAAAAwMD/AAAAAABkAAAAMgAAAAAAAABkAAAAAAAAAH9/fwAKAAAAIgAAABgAAAAAAAAAAAAAAAAAAAAAAAAAAAAAAAAAAAAkAAAAJAAAAAAAAAAHAAAAAAAAAAAAAAAAAAAAAAAAAAAAAAAAAAAAf39/ACUAAABYAAAAAAAAAAAAAAAAAAAAAAAAAAAAAAAAAAAAAAAAAAAAAAAAAAAAAAAAAAAAAAA/AAAAAAAAAKCGAQAAAAAAAAAAAAAAAAAMAAAAAQAAAAAAAAAAAAAAAAAAAB8AAABUAAAAAAAABQAAAAEAAAAAAAAAAAAAAAAAAAAAAAAAAAAAAAAAAAAAAAAAAAAAAAJ/f38AAAAAA8zMzADAwP8Af39/AAAAAAAAAAAAAAAAAAAAAAAAAAAAIQAAABgAAAAUAAAAwAMAALABAAAfNQAAsCUAABAAAAAmAAAACAAAAAMAAAAAAAAA"/>
+                <pr:smNativeData xmlns:pr="smNativeData" xmlns="smNativeData" val="SMDATA_15_Sr0aZBMAAAAlAAAAZAAAAA8BAAAAkAAAAEgAAACQAAAASAAAAAAAAAAAAAAAAQAAAAEAAABQAAAAAAAAAAAA4D8AAAAAAADgPwAAAAAAAOA/AAAAAAAA4D8AAAAAAADgPwAAAAAAAOA/AAAAAAAA4D8AAAAAAADgPwAAAAAAAOA/AAAAAAAA4D8CAAAAjAAAAAAAAAAAAAAAu+DjDP///wgAAAAAAAAAAAAAAAAAAAAAAAAAAAAAAAAAAAAAZAAAAAEAAABAAAAAAAAAAAAAAAAAAAAAAAAAAAAAAAAAAAAAAAAAAAAAAAAAAAAAAAAAAAAAAAAAAAAAAAAAAAAAAAAAAAAAAAAAAAAAAAAAAAAAAAAAAAAAAAAAAAAAFAAAADwAAAAAAAAAAAAAAAAAAAkUAAAAAQAAABQAAAAUAAAAFAAAAAEAAAAAAAAAZAAAAGQAAAAAAAAAZAAAAGQAAAAVAAAAYAAAAAAAAAAAAAAADwAAACADAAAAAAAAAAAAAAEAAACgMgAAVgcAAKr4//8BAAAAf39/AAEAAABkAAAAAAAAABQAAABAHwAAAAAAACYAAAAAAAAAwOD//wAAAAAmAAAAZAAAABYAAABMAAAAAAAAAAAAAAAEAAAAAAAAAAEAAACAgIAKAAAAACgAAAAoAAAAZAAAAGQAAAAAAAAAzMzMAAAAAABQAAAAUAAAAGQAAABkAAAAAAAAABcAAAAUAAAAAAAAAAAAAAD/fwAA/38AAAAAAAAJAAAABAAAAAAAAAAeAAAAaAAAAAAAAAAAAAAAAAAAAAAAAAAAAAAAECcAABAnAAAAAAAAAAAAAAAAAAAAAAAAAAAAAAAAAAAAAAAAAAAAABQAAAAAAAAAwMD/AAAAAABkAAAAMgAAAAAAAABkAAAAAAAAAH9/fwAKAAAAIgAAABgAAAAAAAAAAAAAAAAAAAAAAAAAAAAAAAAAAAAkAAAAJAAAAAAAAAAHAAAAAAAAAAAAAAAAAAAAAAAAAAAAAAAAAAAAf39/ACUAAABYAAAAAAAAAAAAAAAAAAAAAAAAAAAAAAAAAAAAAAAAAAAAAAAAAAAAAAAAAAAAAAA/AAAAAAAAAKCGAQAAAAAAAAAAAAAAAAAMAAAAAQAAAAAAAAAAAAAAAAAAAB8AAABUAAAAAAAABQAAAAEAAAAAAAAAAAAAAAAAAAAAAAAAAAAAAAAAAAAAAAAAAAAAAAJ/f38AAAAAA8zMzADAwP8Af39/AAAAAAAAAAAAAAAAAAAAAAAAAAAAIQAAABgAAAAUAAAAwAMAALABAAAfNQAAsCUAABAAAAAmAAAACAAAAAMAAAAAAAAA"/>
               </a:ext>
             </a:extLst>
           </p:cNvSpPr>
@@ -718,7 +718,7 @@
             <a:spLocks noGrp="1" noChangeArrowheads="1"/>
             <a:extLst>
               <a:ext uri="smNativeData">
-                <pr:smNativeData xmlns:pr="smNativeData" xmlns="smNativeData" val="SMDATA_15_Lb0aZBMAAAAlAAAAZAAAAA8BAAAAkAAAAEgAAACQAAAASAAAAAAAAAABAAAAAAAAAAEAAABQAAAAAAAAAAAA4D8AAAAAAADgPwAAAAAAAOA/AAAAAAAA4D8AAAAAAADgPwAAAAAAAOA/AAAAAAAA4D8AAAAAAADgPwAAAAAAAOA/AAAAAAAA4D8CAAAAjAAAAAAAAAAAAAAAu+DjDP///wgAAAAAAAAAAAAAAAAAAAAAAAAAAAAAAAAAAAAAZAAAAAEAAABAAAAAAAAAAAAAAAAAAAAAAAAAAAAAAAAAAAAAAAAAAAAAAAAAAAAAAAAAAAAAAAAAAAAAAAAAAAAAAAAAAAAAAAAAAAAAAAAAAAAAAAAAAAAAAAAAAAAAFAAAADwAAAAAAAAAAAAAAAAAAAkUAAAAAQAAABQAAAAUAAAAFAAAAAEAAAAAAAAAZAAAAGQAAAAAAAAAZAAAAGQAAAAVAAAAYAAAAAAAAAAAAAAADwAAACADAAAAAAAAAAAAAAEAAACgMgAAVgcAAKr4//8BAAAAf39/AAEAAABkAAAAAAAAABQAAABAHwAAAAAAACYAAAAAAAAAwOD//wAAAAAmAAAAZAAAABYAAABMAAAAAAAAAAAAAAAEAAAAAAAAAAEAAACAgIAKAAAAACgAAAAoAAAAZAAAAGQAAAAAAAAAzMzMAAAAAABQAAAAUAAAAGQAAABkAAAAAAAAABcAAAAUAAAAAAAAAAAAAAD/fwAA/38AAAAAAAAJAAAABAAAAAAAAAAeAAAAaAAAAAAAAAAAAAAAAAAAAAAAAAAAAAAAECcAABAnAAAAAAAAAAAAAAAAAAAAAAAAAAAAAAAAAAAAAAAAAAAAABQAAAAAAAAAwMD/AAAAAABkAAAAMgAAAAAAAABkAAAAAAAAAH9/fwAKAAAAIgAAABgAAAAAAAAAAAAAAAAAAAAAAAAAAAAAAAAAAAAkAAAAJAAAAAAAAAAHAAAAAAAAAAAAAAAAAAAAAAAAAAAAAAAAAAAAf39/ACUAAABYAAAAAAAAAAAAAAAAAAAAAAAAAAAAAAAAAAAAAAAAAAAAAAAAAAAAAAAAAAAAAAA/AAAAAAAAAKCGAQAAAAAAAAAAAAAAAAAMAAAAAQAAAAAAAAAAAAAAAAAAAB8AAABUAAAAAAAABQAAAAEAAAAAAAAAAAAAAAAAAAAAAAAAAAAAAAAAAAAAAAAAAAAAAAJ/f38AAAAAA8zMzADAwP8Af39/AAAAAAAAAAAAAAAAAAAAAAAAAAAAIQAAABgAAAAUAAAAwAMAABsnAAA/FQAAWSkAABAAAAAmAAAACAAAAAAAAAAAAAAA"/>
+                <pr:smNativeData xmlns:pr="smNativeData" xmlns="smNativeData" val="SMDATA_15_Sr0aZBMAAAAlAAAAZAAAAA8BAAAAkAAAAEgAAACQAAAASAAAAAAAAAABAAAAAAAAAAEAAABQAAAAAAAAAAAA4D8AAAAAAADgPwAAAAAAAOA/AAAAAAAA4D8AAAAAAADgPwAAAAAAAOA/AAAAAAAA4D8AAAAAAADgPwAAAAAAAOA/AAAAAAAA4D8CAAAAjAAAAAAAAAAAAAAAu+DjDP///wgAAAAAAAAAAAAAAAAAAAAAAAAAAAAAAAAAAAAAZAAAAAEAAABAAAAAAAAAAAAAAAAAAAAAAAAAAAAAAAAAAAAAAAAAAAAAAAAAAAAAAAAAAAAAAAAAAAAAAAAAAAAAAAAAAAAAAAAAAAAAAAAAAAAAAAAAAAAAAAAAAAAAFAAAADwAAAAAAAAAAAAAAAAAAAkUAAAAAQAAABQAAAAUAAAAFAAAAAEAAAAAAAAAZAAAAGQAAAAAAAAAZAAAAGQAAAAVAAAAYAAAAAAAAAAAAAAADwAAACADAAAAAAAAAAAAAAEAAACgMgAAVgcAAKr4//8BAAAAf39/AAEAAABkAAAAAAAAABQAAABAHwAAAAAAACYAAAAAAAAAwOD//wAAAAAmAAAAZAAAABYAAABMAAAAAAAAAAAAAAAEAAAAAAAAAAEAAACAgIAKAAAAACgAAAAoAAAAZAAAAGQAAAAAAAAAzMzMAAAAAABQAAAAUAAAAGQAAABkAAAAAAAAABcAAAAUAAAAAAAAAAAAAAD/fwAA/38AAAAAAAAJAAAABAAAAAAAAAAeAAAAaAAAAAAAAAAAAAAAAAAAAAAAAAAAAAAAECcAABAnAAAAAAAAAAAAAAAAAAAAAAAAAAAAAAAAAAAAAAAAAAAAABQAAAAAAAAAwMD/AAAAAABkAAAAMgAAAAAAAABkAAAAAAAAAH9/fwAKAAAAIgAAABgAAAAAAAAAAAAAAAAAAAAAAAAAAAAAAAAAAAAkAAAAJAAAAAAAAAAHAAAAAAAAAAAAAAAAAAAAAAAAAAAAAAAAAAAAf39/ACUAAABYAAAAAAAAAAAAAAAAAAAAAAAAAAAAAAAAAAAAAAAAAAAAAAAAAAAAAAAAAAAAAAA/AAAAAAAAAKCGAQAAAAAAAAAAAAAAAAAMAAAAAQAAAAAAAAAAAAAAAAAAAB8AAABUAAAAAAAABQAAAAEAAAAAAAAAAAAAAAAAAAAAAAAAAAAAAAAAAAAAAAAAAAAAAAJ/f38AAAAAA8zMzADAwP8Af39/AAAAAAAAAAAAAAAAAAAAAAAAAAAAIQAAABgAAAAUAAAAwAMAABsnAAA/FQAAWSkAABAAAAAmAAAACAAAAAAAAAAAAAAA"/>
               </a:ext>
             </a:extLst>
           </p:cNvSpPr>
@@ -732,7 +732,7 @@
           <a:lstStyle/>
           <a:p>
             <a:pPr/>
-            <a:fld id="{3E417365-2BD3-1485-9DF9-DDD03DB76B88}" type="datetime1">
+            <a:fld id="{3EE57734-7AD3-B081-9D5D-8CD439136BD9}" type="datetime1">
               <a:t/>
             </a:fld>
           </a:p>
@@ -745,7 +745,7 @@
             <a:spLocks noGrp="1" noChangeArrowheads="1"/>
             <a:extLst>
               <a:ext uri="smNativeData">
-                <pr:smNativeData xmlns:pr="smNativeData" xmlns="smNativeData" val="SMDATA_15_Lb0aZBMAAAAlAAAAZAAAAA8BAAAAkAAAAEgAAACQAAAASAAAAAAAAAABAAAAAAAAAAEAAABQAAAAAAAAAAAA4D8AAAAAAADgPwAAAAAAAOA/AAAAAAAA4D8AAAAAAADgPwAAAAAAAOA/AAAAAAAA4D8AAAAAAADgPwAAAAAAAOA/AAAAAAAA4D8CAAAAjAAAAAAAAAAAAAAAu+DjDP///wgAAAAAAAAAAAAAAAAAAAAAAAAAAAAAAAAAAAAAZAAAAAEAAABAAAAAAAAAAAAAAAAAAAAAAAAAAAAAAAAAAAAAAAAAAAAAAAAAAAAAAAAAAAAAAAAAAAAAAAAAAAAAAAAAAAAAAAAAAAAAAAAAAAAAAAAAAAAAAAAAAAAAFAAAADwAAAAAAAAAAAAAAAAAAAkUAAAAAQAAABQAAAAUAAAAFAAAAAEAAAAAAAAAZAAAAGQAAAAAAAAAZAAAAGQAAAAVAAAAYAAAAAAAAAAAAAAADwAAACADAAAAAAAAAAAAAAEAAACgMgAAVgcAAKr4//8BAAAAf39/AAEAAABkAAAAAAAAABQAAABAHwAAAAAAACYAAAAAAAAAwOD//wAAAAAmAAAAZAAAABYAAABMAAAAAAAAAAAAAAAEAAAAAAAAAAEAAACAgIAKAAAAACgAAAAoAAAAZAAAAGQAAAAAAAAAzMzMAAAAAABQAAAAUAAAAGQAAABkAAAAAAAAABcAAAAUAAAAAAAAAAAAAAD/fwAA/38AAAAAAAAJAAAABAAAAAAAAAAeAAAAaAAAAAAAAAAAAAAAAAAAAAAAAAAAAAAAECcAABAnAAAAAAAAAAAAAAAAAAAAAAAAAAAAAAAAAAAAAAAAAAAAABQAAAAAAAAAwMD/AAAAAABkAAAAMgAAAAAAAABkAAAAAAAAAH9/fwAKAAAAIgAAABgAAAAAAAAAAAAAAAAAAAAAAAAAAAAAAAAAAAAkAAAAJAAAAAAAAAAHAAAAAAAAAAAAAAAAAAAAAAAAAAAAAAAAAAAAf39/ACUAAABYAAAAAAAAAAAAAAAAAAAAAAAAAAAAAAAAAAAAAAAAAAAAAAAAAAAAAAAAAAAAAAA/AAAAAAAAAKCGAQAAAAAAAAAAAAAAAAAMAAAAAQAAAAAAAAAAAAAAAAAAAB8AAABUAAAAAAAABQAAAAEAAAAAAAAAAAAAAAAAAAAAAAAAAAAAAAAAAAAAAAAAAAAAAAJ/f38AAAAAA8zMzADAwP8Af39/AAAAAAAAAAAAAAAAAAAAAAAAAAAAIQAAABgAAAAUAAAAoRkAABsnAABfMQAAWSkAABAAAAAmAAAACAAAAAAAAAAAAAAA"/>
+                <pr:smNativeData xmlns:pr="smNativeData" xmlns="smNativeData" val="SMDATA_15_Sr0aZBMAAAAlAAAAZAAAAA8BAAAAkAAAAEgAAACQAAAASAAAAAAAAAABAAAAAAAAAAEAAABQAAAAAAAAAAAA4D8AAAAAAADgPwAAAAAAAOA/AAAAAAAA4D8AAAAAAADgPwAAAAAAAOA/AAAAAAAA4D8AAAAAAADgPwAAAAAAAOA/AAAAAAAA4D8CAAAAjAAAAAAAAAAAAAAAu+DjDP///wgAAAAAAAAAAAAAAAAAAAAAAAAAAAAAAAAAAAAAZAAAAAEAAABAAAAAAAAAAAAAAAAAAAAAAAAAAAAAAAAAAAAAAAAAAAAAAAAAAAAAAAAAAAAAAAAAAAAAAAAAAAAAAAAAAAAAAAAAAAAAAAAAAAAAAAAAAAAAAAAAAAAAFAAAADwAAAAAAAAAAAAAAAAAAAkUAAAAAQAAABQAAAAUAAAAFAAAAAEAAAAAAAAAZAAAAGQAAAAAAAAAZAAAAGQAAAAVAAAAYAAAAAAAAAAAAAAADwAAACADAAAAAAAAAAAAAAEAAACgMgAAVgcAAKr4//8BAAAAf39/AAEAAABkAAAAAAAAABQAAABAHwAAAAAAACYAAAAAAAAAwOD//wAAAAAmAAAAZAAAABYAAABMAAAAAAAAAAAAAAAEAAAAAAAAAAEAAACAgIAKAAAAACgAAAAoAAAAZAAAAGQAAAAAAAAAzMzMAAAAAABQAAAAUAAAAGQAAABkAAAAAAAAABcAAAAUAAAAAAAAAAAAAAD/fwAA/38AAAAAAAAJAAAABAAAAAAAAAAeAAAAaAAAAAAAAAAAAAAAAAAAAAAAAAAAAAAAECcAABAnAAAAAAAAAAAAAAAAAAAAAAAAAAAAAAAAAAAAAAAAAAAAABQAAAAAAAAAwMD/AAAAAABkAAAAMgAAAAAAAABkAAAAAAAAAH9/fwAKAAAAIgAAABgAAAAAAAAAAAAAAAAAAAAAAAAAAAAAAAAAAAAkAAAAJAAAAAAAAAAHAAAAAAAAAAAAAAAAAAAAAAAAAAAAAAAAAAAAf39/ACUAAABYAAAAAAAAAAAAAAAAAAAAAAAAAAAAAAAAAAAAAAAAAAAAAAAAAAAAAAAAAAAAAAA/AAAAAAAAAKCGAQAAAAAAAAAAAAAAAAAMAAAAAQAAAAAAAAAAAAAAAAAAAB8AAABUAAAAAAAABQAAAAEAAAAAAAAAAAAAAAAAAAAAAAAAAAAAAAAAAAAAAAAAAAAAAAJ/f38AAAAAA8zMzADAwP8Af39/AAAAAAAAAAAAAAAAAAAAAAAAAAAAIQAAABgAAAAUAAAAoRkAABsnAABfMQAAWSkAABAAAAAmAAAACAAAAAAAAAAAAAAA"/>
               </a:ext>
             </a:extLst>
           </p:cNvSpPr>
@@ -772,7 +772,7 @@
             <a:spLocks noGrp="1" noChangeArrowheads="1"/>
             <a:extLst>
               <a:ext uri="smNativeData">
-                <pr:smNativeData xmlns:pr="smNativeData" xmlns="smNativeData" val="SMDATA_15_Lb0aZBMAAAAlAAAAZAAAAA8BAAAAkAAAAEgAAACQAAAASAAAAAAAAAABAAAAAAAAAAEAAABQAAAAAAAAAAAA4D8AAAAAAADgPwAAAAAAAOA/AAAAAAAA4D8AAAAAAADgPwAAAAAAAOA/AAAAAAAA4D8AAAAAAADgPwAAAAAAAOA/AAAAAAAA4D8CAAAAjAAAAAAAAAAAAAAAu+DjDP///wgAAAAAAAAAAAAAAAAAAAAAAAAAAAAAAAAAAAAAZAAAAAEAAABAAAAAAAAAAAAAAAAAAAAAAAAAAAAAAAAAAAAAAAAAAAAAAAAAAAAAAAAAAAAAAAAAAAAAAAAAAAAAAAAAAAAAAAAAAAAAAAAAAAAAAAAAAAAAAAAAAAAAFAAAADwAAAAAAAAAAAAAAAAAAAkUAAAAAQAAABQAAAAUAAAAFAAAAAEAAAAAAAAAZAAAAGQAAAAAAAAAZAAAAGQAAAAVAAAAYAAAAAAAAAAAAAAADwAAACADAAAAAAAAAAAAAAEAAACgMgAAVgcAAKr4//8BAAAAf39/AAEAAABkAAAAAAAAABQAAABAHwAAAAAAACYAAAAAAAAAwOD//wAAAAAmAAAAZAAAABYAAABMAAAAAAAAAAAAAAAEAAAAAAAAAAEAAACAgIAKAAAAACgAAAAoAAAAZAAAAGQAAAAAAAAAzMzMAAAAAABQAAAAUAAAAGQAAABkAAAAAAAAABcAAAAUAAAAAAAAAAAAAAD/fwAA/38AAAAAAAAJAAAABAAAAAAAAAAeAAAAaAAAAAAAAAAAAAAAAAAAAAAAAAAAAAAAECcAABAnAAAAAAAAAAAAAAAAAAAAAAAAAAAAAAAAAAAAAAAAAAAAABQAAAAAAAAAwMD/AAAAAABkAAAAMgAAAAAAAABkAAAAAAAAAH9/fwAKAAAAIgAAABgAAAAAAAAAAAAAAAAAAAAAAAAAAAAAAAAAAAAkAAAAJAAAAAAAAAAHAAAAAAAAAAAAAAAAAAAAAAAAAAAAAAAAAAAAf39/ACUAAABYAAAAAAAAAAAAAAAAAAAAAAAAAAAAAAAAAAAAAAAAAAAAAAAAAAAAAAAAAAAAAAA/AAAAAAAAAKCGAQAAAAAAAAAAAAAAAAAMAAAAAQAAAAAAAAAAAAAAAAAAAB8AAABUAAAAAAAABQAAAAEAAAAAAAAAAAAAAAAAAAAAAAAAAAAAAAAAAAAAAAAAAAAAAAJ/f38AAAAAA8zMzADAwP8Af39/AAAAAAAAAAAAAAAAAAAAAAAAAAAAIQAAABgAAAAUAAAAwTUAABsnAABARwAAWSkAABAAAAAmAAAACAAAAAAAAAAAAAAA"/>
+                <pr:smNativeData xmlns:pr="smNativeData" xmlns="smNativeData" val="SMDATA_15_Sr0aZBMAAAAlAAAAZAAAAA8BAAAAkAAAAEgAAACQAAAASAAAAAAAAAABAAAAAAAAAAEAAABQAAAAAAAAAAAA4D8AAAAAAADgPwAAAAAAAOA/AAAAAAAA4D8AAAAAAADgPwAAAAAAAOA/AAAAAAAA4D8AAAAAAADgPwAAAAAAAOA/AAAAAAAA4D8CAAAAjAAAAAAAAAAAAAAAu+DjDP///wgAAAAAAAAAAAAAAAAAAAAAAAAAAAAAAAAAAAAAZAAAAAEAAABAAAAAAAAAAAAAAAAAAAAAAAAAAAAAAAAAAAAAAAAAAAAAAAAAAAAAAAAAAAAAAAAAAAAAAAAAAAAAAAAAAAAAAAAAAAAAAAAAAAAAAAAAAAAAAAAAAAAAFAAAADwAAAAAAAAAAAAAAAAAAAkUAAAAAQAAABQAAAAUAAAAFAAAAAEAAAAAAAAAZAAAAGQAAAAAAAAAZAAAAGQAAAAVAAAAYAAAAAAAAAAAAAAADwAAACADAAAAAAAAAAAAAAEAAACgMgAAVgcAAKr4//8BAAAAf39/AAEAAABkAAAAAAAAABQAAABAHwAAAAAAACYAAAAAAAAAwOD//wAAAAAmAAAAZAAAABYAAABMAAAAAAAAAAAAAAAEAAAAAAAAAAEAAACAgIAKAAAAACgAAAAoAAAAZAAAAGQAAAAAAAAAzMzMAAAAAABQAAAAUAAAAGQAAABkAAAAAAAAABcAAAAUAAAAAAAAAAAAAAD/fwAA/38AAAAAAAAJAAAABAAAAAAAAAAeAAAAaAAAAAAAAAAAAAAAAAAAAAAAAAAAAAAAECcAABAnAAAAAAAAAAAAAAAAAAAAAAAAAAAAAAAAAAAAAAAAAAAAABQAAAAAAAAAwMD/AAAAAABkAAAAMgAAAAAAAABkAAAAAAAAAH9/fwAKAAAAIgAAABgAAAAAAAAAAAAAAAAAAAAAAAAAAAAAAAAAAAAkAAAAJAAAAAAAAAAHAAAAAAAAAAAAAAAAAAAAAAAAAAAAAAAAAAAAf39/ACUAAABYAAAAAAAAAAAAAAAAAAAAAAAAAAAAAAAAAAAAAAAAAAAAAAAAAAAAAAAAAAAAAAA/AAAAAAAAAKCGAQAAAAAAAAAAAAAAAAAMAAAAAQAAAAAAAAAAAAAAAAAAAB8AAABUAAAAAAAABQAAAAEAAAAAAAAAAAAAAAAAAAAAAAAAAAAAAAAAAAAAAAAAAAAAAAJ/f38AAAAAA8zMzADAwP8Af39/AAAAAAAAAAAAAAAAAAAAAAAAAAAAIQAAABgAAAAUAAAAwTUAABsnAABARwAAWSkAABAAAAAmAAAACAAAAAAAAAAAAAAA"/>
               </a:ext>
             </a:extLst>
           </p:cNvSpPr>
@@ -786,7 +786,7 @@
           <a:lstStyle/>
           <a:p>
             <a:pPr/>
-            <a:fld id="{3E410C6D-23D3-14FA-9DF9-D5AF42B76B80}" type="slidenum">
+            <a:fld id="{3EE50885-CBD3-B0FE-9D5D-3DAB46136B68}" type="slidenum">
               <a:t/>
             </a:fld>
           </a:p>
@@ -824,7 +824,7 @@
             <a:spLocks noGrp="1" noChangeArrowheads="1"/>
             <a:extLst>
               <a:ext uri="smNativeData">
-                <pr:smNativeData xmlns:pr="smNativeData" xmlns="smNativeData" val="SMDATA_15_Lb0aZBMAAAAlAAAAZAAAAA8BAAAAkAAAAEgAAACQAAAASAAAAAAAAAABAAAAAAAAAAEAAABQAAAAAAAAAAAA4D8AAAAAAADgPwAAAAAAAOA/AAAAAAAA4D8AAAAAAADgPwAAAAAAAOA/AAAAAAAA4D8AAAAAAADgPwAAAAAAAOA/AAAAAAAA4D8CAAAAjAAAAAAAAAAAAAAAu+DjDP///wgAAAAAAAAAAAAAAAAAAAAAAAAAAAAAAAAAAAAAZAAAAAEAAABAAAAAAAAAAAAAAAAAAAAAAAAAAAAAAAAAAAAAAAAAAAAAAAAAAAAAAAAAAAAAAAAAAAAAAAAAAAAAAAAAAAAAAAAAAAAAAAAAAAAAAAAAAAAAAAAAAAAAFAAAADwAAAAAAAAAAAAAAAAAAAkUAAAAAQAAABQAAAAUAAAAFAAAAAEAAAAAAAAAZAAAAGQAAAAAAAAAZAAAAGQAAAAVAAAAYAAAAAAAAAAAAAAADwAAACADAAAAAAAAAAAAAAEAAACgMgAAVgcAAKr4//8BAAAAf39/AAEAAABkAAAAAAAAABQAAABAHwAAAAAAACYAAAAAAAAAwOD//wAAAAAmAAAAZAAAABYAAABMAAAAAAAAAAAAAAAEAAAAAAAAAAEAAACAgIAKAAAAACgAAAAoAAAAZAAAAGQAAAAAAAAAzMzMAAAAAABQAAAAUAAAAGQAAABkAAAAAAAAABcAAAAUAAAAAAAAAAAAAAD/fwAA/38AAAAAAAAJAAAABAAAAAAAAAAeAAAAaAAAAAAAAAAAAAAAAAAAAAAAAAAAAAAAECcAABAnAAAAAAAAAAAAAAAAAAAAAAAAAAAAAAAAAAAAAAAAAAAAABQAAAAAAAAAwMD/AAAAAABkAAAAMgAAAAAAAABkAAAAAAAAAH9/fwAKAAAAIgAAABgAAAAAAAAAAAAAAAAAAAAAAAAAAAAAAAAAAAAkAAAAJAAAAAAAAAAHAAAAAAAAAAAAAAAAAAAAAAAAAAAAAAAAAAAAf39/ACUAAABYAAAAAAAAAAAAAAAAAAAAAAAAAAAAAAAAAAAAAAAAAAAAAAAAAAAAAAAAAAAAAAA/AAAAAAAAAKCGAQAAAAAAAAAAAAAAAAAMAAAAAQAAAAAAAAAAAAAAAAAAAB8AAABUAAAAAAAABQAAAAEAAAAAAAAAAAAAAAAAAAAAAAAAAAAAAAAAAAAAAAAAAAAAAAJ/f38AAAAAA8zMzADAwP8Af39/AAAAAAAAAAAAAAAAAAAAAAAAAAAAIQAAABgAAAAUAAAAwAMAALABAABARwAAuAgAABAAAAAmAAAACAAAAAAAAAAAAAAA"/>
+                <pr:smNativeData xmlns:pr="smNativeData" xmlns="smNativeData" val="SMDATA_15_Sr0aZBMAAAAlAAAAZAAAAA8BAAAAkAAAAEgAAACQAAAASAAAAAAAAAABAAAAAAAAAAEAAABQAAAAAAAAAAAA4D8AAAAAAADgPwAAAAAAAOA/AAAAAAAA4D8AAAAAAADgPwAAAAAAAOA/AAAAAAAA4D8AAAAAAADgPwAAAAAAAOA/AAAAAAAA4D8CAAAAjAAAAAAAAAAAAAAAu+DjDP///wgAAAAAAAAAAAAAAAAAAAAAAAAAAAAAAAAAAAAAZAAAAAEAAABAAAAAAAAAAAAAAAAAAAAAAAAAAAAAAAAAAAAAAAAAAAAAAAAAAAAAAAAAAAAAAAAAAAAAAAAAAAAAAAAAAAAAAAAAAAAAAAAAAAAAAAAAAAAAAAAAAAAAFAAAADwAAAAAAAAAAAAAAAAAAAkUAAAAAQAAABQAAAAUAAAAFAAAAAEAAAAAAAAAZAAAAGQAAAAAAAAAZAAAAGQAAAAVAAAAYAAAAAAAAAAAAAAADwAAACADAAAAAAAAAAAAAAEAAACgMgAAVgcAAKr4//8BAAAAf39/AAEAAABkAAAAAAAAABQAAABAHwAAAAAAACYAAAAAAAAAwOD//wAAAAAmAAAAZAAAABYAAABMAAAAAAAAAAAAAAAEAAAAAAAAAAEAAACAgIAKAAAAACgAAAAoAAAAZAAAAGQAAAAAAAAAzMzMAAAAAABQAAAAUAAAAGQAAABkAAAAAAAAABcAAAAUAAAAAAAAAAAAAAD/fwAA/38AAAAAAAAJAAAABAAAAAAAAAAeAAAAaAAAAAAAAAAAAAAAAAAAAAAAAAAAAAAAECcAABAnAAAAAAAAAAAAAAAAAAAAAAAAAAAAAAAAAAAAAAAAAAAAABQAAAAAAAAAwMD/AAAAAABkAAAAMgAAAAAAAABkAAAAAAAAAH9/fwAKAAAAIgAAABgAAAAAAAAAAAAAAAAAAAAAAAAAAAAAAAAAAAAkAAAAJAAAAAAAAAAHAAAAAAAAAAAAAAAAAAAAAAAAAAAAAAAAAAAAf39/ACUAAABYAAAAAAAAAAAAAAAAAAAAAAAAAAAAAAAAAAAAAAAAAAAAAAAAAAAAAAAAAAAAAAA/AAAAAAAAAKCGAQAAAAAAAAAAAAAAAAAMAAAAAQAAAAAAAAAAAAAAAAAAAB8AAABUAAAAAAAABQAAAAEAAAAAAAAAAAAAAAAAAAAAAAAAAAAAAAAAAAAAAAAAAAAAAAJ/f38AAAAAA8zMzADAwP8Af39/AAAAAAAAAAAAAAAAAAAAAAAAAAAAIQAAABgAAAAUAAAAwAMAALABAABARwAAuAgAABAAAAAmAAAACAAAAAAAAAAAAAAA"/>
               </a:ext>
             </a:extLst>
           </p:cNvSpPr>
@@ -851,7 +851,7 @@
             <a:spLocks noGrp="1" noChangeArrowheads="1"/>
             <a:extLst>
               <a:ext uri="smNativeData">
-                <pr:smNativeData xmlns:pr="smNativeData" xmlns="smNativeData" val="SMDATA_15_Lb0aZBMAAAAlAAAAZAAAAA8BAAAAkAAAAEgAAACQAAAASAAAAAAAAAAAAAAAAAAAAAEAAABQAAAAAAAAAAAA4D8AAAAAAADgPwAAAAAAAOA/AAAAAAAA4D8AAAAAAADgPwAAAAAAAOA/AAAAAAAA4D8AAAAAAADgPwAAAAAAAOA/AAAAAAAA4D8CAAAAjAAAAAAAAAAAAAAAu+DjDP///wgAAAAAAAAAAAAAAAAAAAAAAAAAAAAAAAAAAAAAZAAAAAEAAABAAAAAAAAAAAAAAAAAAAAAAAAAAAAAAAAAAAAAAAAAAAAAAAAAAAAAAAAAAAAAAAAAAAAAAAAAAAAAAAAAAAAAAAAAAAAAAAAAAAAAAAAAAAAAAAAAAAAAFAAAADwAAAAAAAAAAAAAAAAAAAkUAAAAAQAAABQAAAAUAAAAFAAAAAEAAAAAAAAAZAAAAGQAAAAAAAAAZAAAAGQAAAAVAAAAYAAAAAAAAAAAAAAADwAAACADAAAAAAAAAAAAAAEAAACgMgAAVgcAAKr4//8BAAAAf39/AAEAAABkAAAAAAAAABQAAABAHwAAAAAAACYAAAAAAAAAwOD//wAAAAAmAAAAZAAAABYAAABMAAAAAAAAAAAAAAAEAAAAAAAAAAEAAACAgIAKAAAAACgAAAAoAAAAZAAAAGQAAAAAAAAAzMzMAAAAAABQAAAAUAAAAGQAAABkAAAAAAAAABcAAAAUAAAAAAAAAAAAAAD/fwAA/38AAAAAAAAJAAAABAAAAAAAAAAeAAAAaAAAAAAAAAAAAAAAAAAAAAAAAAAAAAAAECcAABAnAAAAAAAAAAAAAAAAAAAAAAAAAAAAAAAAAAAAAAAAAAAAABQAAAAAAAAAwMD/AAAAAABkAAAAMgAAAAAAAABkAAAAAAAAAH9/fwAKAAAAIgAAABgAAAAAAAAAAAAAAAAAAAAAAAAAAAAAAAAAAAAkAAAAJAAAAAAAAAAHAAAAAAAAAAAAAAAAAAAAAAAAAAAAAAAAAAAAf39/ACUAAABYAAAAAAAAAAAAAAAAAAAAAAAAAAAAAAAAAAAAAAAAAAAAAAAAAAAAAAAAAAAAAAA/AAAAAAAAAKCGAQAAAAAAAAAAAAAAAAAMAAAAAQAAAAAAAAAAAAAAAAAAAB8AAABUAAAAAAAABQAAAAEAAAAAAAAAAAAAAAAAAAAAAAAAAAAAAAAAAAAAAAAAAAAAAAJ/f38AAAAAA8zMzADAwP8Af39/AAAAAAAAAAAAAAAAAAAAAAAAAAAAIQAAABgAAAAUAAAAwAMAANgJAABARwAAsCUAABAAAAAmAAAACAAAAAAAAAAAAAAA"/>
+                <pr:smNativeData xmlns:pr="smNativeData" xmlns="smNativeData" val="SMDATA_15_Sr0aZBMAAAAlAAAAZAAAAA8BAAAAkAAAAEgAAACQAAAASAAAAAAAAAAAAAAAAAAAAAEAAABQAAAAAAAAAAAA4D8AAAAAAADgPwAAAAAAAOA/AAAAAAAA4D8AAAAAAADgPwAAAAAAAOA/AAAAAAAA4D8AAAAAAADgPwAAAAAAAOA/AAAAAAAA4D8CAAAAjAAAAAAAAAAAAAAAu+DjDP///wgAAAAAAAAAAAAAAAAAAAAAAAAAAAAAAAAAAAAAZAAAAAEAAABAAAAAAAAAAAAAAAAAAAAAAAAAAAAAAAAAAAAAAAAAAAAAAAAAAAAAAAAAAAAAAAAAAAAAAAAAAAAAAAAAAAAAAAAAAAAAAAAAAAAAAAAAAAAAAAAAAAAAFAAAADwAAAAAAAAAAAAAAAAAAAkUAAAAAQAAABQAAAAUAAAAFAAAAAEAAAAAAAAAZAAAAGQAAAAAAAAAZAAAAGQAAAAVAAAAYAAAAAAAAAAAAAAADwAAACADAAAAAAAAAAAAAAEAAACgMgAAVgcAAKr4//8BAAAAf39/AAEAAABkAAAAAAAAABQAAABAHwAAAAAAACYAAAAAAAAAwOD//wAAAAAmAAAAZAAAABYAAABMAAAAAAAAAAAAAAAEAAAAAAAAAAEAAACAgIAKAAAAACgAAAAoAAAAZAAAAGQAAAAAAAAAzMzMAAAAAABQAAAAUAAAAGQAAABkAAAAAAAAABcAAAAUAAAAAAAAAAAAAAD/fwAA/38AAAAAAAAJAAAABAAAAAAAAAAeAAAAaAAAAAAAAAAAAAAAAAAAAAAAAAAAAAAAECcAABAnAAAAAAAAAAAAAAAAAAAAAAAAAAAAAAAAAAAAAAAAAAAAABQAAAAAAAAAwMD/AAAAAABkAAAAMgAAAAAAAABkAAAAAAAAAH9/fwAKAAAAIgAAABgAAAAAAAAAAAAAAAAAAAAAAAAAAAAAAAAAAAAkAAAAJAAAAAAAAAAHAAAAAAAAAAAAAAAAAAAAAAAAAAAAAAAAAAAAf39/ACUAAABYAAAAAAAAAAAAAAAAAAAAAAAAAAAAAAAAAAAAAAAAAAAAAAAAAAAAAAAAAAAAAAA/AAAAAAAAAKCGAQAAAAAAAAAAAAAAAAAMAAAAAQAAAAAAAAAAAAAAAAAAAB8AAABUAAAAAAAABQAAAAEAAAAAAAAAAAAAAAAAAAAAAAAAAAAAAAAAAAAAAAAAAAAAAAJ/f38AAAAAA8zMzADAwP8Af39/AAAAAAAAAAAAAAAAAAAAAAAAAAAAIQAAABgAAAAUAAAAwAMAANgJAABARwAAsCUAABAAAAAmAAAACAAAAAAAAAAAAAAA"/>
               </a:ext>
             </a:extLst>
           </p:cNvSpPr>
@@ -902,7 +902,7 @@
             <a:spLocks noGrp="1" noChangeArrowheads="1"/>
             <a:extLst>
               <a:ext uri="smNativeData">
-                <pr:smNativeData xmlns:pr="smNativeData" xmlns="smNativeData" val="SMDATA_15_Lb0aZBMAAAAlAAAAZAAAAA8BAAAAkAAAAEgAAACQAAAASAAAAAAAAAABAAAAAAAAAAEAAABQAAAAAAAAAAAA4D8AAAAAAADgPwAAAAAAAOA/AAAAAAAA4D8AAAAAAADgPwAAAAAAAOA/AAAAAAAA4D8AAAAAAADgPwAAAAAAAOA/AAAAAAAA4D8CAAAAjAAAAAAAAAAAAAAAu+DjDP///wgAAAAAAAAAAAAAAAAAAAAAAAAAAAAAAAAAAAAAZAAAAAEAAABAAAAAAAAAAAAAAAAAAAAAAAAAAAAAAAAAAAAAAAAAAAAAAAAAAAAAAAAAAAAAAAAAAAAAAAAAAAAAAAAAAAAAAAAAAAAAAAAAAAAAAAAAAAAAAAAAAAAAFAAAADwAAAAAAAAAAAAAAAAAAAkUAAAAAQAAABQAAAAUAAAAFAAAAAEAAAAAAAAAZAAAAGQAAAAAAAAAZAAAAGQAAAAVAAAAYAAAAAAAAAAAAAAADwAAACADAAAAAAAAAAAAAAEAAACgMgAAVgcAAKr4//8BAAAAf39/AAEAAABkAAAAAAAAABQAAABAHwAAAAAAACYAAAAAAAAAwOD//wAAAAAmAAAAZAAAABYAAABMAAAAAAAAAAAAAAAEAAAAAAAAAAEAAACAgIAKAAAAACgAAAAoAAAAZAAAAGQAAAAAAAAAzMzMAAAAAABQAAAAUAAAAGQAAABkAAAAAAAAABcAAAAUAAAAAAAAAAAAAAD/fwAA/38AAAAAAAAJAAAABAAAANw7IAEeAAAAaAAAAAAAAAAAAAAAAAAAAAAAAAAAAAAAECcAABAnAAAAAAAAAAAAAAAAAAAAAAAAAAAAAAAAAAAAAAAAAAAAABQAAAAAAAAAwMD/AAAAAABkAAAAMgAAAAAAAABkAAAAAAAAAH9/fwAKAAAAIgAAABgAAAAAAAAAAAAAAAAAAAAAAAAAAAAAAAAAAAAkAAAAJAAAAAAAAAAHAAAAAAAAAAAAAAAAAAAAAAAAAAAAAAAAAAAAf39/ACUAAABYAAAAAAAAAAAAAAAAAAAAAAAAAAAAAAAAAAAAAAAAAAAAAAAAAAAAAAAAAAAAAAA/AAAAAAAAAKCGAQAAAAAAAAAAAAAAAAAMAAAAAQAAAAAAAAAAAAAAAAAAAB8AAABUAAAAAAAABQAAAAEAAAAAAAAAAAAAAAAAAAAAAAAAAAAAAAAAAAAAAAAAAAAAAAJ/f38AAAAAA8zMzADAwP8Af39/AAAAAAAAAAAAAAAAAAAAAAAAAAAAIQAAABgAAAAUAAAAwAMAABsnAAA/FQAAWSkAABAAAAAmAAAACAAAAAAAAAAAAAAA"/>
+                <pr:smNativeData xmlns:pr="smNativeData" xmlns="smNativeData" val="SMDATA_15_Sr0aZBMAAAAlAAAAZAAAAA8BAAAAkAAAAEgAAACQAAAASAAAAAAAAAABAAAAAAAAAAEAAABQAAAAAAAAAAAA4D8AAAAAAADgPwAAAAAAAOA/AAAAAAAA4D8AAAAAAADgPwAAAAAAAOA/AAAAAAAA4D8AAAAAAADgPwAAAAAAAOA/AAAAAAAA4D8CAAAAjAAAAAAAAAAAAAAAu+DjDP///wgAAAAAAAAAAAAAAAAAAAAAAAAAAAAAAAAAAAAAZAAAAAEAAABAAAAAAAAAAAAAAAAAAAAAAAAAAAAAAAAAAAAAAAAAAAAAAAAAAAAAAAAAAAAAAAAAAAAAAAAAAAAAAAAAAAAAAAAAAAAAAAAAAAAAAAAAAAAAAAAAAAAAFAAAADwAAAAAAAAAAAAAAAAAAAkUAAAAAQAAABQAAAAUAAAAFAAAAAEAAAAAAAAAZAAAAGQAAAAAAAAAZAAAAGQAAAAVAAAAYAAAAAAAAAAAAAAADwAAACADAAAAAAAAAAAAAAEAAACgMgAAVgcAAKr4//8BAAAAf39/AAEAAABkAAAAAAAAABQAAABAHwAAAAAAACYAAAAAAAAAwOD//wAAAAAmAAAAZAAAABYAAABMAAAAAAAAAAAAAAAEAAAAAAAAAAEAAACAgIAKAAAAACgAAAAoAAAAZAAAAGQAAAAAAAAAzMzMAAAAAABQAAAAUAAAAGQAAABkAAAAAAAAABcAAAAUAAAAAAAAAAAAAAD/fwAA/38AAAAAAAAJAAAABAAAANw7IAEeAAAAaAAAAAAAAAAAAAAAAAAAAAAAAAAAAAAAECcAABAnAAAAAAAAAAAAAAAAAAAAAAAAAAAAAAAAAAAAAAAAAAAAABQAAAAAAAAAwMD/AAAAAABkAAAAMgAAAAAAAABkAAAAAAAAAH9/fwAKAAAAIgAAABgAAAAAAAAAAAAAAAAAAAAAAAAAAAAAAAAAAAAkAAAAJAAAAAAAAAAHAAAAAAAAAAAAAAAAAAAAAAAAAAAAAAAAAAAAf39/ACUAAABYAAAAAAAAAAAAAAAAAAAAAAAAAAAAAAAAAAAAAAAAAAAAAAAAAAAAAAAAAAAAAAA/AAAAAAAAAKCGAQAAAAAAAAAAAAAAAAAMAAAAAQAAAAAAAAAAAAAAAAAAAB8AAABUAAAAAAAABQAAAAEAAAAAAAAAAAAAAAAAAAAAAAAAAAAAAAAAAAAAAAAAAAAAAAJ/f38AAAAAA8zMzADAwP8Af39/AAAAAAAAAAAAAAAAAAAAAAAAAAAAIQAAABgAAAAUAAAAwAMAABsnAAA/FQAAWSkAABAAAAAmAAAACAAAAAAAAAAAAAAA"/>
               </a:ext>
             </a:extLst>
           </p:cNvSpPr>
@@ -916,7 +916,7 @@
           <a:lstStyle/>
           <a:p>
             <a:pPr/>
-            <a:fld id="{3E412B27-69D3-14DD-9DF9-9F8865B76BCA}" type="datetime1">
+            <a:fld id="{3EE5352D-63D3-B0C3-9D5D-95967B136BC0}" type="datetime1">
               <a:t/>
             </a:fld>
           </a:p>
@@ -929,7 +929,7 @@
             <a:spLocks noGrp="1" noChangeArrowheads="1"/>
             <a:extLst>
               <a:ext uri="smNativeData">
-                <pr:smNativeData xmlns:pr="smNativeData" xmlns="smNativeData" val="SMDATA_15_Lb0aZBMAAAAlAAAAZAAAAA8BAAAAkAAAAEgAAACQAAAASAAAAAAAAAABAAAAAAAAAAEAAABQAAAAAAAAAAAA4D8AAAAAAADgPwAAAAAAAOA/AAAAAAAA4D8AAAAAAADgPwAAAAAAAOA/AAAAAAAA4D8AAAAAAADgPwAAAAAAAOA/AAAAAAAA4D8CAAAAjAAAAAAAAAAAAAAAu+DjDP///wgAAAAAAAAAAAAAAAAAAAAAAAAAAAAAAAAAAAAAZAAAAAEAAABAAAAAAAAAAAAAAAAAAAAAAAAAAAAAAAAAAAAAAAAAAAAAAAAAAAAAAAAAAAAAAAAAAAAAAAAAAAAAAAAAAAAAAAAAAAAAAAAAAAAAAAAAAAAAAAAAAAAAFAAAADwAAAAAAAAAAAAAAAAAAAkUAAAAAQAAABQAAAAUAAAAFAAAAAEAAAAAAAAAZAAAAGQAAAAAAAAAZAAAAGQAAAAVAAAAYAAAAAAAAAAAAAAADwAAACADAAAAAAAAAAAAAAEAAACgMgAAVgcAAKr4//8BAAAAf39/AAEAAABkAAAAAAAAABQAAABAHwAAAAAAACYAAAAAAAAAwOD//wAAAAAmAAAAZAAAABYAAABMAAAAAAAAAAAAAAAEAAAAAAAAAAEAAACAgIAKAAAAACgAAAAoAAAAZAAAAGQAAAAAAAAAzMzMAAAAAABQAAAAUAAAAGQAAABkAAAAAAAAABcAAAAUAAAAAAAAAAAAAAD/fwAA/38AAAAAAAAJAAAABAAAANw7IAEeAAAAaAAAAAAAAAAAAAAAAAAAAAAAAAAAAAAAECcAABAnAAAAAAAAAAAAAAAAAAAAAAAAAAAAAAAAAAAAAAAAAAAAABQAAAAAAAAAwMD/AAAAAABkAAAAMgAAAAAAAABkAAAAAAAAAH9/fwAKAAAAIgAAABgAAAAAAAAAAAAAAAAAAAAAAAAAAAAAAAAAAAAkAAAAJAAAAAAAAAAHAAAAAAAAAAAAAAAAAAAAAAAAAAAAAAAAAAAAf39/ACUAAABYAAAAAAAAAAAAAAAAAAAAAAAAAAAAAAAAAAAAAAAAAAAAAAAAAAAAAAAAAAAAAAA/AAAAAAAAAKCGAQAAAAAAAAAAAAAAAAAMAAAAAQAAAAAAAAAAAAAAAAAAAB8AAABUAAAAAAAABQAAAAEAAAAAAAAAAAAAAAAAAAAAAAAAAAAAAAAAAAAAAAAAAAAAAAJ/f38AAAAAA8zMzADAwP8Af39/AAAAAAAAAAAAAAAAAAAAAAAAAAAAIQAAABgAAAAUAAAAoRkAABsnAABfMQAAWSkAABAAAAAmAAAACAAAAAAAAAAAAAAA"/>
+                <pr:smNativeData xmlns:pr="smNativeData" xmlns="smNativeData" val="SMDATA_15_Sr0aZBMAAAAlAAAAZAAAAA8BAAAAkAAAAEgAAACQAAAASAAAAAAAAAABAAAAAAAAAAEAAABQAAAAAAAAAAAA4D8AAAAAAADgPwAAAAAAAOA/AAAAAAAA4D8AAAAAAADgPwAAAAAAAOA/AAAAAAAA4D8AAAAAAADgPwAAAAAAAOA/AAAAAAAA4D8CAAAAjAAAAAAAAAAAAAAAu+DjDP///wgAAAAAAAAAAAAAAAAAAAAAAAAAAAAAAAAAAAAAZAAAAAEAAABAAAAAAAAAAAAAAAAAAAAAAAAAAAAAAAAAAAAAAAAAAAAAAAAAAAAAAAAAAAAAAAAAAAAAAAAAAAAAAAAAAAAAAAAAAAAAAAAAAAAAAAAAAAAAAAAAAAAAFAAAADwAAAAAAAAAAAAAAAAAAAkUAAAAAQAAABQAAAAUAAAAFAAAAAEAAAAAAAAAZAAAAGQAAAAAAAAAZAAAAGQAAAAVAAAAYAAAAAAAAAAAAAAADwAAACADAAAAAAAAAAAAAAEAAACgMgAAVgcAAKr4//8BAAAAf39/AAEAAABkAAAAAAAAABQAAABAHwAAAAAAACYAAAAAAAAAwOD//wAAAAAmAAAAZAAAABYAAABMAAAAAAAAAAAAAAAEAAAAAAAAAAEAAACAgIAKAAAAACgAAAAoAAAAZAAAAGQAAAAAAAAAzMzMAAAAAABQAAAAUAAAAGQAAABkAAAAAAAAABcAAAAUAAAAAAAAAAAAAAD/fwAA/38AAAAAAAAJAAAABAAAANw7IAEeAAAAaAAAAAAAAAAAAAAAAAAAAAAAAAAAAAAAECcAABAnAAAAAAAAAAAAAAAAAAAAAAAAAAAAAAAAAAAAAAAAAAAAABQAAAAAAAAAwMD/AAAAAABkAAAAMgAAAAAAAABkAAAAAAAAAH9/fwAKAAAAIgAAABgAAAAAAAAAAAAAAAAAAAAAAAAAAAAAAAAAAAAkAAAAJAAAAAAAAAAHAAAAAAAAAAAAAAAAAAAAAAAAAAAAAAAAAAAAf39/ACUAAABYAAAAAAAAAAAAAAAAAAAAAAAAAAAAAAAAAAAAAAAAAAAAAAAAAAAAAAAAAAAAAAA/AAAAAAAAAKCGAQAAAAAAAAAAAAAAAAAMAAAAAQAAAAAAAAAAAAAAAAAAAB8AAABUAAAAAAAABQAAAAEAAAAAAAAAAAAAAAAAAAAAAAAAAAAAAAAAAAAAAAAAAAAAAAJ/f38AAAAAA8zMzADAwP8Af39/AAAAAAAAAAAAAAAAAAAAAAAAAAAAIQAAABgAAAAUAAAAoRkAABsnAABfMQAAWSkAABAAAAAmAAAACAAAAAAAAAAAAAAA"/>
               </a:ext>
             </a:extLst>
           </p:cNvSpPr>
@@ -956,7 +956,7 @@
             <a:spLocks noGrp="1" noChangeArrowheads="1"/>
             <a:extLst>
               <a:ext uri="smNativeData">
-                <pr:smNativeData xmlns:pr="smNativeData" xmlns="smNativeData" val="SMDATA_15_Lb0aZBMAAAAlAAAAZAAAAA8BAAAAkAAAAEgAAACQAAAASAAAAAAAAAABAAAAAAAAAAEAAABQAAAAAAAAAAAA4D8AAAAAAADgPwAAAAAAAOA/AAAAAAAA4D8AAAAAAADgPwAAAAAAAOA/AAAAAAAA4D8AAAAAAADgPwAAAAAAAOA/AAAAAAAA4D8CAAAAjAAAAAAAAAAAAAAAu+DjDP///wgAAAAAAAAAAAAAAAAAAAAAAAAAAAAAAAAAAAAAZAAAAAEAAABAAAAAAAAAAAAAAAAAAAAAAAAAAAAAAAAAAAAAAAAAAAAAAAAAAAAAAAAAAAAAAAAAAAAAAAAAAAAAAAAAAAAAAAAAAAAAAAAAAAAAAAAAAAAAAAAAAAAAFAAAADwAAAAAAAAAAAAAAAAAAAkUAAAAAQAAABQAAAAUAAAAFAAAAAEAAAAAAAAAZAAAAGQAAAAAAAAAZAAAAGQAAAAVAAAAYAAAAAAAAAAAAAAADwAAACADAAAAAAAAAAAAAAEAAACgMgAAVgcAAKr4//8BAAAAf39/AAEAAABkAAAAAAAAABQAAABAHwAAAAAAACYAAAAAAAAAwOD//wAAAAAmAAAAZAAAABYAAABMAAAAAAAAAAAAAAAEAAAAAAAAAAEAAACAgIAKAAAAACgAAAAoAAAAZAAAAGQAAAAAAAAAzMzMAAAAAABQAAAAUAAAAGQAAABkAAAAAAAAABcAAAAUAAAAAAAAAAAAAAD/fwAA/38AAAAAAAAJAAAABAAAAAAAAAAeAAAAaAAAAAAAAAAAAAAAAAAAAAAAAAAAAAAAECcAABAnAAAAAAAAAAAAAAAAAAAAAAAAAAAAAAAAAAAAAAAAAAAAABQAAAAAAAAAwMD/AAAAAABkAAAAMgAAAAAAAABkAAAAAAAAAH9/fwAKAAAAIgAAABgAAAAAAAAAAAAAAAAAAAAAAAAAAAAAAAAAAAAkAAAAJAAAAAAAAAAHAAAAAAAAAAAAAAAAAAAAAAAAAAAAAAAAAAAAf39/ACUAAABYAAAAAAAAAAAAAAAAAAAAAAAAAAAAAAAAAAAAAAAAAAAAAAAAAAAAAAAAAAAAAAA/AAAAAAAAAKCGAQAAAAAAAAAAAAAAAAAMAAAAAQAAAAAAAAAAAAAAAAAAAB8AAABUAAAAAAAABQAAAAEAAAAAAAAAAAAAAAAAAAAAAAAAAAAAAAAAAAAAAAAAAAAAAAJ/f38AAAAAA8zMzADAwP8Af39/AAAAAAAAAAAAAAAAAAAAAAAAAAAAIQAAABgAAAAUAAAAwTUAABsnAABARwAAWSkAABAAAAAmAAAACAAAAAAAAAAAAAAA"/>
+                <pr:smNativeData xmlns:pr="smNativeData" xmlns="smNativeData" val="SMDATA_15_Sr0aZBMAAAAlAAAAZAAAAA8BAAAAkAAAAEgAAACQAAAASAAAAAAAAAABAAAAAAAAAAEAAABQAAAAAAAAAAAA4D8AAAAAAADgPwAAAAAAAOA/AAAAAAAA4D8AAAAAAADgPwAAAAAAAOA/AAAAAAAA4D8AAAAAAADgPwAAAAAAAOA/AAAAAAAA4D8CAAAAjAAAAAAAAAAAAAAAu+DjDP///wgAAAAAAAAAAAAAAAAAAAAAAAAAAAAAAAAAAAAAZAAAAAEAAABAAAAAAAAAAAAAAAAAAAAAAAAAAAAAAAAAAAAAAAAAAAAAAAAAAAAAAAAAAAAAAAAAAAAAAAAAAAAAAAAAAAAAAAAAAAAAAAAAAAAAAAAAAAAAAAAAAAAAFAAAADwAAAAAAAAAAAAAAAAAAAkUAAAAAQAAABQAAAAUAAAAFAAAAAEAAAAAAAAAZAAAAGQAAAAAAAAAZAAAAGQAAAAVAAAAYAAAAAAAAAAAAAAADwAAACADAAAAAAAAAAAAAAEAAACgMgAAVgcAAKr4//8BAAAAf39/AAEAAABkAAAAAAAAABQAAABAHwAAAAAAACYAAAAAAAAAwOD//wAAAAAmAAAAZAAAABYAAABMAAAAAAAAAAAAAAAEAAAAAAAAAAEAAACAgIAKAAAAACgAAAAoAAAAZAAAAGQAAAAAAAAAzMzMAAAAAABQAAAAUAAAAGQAAABkAAAAAAAAABcAAAAUAAAAAAAAAAAAAAD/fwAA/38AAAAAAAAJAAAABAAAAAAAAAAeAAAAaAAAAAAAAAAAAAAAAAAAAAAAAAAAAAAAECcAABAnAAAAAAAAAAAAAAAAAAAAAAAAAAAAAAAAAAAAAAAAAAAAABQAAAAAAAAAwMD/AAAAAABkAAAAMgAAAAAAAABkAAAAAAAAAH9/fwAKAAAAIgAAABgAAAAAAAAAAAAAAAAAAAAAAAAAAAAAAAAAAAAkAAAAJAAAAAAAAAAHAAAAAAAAAAAAAAAAAAAAAAAAAAAAAAAAAAAAf39/ACUAAABYAAAAAAAAAAAAAAAAAAAAAAAAAAAAAAAAAAAAAAAAAAAAAAAAAAAAAAAAAAAAAAA/AAAAAAAAAKCGAQAAAAAAAAAAAAAAAAAMAAAAAQAAAAAAAAAAAAAAAAAAAB8AAABUAAAAAAAABQAAAAEAAAAAAAAAAAAAAAAAAAAAAAAAAAAAAAAAAAAAAAAAAAAAAAJ/f38AAAAAA8zMzADAwP8Af39/AAAAAAAAAAAAAAAAAAAAAAAAAAAAIQAAABgAAAAUAAAAwTUAABsnAABARwAAWSkAABAAAAAmAAAACAAAAAAAAAAAAAAA"/>
               </a:ext>
             </a:extLst>
           </p:cNvSpPr>
@@ -970,7 +970,7 @@
           <a:lstStyle/>
           <a:p>
             <a:pPr/>
-            <a:fld id="{3E412479-37D3-14D2-9DF9-C1876AB76B94}" type="slidenum">
+            <a:fld id="{3EE5236B-25D3-B0D5-9D5D-D3806D136B86}" type="slidenum">
               <a:t/>
             </a:fld>
           </a:p>
@@ -1008,7 +1008,7 @@
             <a:spLocks noGrp="1" noChangeArrowheads="1"/>
             <a:extLst>
               <a:ext uri="smNativeData">
-                <pr:smNativeData xmlns:pr="smNativeData" xmlns="smNativeData" val="SMDATA_15_Lb0aZBMAAAAlAAAAZAAAAA8BAAAAkAAAAEgAAACQAAAASAAAAAAAAAAAAAAAAAAAAAEAAABQAAAAAAAAAAAA4D8AAAAAAADgPwAAAAAAAOA/AAAAAAAA4D8AAAAAAADgPwAAAAAAAOA/AAAAAAAA4D8AAAAAAADgPwAAAAAAAOA/AAAAAAAA4D8CAAAAjAAAAAAAAAAAAAAAu+DjDP///wgAAAAAAAAAAAAAAAAAAAAAAAAAAAAAAAAAAAAAZAAAAAEAAABAAAAAAAAAAAAAAAAAAAAAAAAAAAAAAAAAAAAAAAAAAAAAAAAAAAAAAAAAAAAAAAAAAAAAAAAAAAAAAAAAAAAAAAAAAAAAAAAAAAAAAAAAAAAAAAAAAAAAFAAAADwAAAAAAAAAAAAAAAAAAAkUAAAAAQAAABQAAAAUAAAAFAAAAAEAAAAAAAAAZAAAAGQAAAAAAAAAZAAAAGQAAAAVAAAAYAAAAAAAAAAAAAAADwAAACADAAAAAAAAAAAAAAEAAACgMgAAVgcAAKr4//8BAAAAf39/AAEAAABkAAAAAAAAABQAAABAHwAAAAAAACYAAAAAAAAAwOD//wAAAAAmAAAAZAAAABYAAABMAAAAAAAAAAAAAAAEAAAAAAAAAAEAAACAgIAKAAAAACgAAAAoAAAAZAAAAGQAAAAAAAAAzMzMAAAAAABQAAAAUAAAAGQAAABkAAAAAAAAABcAAAAUAAAAAAAAAAAAAAD/fwAA/38AAAAAAAAJAAAABAAAANw7IAEeAAAAaAAAAAAAAAAAAAAAAAAAAAAAAAAAAAAAECcAABAnAAAAAAAAAAAAAAAAAAAAAAAAAAAAAAAAAAAAAAAAAAAAABQAAAAAAAAAwMD/AAAAAABkAAAAMgAAAAAAAABkAAAAAAAAAH9/fwAKAAAAIgAAABgAAAAAAAAAAAAAAAAAAAAAAAAAAAAAAAAAAAAkAAAAJAAAAAAAAAAHAAAAAAAAAAAAAAAAAAAAAAAAAAAAAAAAAAAAf39/ACUAAABYAAAAAAAAAAAAAAAAAAAAAAAAAAAAAAAAAAAAAAAAAAAAAAAAAAAAAAAAAAAAAAA/AAAAAAAAAKCGAQAAAAAAAAAAAAAAAAAMAAAAAQAAAAAAAAAAAAAAAAAAAB8AAABUAAAAAAAABQAAAAEAAAAAAAAAAAAAAAAAAAAAAAAAAAAAAAAAAAAAAAAAAAAAAAJ/f38AAAAAA8zMzADAwP8Af39/AAAAAAAAAAAAAAAAAAAAAAAAAAAAIQAAABgAAAAUAAAA7QUAABwbAACtRQAAfSMAABAAAAAmAAAACAAAAIGAAAAAAAAA"/>
+                <pr:smNativeData xmlns:pr="smNativeData" xmlns="smNativeData" val="SMDATA_15_Sr0aZBMAAAAlAAAAZAAAAA8BAAAAkAAAAEgAAACQAAAASAAAAAAAAAAAAAAAAAAAAAEAAABQAAAAAAAAAAAA4D8AAAAAAADgPwAAAAAAAOA/AAAAAAAA4D8AAAAAAADgPwAAAAAAAOA/AAAAAAAA4D8AAAAAAADgPwAAAAAAAOA/AAAAAAAA4D8CAAAAjAAAAAAAAAAAAAAAu+DjDP///wgAAAAAAAAAAAAAAAAAAAAAAAAAAAAAAAAAAAAAZAAAAAEAAABAAAAAAAAAAAAAAAAAAAAAAAAAAAAAAAAAAAAAAAAAAAAAAAAAAAAAAAAAAAAAAAAAAAAAAAAAAAAAAAAAAAAAAAAAAAAAAAAAAAAAAAAAAAAAAAAAAAAAFAAAADwAAAAAAAAAAAAAAAAAAAkUAAAAAQAAABQAAAAUAAAAFAAAAAEAAAAAAAAAZAAAAGQAAAAAAAAAZAAAAGQAAAAVAAAAYAAAAAAAAAAAAAAADwAAACADAAAAAAAAAAAAAAEAAACgMgAAVgcAAKr4//8BAAAAf39/AAEAAABkAAAAAAAAABQAAABAHwAAAAAAACYAAAAAAAAAwOD//wAAAAAmAAAAZAAAABYAAABMAAAAAAAAAAAAAAAEAAAAAAAAAAEAAACAgIAKAAAAACgAAAAoAAAAZAAAAGQAAAAAAAAAzMzMAAAAAABQAAAAUAAAAGQAAABkAAAAAAAAABcAAAAUAAAAAAAAAAAAAAD/fwAA/38AAAAAAAAJAAAABAAAANw7IAEeAAAAaAAAAAAAAAAAAAAAAAAAAAAAAAAAAAAAECcAABAnAAAAAAAAAAAAAAAAAAAAAAAAAAAAAAAAAAAAAAAAAAAAABQAAAAAAAAAwMD/AAAAAABkAAAAMgAAAAAAAABkAAAAAAAAAH9/fwAKAAAAIgAAABgAAAAAAAAAAAAAAAAAAAAAAAAAAAAAAAAAAAAkAAAAJAAAAAAAAAAHAAAAAAAAAAAAAAAAAAAAAAAAAAAAAAAAAAAAf39/ACUAAABYAAAAAAAAAAAAAAAAAAAAAAAAAAAAAAAAAAAAAAAAAAAAAAAAAAAAAAAAAAAAAAA/AAAAAAAAAKCGAQAAAAAAAAAAAAAAAAAMAAAAAQAAAAAAAAAAAAAAAAAAAB8AAABUAAAAAAAABQAAAAEAAAAAAAAAAAAAAAAAAAAAAAAAAAAAAAAAAAAAAAAAAAAAAAJ/f38AAAAAA8zMzADAwP8Af39/AAAAAAAAAAAAAAAAAAAAAAAAAAAAIQAAABgAAAAUAAAA7QUAABwbAACtRQAAfSMAABAAAAAmAAAACAAAAIGAAAAAAAAA"/>
               </a:ext>
             </a:extLst>
           </p:cNvSpPr>
@@ -1048,7 +1048,7 @@
             <a:spLocks noGrp="1" noChangeArrowheads="1"/>
             <a:extLst>
               <a:ext uri="smNativeData">
-                <pr:smNativeData xmlns:pr="smNativeData" xmlns="smNativeData" val="SMDATA_15_Lb0aZBMAAAAlAAAAZAAAAA8BAAAAkAAAAEgAAACQAAAASAAAAAAAAAACAAAAAAAAAAEAAABQAAAAAAAAAAAA4D8AAAAAAADgPwAAAAAAAOA/AAAAAAAA4D8AAAAAAADgPwAAAAAAAOA/AAAAAAAA4D8AAAAAAADgPwAAAAAAAOA/AAAAAAAA4D8CAAAAjAAAAAAAAAAAAAAAu+DjDP///wgAAAAAAAAAAAAAAAAAAAAAAAAAAAAAAAAAAAAAZAAAAAEAAABAAAAAAAAAAAAAAAAAAAAAAAAAAAAAAAAAAAAAAAAAAAAAAAAAAAAAAAAAAAAAAAAAAAAAAAAAAAAAAAAAAAAAAAAAAAAAAAAAAAAAAAAAAAAAAAAAAAAAFAAAADwAAAAAAAAAAAAAAAAAAAkUAAAAAQAAABQAAAAUAAAAFAAAAAEAAAAAAAAAZAAAAGQAAAAAAAAAZAAAAGQAAAAVAAAAYAAAAAAAAAAAAAAADwAAACADAAAAAAAAAAAAAAEAAACgMgAAVgcAAKr4//8BAAAAf39/AAEAAABkAAAAAAAAABQAAABAHwAAAAAAACYAAAAAAAAAwOD//wAAAAAmAAAAZAAAABYAAABMAAAAAAAAAAAAAAAEAAAAAAAAAAEAAACAgIAKAAAAACgAAAAoAAAAZAAAAGQAAAAAAAAAzMzMAAAAAABQAAAAUAAAAGQAAABkAAAAAAAAABcAAAAUAAAAAAAAAAAAAAD/fwAA/38AAAAAAAAJAAAABAAAANw7IAEeAAAAaAAAAAAAAAAAAAAAAAAAAAAAAAAAAAAAECcAABAnAAAAAAAAAAAAAAAAAAAAAAAAAAAAAAAAAAAAAAAAAAAAABQAAAAAAAAAwMD/AAAAAABkAAAAMgAAAAAAAABkAAAAAAAAAH9/fwAKAAAAIgAAABgAAAAAAAAAAAAAAAAAAAAAAAAAAAAAAAAAAAAkAAAAJAAAAAAAAAAHAAAAAAAAAAAAAAAAAAAAAAAAAAAAAAAAAAAAf39/ACUAAABYAAAAAAAAAAAAAAAAAAAAAAAAAAAAAAAAAAAAAAAAAAAAAAAAAAAAAAAAAAAAAAA/AAAAAAAAAKCGAQAAAAAAAAAAAAAAAAAMAAAAAQAAAAAAAAAAAAAAAAAAAB8AAABUAAAAAAAABQAAAAEAAAAAAAAAAAAAAAAAAAAAAAAAAAAAAAAAAAAAAAAAAAAAAAJ/f38AAAAAA8zMzADAwP8Af39/AAAAAAAAAAAAAAAAAAAAAAAAAAAAIQAAABgAAAAUAAAA7QUAAOERAACtRQAAHBsAABAAAAAmAAAACAAAAIGAAAAAAAAA"/>
+                <pr:smNativeData xmlns:pr="smNativeData" xmlns="smNativeData" val="SMDATA_15_Sr0aZBMAAAAlAAAAZAAAAA8BAAAAkAAAAEgAAACQAAAASAAAAAAAAAACAAAAAAAAAAEAAABQAAAAAAAAAAAA4D8AAAAAAADgPwAAAAAAAOA/AAAAAAAA4D8AAAAAAADgPwAAAAAAAOA/AAAAAAAA4D8AAAAAAADgPwAAAAAAAOA/AAAAAAAA4D8CAAAAjAAAAAAAAAAAAAAAu+DjDP///wgAAAAAAAAAAAAAAAAAAAAAAAAAAAAAAAAAAAAAZAAAAAEAAABAAAAAAAAAAAAAAAAAAAAAAAAAAAAAAAAAAAAAAAAAAAAAAAAAAAAAAAAAAAAAAAAAAAAAAAAAAAAAAAAAAAAAAAAAAAAAAAAAAAAAAAAAAAAAAAAAAAAAFAAAADwAAAAAAAAAAAAAAAAAAAkUAAAAAQAAABQAAAAUAAAAFAAAAAEAAAAAAAAAZAAAAGQAAAAAAAAAZAAAAGQAAAAVAAAAYAAAAAAAAAAAAAAADwAAACADAAAAAAAAAAAAAAEAAACgMgAAVgcAAKr4//8BAAAAf39/AAEAAABkAAAAAAAAABQAAABAHwAAAAAAACYAAAAAAAAAwOD//wAAAAAmAAAAZAAAABYAAABMAAAAAAAAAAAAAAAEAAAAAAAAAAEAAACAgIAKAAAAACgAAAAoAAAAZAAAAGQAAAAAAAAAzMzMAAAAAABQAAAAUAAAAGQAAABkAAAAAAAAABcAAAAUAAAAAAAAAAAAAAD/fwAA/38AAAAAAAAJAAAABAAAANw7IAEeAAAAaAAAAAAAAAAAAAAAAAAAAAAAAAAAAAAAECcAABAnAAAAAAAAAAAAAAAAAAAAAAAAAAAAAAAAAAAAAAAAAAAAABQAAAAAAAAAwMD/AAAAAABkAAAAMgAAAAAAAABkAAAAAAAAAH9/fwAKAAAAIgAAABgAAAAAAAAAAAAAAAAAAAAAAAAAAAAAAAAAAAAkAAAAJAAAAAAAAAAHAAAAAAAAAAAAAAAAAAAAAAAAAAAAAAAAAAAAf39/ACUAAABYAAAAAAAAAAAAAAAAAAAAAAAAAAAAAAAAAAAAAAAAAAAAAAAAAAAAAAAAAAAAAAA/AAAAAAAAAKCGAQAAAAAAAAAAAAAAAAAMAAAAAQAAAAAAAAAAAAAAAAAAAB8AAABUAAAAAAAABQAAAAEAAAAAAAAAAAAAAAAAAAAAAAAAAAAAAAAAAAAAAAAAAAAAAAJ/f38AAAAAA8zMzADAwP8Af39/AAAAAAAAAAAAAAAAAAAAAAAAAAAAIQAAABgAAAAUAAAA7QUAAOERAACtRQAAHBsAABAAAAAmAAAACAAAAIGAAAAAAAAA"/>
               </a:ext>
             </a:extLst>
           </p:cNvSpPr>
@@ -1121,7 +1121,7 @@
             <a:spLocks noGrp="1" noChangeArrowheads="1"/>
             <a:extLst>
               <a:ext uri="smNativeData">
-                <pr:smNativeData xmlns:pr="smNativeData" xmlns="smNativeData" val="SMDATA_15_Lb0aZBMAAAAlAAAAZAAAAA8BAAAAkAAAAEgAAACQAAAASAAAAAAAAAABAAAAAAAAAAEAAABQAAAAAAAAAAAA4D8AAAAAAADgPwAAAAAAAOA/AAAAAAAA4D8AAAAAAADgPwAAAAAAAOA/AAAAAAAA4D8AAAAAAADgPwAAAAAAAOA/AAAAAAAA4D8CAAAAjAAAAAAAAAAAAAAAu+DjDP///wgAAAAAAAAAAAAAAAAAAAAAAAAAAAAAAAAAAAAAZAAAAAEAAABAAAAAAAAAAAAAAAAAAAAAAAAAAAAAAAAAAAAAAAAAAAAAAAAAAAAAAAAAAAAAAAAAAAAAAAAAAAAAAAAAAAAAAAAAAAAAAAAAAAAAAAAAAAAAAAAAAAAAFAAAADwAAAAAAAAAAAAAAAAAAAkUAAAAAQAAABQAAAAUAAAAFAAAAAEAAAAAAAAAZAAAAGQAAAAAAAAAZAAAAGQAAAAVAAAAYAAAAAAAAAAAAAAADwAAACADAAAAAAAAAAAAAAEAAACgMgAAVgcAAKr4//8BAAAAf39/AAEAAABkAAAAAAAAABQAAABAHwAAAAAAACYAAAAAAAAAwOD//wAAAAAmAAAAZAAAABYAAABMAAAAAAAAAAAAAAAEAAAAAAAAAAEAAACAgIAKAAAAACgAAAAoAAAAZAAAAGQAAAAAAAAAzMzMAAAAAABQAAAAUAAAAGQAAABkAAAAAAAAABcAAAAUAAAAAAAAAAAAAAD/fwAA/38AAAAAAAAJAAAABAAAAAAAAAAeAAAAaAAAAAAAAAAAAAAAAAAAAAAAAAAAAAAAECcAABAnAAAAAAAAAAAAAAAAAAAAAAAAAAAAAAAAAAAAAAAAAAAAABQAAAAAAAAAwMD/AAAAAABkAAAAMgAAAAAAAABkAAAAAAAAAH9/fwAKAAAAIgAAABgAAAAAAAAAAAAAAAAAAAAAAAAAAAAAAAAAAAAkAAAAJAAAAAAAAAAHAAAAAAAAAAAAAAAAAAAAAAAAAAAAAAAAAAAAf39/ACUAAABYAAAAAAAAAAAAAAAAAAAAAAAAAAAAAAAAAAAAAAAAAAAAAAAAAAAAAAAAAAAAAAA/AAAAAAAAAKCGAQAAAAAAAAAAAAAAAAAMAAAAAQAAAAAAAAAAAAAAAAAAAB8AAABUAAAAAAAABQAAAAEAAAAAAAAAAAAAAAAAAAAAAAAAAAAAAAAAAAAAAAAAAAAAAAJ/f38AAAAAA8zMzADAwP8Af39/AAAAAAAAAAAAAAAAAAAAAAAAAAAAIQAAABgAAAAUAAAAwAMAABsnAAA/FQAAWSkAABAAAAAmAAAACAAAAAAAAAAAAAAA"/>
+                <pr:smNativeData xmlns:pr="smNativeData" xmlns="smNativeData" val="SMDATA_15_Sr0aZBMAAAAlAAAAZAAAAA8BAAAAkAAAAEgAAACQAAAASAAAAAAAAAABAAAAAAAAAAEAAABQAAAAAAAAAAAA4D8AAAAAAADgPwAAAAAAAOA/AAAAAAAA4D8AAAAAAADgPwAAAAAAAOA/AAAAAAAA4D8AAAAAAADgPwAAAAAAAOA/AAAAAAAA4D8CAAAAjAAAAAAAAAAAAAAAu+DjDP///wgAAAAAAAAAAAAAAAAAAAAAAAAAAAAAAAAAAAAAZAAAAAEAAABAAAAAAAAAAAAAAAAAAAAAAAAAAAAAAAAAAAAAAAAAAAAAAAAAAAAAAAAAAAAAAAAAAAAAAAAAAAAAAAAAAAAAAAAAAAAAAAAAAAAAAAAAAAAAAAAAAAAAFAAAADwAAAAAAAAAAAAAAAAAAAkUAAAAAQAAABQAAAAUAAAAFAAAAAEAAAAAAAAAZAAAAGQAAAAAAAAAZAAAAGQAAAAVAAAAYAAAAAAAAAAAAAAADwAAACADAAAAAAAAAAAAAAEAAACgMgAAVgcAAKr4//8BAAAAf39/AAEAAABkAAAAAAAAABQAAABAHwAAAAAAACYAAAAAAAAAwOD//wAAAAAmAAAAZAAAABYAAABMAAAAAAAAAAAAAAAEAAAAAAAAAAEAAACAgIAKAAAAACgAAAAoAAAAZAAAAGQAAAAAAAAAzMzMAAAAAABQAAAAUAAAAGQAAABkAAAAAAAAABcAAAAUAAAAAAAAAAAAAAD/fwAA/38AAAAAAAAJAAAABAAAAAAAAAAeAAAAaAAAAAAAAAAAAAAAAAAAAAAAAAAAAAAAECcAABAnAAAAAAAAAAAAAAAAAAAAAAAAAAAAAAAAAAAAAAAAAAAAABQAAAAAAAAAwMD/AAAAAABkAAAAMgAAAAAAAABkAAAAAAAAAH9/fwAKAAAAIgAAABgAAAAAAAAAAAAAAAAAAAAAAAAAAAAAAAAAAAAkAAAAJAAAAAAAAAAHAAAAAAAAAAAAAAAAAAAAAAAAAAAAAAAAAAAAf39/ACUAAABYAAAAAAAAAAAAAAAAAAAAAAAAAAAAAAAAAAAAAAAAAAAAAAAAAAAAAAAAAAAAAAA/AAAAAAAAAKCGAQAAAAAAAAAAAAAAAAAMAAAAAQAAAAAAAAAAAAAAAAAAAB8AAABUAAAAAAAABQAAAAEAAAAAAAAAAAAAAAAAAAAAAAAAAAAAAAAAAAAAAAAAAAAAAAJ/f38AAAAAA8zMzADAwP8Af39/AAAAAAAAAAAAAAAAAAAAAAAAAAAAIQAAABgAAAAUAAAAwAMAABsnAAA/FQAAWSkAABAAAAAmAAAACAAAAAAAAAAAAAAA"/>
               </a:ext>
             </a:extLst>
           </p:cNvSpPr>
@@ -1135,7 +1135,7 @@
           <a:lstStyle/>
           <a:p>
             <a:pPr/>
-            <a:fld id="{3E4136B4-FAD3-14C0-9DF9-0C9578B76B59}" type="datetime1">
+            <a:fld id="{3EE5466D-23D3-B0B0-9D5D-D5E508136B80}" type="datetime1">
               <a:t/>
             </a:fld>
           </a:p>
@@ -1148,7 +1148,7 @@
             <a:spLocks noGrp="1" noChangeArrowheads="1"/>
             <a:extLst>
               <a:ext uri="smNativeData">
-                <pr:smNativeData xmlns:pr="smNativeData" xmlns="smNativeData" val="SMDATA_15_Lb0aZBMAAAAlAAAAZAAAAA8BAAAAkAAAAEgAAACQAAAASAAAAAAAAAABAAAAAAAAAAEAAABQAAAAAAAAAAAA4D8AAAAAAADgPwAAAAAAAOA/AAAAAAAA4D8AAAAAAADgPwAAAAAAAOA/AAAAAAAA4D8AAAAAAADgPwAAAAAAAOA/AAAAAAAA4D8CAAAAjAAAAAAAAAAAAAAAu+DjDP///wgAAAAAAAAAAAAAAAAAAAAAAAAAAAAAAAAAAAAAZAAAAAEAAABAAAAAAAAAAAAAAAAAAAAAAAAAAAAAAAAAAAAAAAAAAAAAAAAAAAAAAAAAAAAAAAAAAAAAAAAAAAAAAAAAAAAAAAAAAAAAAAAAAAAAAAAAAAAAAAAAAAAAFAAAADwAAAAAAAAAAAAAAAAAAAkUAAAAAQAAABQAAAAUAAAAFAAAAAEAAAAAAAAAZAAAAGQAAAAAAAAAZAAAAGQAAAAVAAAAYAAAAAAAAAAAAAAADwAAACADAAAAAAAAAAAAAAEAAACgMgAAVgcAAKr4//8BAAAAf39/AAEAAABkAAAAAAAAABQAAABAHwAAAAAAACYAAAAAAAAAwOD//wAAAAAmAAAAZAAAABYAAABMAAAAAAAAAAAAAAAEAAAAAAAAAAEAAACAgIAKAAAAACgAAAAoAAAAZAAAAGQAAAAAAAAAzMzMAAAAAABQAAAAUAAAAGQAAABkAAAAAAAAABcAAAAUAAAAAAAAAAAAAAD/fwAA/38AAAAAAAAJAAAABAAAANw7IAEeAAAAaAAAAAAAAAAAAAAAAAAAAAAAAAAAAAAAECcAABAnAAAAAAAAAAAAAAAAAAAAAAAAAAAAAAAAAAAAAAAAAAAAABQAAAAAAAAAwMD/AAAAAABkAAAAMgAAAAAAAABkAAAAAAAAAH9/fwAKAAAAIgAAABgAAAAAAAAAAAAAAAAAAAAAAAAAAAAAAAAAAAAkAAAAJAAAAAAAAAAHAAAAAAAAAAAAAAAAAAAAAAAAAAAAAAAAAAAAf39/ACUAAABYAAAAAAAAAAAAAAAAAAAAAAAAAAAAAAAAAAAAAAAAAAAAAAAAAAAAAAAAAAAAAAA/AAAAAAAAAKCGAQAAAAAAAAAAAAAAAAAMAAAAAQAAAAAAAAAAAAAAAAAAAB8AAABUAAAAAAAABQAAAAEAAAAAAAAAAAAAAAAAAAAAAAAAAAAAAAAAAAAAAAAAAAAAAAJ/f38AAAAAA8zMzADAwP8Af39/AAAAAAAAAAAAAAAAAAAAAAAAAAAAIQAAABgAAAAUAAAAoRkAABsnAABfMQAAWSkAABAAAAAmAAAACAAAAAAAAAAAAAAA"/>
+                <pr:smNativeData xmlns:pr="smNativeData" xmlns="smNativeData" val="SMDATA_15_Sr0aZBMAAAAlAAAAZAAAAA8BAAAAkAAAAEgAAACQAAAASAAAAAAAAAABAAAAAAAAAAEAAABQAAAAAAAAAAAA4D8AAAAAAADgPwAAAAAAAOA/AAAAAAAA4D8AAAAAAADgPwAAAAAAAOA/AAAAAAAA4D8AAAAAAADgPwAAAAAAAOA/AAAAAAAA4D8CAAAAjAAAAAAAAAAAAAAAu+DjDP///wgAAAAAAAAAAAAAAAAAAAAAAAAAAAAAAAAAAAAAZAAAAAEAAABAAAAAAAAAAAAAAAAAAAAAAAAAAAAAAAAAAAAAAAAAAAAAAAAAAAAAAAAAAAAAAAAAAAAAAAAAAAAAAAAAAAAAAAAAAAAAAAAAAAAAAAAAAAAAAAAAAAAAFAAAADwAAAAAAAAAAAAAAAAAAAkUAAAAAQAAABQAAAAUAAAAFAAAAAEAAAAAAAAAZAAAAGQAAAAAAAAAZAAAAGQAAAAVAAAAYAAAAAAAAAAAAAAADwAAACADAAAAAAAAAAAAAAEAAACgMgAAVgcAAKr4//8BAAAAf39/AAEAAABkAAAAAAAAABQAAABAHwAAAAAAACYAAAAAAAAAwOD//wAAAAAmAAAAZAAAABYAAABMAAAAAAAAAAAAAAAEAAAAAAAAAAEAAACAgIAKAAAAACgAAAAoAAAAZAAAAGQAAAAAAAAAzMzMAAAAAABQAAAAUAAAAGQAAABkAAAAAAAAABcAAAAUAAAAAAAAAAAAAAD/fwAA/38AAAAAAAAJAAAABAAAANw7IAEeAAAAaAAAAAAAAAAAAAAAAAAAAAAAAAAAAAAAECcAABAnAAAAAAAAAAAAAAAAAAAAAAAAAAAAAAAAAAAAAAAAAAAAABQAAAAAAAAAwMD/AAAAAABkAAAAMgAAAAAAAABkAAAAAAAAAH9/fwAKAAAAIgAAABgAAAAAAAAAAAAAAAAAAAAAAAAAAAAAAAAAAAAkAAAAJAAAAAAAAAAHAAAAAAAAAAAAAAAAAAAAAAAAAAAAAAAAAAAAf39/ACUAAABYAAAAAAAAAAAAAAAAAAAAAAAAAAAAAAAAAAAAAAAAAAAAAAAAAAAAAAAAAAAAAAA/AAAAAAAAAKCGAQAAAAAAAAAAAAAAAAAMAAAAAQAAAAAAAAAAAAAAAAAAAB8AAABUAAAAAAAABQAAAAEAAAAAAAAAAAAAAAAAAAAAAAAAAAAAAAAAAAAAAAAAAAAAAAJ/f38AAAAAA8zMzADAwP8Af39/AAAAAAAAAAAAAAAAAAAAAAAAAAAAIQAAABgAAAAUAAAAoRkAABsnAABfMQAAWSkAABAAAAAmAAAACAAAAAAAAAAAAAAA"/>
               </a:ext>
             </a:extLst>
           </p:cNvSpPr>
@@ -1175,7 +1175,7 @@
             <a:spLocks noGrp="1" noChangeArrowheads="1"/>
             <a:extLst>
               <a:ext uri="smNativeData">
-                <pr:smNativeData xmlns:pr="smNativeData" xmlns="smNativeData" val="SMDATA_15_Lb0aZBMAAAAlAAAAZAAAAA8BAAAAkAAAAEgAAACQAAAASAAAAAAAAAABAAAAAAAAAAEAAABQAAAAAAAAAAAA4D8AAAAAAADgPwAAAAAAAOA/AAAAAAAA4D8AAAAAAADgPwAAAAAAAOA/AAAAAAAA4D8AAAAAAADgPwAAAAAAAOA/AAAAAAAA4D8CAAAAjAAAAAAAAAAAAAAAu+DjDP///wgAAAAAAAAAAAAAAAAAAAAAAAAAAAAAAAAAAAAAZAAAAAEAAABAAAAAAAAAAAAAAAAAAAAAAAAAAAAAAAAAAAAAAAAAAAAAAAAAAAAAAAAAAAAAAAAAAAAAAAAAAAAAAAAAAAAAAAAAAAAAAAAAAAAAAAAAAAAAAAAAAAAAFAAAADwAAAAAAAAAAAAAAAAAAAkUAAAAAQAAABQAAAAUAAAAFAAAAAEAAAAAAAAAZAAAAGQAAAAAAAAAZAAAAGQAAAAVAAAAYAAAAAAAAAAAAAAADwAAACADAAAAAAAAAAAAAAEAAACgMgAAVgcAAKr4//8BAAAAf39/AAEAAABkAAAAAAAAABQAAABAHwAAAAAAACYAAAAAAAAAwOD//wAAAAAmAAAAZAAAABYAAABMAAAAAAAAAAAAAAAEAAAAAAAAAAEAAACAgIAKAAAAACgAAAAoAAAAZAAAAGQAAAAAAAAAzMzMAAAAAABQAAAAUAAAAGQAAABkAAAAAAAAABcAAAAUAAAAAAAAAAAAAAD/fwAA/38AAAAAAAAJAAAABAAAANw7IAEeAAAAaAAAAAAAAAAAAAAAAAAAAAAAAAAAAAAAECcAABAnAAAAAAAAAAAAAAAAAAAAAAAAAAAAAAAAAAAAAAAAAAAAABQAAAAAAAAAwMD/AAAAAABkAAAAMgAAAAAAAABkAAAAAAAAAH9/fwAKAAAAIgAAABgAAAAAAAAAAAAAAAAAAAAAAAAAAAAAAAAAAAAkAAAAJAAAAAAAAAAHAAAAAAAAAAAAAAAAAAAAAAAAAAAAAAAAAAAAf39/ACUAAABYAAAAAAAAAAAAAAAAAAAAAAAAAAAAAAAAAAAAAAAAAAAAAAAAAAAAAAAAAAAAAAA/AAAAAAAAAKCGAQAAAAAAAAAAAAAAAAAMAAAAAQAAAAAAAAAAAAAAAAAAAB8AAABUAAAAAAAABQAAAAEAAAAAAAAAAAAAAAAAAAAAAAAAAAAAAAAAAAAAAAAAAAAAAAJ/f38AAAAAA8zMzADAwP8Af39/AAAAAAAAAAAAAAAAAAAAAAAAAAAAIQAAABgAAAAUAAAAwTUAABsnAABARwAAWSkAABAAAAAmAAAACAAAAAAAAAAAAAAA"/>
+                <pr:smNativeData xmlns:pr="smNativeData" xmlns="smNativeData" val="SMDATA_15_Sr0aZBMAAAAlAAAAZAAAAA8BAAAAkAAAAEgAAACQAAAASAAAAAAAAAABAAAAAAAAAAEAAABQAAAAAAAAAAAA4D8AAAAAAADgPwAAAAAAAOA/AAAAAAAA4D8AAAAAAADgPwAAAAAAAOA/AAAAAAAA4D8AAAAAAADgPwAAAAAAAOA/AAAAAAAA4D8CAAAAjAAAAAAAAAAAAAAAu+DjDP///wgAAAAAAAAAAAAAAAAAAAAAAAAAAAAAAAAAAAAAZAAAAAEAAABAAAAAAAAAAAAAAAAAAAAAAAAAAAAAAAAAAAAAAAAAAAAAAAAAAAAAAAAAAAAAAAAAAAAAAAAAAAAAAAAAAAAAAAAAAAAAAAAAAAAAAAAAAAAAAAAAAAAAFAAAADwAAAAAAAAAAAAAAAAAAAkUAAAAAQAAABQAAAAUAAAAFAAAAAEAAAAAAAAAZAAAAGQAAAAAAAAAZAAAAGQAAAAVAAAAYAAAAAAAAAAAAAAADwAAACADAAAAAAAAAAAAAAEAAACgMgAAVgcAAKr4//8BAAAAf39/AAEAAABkAAAAAAAAABQAAABAHwAAAAAAACYAAAAAAAAAwOD//wAAAAAmAAAAZAAAABYAAABMAAAAAAAAAAAAAAAEAAAAAAAAAAEAAACAgIAKAAAAACgAAAAoAAAAZAAAAGQAAAAAAAAAzMzMAAAAAABQAAAAUAAAAGQAAABkAAAAAAAAABcAAAAUAAAAAAAAAAAAAAD/fwAA/38AAAAAAAAJAAAABAAAANw7IAEeAAAAaAAAAAAAAAAAAAAAAAAAAAAAAAAAAAAAECcAABAnAAAAAAAAAAAAAAAAAAAAAAAAAAAAAAAAAAAAAAAAAAAAABQAAAAAAAAAwMD/AAAAAABkAAAAMgAAAAAAAABkAAAAAAAAAH9/fwAKAAAAIgAAABgAAAAAAAAAAAAAAAAAAAAAAAAAAAAAAAAAAAAkAAAAJAAAAAAAAAAHAAAAAAAAAAAAAAAAAAAAAAAAAAAAAAAAAAAAf39/ACUAAABYAAAAAAAAAAAAAAAAAAAAAAAAAAAAAAAAAAAAAAAAAAAAAAAAAAAAAAAAAAAAAAA/AAAAAAAAAKCGAQAAAAAAAAAAAAAAAAAMAAAAAQAAAAAAAAAAAAAAAAAAAB8AAABUAAAAAAAABQAAAAEAAAAAAAAAAAAAAAAAAAAAAAAAAAAAAAAAAAAAAAAAAAAAAAJ/f38AAAAAA8zMzADAwP8Af39/AAAAAAAAAAAAAAAAAAAAAAAAAAAAIQAAABgAAAAUAAAAwTUAABsnAABARwAAWSkAABAAAAAmAAAACAAAAAAAAAAAAAAA"/>
               </a:ext>
             </a:extLst>
           </p:cNvSpPr>
@@ -1189,7 +1189,7 @@
           <a:lstStyle/>
           <a:p>
             <a:pPr/>
-            <a:fld id="{3E4121D7-99D3-14D7-9DF9-6F826FB76B3A}" type="slidenum">
+            <a:fld id="{3EE54287-C9D3-B0B4-9D5D-3FE10C136B6A}" type="slidenum">
               <a:t/>
             </a:fld>
           </a:p>
@@ -1227,7 +1227,7 @@
             <a:spLocks noGrp="1" noChangeArrowheads="1"/>
             <a:extLst>
               <a:ext uri="smNativeData">
-                <pr:smNativeData xmlns:pr="smNativeData" xmlns="smNativeData" val="SMDATA_15_Lb0aZBMAAAAlAAAAZAAAAA8BAAAAkAAAAEgAAACQAAAASAAAAAAAAAABAAAAAAAAAAEAAABQAAAAAAAAAAAA4D8AAAAAAADgPwAAAAAAAOA/AAAAAAAA4D8AAAAAAADgPwAAAAAAAOA/AAAAAAAA4D8AAAAAAADgPwAAAAAAAOA/AAAAAAAA4D8CAAAAjAAAAAAAAAAAAAAAu+DjDP///wgAAAAAAAAAAAAAAAAAAAAAAAAAAAAAAAAAAAAAZAAAAAEAAABAAAAAAAAAAAAAAAAAAAAAAAAAAAAAAAAAAAAAAAAAAAAAAAAAAAAAAAAAAAAAAAAAAAAAAAAAAAAAAAAAAAAAAAAAAAAAAAAAAAAAAAAAAAAAAAAAAAAAFAAAADwAAAAAAAAAAAAAAAAAAAkUAAAAAQAAABQAAAAUAAAAFAAAAAEAAAAAAAAAZAAAAGQAAAAAAAAAZAAAAGQAAAAVAAAAYAAAAAAAAAAAAAAADwAAACADAAAAAAAAAAAAAAEAAACgMgAAVgcAAKr4//8BAAAAf39/AAEAAABkAAAAAAAAABQAAABAHwAAAAAAACYAAAAAAAAAwOD//wAAAAAmAAAAZAAAABYAAABMAAAAAAAAAAAAAAAEAAAAAAAAAAEAAACAgIAKAAAAACgAAAAoAAAAZAAAAGQAAAAAAAAAzMzMAAAAAABQAAAAUAAAAGQAAABkAAAAAAAAABcAAAAUAAAAAAAAAAAAAAD/fwAA/38AAAAAAAAJAAAABAAAANw7IAEeAAAAaAAAAAAAAAAAAAAAAAAAAAAAAAAAAAAAECcAABAnAAAAAAAAAAAAAAAAAAAAAAAAAAAAAAAAAAAAAAAAAAAAABQAAAAAAAAAwMD/AAAAAABkAAAAMgAAAAAAAABkAAAAAAAAAH9/fwAKAAAAIgAAABgAAAAAAAAAAAAAAAAAAAAAAAAAAAAAAAAAAAAkAAAAJAAAAAAAAAAHAAAAAAAAAAAAAAAAAAAAAAAAAAAAAAAAAAAAf39/ACUAAABYAAAAAAAAAAAAAAAAAAAAAAAAAAAAAAAAAAAAAAAAAAAAAAAAAAAAAAAAAAAAAAA/AAAAAAAAAKCGAQAAAAAAAAAAAAAAAAAMAAAAAQAAAAAAAAAAAAAAAAAAAB8AAABUAAAAAAAABQAAAAEAAAAAAAAAAAAAAAAAAAAAAAAAAAAAAAAAAAAAAAAAAAAAAAJ/f38AAAAAA8zMzADAwP8Af39/AAAAAAAAAAAAAAAAAAAAAAAAAAAAIQAAABgAAAAUAAAAwAMAALABAABARwAAuAgAABAAAAAmAAAACAAAAAAAAAAAAAAA"/>
+                <pr:smNativeData xmlns:pr="smNativeData" xmlns="smNativeData" val="SMDATA_15_Sr0aZBMAAAAlAAAAZAAAAA8BAAAAkAAAAEgAAACQAAAASAAAAAAAAAABAAAAAAAAAAEAAABQAAAAAAAAAAAA4D8AAAAAAADgPwAAAAAAAOA/AAAAAAAA4D8AAAAAAADgPwAAAAAAAOA/AAAAAAAA4D8AAAAAAADgPwAAAAAAAOA/AAAAAAAA4D8CAAAAjAAAAAAAAAAAAAAAu+DjDP///wgAAAAAAAAAAAAAAAAAAAAAAAAAAAAAAAAAAAAAZAAAAAEAAABAAAAAAAAAAAAAAAAAAAAAAAAAAAAAAAAAAAAAAAAAAAAAAAAAAAAAAAAAAAAAAAAAAAAAAAAAAAAAAAAAAAAAAAAAAAAAAAAAAAAAAAAAAAAAAAAAAAAAFAAAADwAAAAAAAAAAAAAAAAAAAkUAAAAAQAAABQAAAAUAAAAFAAAAAEAAAAAAAAAZAAAAGQAAAAAAAAAZAAAAGQAAAAVAAAAYAAAAAAAAAAAAAAADwAAACADAAAAAAAAAAAAAAEAAACgMgAAVgcAAKr4//8BAAAAf39/AAEAAABkAAAAAAAAABQAAABAHwAAAAAAACYAAAAAAAAAwOD//wAAAAAmAAAAZAAAABYAAABMAAAAAAAAAAAAAAAEAAAAAAAAAAEAAACAgIAKAAAAACgAAAAoAAAAZAAAAGQAAAAAAAAAzMzMAAAAAABQAAAAUAAAAGQAAABkAAAAAAAAABcAAAAUAAAAAAAAAAAAAAD/fwAA/38AAAAAAAAJAAAABAAAANw7IAEeAAAAaAAAAAAAAAAAAAAAAAAAAAAAAAAAAAAAECcAABAnAAAAAAAAAAAAAAAAAAAAAAAAAAAAAAAAAAAAAAAAAAAAABQAAAAAAAAAwMD/AAAAAABkAAAAMgAAAAAAAABkAAAAAAAAAH9/fwAKAAAAIgAAABgAAAAAAAAAAAAAAAAAAAAAAAAAAAAAAAAAAAAkAAAAJAAAAAAAAAAHAAAAAAAAAAAAAAAAAAAAAAAAAAAAAAAAAAAAf39/ACUAAABYAAAAAAAAAAAAAAAAAAAAAAAAAAAAAAAAAAAAAAAAAAAAAAAAAAAAAAAAAAAAAAA/AAAAAAAAAKCGAQAAAAAAAAAAAAAAAAAMAAAAAQAAAAAAAAAAAAAAAAAAAB8AAABUAAAAAAAABQAAAAEAAAAAAAAAAAAAAAAAAAAAAAAAAAAAAAAAAAAAAAAAAAAAAAJ/f38AAAAAA8zMzADAwP8Af39/AAAAAAAAAAAAAAAAAAAAAAAAAAAAIQAAABgAAAAUAAAAwAMAALABAABARwAAuAgAABAAAAAmAAAACAAAAAAAAAAAAAAA"/>
               </a:ext>
             </a:extLst>
           </p:cNvSpPr>
@@ -1254,7 +1254,7 @@
             <a:spLocks noGrp="1" noChangeArrowheads="1"/>
             <a:extLst>
               <a:ext uri="smNativeData">
-                <pr:smNativeData xmlns:pr="smNativeData" xmlns="smNativeData" val="SMDATA_15_Lb0aZBMAAAAlAAAAZAAAAA8BAAAAkAAAAEgAAACQAAAASAAAAAAAAAAAAAAAAAAAAAEAAABQAAAAAAAAAAAA4D8AAAAAAADgPwAAAAAAAOA/AAAAAAAA4D8AAAAAAADgPwAAAAAAAOA/AAAAAAAA4D8AAAAAAADgPwAAAAAAAOA/AAAAAAAA4D8CAAAAjAAAAAAAAAAAAAAAu+DjDP///wgAAAAAAAAAAAAAAAAAAAAAAAAAAAAAAAAAAAAAZAAAAAEAAABAAAAAAAAAAAAAAAAAAAAAAAAAAAAAAAAAAAAAAAAAAAAAAAAAAAAAAAAAAAAAAAAAAAAAAAAAAAAAAAAAAAAAAAAAAAAAAAAAAAAAAAAAAAAAAAAAAAAAFAAAADwAAAAAAAAAAAAAAAAAAAkUAAAAAQAAABQAAAAUAAAAFAAAAAEAAAAAAAAAZAAAAGQAAAAAAAAAZAAAAGQAAAAVAAAAYAAAAAAAAAAAAAAADwAAACADAAAAAAAAAAAAAAEAAACgMgAAVgcAAKr4//8BAAAAf39/AAEAAABkAAAAAAAAABQAAABAHwAAAAAAACYAAAAAAAAAwOD//wAAAAAmAAAAZAAAABYAAABMAAAAAAAAAAAAAAAEAAAAAAAAAAEAAACAgIAKAAAAACgAAAAoAAAAZAAAAGQAAAAAAAAAzMzMAAAAAABQAAAAUAAAAGQAAABkAAAAAAAAABcAAAAUAAAAAAAAAAAAAAD/fwAA/38AAAAAAAAJAAAABAAAANw7IAEeAAAAaAAAAAAAAAAAAAAAAAAAAAAAAAAAAAAAECcAABAnAAAAAAAAAAAAAAAAAAAAAAAAAAAAAAAAAAAAAAAAAAAAABQAAAAAAAAAwMD/AAAAAABkAAAAMgAAAAAAAABkAAAAAAAAAH9/fwAKAAAAIgAAABgAAAAAAAAAAAAAAAAAAAAAAAAAAAAAAAAAAAAkAAAAJAAAAAAAAAAHAAAAAAAAAAAAAAAAAAAAAAAAAAAAAAAAAAAAf39/ACUAAABYAAAAAAAAAAAAAAAAAAAAAAAAAAAAAAAAAAAAAAAAAAAAAAAAAAAAAAAAAAAAAAA/AAAAAAAAAKCGAQAAAAAAAAAAAAAAAAAMAAAAAQAAAAAAAAAAAAAAAAAAAB8AAABUAAAAAAAABQAAAAEAAAAAAAAAAAAAAAAAAAAAAAAAAAAAAAAAAAAAAAAAAAAAAAJ/f38AAAAAA8zMzADAwP8Af39/AAAAAAAAAAAAAAAAAAAAAAAAAAAAIQAAABgAAAAUAAAAwAMAANgJAADhJAAAsCUAABAAAAAmAAAACAAAAAGAAAAAAAAA"/>
+                <pr:smNativeData xmlns:pr="smNativeData" xmlns="smNativeData" val="SMDATA_15_Sr0aZBMAAAAlAAAAZAAAAA8BAAAAkAAAAEgAAACQAAAASAAAAAAAAAAAAAAAAAAAAAEAAABQAAAAAAAAAAAA4D8AAAAAAADgPwAAAAAAAOA/AAAAAAAA4D8AAAAAAADgPwAAAAAAAOA/AAAAAAAA4D8AAAAAAADgPwAAAAAAAOA/AAAAAAAA4D8CAAAAjAAAAAAAAAAAAAAAu+DjDP///wgAAAAAAAAAAAAAAAAAAAAAAAAAAAAAAAAAAAAAZAAAAAEAAABAAAAAAAAAAAAAAAAAAAAAAAAAAAAAAAAAAAAAAAAAAAAAAAAAAAAAAAAAAAAAAAAAAAAAAAAAAAAAAAAAAAAAAAAAAAAAAAAAAAAAAAAAAAAAAAAAAAAAFAAAADwAAAAAAAAAAAAAAAAAAAkUAAAAAQAAABQAAAAUAAAAFAAAAAEAAAAAAAAAZAAAAGQAAAAAAAAAZAAAAGQAAAAVAAAAYAAAAAAAAAAAAAAADwAAACADAAAAAAAAAAAAAAEAAACgMgAAVgcAAKr4//8BAAAAf39/AAEAAABkAAAAAAAAABQAAABAHwAAAAAAACYAAAAAAAAAwOD//wAAAAAmAAAAZAAAABYAAABMAAAAAAAAAAAAAAAEAAAAAAAAAAEAAACAgIAKAAAAACgAAAAoAAAAZAAAAGQAAAAAAAAAzMzMAAAAAABQAAAAUAAAAGQAAABkAAAAAAAAABcAAAAUAAAAAAAAAAAAAAD/fwAA/38AAAAAAAAJAAAABAAAANw7IAEeAAAAaAAAAAAAAAAAAAAAAAAAAAAAAAAAAAAAECcAABAnAAAAAAAAAAAAAAAAAAAAAAAAAAAAAAAAAAAAAAAAAAAAABQAAAAAAAAAwMD/AAAAAABkAAAAMgAAAAAAAABkAAAAAAAAAH9/fwAKAAAAIgAAABgAAAAAAAAAAAAAAAAAAAAAAAAAAAAAAAAAAAAkAAAAJAAAAAAAAAAHAAAAAAAAAAAAAAAAAAAAAAAAAAAAAAAAAAAAf39/ACUAAABYAAAAAAAAAAAAAAAAAAAAAAAAAAAAAAAAAAAAAAAAAAAAAAAAAAAAAAAAAAAAAAA/AAAAAAAAAKCGAQAAAAAAAAAAAAAAAAAMAAAAAQAAAAAAAAAAAAAAAAAAAB8AAABUAAAAAAAABQAAAAEAAAAAAAAAAAAAAAAAAAAAAAAAAAAAAAAAAAAAAAAAAAAAAAJ/f38AAAAAA8zMzADAwP8Af39/AAAAAAAAAAAAAAAAAAAAAAAAAAAAIQAAABgAAAAUAAAAwAMAANgJAADhJAAAsCUAABAAAAAmAAAACAAAAAGAAAAAAAAA"/>
               </a:ext>
             </a:extLst>
           </p:cNvSpPr>
@@ -1338,7 +1338,7 @@
             <a:spLocks noGrp="1" noChangeArrowheads="1"/>
             <a:extLst>
               <a:ext uri="smNativeData">
-                <pr:smNativeData xmlns:pr="smNativeData" xmlns="smNativeData" val="SMDATA_15_Lb0aZBMAAAAlAAAAZAAAAA8BAAAAkAAAAEgAAACQAAAASAAAAAAAAAAAAAAAAAAAAAEAAABQAAAAAAAAAAAA4D8AAAAAAADgPwAAAAAAAOA/AAAAAAAA4D8AAAAAAADgPwAAAAAAAOA/AAAAAAAA4D8AAAAAAADgPwAAAAAAAOA/AAAAAAAA4D8CAAAAjAAAAAAAAAAAAAAAu+DjDP///wgAAAAAAAAAAAAAAAAAAAAAAAAAAAAAAAAAAAAAZAAAAAEAAABAAAAAAAAAAAAAAAAAAAAAAAAAAAAAAAAAAAAAAAAAAAAAAAAAAAAAAAAAAAAAAAAAAAAAAAAAAAAAAAAAAAAAAAAAAAAAAAAAAAAAAAAAAAAAAAAAAAAAFAAAADwAAAAAAAAAAAAAAAAAAAkUAAAAAQAAABQAAAAUAAAAFAAAAAEAAAAAAAAAZAAAAGQAAAAAAAAAZAAAAGQAAAAVAAAAYAAAAAAAAAAAAAAADwAAACADAAAAAAAAAAAAAAEAAACgMgAAVgcAAKr4//8BAAAAf39/AAEAAABkAAAAAAAAABQAAABAHwAAAAAAACYAAAAAAAAAwOD//wAAAAAmAAAAZAAAABYAAABMAAAAAAAAAAAAAAAEAAAAAAAAAAEAAACAgIAKAAAAACgAAAAoAAAAZAAAAGQAAAAAAAAAzMzMAAAAAABQAAAAUAAAAGQAAABkAAAAAAAAABcAAAAUAAAAAAAAAAAAAAD/fwAA/38AAAAAAAAJAAAABAAAANw7IAEeAAAAaAAAAAAAAAAAAAAAAAAAAAAAAAAAAAAAECcAABAnAAAAAAAAAAAAAAAAAAAAAAAAAAAAAAAAAAAAAAAAAAAAABQAAAAAAAAAwMD/AAAAAABkAAAAMgAAAAAAAABkAAAAAAAAAH9/fwAKAAAAIgAAABgAAAAAAAAAAAAAAAAAAAAAAAAAAAAAAAAAAAAkAAAAJAAAAAAAAAAHAAAAAAAAAAAAAAAAAAAAAAAAAAAAAAAAAAAAf39/ACUAAABYAAAAAAAAAAAAAAAAAAAAAAAAAAAAAAAAAAAAAAAAAAAAAAAAAAAAAAAAAAAAAAA/AAAAAAAAAKCGAQAAAAAAAAAAAAAAAAAMAAAAAQAAAAAAAAAAAAAAAAAAAB8AAABUAAAAAAAABQAAAAEAAAAAAAAAAAAAAAAAAAAAAAAAAAAAAAAAAAAAAAAAAAAAAAJ/f38AAAAAA8zMzADAwP8Af39/AAAAAAAAAAAAAAAAAAAAAAAAAAAAIQAAABgAAAAUAAAAHyYAANgJAABARwAAsCUAABAAAAAmAAAACAAAAAGAAAAAAAAA"/>
+                <pr:smNativeData xmlns:pr="smNativeData" xmlns="smNativeData" val="SMDATA_15_Sr0aZBMAAAAlAAAAZAAAAA8BAAAAkAAAAEgAAACQAAAASAAAAAAAAAAAAAAAAAAAAAEAAABQAAAAAAAAAAAA4D8AAAAAAADgPwAAAAAAAOA/AAAAAAAA4D8AAAAAAADgPwAAAAAAAOA/AAAAAAAA4D8AAAAAAADgPwAAAAAAAOA/AAAAAAAA4D8CAAAAjAAAAAAAAAAAAAAAu+DjDP///wgAAAAAAAAAAAAAAAAAAAAAAAAAAAAAAAAAAAAAZAAAAAEAAABAAAAAAAAAAAAAAAAAAAAAAAAAAAAAAAAAAAAAAAAAAAAAAAAAAAAAAAAAAAAAAAAAAAAAAAAAAAAAAAAAAAAAAAAAAAAAAAAAAAAAAAAAAAAAAAAAAAAAFAAAADwAAAAAAAAAAAAAAAAAAAkUAAAAAQAAABQAAAAUAAAAFAAAAAEAAAAAAAAAZAAAAGQAAAAAAAAAZAAAAGQAAAAVAAAAYAAAAAAAAAAAAAAADwAAACADAAAAAAAAAAAAAAEAAACgMgAAVgcAAKr4//8BAAAAf39/AAEAAABkAAAAAAAAABQAAABAHwAAAAAAACYAAAAAAAAAwOD//wAAAAAmAAAAZAAAABYAAABMAAAAAAAAAAAAAAAEAAAAAAAAAAEAAACAgIAKAAAAACgAAAAoAAAAZAAAAGQAAAAAAAAAzMzMAAAAAABQAAAAUAAAAGQAAABkAAAAAAAAABcAAAAUAAAAAAAAAAAAAAD/fwAA/38AAAAAAAAJAAAABAAAANw7IAEeAAAAaAAAAAAAAAAAAAAAAAAAAAAAAAAAAAAAECcAABAnAAAAAAAAAAAAAAAAAAAAAAAAAAAAAAAAAAAAAAAAAAAAABQAAAAAAAAAwMD/AAAAAABkAAAAMgAAAAAAAABkAAAAAAAAAH9/fwAKAAAAIgAAABgAAAAAAAAAAAAAAAAAAAAAAAAAAAAAAAAAAAAkAAAAJAAAAAAAAAAHAAAAAAAAAAAAAAAAAAAAAAAAAAAAAAAAAAAAf39/ACUAAABYAAAAAAAAAAAAAAAAAAAAAAAAAAAAAAAAAAAAAAAAAAAAAAAAAAAAAAAAAAAAAAA/AAAAAAAAAKCGAQAAAAAAAAAAAAAAAAAMAAAAAQAAAAAAAAAAAAAAAAAAAB8AAABUAAAAAAAABQAAAAEAAAAAAAAAAAAAAAAAAAAAAAAAAAAAAAAAAAAAAAAAAAAAAAJ/f38AAAAAA8zMzADAwP8Af39/AAAAAAAAAAAAAAAAAAAAAAAAAAAAIQAAABgAAAAUAAAAHyYAANgJAABARwAAsCUAABAAAAAmAAAACAAAAAGAAAAAAAAA"/>
               </a:ext>
             </a:extLst>
           </p:cNvSpPr>
@@ -1422,7 +1422,7 @@
             <a:spLocks noGrp="1" noChangeArrowheads="1"/>
             <a:extLst>
               <a:ext uri="smNativeData">
-                <pr:smNativeData xmlns:pr="smNativeData" xmlns="smNativeData" val="SMDATA_15_Lb0aZBMAAAAlAAAAZAAAAA8BAAAAkAAAAEgAAACQAAAASAAAAAAAAAABAAAAAAAAAAEAAABQAAAAAAAAAAAA4D8AAAAAAADgPwAAAAAAAOA/AAAAAAAA4D8AAAAAAADgPwAAAAAAAOA/AAAAAAAA4D8AAAAAAADgPwAAAAAAAOA/AAAAAAAA4D8CAAAAjAAAAAAAAAAAAAAAu+DjDP///wgAAAAAAAAAAAAAAAAAAAAAAAAAAAAAAAAAAAAAZAAAAAEAAABAAAAAAAAAAAAAAAAAAAAAAAAAAAAAAAAAAAAAAAAAAAAAAAAAAAAAAAAAAAAAAAAAAAAAAAAAAAAAAAAAAAAAAAAAAAAAAAAAAAAAAAAAAAAAAAAAAAAAFAAAADwAAAAAAAAAAAAAAAAAAAkUAAAAAQAAABQAAAAUAAAAFAAAAAEAAAAAAAAAZAAAAGQAAAAAAAAAZAAAAGQAAAAVAAAAYAAAAAAAAAAAAAAADwAAACADAAAAAAAAAAAAAAEAAACgMgAAVgcAAKr4//8BAAAAf39/AAEAAABkAAAAAAAAABQAAABAHwAAAAAAACYAAAAAAAAAwOD//wAAAAAmAAAAZAAAABYAAABMAAAAAAAAAAAAAAAEAAAAAAAAAAEAAACAgIAKAAAAACgAAAAoAAAAZAAAAGQAAAAAAAAAzMzMAAAAAABQAAAAUAAAAGQAAABkAAAAAAAAABcAAAAUAAAAAAAAAAAAAAD/fwAA/38AAAAAAAAJAAAABAAAANw7IAEeAAAAaAAAAAAAAAAAAAAAAAAAAAAAAAAAAAAAECcAABAnAAAAAAAAAAAAAAAAAAAAAAAAAAAAAAAAAAAAAAAAAAAAABQAAAAAAAAAwMD/AAAAAABkAAAAMgAAAAAAAABkAAAAAAAAAH9/fwAKAAAAIgAAABgAAAAAAAAAAAAAAAAAAAAAAAAAAAAAAAAAAAAkAAAAJAAAAAAAAAAHAAAAAAAAAAAAAAAAAAAAAAAAAAAAAAAAAAAAf39/ACUAAABYAAAAAAAAAAAAAAAAAAAAAAAAAAAAAAAAAAAAAAAAAAAAAAAAAAAAAAAAAAAAAAA/AAAAAAAAAKCGAQAAAAAAAAAAAAAAAAAMAAAAAQAAAAAAAAAAAAAAAAAAAB8AAABUAAAAAAAABQAAAAEAAAAAAAAAAAAAAAAAAAAAAAAAAAAAAAAAAAAAAAAAAAAAAAJ/f38AAAAAA8zMzADAwP8Af39/AAAAAAAAAAAAAAAAAAAAAAAAAAAAIQAAABgAAAAUAAAAwAMAABsnAAA/FQAAWSkAABAAAAAmAAAACAAAAAAAAAAAAAAA"/>
+                <pr:smNativeData xmlns:pr="smNativeData" xmlns="smNativeData" val="SMDATA_15_Sr0aZBMAAAAlAAAAZAAAAA8BAAAAkAAAAEgAAACQAAAASAAAAAAAAAABAAAAAAAAAAEAAABQAAAAAAAAAAAA4D8AAAAAAADgPwAAAAAAAOA/AAAAAAAA4D8AAAAAAADgPwAAAAAAAOA/AAAAAAAA4D8AAAAAAADgPwAAAAAAAOA/AAAAAAAA4D8CAAAAjAAAAAAAAAAAAAAAu+DjDP///wgAAAAAAAAAAAAAAAAAAAAAAAAAAAAAAAAAAAAAZAAAAAEAAABAAAAAAAAAAAAAAAAAAAAAAAAAAAAAAAAAAAAAAAAAAAAAAAAAAAAAAAAAAAAAAAAAAAAAAAAAAAAAAAAAAAAAAAAAAAAAAAAAAAAAAAAAAAAAAAAAAAAAFAAAADwAAAAAAAAAAAAAAAAAAAkUAAAAAQAAABQAAAAUAAAAFAAAAAEAAAAAAAAAZAAAAGQAAAAAAAAAZAAAAGQAAAAVAAAAYAAAAAAAAAAAAAAADwAAACADAAAAAAAAAAAAAAEAAACgMgAAVgcAAKr4//8BAAAAf39/AAEAAABkAAAAAAAAABQAAABAHwAAAAAAACYAAAAAAAAAwOD//wAAAAAmAAAAZAAAABYAAABMAAAAAAAAAAAAAAAEAAAAAAAAAAEAAACAgIAKAAAAACgAAAAoAAAAZAAAAGQAAAAAAAAAzMzMAAAAAABQAAAAUAAAAGQAAABkAAAAAAAAABcAAAAUAAAAAAAAAAAAAAD/fwAA/38AAAAAAAAJAAAABAAAANw7IAEeAAAAaAAAAAAAAAAAAAAAAAAAAAAAAAAAAAAAECcAABAnAAAAAAAAAAAAAAAAAAAAAAAAAAAAAAAAAAAAAAAAAAAAABQAAAAAAAAAwMD/AAAAAABkAAAAMgAAAAAAAABkAAAAAAAAAH9/fwAKAAAAIgAAABgAAAAAAAAAAAAAAAAAAAAAAAAAAAAAAAAAAAAkAAAAJAAAAAAAAAAHAAAAAAAAAAAAAAAAAAAAAAAAAAAAAAAAAAAAf39/ACUAAABYAAAAAAAAAAAAAAAAAAAAAAAAAAAAAAAAAAAAAAAAAAAAAAAAAAAAAAAAAAAAAAA/AAAAAAAAAKCGAQAAAAAAAAAAAAAAAAAMAAAAAQAAAAAAAAAAAAAAAAAAAB8AAABUAAAAAAAABQAAAAEAAAAAAAAAAAAAAAAAAAAAAAAAAAAAAAAAAAAAAAAAAAAAAAJ/f38AAAAAA8zMzADAwP8Af39/AAAAAAAAAAAAAAAAAAAAAAAAAAAAIQAAABgAAAAUAAAAwAMAABsnAAA/FQAAWSkAABAAAAAmAAAACAAAAAAAAAAAAAAA"/>
               </a:ext>
             </a:extLst>
           </p:cNvSpPr>
@@ -1436,7 +1436,7 @@
           <a:lstStyle/>
           <a:p>
             <a:pPr/>
-            <a:fld id="{3E412D0D-43D3-14DB-9DF9-B58E63B76BE0}" type="datetime1">
+            <a:fld id="{3EE5657E-30D3-B093-9D5D-C6C62B136B93}" type="datetime1">
               <a:t/>
             </a:fld>
           </a:p>
@@ -1449,7 +1449,7 @@
             <a:spLocks noGrp="1" noChangeArrowheads="1"/>
             <a:extLst>
               <a:ext uri="smNativeData">
-                <pr:smNativeData xmlns:pr="smNativeData" xmlns="smNativeData" val="SMDATA_15_Lb0aZBMAAAAlAAAAZAAAAA8BAAAAkAAAAEgAAACQAAAASAAAAAAAAAABAAAAAAAAAAEAAABQAAAAAAAAAAAA4D8AAAAAAADgPwAAAAAAAOA/AAAAAAAA4D8AAAAAAADgPwAAAAAAAOA/AAAAAAAA4D8AAAAAAADgPwAAAAAAAOA/AAAAAAAA4D8CAAAAjAAAAAAAAAAAAAAAu+DjDP///wgAAAAAAAAAAAAAAAAAAAAAAAAAAAAAAAAAAAAAZAAAAAEAAABAAAAAAAAAAAAAAAAAAAAAAAAAAAAAAAAAAAAAAAAAAAAAAAAAAAAAAAAAAAAAAAAAAAAAAAAAAAAAAAAAAAAAAAAAAAAAAAAAAAAAAAAAAAAAAAAAAAAAFAAAADwAAAAAAAAAAAAAAAAAAAkUAAAAAQAAABQAAAAUAAAAFAAAAAEAAAAAAAAAZAAAAGQAAAAAAAAAZAAAAGQAAAAVAAAAYAAAAAAAAAAAAAAADwAAACADAAAAAAAAAAAAAAEAAACgMgAAVgcAAKr4//8BAAAAf39/AAEAAABkAAAAAAAAABQAAABAHwAAAAAAACYAAAAAAAAAwOD//wAAAAAmAAAAZAAAABYAAABMAAAAAAAAAAAAAAAEAAAAAAAAAAEAAACAgIAKAAAAACgAAAAoAAAAZAAAAGQAAAAAAAAAzMzMAAAAAABQAAAAUAAAAGQAAABkAAAAAAAAABcAAAAUAAAAAAAAAAAAAAD/fwAA/38AAAAAAAAJAAAABAAAANw7IAEeAAAAaAAAAAAAAAAAAAAAAAAAAAAAAAAAAAAAECcAABAnAAAAAAAAAAAAAAAAAAAAAAAAAAAAAAAAAAAAAAAAAAAAABQAAAAAAAAAwMD/AAAAAABkAAAAMgAAAAAAAABkAAAAAAAAAH9/fwAKAAAAIgAAABgAAAAAAAAAAAAAAAAAAAAAAAAAAAAAAAAAAAAkAAAAJAAAAAAAAAAHAAAAAAAAAAAAAAAAAAAAAAAAAAAAAAAAAAAAf39/ACUAAABYAAAAAAAAAAAAAAAAAAAAAAAAAAAAAAAAAAAAAAAAAAAAAAAAAAAAAAAAAAAAAAA/AAAAAAAAAKCGAQAAAAAAAAAAAAAAAAAMAAAAAQAAAAAAAAAAAAAAAAAAAB8AAABUAAAAAAAABQAAAAEAAAAAAAAAAAAAAAAAAAAAAAAAAAAAAAAAAAAAAAAAAAAAAAJ/f38AAAAAA8zMzADAwP8Af39/AAAAAAAAAAAAAAAAAAAAAAAAAAAAIQAAABgAAAAUAAAAoRkAABsnAABfMQAAWSkAABAAAAAmAAAACAAAAAAAAAAAAAAA"/>
+                <pr:smNativeData xmlns:pr="smNativeData" xmlns="smNativeData" val="SMDATA_15_Sr0aZBMAAAAlAAAAZAAAAA8BAAAAkAAAAEgAAACQAAAASAAAAAAAAAABAAAAAAAAAAEAAABQAAAAAAAAAAAA4D8AAAAAAADgPwAAAAAAAOA/AAAAAAAA4D8AAAAAAADgPwAAAAAAAOA/AAAAAAAA4D8AAAAAAADgPwAAAAAAAOA/AAAAAAAA4D8CAAAAjAAAAAAAAAAAAAAAu+DjDP///wgAAAAAAAAAAAAAAAAAAAAAAAAAAAAAAAAAAAAAZAAAAAEAAABAAAAAAAAAAAAAAAAAAAAAAAAAAAAAAAAAAAAAAAAAAAAAAAAAAAAAAAAAAAAAAAAAAAAAAAAAAAAAAAAAAAAAAAAAAAAAAAAAAAAAAAAAAAAAAAAAAAAAFAAAADwAAAAAAAAAAAAAAAAAAAkUAAAAAQAAABQAAAAUAAAAFAAAAAEAAAAAAAAAZAAAAGQAAAAAAAAAZAAAAGQAAAAVAAAAYAAAAAAAAAAAAAAADwAAACADAAAAAAAAAAAAAAEAAACgMgAAVgcAAKr4//8BAAAAf39/AAEAAABkAAAAAAAAABQAAABAHwAAAAAAACYAAAAAAAAAwOD//wAAAAAmAAAAZAAAABYAAABMAAAAAAAAAAAAAAAEAAAAAAAAAAEAAACAgIAKAAAAACgAAAAoAAAAZAAAAGQAAAAAAAAAzMzMAAAAAABQAAAAUAAAAGQAAABkAAAAAAAAABcAAAAUAAAAAAAAAAAAAAD/fwAA/38AAAAAAAAJAAAABAAAANw7IAEeAAAAaAAAAAAAAAAAAAAAAAAAAAAAAAAAAAAAECcAABAnAAAAAAAAAAAAAAAAAAAAAAAAAAAAAAAAAAAAAAAAAAAAABQAAAAAAAAAwMD/AAAAAABkAAAAMgAAAAAAAABkAAAAAAAAAH9/fwAKAAAAIgAAABgAAAAAAAAAAAAAAAAAAAAAAAAAAAAAAAAAAAAkAAAAJAAAAAAAAAAHAAAAAAAAAAAAAAAAAAAAAAAAAAAAAAAAAAAAf39/ACUAAABYAAAAAAAAAAAAAAAAAAAAAAAAAAAAAAAAAAAAAAAAAAAAAAAAAAAAAAAAAAAAAAA/AAAAAAAAAKCGAQAAAAAAAAAAAAAAAAAMAAAAAQAAAAAAAAAAAAAAAAAAAB8AAABUAAAAAAAABQAAAAEAAAAAAAAAAAAAAAAAAAAAAAAAAAAAAAAAAAAAAAAAAAAAAAJ/f38AAAAAA8zMzADAwP8Af39/AAAAAAAAAAAAAAAAAAAAAAAAAAAAIQAAABgAAAAUAAAAoRkAABsnAABfMQAAWSkAABAAAAAmAAAACAAAAAAAAAAAAAAA"/>
               </a:ext>
             </a:extLst>
           </p:cNvSpPr>
@@ -1476,7 +1476,7 @@
             <a:spLocks noGrp="1" noChangeArrowheads="1"/>
             <a:extLst>
               <a:ext uri="smNativeData">
-                <pr:smNativeData xmlns:pr="smNativeData" xmlns="smNativeData" val="SMDATA_15_Lb0aZBMAAAAlAAAAZAAAAA8BAAAAkAAAAEgAAACQAAAASAAAAAAAAAABAAAAAAAAAAEAAABQAAAAAAAAAAAA4D8AAAAAAADgPwAAAAAAAOA/AAAAAAAA4D8AAAAAAADgPwAAAAAAAOA/AAAAAAAA4D8AAAAAAADgPwAAAAAAAOA/AAAAAAAA4D8CAAAAjAAAAAAAAAAAAAAAu+DjDP///wgAAAAAAAAAAAAAAAAAAAAAAAAAAAAAAAAAAAAAZAAAAAEAAABAAAAAAAAAAAAAAAAAAAAAAAAAAAAAAAAAAAAAAAAAAAAAAAAAAAAAAAAAAAAAAAAAAAAAAAAAAAAAAAAAAAAAAAAAAAAAAAAAAAAAAAAAAAAAAAAAAAAAFAAAADwAAAAAAAAAAAAAAAAAAAkUAAAAAQAAABQAAAAUAAAAFAAAAAEAAAAAAAAAZAAAAGQAAAAAAAAAZAAAAGQAAAAVAAAAYAAAAAAAAAAAAAAADwAAACADAAAAAAAAAAAAAAEAAACgMgAAVgcAAKr4//8BAAAAf39/AAEAAABkAAAAAAAAABQAAABAHwAAAAAAACYAAAAAAAAAwOD//wAAAAAmAAAAZAAAABYAAABMAAAAAAAAAAAAAAAEAAAAAAAAAAEAAACAgIAKAAAAACgAAAAoAAAAZAAAAGQAAAAAAAAAzMzMAAAAAABQAAAAUAAAAGQAAABkAAAAAAAAABcAAAAUAAAAAAAAAAAAAAD/fwAA/38AAAAAAAAJAAAABAAAANw7IAEeAAAAaAAAAAAAAAAAAAAAAAAAAAAAAAAAAAAAECcAABAnAAAAAAAAAAAAAAAAAAAAAAAAAAAAAAAAAAAAAAAAAAAAABQAAAAAAAAAwMD/AAAAAABkAAAAMgAAAAAAAABkAAAAAAAAAH9/fwAKAAAAIgAAABgAAAAAAAAAAAAAAAAAAAAAAAAAAAAAAAAAAAAkAAAAJAAAAAAAAAAHAAAAAAAAAAAAAAAAAAAAAAAAAAAAAAAAAAAAf39/ACUAAABYAAAAAAAAAAAAAAAAAAAAAAAAAAAAAAAAAAAAAAAAAAAAAAAAAAAAAAAAAAAAAAA/AAAAAAAAAKCGAQAAAAAAAAAAAAAAAAAMAAAAAQAAAAAAAAAAAAAAAAAAAB8AAABUAAAAAAAABQAAAAEAAAAAAAAAAAAAAAAAAAAAAAAAAAAAAAAAAAAAAAAAAAAAAAJ/f38AAAAAA8zMzADAwP8Af39/AAAAAAAAAAAAAAAAAAAAAAAAAAAAIQAAABgAAAAUAAAAwTUAABsnAABARwAAWSkAABAAAAAmAAAACAAAAAAAAAAAAAAA"/>
+                <pr:smNativeData xmlns:pr="smNativeData" xmlns="smNativeData" val="SMDATA_15_Sr0aZBMAAAAlAAAAZAAAAA8BAAAAkAAAAEgAAACQAAAASAAAAAAAAAABAAAAAAAAAAEAAABQAAAAAAAAAAAA4D8AAAAAAADgPwAAAAAAAOA/AAAAAAAA4D8AAAAAAADgPwAAAAAAAOA/AAAAAAAA4D8AAAAAAADgPwAAAAAAAOA/AAAAAAAA4D8CAAAAjAAAAAAAAAAAAAAAu+DjDP///wgAAAAAAAAAAAAAAAAAAAAAAAAAAAAAAAAAAAAAZAAAAAEAAABAAAAAAAAAAAAAAAAAAAAAAAAAAAAAAAAAAAAAAAAAAAAAAAAAAAAAAAAAAAAAAAAAAAAAAAAAAAAAAAAAAAAAAAAAAAAAAAAAAAAAAAAAAAAAAAAAAAAAFAAAADwAAAAAAAAAAAAAAAAAAAkUAAAAAQAAABQAAAAUAAAAFAAAAAEAAAAAAAAAZAAAAGQAAAAAAAAAZAAAAGQAAAAVAAAAYAAAAAAAAAAAAAAADwAAACADAAAAAAAAAAAAAAEAAACgMgAAVgcAAKr4//8BAAAAf39/AAEAAABkAAAAAAAAABQAAABAHwAAAAAAACYAAAAAAAAAwOD//wAAAAAmAAAAZAAAABYAAABMAAAAAAAAAAAAAAAEAAAAAAAAAAEAAACAgIAKAAAAACgAAAAoAAAAZAAAAGQAAAAAAAAAzMzMAAAAAABQAAAAUAAAAGQAAABkAAAAAAAAABcAAAAUAAAAAAAAAAAAAAD/fwAA/38AAAAAAAAJAAAABAAAANw7IAEeAAAAaAAAAAAAAAAAAAAAAAAAAAAAAAAAAAAAECcAABAnAAAAAAAAAAAAAAAAAAAAAAAAAAAAAAAAAAAAAAAAAAAAABQAAAAAAAAAwMD/AAAAAABkAAAAMgAAAAAAAABkAAAAAAAAAH9/fwAKAAAAIgAAABgAAAAAAAAAAAAAAAAAAAAAAAAAAAAAAAAAAAAkAAAAJAAAAAAAAAAHAAAAAAAAAAAAAAAAAAAAAAAAAAAAAAAAAAAAf39/ACUAAABYAAAAAAAAAAAAAAAAAAAAAAAAAAAAAAAAAAAAAAAAAAAAAAAAAAAAAAAAAAAAAAA/AAAAAAAAAKCGAQAAAAAAAAAAAAAAAAAMAAAAAQAAAAAAAAAAAAAAAAAAAB8AAABUAAAAAAAABQAAAAEAAAAAAAAAAAAAAAAAAAAAAAAAAAAAAAAAAAAAAAAAAAAAAAJ/f38AAAAAA8zMzADAwP8Af39/AAAAAAAAAAAAAAAAAAAAAAAAAAAAIQAAABgAAAAUAAAAwTUAABsnAABARwAAWSkAABAAAAAmAAAACAAAAAAAAAAAAAAA"/>
               </a:ext>
             </a:extLst>
           </p:cNvSpPr>
@@ -1490,7 +1490,7 @@
           <a:lstStyle/>
           <a:p>
             <a:pPr/>
-            <a:fld id="{3E4142E9-A7D3-14B4-9DF9-51E10CB76B04}" type="slidenum">
+            <a:fld id="{3EE53669-27D3-B0C0-9D5D-D19578136B84}" type="slidenum">
               <a:t/>
             </a:fld>
           </a:p>
@@ -1528,7 +1528,7 @@
             <a:spLocks noGrp="1" noChangeArrowheads="1"/>
             <a:extLst>
               <a:ext uri="smNativeData">
-                <pr:smNativeData xmlns:pr="smNativeData" xmlns="smNativeData" val="SMDATA_15_Lb0aZBMAAAAlAAAAZAAAAA8BAAAAkAAAAEgAAACQAAAASAAAAAAAAAABAAAAAAAAAAEAAABQAAAAAAAAAAAA4D8AAAAAAADgPwAAAAAAAOA/AAAAAAAA4D8AAAAAAADgPwAAAAAAAOA/AAAAAAAA4D8AAAAAAADgPwAAAAAAAOA/AAAAAAAA4D8CAAAAjAAAAAAAAAAAAAAAu+DjDP///wgAAAAAAAAAAAAAAAAAAAAAAAAAAAAAAAAAAAAAZAAAAAEAAABAAAAAAAAAAAAAAAAAAAAAAAAAAAAAAAAAAAAAAAAAAAAAAAAAAAAAAAAAAAAAAAAAAAAAAAAAAAAAAAAAAAAAAAAAAAAAAAAAAAAAAAAAAAAAAAAAAAAAFAAAADwAAAAAAAAAAAAAAAAAAAkUAAAAAQAAABQAAAAUAAAAFAAAAAEAAAAAAAAAZAAAAGQAAAAAAAAAZAAAAGQAAAAVAAAAYAAAAAAAAAAAAAAADwAAACADAAAAAAAAAAAAAAEAAACgMgAAVgcAAKr4//8BAAAAf39/AAEAAABkAAAAAAAAABQAAABAHwAAAAAAACYAAAAAAAAAwOD//wAAAAAmAAAAZAAAABYAAABMAAAAAAAAAAAAAAAEAAAAAAAAAAEAAACAgIAKAAAAACgAAAAoAAAAZAAAAGQAAAAAAAAAzMzMAAAAAABQAAAAUAAAAGQAAABkAAAAAAAAABcAAAAUAAAAAAAAAAAAAAD/fwAA/38AAAAAAAAJAAAABAAAANw7IAEeAAAAaAAAAAAAAAAAAAAAAAAAAAAAAAAAAAAAECcAABAnAAAAAAAAAAAAAAAAAAAAAAAAAAAAAAAAAAAAAAAAAAAAABQAAAAAAAAAwMD/AAAAAABkAAAAMgAAAAAAAABkAAAAAAAAAH9/fwAKAAAAIgAAABgAAAAAAAAAAAAAAAAAAAAAAAAAAAAAAAAAAAAkAAAAJAAAAAAAAAAHAAAAAAAAAAAAAAAAAAAAAAAAAAAAAAAAAAAAf39/ACUAAABYAAAAAAAAAAAAAAAAAAAAAAAAAAAAAAAAAAAAAAAAAAAAAAAAAAAAAAAAAAAAAAA/AAAAAAAAAKCGAQAAAAAAAAAAAAAAAAAMAAAAAQAAAAAAAAAAAAAAAAAAAB8AAABUAAAAAAAABQAAAAEAAAAAAAAAAAAAAAAAAAAAAAAAAAAAAAAAAAAAAAAAAAAAAAJ/f38AAAAAA8zMzADAwP8Af39/AAAAAAAAAAAAAAAAAAAAAAAAAAAAIQAAABgAAAAUAAAAwAMAALABAABARwAAuAgAABAAAAAmAAAACAAAAAAAAAAAAAAA"/>
+                <pr:smNativeData xmlns:pr="smNativeData" xmlns="smNativeData" val="SMDATA_15_Sr0aZBMAAAAlAAAAZAAAAA8BAAAAkAAAAEgAAACQAAAASAAAAAAAAAABAAAAAAAAAAEAAABQAAAAAAAAAAAA4D8AAAAAAADgPwAAAAAAAOA/AAAAAAAA4D8AAAAAAADgPwAAAAAAAOA/AAAAAAAA4D8AAAAAAADgPwAAAAAAAOA/AAAAAAAA4D8CAAAAjAAAAAAAAAAAAAAAu+DjDP///wgAAAAAAAAAAAAAAAAAAAAAAAAAAAAAAAAAAAAAZAAAAAEAAABAAAAAAAAAAAAAAAAAAAAAAAAAAAAAAAAAAAAAAAAAAAAAAAAAAAAAAAAAAAAAAAAAAAAAAAAAAAAAAAAAAAAAAAAAAAAAAAAAAAAAAAAAAAAAAAAAAAAAFAAAADwAAAAAAAAAAAAAAAAAAAkUAAAAAQAAABQAAAAUAAAAFAAAAAEAAAAAAAAAZAAAAGQAAAAAAAAAZAAAAGQAAAAVAAAAYAAAAAAAAAAAAAAADwAAACADAAAAAAAAAAAAAAEAAACgMgAAVgcAAKr4//8BAAAAf39/AAEAAABkAAAAAAAAABQAAABAHwAAAAAAACYAAAAAAAAAwOD//wAAAAAmAAAAZAAAABYAAABMAAAAAAAAAAAAAAAEAAAAAAAAAAEAAACAgIAKAAAAACgAAAAoAAAAZAAAAGQAAAAAAAAAzMzMAAAAAABQAAAAUAAAAGQAAABkAAAAAAAAABcAAAAUAAAAAAAAAAAAAAD/fwAA/38AAAAAAAAJAAAABAAAANw7IAEeAAAAaAAAAAAAAAAAAAAAAAAAAAAAAAAAAAAAECcAABAnAAAAAAAAAAAAAAAAAAAAAAAAAAAAAAAAAAAAAAAAAAAAABQAAAAAAAAAwMD/AAAAAABkAAAAMgAAAAAAAABkAAAAAAAAAH9/fwAKAAAAIgAAABgAAAAAAAAAAAAAAAAAAAAAAAAAAAAAAAAAAAAkAAAAJAAAAAAAAAAHAAAAAAAAAAAAAAAAAAAAAAAAAAAAAAAAAAAAf39/ACUAAABYAAAAAAAAAAAAAAAAAAAAAAAAAAAAAAAAAAAAAAAAAAAAAAAAAAAAAAAAAAAAAAA/AAAAAAAAAKCGAQAAAAAAAAAAAAAAAAAMAAAAAQAAAAAAAAAAAAAAAAAAAB8AAABUAAAAAAAABQAAAAEAAAAAAAAAAAAAAAAAAAAAAAAAAAAAAAAAAAAAAAAAAAAAAAJ/f38AAAAAA8zMzADAwP8Af39/AAAAAAAAAAAAAAAAAAAAAAAAAAAAIQAAABgAAAAUAAAAwAMAALABAABARwAAuAgAABAAAAAmAAAACAAAAAAAAAAAAAAA"/>
               </a:ext>
             </a:extLst>
           </p:cNvSpPr>
@@ -1555,7 +1555,7 @@
             <a:spLocks noGrp="1" noChangeArrowheads="1"/>
             <a:extLst>
               <a:ext uri="smNativeData">
-                <pr:smNativeData xmlns:pr="smNativeData" xmlns="smNativeData" val="SMDATA_15_Lb0aZBMAAAAlAAAAZAAAAA8BAAAAkAAAAEgAAACQAAAASAAAAAAAAAACAAAAAAAAAAEAAABQAAAAAAAAAAAA4D8AAAAAAADgPwAAAAAAAOA/AAAAAAAA4D8AAAAAAADgPwAAAAAAAOA/AAAAAAAA4D8AAAAAAADgPwAAAAAAAOA/AAAAAAAA4D8CAAAAjAAAAAAAAAAAAAAAu+DjDP///wgAAAAAAAAAAAAAAAAAAAAAAAAAAAAAAAAAAAAAZAAAAAEAAABAAAAAAAAAAAAAAAAAAAAAAAAAAAAAAAAAAAAAAAAAAAAAAAAAAAAAAAAAAAAAAAAAAAAAAAAAAAAAAAAAAAAAAAAAAAAAAAAAAAAAAAAAAAAAAAAAAAAAFAAAADwAAAAAAAAAAAAAAAAAAAkUAAAAAQAAABQAAAAUAAAAFAAAAAEAAAAAAAAAZAAAAGQAAAAAAAAAZAAAAGQAAAAVAAAAYAAAAAAAAAAAAAAADwAAACADAAAAAAAAAAAAAAEAAACgMgAAVgcAAKr4//8BAAAAf39/AAEAAABkAAAAAAAAABQAAABAHwAAAAAAACYAAAAAAAAAwOD//wAAAAAmAAAAZAAAABYAAABMAAAAAAAAAAAAAAAEAAAAAAAAAAEAAACAgIAKAAAAACgAAAAoAAAAZAAAAGQAAAAAAAAAzMzMAAAAAABQAAAAUAAAAGQAAABkAAAAAAAAABcAAAAUAAAAAAAAAAAAAAD/fwAA/38AAAAAAAAJAAAABAAAANw7IAEeAAAAaAAAAAAAAAAAAAAAAAAAAAAAAAAAAAAAECcAABAnAAAAAAAAAAAAAAAAAAAAAAAAAAAAAAAAAAAAAAAAAAAAABQAAAAAAAAAwMD/AAAAAABkAAAAMgAAAAAAAABkAAAAAAAAAH9/fwAKAAAAIgAAABgAAAAAAAAAAAAAAAAAAAAAAAAAAAAAAAAAAAAkAAAAJAAAAAAAAAAHAAAAAAAAAAAAAAAAAAAAAAAAAAAAAAAAAAAAf39/ACUAAABYAAAAAAAAAAAAAAAAAAAAAAAAAAAAAAAAAAAAAAAAAAAAAAAAAAAAAAAAAAAAAAA/AAAAAAAAAKCGAQAAAAAAAAAAAAAAAAAMAAAAAQAAAAAAAAAAAAAAAAAAAB8AAABUAAAAAAAABQAAAAEAAAAAAAAAAAAAAAAAAAAAAAAAAAAAAAAAAAAAAAAAAAAAAAJ/f38AAAAAA8zMzADAwP8Af39/AAAAAAAAAAAAAAAAAAAAAAAAAAAAIQAAABgAAAAUAAAAwAMAAHEJAADjJAAAYQ0AABAAAAAmAAAACAAAAIGAAAAAAAAA"/>
+                <pr:smNativeData xmlns:pr="smNativeData" xmlns="smNativeData" val="SMDATA_15_Sr0aZBMAAAAlAAAAZAAAAA8BAAAAkAAAAEgAAACQAAAASAAAAAAAAAACAAAAAAAAAAEAAABQAAAAAAAAAAAA4D8AAAAAAADgPwAAAAAAAOA/AAAAAAAA4D8AAAAAAADgPwAAAAAAAOA/AAAAAAAA4D8AAAAAAADgPwAAAAAAAOA/AAAAAAAA4D8CAAAAjAAAAAAAAAAAAAAAu+DjDP///wgAAAAAAAAAAAAAAAAAAAAAAAAAAAAAAAAAAAAAZAAAAAEAAABAAAAAAAAAAAAAAAAAAAAAAAAAAAAAAAAAAAAAAAAAAAAAAAAAAAAAAAAAAAAAAAAAAAAAAAAAAAAAAAAAAAAAAAAAAAAAAAAAAAAAAAAAAAAAAAAAAAAAFAAAADwAAAAAAAAAAAAAAAAAAAkUAAAAAQAAABQAAAAUAAAAFAAAAAEAAAAAAAAAZAAAAGQAAAAAAAAAZAAAAGQAAAAVAAAAYAAAAAAAAAAAAAAADwAAACADAAAAAAAAAAAAAAEAAACgMgAAVgcAAKr4//8BAAAAf39/AAEAAABkAAAAAAAAABQAAABAHwAAAAAAACYAAAAAAAAAwOD//wAAAAAmAAAAZAAAABYAAABMAAAAAAAAAAAAAAAEAAAAAAAAAAEAAACAgIAKAAAAACgAAAAoAAAAZAAAAGQAAAAAAAAAzMzMAAAAAABQAAAAUAAAAGQAAABkAAAAAAAAABcAAAAUAAAAAAAAAAAAAAD/fwAA/38AAAAAAAAJAAAABAAAANw7IAEeAAAAaAAAAAAAAAAAAAAAAAAAAAAAAAAAAAAAECcAABAnAAAAAAAAAAAAAAAAAAAAAAAAAAAAAAAAAAAAAAAAAAAAABQAAAAAAAAAwMD/AAAAAABkAAAAMgAAAAAAAABkAAAAAAAAAH9/fwAKAAAAIgAAABgAAAAAAAAAAAAAAAAAAAAAAAAAAAAAAAAAAAAkAAAAJAAAAAAAAAAHAAAAAAAAAAAAAAAAAAAAAAAAAAAAAAAAAAAAf39/ACUAAABYAAAAAAAAAAAAAAAAAAAAAAAAAAAAAAAAAAAAAAAAAAAAAAAAAAAAAAAAAAAAAAA/AAAAAAAAAKCGAQAAAAAAAAAAAAAAAAAMAAAAAQAAAAAAAAAAAAAAAAAAAB8AAABUAAAAAAAABQAAAAEAAAAAAAAAAAAAAAAAAAAAAAAAAAAAAAAAAAAAAAAAAAAAAAJ/f38AAAAAA8zMzADAwP8Af39/AAAAAAAAAAAAAAAAAAAAAAAAAAAAIQAAABgAAAAUAAAAwAMAAHEJAADjJAAAYQ0AABAAAAAmAAAACAAAAIGAAAAAAAAA"/>
               </a:ext>
             </a:extLst>
           </p:cNvSpPr>
@@ -1628,7 +1628,7 @@
             <a:spLocks noGrp="1" noChangeArrowheads="1"/>
             <a:extLst>
               <a:ext uri="smNativeData">
-                <pr:smNativeData xmlns:pr="smNativeData" xmlns="smNativeData" val="SMDATA_15_Lb0aZBMAAAAlAAAAZAAAAA8BAAAAkAAAAEgAAACQAAAASAAAAAAAAAAAAAAAAAAAAAEAAABQAAAAAAAAAAAA4D8AAAAAAADgPwAAAAAAAOA/AAAAAAAA4D8AAAAAAADgPwAAAAAAAOA/AAAAAAAA4D8AAAAAAADgPwAAAAAAAOA/AAAAAAAA4D8CAAAAjAAAAAAAAAAAAAAAu+DjDP///wgAAAAAAAAAAAAAAAAAAAAAAAAAAAAAAAAAAAAAZAAAAAEAAABAAAAAAAAAAAAAAAAAAAAAAAAAAAAAAAAAAAAAAAAAAAAAAAAAAAAAAAAAAAAAAAAAAAAAAAAAAAAAAAAAAAAAAAAAAAAAAAAAAAAAAAAAAAAAAAAAAAAAFAAAADwAAAAAAAAAAAAAAAAAAAkUAAAAAQAAABQAAAAUAAAAFAAAAAEAAAAAAAAAZAAAAGQAAAAAAAAAZAAAAGQAAAAVAAAAYAAAAAAAAAAAAAAADwAAACADAAAAAAAAAAAAAAEAAACgMgAAVgcAAKr4//8BAAAAf39/AAEAAABkAAAAAAAAABQAAABAHwAAAAAAACYAAAAAAAAAwOD//wAAAAAmAAAAZAAAABYAAABMAAAAAAAAAAAAAAAEAAAAAAAAAAEAAACAgIAKAAAAACgAAAAoAAAAZAAAAGQAAAAAAAAAzMzMAAAAAABQAAAAUAAAAGQAAABkAAAAAAAAABcAAAAUAAAAAAAAAAAAAAD/fwAA/38AAAAAAAAJAAAABAAAANw7IAEeAAAAaAAAAAAAAAAAAAAAAAAAAAAAAAAAAAAAECcAABAnAAAAAAAAAAAAAAAAAAAAAAAAAAAAAAAAAAAAAAAAAAAAABQAAAAAAAAAwMD/AAAAAABkAAAAMgAAAAAAAABkAAAAAAAAAH9/fwAKAAAAIgAAABgAAAAAAAAAAAAAAAAAAAAAAAAAAAAAAAAAAAAkAAAAJAAAAAAAAAAHAAAAAAAAAAAAAAAAAAAAAAAAAAAAAAAAAAAAf39/ACUAAABYAAAAAAAAAAAAAAAAAAAAAAAAAAAAAAAAAAAAAAAAAAAAAAAAAAAAAAAAAAAAAAA/AAAAAAAAAKCGAQAAAAAAAAAAAAAAAAAMAAAAAQAAAAAAAAAAAAAAAAAAAB8AAABUAAAAAAAABQAAAAEAAAAAAAAAAAAAAAAAAAAAAAAAAAAAAAAAAAAAAAAAAAAAAAJ/f38AAAAAA8zMzADAwP8Af39/AAAAAAAAAAAAAAAAAAAAAAAAAAAAIQAAABgAAAAUAAAAwAMAAGENAADjJAAAsCUAABAAAAAmAAAACAAAAAGAAAAAAAAA"/>
+                <pr:smNativeData xmlns:pr="smNativeData" xmlns="smNativeData" val="SMDATA_15_Sr0aZBMAAAAlAAAAZAAAAA8BAAAAkAAAAEgAAACQAAAASAAAAAAAAAAAAAAAAAAAAAEAAABQAAAAAAAAAAAA4D8AAAAAAADgPwAAAAAAAOA/AAAAAAAA4D8AAAAAAADgPwAAAAAAAOA/AAAAAAAA4D8AAAAAAADgPwAAAAAAAOA/AAAAAAAA4D8CAAAAjAAAAAAAAAAAAAAAu+DjDP///wgAAAAAAAAAAAAAAAAAAAAAAAAAAAAAAAAAAAAAZAAAAAEAAABAAAAAAAAAAAAAAAAAAAAAAAAAAAAAAAAAAAAAAAAAAAAAAAAAAAAAAAAAAAAAAAAAAAAAAAAAAAAAAAAAAAAAAAAAAAAAAAAAAAAAAAAAAAAAAAAAAAAAFAAAADwAAAAAAAAAAAAAAAAAAAkUAAAAAQAAABQAAAAUAAAAFAAAAAEAAAAAAAAAZAAAAGQAAAAAAAAAZAAAAGQAAAAVAAAAYAAAAAAAAAAAAAAADwAAACADAAAAAAAAAAAAAAEAAACgMgAAVgcAAKr4//8BAAAAf39/AAEAAABkAAAAAAAAABQAAABAHwAAAAAAACYAAAAAAAAAwOD//wAAAAAmAAAAZAAAABYAAABMAAAAAAAAAAAAAAAEAAAAAAAAAAEAAACAgIAKAAAAACgAAAAoAAAAZAAAAGQAAAAAAAAAzMzMAAAAAABQAAAAUAAAAGQAAABkAAAAAAAAABcAAAAUAAAAAAAAAAAAAAD/fwAA/38AAAAAAAAJAAAABAAAANw7IAEeAAAAaAAAAAAAAAAAAAAAAAAAAAAAAAAAAAAAECcAABAnAAAAAAAAAAAAAAAAAAAAAAAAAAAAAAAAAAAAAAAAAAAAABQAAAAAAAAAwMD/AAAAAABkAAAAMgAAAAAAAABkAAAAAAAAAH9/fwAKAAAAIgAAABgAAAAAAAAAAAAAAAAAAAAAAAAAAAAAAAAAAAAkAAAAJAAAAAAAAAAHAAAAAAAAAAAAAAAAAAAAAAAAAAAAAAAAAAAAf39/ACUAAABYAAAAAAAAAAAAAAAAAAAAAAAAAAAAAAAAAAAAAAAAAAAAAAAAAAAAAAAAAAAAAAA/AAAAAAAAAKCGAQAAAAAAAAAAAAAAAAAMAAAAAQAAAAAAAAAAAAAAAAAAAB8AAABUAAAAAAAABQAAAAEAAAAAAAAAAAAAAAAAAAAAAAAAAAAAAAAAAAAAAAAAAAAAAAJ/f38AAAAAA8zMzADAwP8Af39/AAAAAAAAAAAAAAAAAAAAAAAAAAAAIQAAABgAAAAUAAAAwAMAAGENAADjJAAAsCUAABAAAAAmAAAACAAAAAGAAAAAAAAA"/>
               </a:ext>
             </a:extLst>
           </p:cNvSpPr>
@@ -1712,7 +1712,7 @@
             <a:spLocks noGrp="1" noChangeArrowheads="1"/>
             <a:extLst>
               <a:ext uri="smNativeData">
-                <pr:smNativeData xmlns:pr="smNativeData" xmlns="smNativeData" val="SMDATA_15_Lb0aZBMAAAAlAAAAZAAAAA8BAAAAkAAAAEgAAACQAAAASAAAAAAAAAACAAAAAAAAAAEAAABQAAAAAAAAAAAA4D8AAAAAAADgPwAAAAAAAOA/AAAAAAAA4D8AAAAAAADgPwAAAAAAAOA/AAAAAAAA4D8AAAAAAADgPwAAAAAAAOA/AAAAAAAA4D8CAAAAjAAAAAAAAAAAAAAAu+DjDP///wgAAAAAAAAAAAAAAAAAAAAAAAAAAAAAAAAAAAAAZAAAAAEAAABAAAAAAAAAAAAAAAAAAAAAAAAAAAAAAAAAAAAAAAAAAAAAAAAAAAAAAAAAAAAAAAAAAAAAAAAAAAAAAAAAAAAAAAAAAAAAAAAAAAAAAAAAAAAAAAAAAAAAFAAAADwAAAAAAAAAAAAAAAAAAAkUAAAAAQAAABQAAAAUAAAAFAAAAAEAAAAAAAAAZAAAAGQAAAAAAAAAZAAAAGQAAAAVAAAAYAAAAAAAAAAAAAAADwAAACADAAAAAAAAAAAAAAEAAACgMgAAVgcAAKr4//8BAAAAf39/AAEAAABkAAAAAAAAABQAAABAHwAAAAAAACYAAAAAAAAAwOD//wAAAAAmAAAAZAAAABYAAABMAAAAAAAAAAAAAAAEAAAAAAAAAAEAAACAgIAKAAAAACgAAAAoAAAAZAAAAGQAAAAAAAAAzMzMAAAAAABQAAAAUAAAAGQAAABkAAAAAAAAABcAAAAUAAAAAAAAAAAAAAD/fwAA/38AAAAAAAAJAAAABAAAANw7IAEeAAAAaAAAAAAAAAAAAAAAAAAAAAAAAAAAAAAAECcAABAnAAAAAAAAAAAAAAAAAAAAAAAAAAAAAAAAAAAAAAAAAAAAABQAAAAAAAAAwMD/AAAAAABkAAAAMgAAAAAAAABkAAAAAAAAAH9/fwAKAAAAIgAAABgAAAAAAAAAAAAAAAAAAAAAAAAAAAAAAAAAAAAkAAAAJAAAAAAAAAAHAAAAAAAAAAAAAAAAAAAAAAAAAAAAAAAAAAAAf39/ACUAAABYAAAAAAAAAAAAAAAAAAAAAAAAAAAAAAAAAAAAAAAAAAAAAAAAAAAAAAAAAAAAAAA/AAAAAAAAAKCGAQAAAAAAAAAAAAAAAAAMAAAAAQAAAAAAAAAAAAAAAAAAAB8AAABUAAAAAAAABQAAAAEAAAAAAAAAAAAAAAAAAAAAAAAAAAAAAAAAAAAAAAAAAAAAAAJ/f38AAAAAA8zMzADAwP8Af39/AAAAAAAAAAAAAAAAAAAAAAAAAAAAIQAAABgAAAAUAAAAHSYAAHEJAABARwAAYQ0AABAAAAAmAAAACAAAAIGAAAAAAAAA"/>
+                <pr:smNativeData xmlns:pr="smNativeData" xmlns="smNativeData" val="SMDATA_15_Sr0aZBMAAAAlAAAAZAAAAA8BAAAAkAAAAEgAAACQAAAASAAAAAAAAAACAAAAAAAAAAEAAABQAAAAAAAAAAAA4D8AAAAAAADgPwAAAAAAAOA/AAAAAAAA4D8AAAAAAADgPwAAAAAAAOA/AAAAAAAA4D8AAAAAAADgPwAAAAAAAOA/AAAAAAAA4D8CAAAAjAAAAAAAAAAAAAAAu+DjDP///wgAAAAAAAAAAAAAAAAAAAAAAAAAAAAAAAAAAAAAZAAAAAEAAABAAAAAAAAAAAAAAAAAAAAAAAAAAAAAAAAAAAAAAAAAAAAAAAAAAAAAAAAAAAAAAAAAAAAAAAAAAAAAAAAAAAAAAAAAAAAAAAAAAAAAAAAAAAAAAAAAAAAAFAAAADwAAAAAAAAAAAAAAAAAAAkUAAAAAQAAABQAAAAUAAAAFAAAAAEAAAAAAAAAZAAAAGQAAAAAAAAAZAAAAGQAAAAVAAAAYAAAAAAAAAAAAAAADwAAACADAAAAAAAAAAAAAAEAAACgMgAAVgcAAKr4//8BAAAAf39/AAEAAABkAAAAAAAAABQAAABAHwAAAAAAACYAAAAAAAAAwOD//wAAAAAmAAAAZAAAABYAAABMAAAAAAAAAAAAAAAEAAAAAAAAAAEAAACAgIAKAAAAACgAAAAoAAAAZAAAAGQAAAAAAAAAzMzMAAAAAABQAAAAUAAAAGQAAABkAAAAAAAAABcAAAAUAAAAAAAAAAAAAAD/fwAA/38AAAAAAAAJAAAABAAAANw7IAEeAAAAaAAAAAAAAAAAAAAAAAAAAAAAAAAAAAAAECcAABAnAAAAAAAAAAAAAAAAAAAAAAAAAAAAAAAAAAAAAAAAAAAAABQAAAAAAAAAwMD/AAAAAABkAAAAMgAAAAAAAABkAAAAAAAAAH9/fwAKAAAAIgAAABgAAAAAAAAAAAAAAAAAAAAAAAAAAAAAAAAAAAAkAAAAJAAAAAAAAAAHAAAAAAAAAAAAAAAAAAAAAAAAAAAAAAAAAAAAf39/ACUAAABYAAAAAAAAAAAAAAAAAAAAAAAAAAAAAAAAAAAAAAAAAAAAAAAAAAAAAAAAAAAAAAA/AAAAAAAAAKCGAQAAAAAAAAAAAAAAAAAMAAAAAQAAAAAAAAAAAAAAAAAAAB8AAABUAAAAAAAABQAAAAEAAAAAAAAAAAAAAAAAAAAAAAAAAAAAAAAAAAAAAAAAAAAAAAJ/f38AAAAAA8zMzADAwP8Af39/AAAAAAAAAAAAAAAAAAAAAAAAAAAAIQAAABgAAAAUAAAAHSYAAHEJAABARwAAYQ0AABAAAAAmAAAACAAAAIGAAAAAAAAA"/>
               </a:ext>
             </a:extLst>
           </p:cNvSpPr>
@@ -1785,7 +1785,7 @@
             <a:spLocks noGrp="1" noChangeArrowheads="1"/>
             <a:extLst>
               <a:ext uri="smNativeData">
-                <pr:smNativeData xmlns:pr="smNativeData" xmlns="smNativeData" val="SMDATA_15_Lb0aZBMAAAAlAAAAZAAAAA8BAAAAkAAAAEgAAACQAAAASAAAAAAAAAAAAAAAAAAAAAEAAABQAAAAAAAAAAAA4D8AAAAAAADgPwAAAAAAAOA/AAAAAAAA4D8AAAAAAADgPwAAAAAAAOA/AAAAAAAA4D8AAAAAAADgPwAAAAAAAOA/AAAAAAAA4D8CAAAAjAAAAAAAAAAAAAAAu+DjDP///wgAAAAAAAAAAAAAAAAAAAAAAAAAAAAAAAAAAAAAZAAAAAEAAABAAAAAAAAAAAAAAAAAAAAAAAAAAAAAAAAAAAAAAAAAAAAAAAAAAAAAAAAAAAAAAAAAAAAAAAAAAAAAAAAAAAAAAAAAAAAAAAAAAAAAAAAAAAAAAAAAAAAAFAAAADwAAAAAAAAAAAAAAAAAAAkUAAAAAQAAABQAAAAUAAAAFAAAAAEAAAAAAAAAZAAAAGQAAAAAAAAAZAAAAGQAAAAVAAAAYAAAAAAAAAAAAAAADwAAACADAAAAAAAAAAAAAAEAAACgMgAAVgcAAKr4//8BAAAAf39/AAEAAABkAAAAAAAAABQAAABAHwAAAAAAACYAAAAAAAAAwOD//wAAAAAmAAAAZAAAABYAAABMAAAAAAAAAAAAAAAEAAAAAAAAAAEAAACAgIAKAAAAACgAAAAoAAAAZAAAAGQAAAAAAAAAzMzMAAAAAABQAAAAUAAAAGQAAABkAAAAAAAAABcAAAAUAAAAAAAAAAAAAAD/fwAA/38AAAAAAAAJAAAABAAAANw7IAEeAAAAaAAAAAAAAAAAAAAAAAAAAAAAAAAAAAAAECcAABAnAAAAAAAAAAAAAAAAAAAAAAAAAAAAAAAAAAAAAAAAAAAAABQAAAAAAAAAwMD/AAAAAABkAAAAMgAAAAAAAABkAAAAAAAAAH9/fwAKAAAAIgAAABgAAAAAAAAAAAAAAAAAAAAAAAAAAAAAAAAAAAAkAAAAJAAAAAAAAAAHAAAAAAAAAAAAAAAAAAAAAAAAAAAAAAAAAAAAf39/ACUAAABYAAAAAAAAAAAAAAAAAAAAAAAAAAAAAAAAAAAAAAAAAAAAAAAAAAAAAAAAAAAAAAA/AAAAAAAAAKCGAQAAAAAAAAAAAAAAAAAMAAAAAQAAAAAAAAAAAAAAAAAAAB8AAABUAAAAAAAABQAAAAEAAAAAAAAAAAAAAAAAAAAAAAAAAAAAAAAAAAAAAAAAAAAAAAJ/f38AAAAAA8zMzADAwP8Af39/AAAAAAAAAAAAAAAAAAAAAAAAAAAAIQAAABgAAAAUAAAAHSYAAGENAABARwAAsCUAABAAAAAmAAAACAAAAAGAAAAAAAAA"/>
+                <pr:smNativeData xmlns:pr="smNativeData" xmlns="smNativeData" val="SMDATA_15_Sr0aZBMAAAAlAAAAZAAAAA8BAAAAkAAAAEgAAACQAAAASAAAAAAAAAAAAAAAAAAAAAEAAABQAAAAAAAAAAAA4D8AAAAAAADgPwAAAAAAAOA/AAAAAAAA4D8AAAAAAADgPwAAAAAAAOA/AAAAAAAA4D8AAAAAAADgPwAAAAAAAOA/AAAAAAAA4D8CAAAAjAAAAAAAAAAAAAAAu+DjDP///wgAAAAAAAAAAAAAAAAAAAAAAAAAAAAAAAAAAAAAZAAAAAEAAABAAAAAAAAAAAAAAAAAAAAAAAAAAAAAAAAAAAAAAAAAAAAAAAAAAAAAAAAAAAAAAAAAAAAAAAAAAAAAAAAAAAAAAAAAAAAAAAAAAAAAAAAAAAAAAAAAAAAAFAAAADwAAAAAAAAAAAAAAAAAAAkUAAAAAQAAABQAAAAUAAAAFAAAAAEAAAAAAAAAZAAAAGQAAAAAAAAAZAAAAGQAAAAVAAAAYAAAAAAAAAAAAAAADwAAACADAAAAAAAAAAAAAAEAAACgMgAAVgcAAKr4//8BAAAAf39/AAEAAABkAAAAAAAAABQAAABAHwAAAAAAACYAAAAAAAAAwOD//wAAAAAmAAAAZAAAABYAAABMAAAAAAAAAAAAAAAEAAAAAAAAAAEAAACAgIAKAAAAACgAAAAoAAAAZAAAAGQAAAAAAAAAzMzMAAAAAABQAAAAUAAAAGQAAABkAAAAAAAAABcAAAAUAAAAAAAAAAAAAAD/fwAA/38AAAAAAAAJAAAABAAAANw7IAEeAAAAaAAAAAAAAAAAAAAAAAAAAAAAAAAAAAAAECcAABAnAAAAAAAAAAAAAAAAAAAAAAAAAAAAAAAAAAAAAAAAAAAAABQAAAAAAAAAwMD/AAAAAABkAAAAMgAAAAAAAABkAAAAAAAAAH9/fwAKAAAAIgAAABgAAAAAAAAAAAAAAAAAAAAAAAAAAAAAAAAAAAAkAAAAJAAAAAAAAAAHAAAAAAAAAAAAAAAAAAAAAAAAAAAAAAAAAAAAf39/ACUAAABYAAAAAAAAAAAAAAAAAAAAAAAAAAAAAAAAAAAAAAAAAAAAAAAAAAAAAAAAAAAAAAA/AAAAAAAAAKCGAQAAAAAAAAAAAAAAAAAMAAAAAQAAAAAAAAAAAAAAAAAAAB8AAABUAAAAAAAABQAAAAEAAAAAAAAAAAAAAAAAAAAAAAAAAAAAAAAAAAAAAAAAAAAAAAJ/f38AAAAAA8zMzADAwP8Af39/AAAAAAAAAAAAAAAAAAAAAAAAAAAAIQAAABgAAAAUAAAAHSYAAGENAABARwAAsCUAABAAAAAmAAAACAAAAAGAAAAAAAAA"/>
               </a:ext>
             </a:extLst>
           </p:cNvSpPr>
@@ -1869,7 +1869,7 @@
             <a:spLocks noGrp="1" noChangeArrowheads="1"/>
             <a:extLst>
               <a:ext uri="smNativeData">
-                <pr:smNativeData xmlns:pr="smNativeData" xmlns="smNativeData" val="SMDATA_15_Lb0aZBMAAAAlAAAAZAAAAA8BAAAAkAAAAEgAAACQAAAASAAAAAAAAAABAAAAAAAAAAEAAABQAAAAAAAAAAAA4D8AAAAAAADgPwAAAAAAAOA/AAAAAAAA4D8AAAAAAADgPwAAAAAAAOA/AAAAAAAA4D8AAAAAAADgPwAAAAAAAOA/AAAAAAAA4D8CAAAAjAAAAAAAAAAAAAAAu+DjDP///wgAAAAAAAAAAAAAAAAAAAAAAAAAAAAAAAAAAAAAZAAAAAEAAABAAAAAAAAAAAAAAAAAAAAAAAAAAAAAAAAAAAAAAAAAAAAAAAAAAAAAAAAAAAAAAAAAAAAAAAAAAAAAAAAAAAAAAAAAAAAAAAAAAAAAAAAAAAAAAAAAAAAAFAAAADwAAAAAAAAAAAAAAAAAAAkUAAAAAQAAABQAAAAUAAAAFAAAAAEAAAAAAAAAZAAAAGQAAAAAAAAAZAAAAGQAAAAVAAAAYAAAAAAAAAAAAAAADwAAACADAAAAAAAAAAAAAAEAAACgMgAAVgcAAKr4//8BAAAAf39/AAEAAABkAAAAAAAAABQAAABAHwAAAAAAACYAAAAAAAAAwOD//wAAAAAmAAAAZAAAABYAAABMAAAAAAAAAAAAAAAEAAAAAAAAAAEAAACAgIAKAAAAACgAAAAoAAAAZAAAAGQAAAAAAAAAzMzMAAAAAABQAAAAUAAAAGQAAABkAAAAAAAAABcAAAAUAAAAAAAAAAAAAAD/fwAA/38AAAAAAAAJAAAABAAAANw7IAEeAAAAaAAAAAAAAAAAAAAAAAAAAAAAAAAAAAAAECcAABAnAAAAAAAAAAAAAAAAAAAAAAAAAAAAAAAAAAAAAAAAAAAAABQAAAAAAAAAwMD/AAAAAABkAAAAMgAAAAAAAABkAAAAAAAAAH9/fwAKAAAAIgAAABgAAAAAAAAAAAAAAAAAAAAAAAAAAAAAAAAAAAAkAAAAJAAAAAAAAAAHAAAAAAAAAAAAAAAAAAAAAAAAAAAAAAAAAAAAf39/ACUAAABYAAAAAAAAAAAAAAAAAAAAAAAAAAAAAAAAAAAAAAAAAAAAAAAAAAAAAAAAAAAAAAA/AAAAAAAAAKCGAQAAAAAAAAAAAAAAAAAMAAAAAQAAAAAAAAAAAAAAAAAAAB8AAABUAAAAAAAABQAAAAEAAAAAAAAAAAAAAAAAAAAAAAAAAAAAAAAAAAAAAAAAAAAAAAJ/f38AAAAAA8zMzADAwP8Af39/AAAAAAAAAAAAAAAAAAAAAAAAAAAAIQAAABgAAAAUAAAAwAMAABsnAAA/FQAAWSkAABAAAAAmAAAACAAAAAAAAAAAAAAA"/>
+                <pr:smNativeData xmlns:pr="smNativeData" xmlns="smNativeData" val="SMDATA_15_Sr0aZBMAAAAlAAAAZAAAAA8BAAAAkAAAAEgAAACQAAAASAAAAAAAAAABAAAAAAAAAAEAAABQAAAAAAAAAAAA4D8AAAAAAADgPwAAAAAAAOA/AAAAAAAA4D8AAAAAAADgPwAAAAAAAOA/AAAAAAAA4D8AAAAAAADgPwAAAAAAAOA/AAAAAAAA4D8CAAAAjAAAAAAAAAAAAAAAu+DjDP///wgAAAAAAAAAAAAAAAAAAAAAAAAAAAAAAAAAAAAAZAAAAAEAAABAAAAAAAAAAAAAAAAAAAAAAAAAAAAAAAAAAAAAAAAAAAAAAAAAAAAAAAAAAAAAAAAAAAAAAAAAAAAAAAAAAAAAAAAAAAAAAAAAAAAAAAAAAAAAAAAAAAAAFAAAADwAAAAAAAAAAAAAAAAAAAkUAAAAAQAAABQAAAAUAAAAFAAAAAEAAAAAAAAAZAAAAGQAAAAAAAAAZAAAAGQAAAAVAAAAYAAAAAAAAAAAAAAADwAAACADAAAAAAAAAAAAAAEAAACgMgAAVgcAAKr4//8BAAAAf39/AAEAAABkAAAAAAAAABQAAABAHwAAAAAAACYAAAAAAAAAwOD//wAAAAAmAAAAZAAAABYAAABMAAAAAAAAAAAAAAAEAAAAAAAAAAEAAACAgIAKAAAAACgAAAAoAAAAZAAAAGQAAAAAAAAAzMzMAAAAAABQAAAAUAAAAGQAAABkAAAAAAAAABcAAAAUAAAAAAAAAAAAAAD/fwAA/38AAAAAAAAJAAAABAAAANw7IAEeAAAAaAAAAAAAAAAAAAAAAAAAAAAAAAAAAAAAECcAABAnAAAAAAAAAAAAAAAAAAAAAAAAAAAAAAAAAAAAAAAAAAAAABQAAAAAAAAAwMD/AAAAAABkAAAAMgAAAAAAAABkAAAAAAAAAH9/fwAKAAAAIgAAABgAAAAAAAAAAAAAAAAAAAAAAAAAAAAAAAAAAAAkAAAAJAAAAAAAAAAHAAAAAAAAAAAAAAAAAAAAAAAAAAAAAAAAAAAAf39/ACUAAABYAAAAAAAAAAAAAAAAAAAAAAAAAAAAAAAAAAAAAAAAAAAAAAAAAAAAAAAAAAAAAAA/AAAAAAAAAKCGAQAAAAAAAAAAAAAAAAAMAAAAAQAAAAAAAAAAAAAAAAAAAB8AAABUAAAAAAAABQAAAAEAAAAAAAAAAAAAAAAAAAAAAAAAAAAAAAAAAAAAAAAAAAAAAAJ/f38AAAAAA8zMzADAwP8Af39/AAAAAAAAAAAAAAAAAAAAAAAAAAAAIQAAABgAAAAUAAAAwAMAABsnAAA/FQAAWSkAABAAAAAmAAAACAAAAAAAAAAAAAAA"/>
               </a:ext>
             </a:extLst>
           </p:cNvSpPr>
@@ -1883,7 +1883,7 @@
           <a:lstStyle/>
           <a:p>
             <a:pPr/>
-            <a:fld id="{3E4120D0-9ED3-14D6-9DF9-68836EB76B3D}" type="datetime1">
+            <a:fld id="{3EE51876-38D3-B0EE-9D5D-CEBB56136B9B}" type="datetime1">
               <a:t/>
             </a:fld>
           </a:p>
@@ -1896,7 +1896,7 @@
             <a:spLocks noGrp="1" noChangeArrowheads="1"/>
             <a:extLst>
               <a:ext uri="smNativeData">
-                <pr:smNativeData xmlns:pr="smNativeData" xmlns="smNativeData" val="SMDATA_15_Lb0aZBMAAAAlAAAAZAAAAA8BAAAAkAAAAEgAAACQAAAASAAAAAAAAAABAAAAAAAAAAEAAABQAAAAAAAAAAAA4D8AAAAAAADgPwAAAAAAAOA/AAAAAAAA4D8AAAAAAADgPwAAAAAAAOA/AAAAAAAA4D8AAAAAAADgPwAAAAAAAOA/AAAAAAAA4D8CAAAAjAAAAAAAAAAAAAAAu+DjDP///wgAAAAAAAAAAAAAAAAAAAAAAAAAAAAAAAAAAAAAZAAAAAEAAABAAAAAAAAAAAAAAAAAAAAAAAAAAAAAAAAAAAAAAAAAAAAAAAAAAAAAAAAAAAAAAAAAAAAAAAAAAAAAAAAAAAAAAAAAAAAAAAAAAAAAAAAAAAAAAAAAAAAAFAAAADwAAAAAAAAAAAAAAAAAAAkUAAAAAQAAABQAAAAUAAAAFAAAAAEAAAAAAAAAZAAAAGQAAAAAAAAAZAAAAGQAAAAVAAAAYAAAAAAAAAAAAAAADwAAACADAAAAAAAAAAAAAAEAAACgMgAAVgcAAKr4//8BAAAAf39/AAEAAABkAAAAAAAAABQAAABAHwAAAAAAACYAAAAAAAAAwOD//wAAAAAmAAAAZAAAABYAAABMAAAAAAAAAAAAAAAEAAAAAAAAAAEAAACAgIAKAAAAACgAAAAoAAAAZAAAAGQAAAAAAAAAzMzMAAAAAABQAAAAUAAAAGQAAABkAAAAAAAAABcAAAAUAAAAAAAAAAAAAAD/fwAA/38AAAAAAAAJAAAABAAAANw7IAEeAAAAaAAAAAAAAAAAAAAAAAAAAAAAAAAAAAAAECcAABAnAAAAAAAAAAAAAAAAAAAAAAAAAAAAAAAAAAAAAAAAAAAAABQAAAAAAAAAwMD/AAAAAABkAAAAMgAAAAAAAABkAAAAAAAAAH9/fwAKAAAAIgAAABgAAAAAAAAAAAAAAAAAAAAAAAAAAAAAAAAAAAAkAAAAJAAAAAAAAAAHAAAAAAAAAAAAAAAAAAAAAAAAAAAAAAAAAAAAf39/ACUAAABYAAAAAAAAAAAAAAAAAAAAAAAAAAAAAAAAAAAAAAAAAAAAAAAAAAAAAAAAAAAAAAA/AAAAAAAAAKCGAQAAAAAAAAAAAAAAAAAMAAAAAQAAAAAAAAAAAAAAAAAAAB8AAABUAAAAAAAABQAAAAEAAAAAAAAAAAAAAAAAAAAAAAAAAAAAAAAAAAAAAAAAAAAAAAJ/f38AAAAAA8zMzADAwP8Af39/AAAAAAAAAAAAAAAAAAAAAAAAAAAAIQAAABgAAAAUAAAAoRkAABsnAABfMQAAWSkAABAAAAAmAAAACAAAAAAAAAAAAAAA"/>
+                <pr:smNativeData xmlns:pr="smNativeData" xmlns="smNativeData" val="SMDATA_15_Sr0aZBMAAAAlAAAAZAAAAA8BAAAAkAAAAEgAAACQAAAASAAAAAAAAAABAAAAAAAAAAEAAABQAAAAAAAAAAAA4D8AAAAAAADgPwAAAAAAAOA/AAAAAAAA4D8AAAAAAADgPwAAAAAAAOA/AAAAAAAA4D8AAAAAAADgPwAAAAAAAOA/AAAAAAAA4D8CAAAAjAAAAAAAAAAAAAAAu+DjDP///wgAAAAAAAAAAAAAAAAAAAAAAAAAAAAAAAAAAAAAZAAAAAEAAABAAAAAAAAAAAAAAAAAAAAAAAAAAAAAAAAAAAAAAAAAAAAAAAAAAAAAAAAAAAAAAAAAAAAAAAAAAAAAAAAAAAAAAAAAAAAAAAAAAAAAAAAAAAAAAAAAAAAAFAAAADwAAAAAAAAAAAAAAAAAAAkUAAAAAQAAABQAAAAUAAAAFAAAAAEAAAAAAAAAZAAAAGQAAAAAAAAAZAAAAGQAAAAVAAAAYAAAAAAAAAAAAAAADwAAACADAAAAAAAAAAAAAAEAAACgMgAAVgcAAKr4//8BAAAAf39/AAEAAABkAAAAAAAAABQAAABAHwAAAAAAACYAAAAAAAAAwOD//wAAAAAmAAAAZAAAABYAAABMAAAAAAAAAAAAAAAEAAAAAAAAAAEAAACAgIAKAAAAACgAAAAoAAAAZAAAAGQAAAAAAAAAzMzMAAAAAABQAAAAUAAAAGQAAABkAAAAAAAAABcAAAAUAAAAAAAAAAAAAAD/fwAA/38AAAAAAAAJAAAABAAAANw7IAEeAAAAaAAAAAAAAAAAAAAAAAAAAAAAAAAAAAAAECcAABAnAAAAAAAAAAAAAAAAAAAAAAAAAAAAAAAAAAAAAAAAAAAAABQAAAAAAAAAwMD/AAAAAABkAAAAMgAAAAAAAABkAAAAAAAAAH9/fwAKAAAAIgAAABgAAAAAAAAAAAAAAAAAAAAAAAAAAAAAAAAAAAAkAAAAJAAAAAAAAAAHAAAAAAAAAAAAAAAAAAAAAAAAAAAAAAAAAAAAf39/ACUAAABYAAAAAAAAAAAAAAAAAAAAAAAAAAAAAAAAAAAAAAAAAAAAAAAAAAAAAAAAAAAAAAA/AAAAAAAAAKCGAQAAAAAAAAAAAAAAAAAMAAAAAQAAAAAAAAAAAAAAAAAAAB8AAABUAAAAAAAABQAAAAEAAAAAAAAAAAAAAAAAAAAAAAAAAAAAAAAAAAAAAAAAAAAAAAJ/f38AAAAAA8zMzADAwP8Af39/AAAAAAAAAAAAAAAAAAAAAAAAAAAAIQAAABgAAAAUAAAAoRkAABsnAABfMQAAWSkAABAAAAAmAAAACAAAAAAAAAAAAAAA"/>
               </a:ext>
             </a:extLst>
           </p:cNvSpPr>
@@ -1923,7 +1923,7 @@
             <a:spLocks noGrp="1" noChangeArrowheads="1"/>
             <a:extLst>
               <a:ext uri="smNativeData">
-                <pr:smNativeData xmlns:pr="smNativeData" xmlns="smNativeData" val="SMDATA_15_Lb0aZBMAAAAlAAAAZAAAAA8BAAAAkAAAAEgAAACQAAAASAAAAAAAAAABAAAAAAAAAAEAAABQAAAAAAAAAAAA4D8AAAAAAADgPwAAAAAAAOA/AAAAAAAA4D8AAAAAAADgPwAAAAAAAOA/AAAAAAAA4D8AAAAAAADgPwAAAAAAAOA/AAAAAAAA4D8CAAAAjAAAAAAAAAAAAAAAu+DjDP///wgAAAAAAAAAAAAAAAAAAAAAAAAAAAAAAAAAAAAAZAAAAAEAAABAAAAAAAAAAAAAAAAAAAAAAAAAAAAAAAAAAAAAAAAAAAAAAAAAAAAAAAAAAAAAAAAAAAAAAAAAAAAAAAAAAAAAAAAAAAAAAAAAAAAAAAAAAAAAAAAAAAAAFAAAADwAAAAAAAAAAAAAAAAAAAkUAAAAAQAAABQAAAAUAAAAFAAAAAEAAAAAAAAAZAAAAGQAAAAAAAAAZAAAAGQAAAAVAAAAYAAAAAAAAAAAAAAADwAAACADAAAAAAAAAAAAAAEAAACgMgAAVgcAAKr4//8BAAAAf39/AAEAAABkAAAAAAAAABQAAABAHwAAAAAAACYAAAAAAAAAwOD//wAAAAAmAAAAZAAAABYAAABMAAAAAAAAAAAAAAAEAAAAAAAAAAEAAACAgIAKAAAAACgAAAAoAAAAZAAAAGQAAAAAAAAAzMzMAAAAAABQAAAAUAAAAGQAAABkAAAAAAAAABcAAAAUAAAAAAAAAAAAAAD/fwAA/38AAAAAAAAJAAAABAAAANw7IAEeAAAAaAAAAAAAAAAAAAAAAAAAAAAAAAAAAAAAECcAABAnAAAAAAAAAAAAAAAAAAAAAAAAAAAAAAAAAAAAAAAAAAAAABQAAAAAAAAAwMD/AAAAAABkAAAAMgAAAAAAAABkAAAAAAAAAH9/fwAKAAAAIgAAABgAAAAAAAAAAAAAAAAAAAAAAAAAAAAAAAAAAAAkAAAAJAAAAAAAAAAHAAAAAAAAAAAAAAAAAAAAAAAAAAAAAAAAAAAAf39/ACUAAABYAAAAAAAAAAAAAAAAAAAAAAAAAAAAAAAAAAAAAAAAAAAAAAAAAAAAAAAAAAAAAAA/AAAAAAAAAKCGAQAAAAAAAAAAAAAAAAAMAAAAAQAAAAAAAAAAAAAAAAAAAB8AAABUAAAAAAAABQAAAAEAAAAAAAAAAAAAAAAAAAAAAAAAAAAAAAAAAAAAAAAAAAAAAAJ/f38AAAAAA8zMzADAwP8Af39/AAAAAAAAAAAAAAAAAAAAAAAAAAAAIQAAABgAAAAUAAAAwTUAABsnAABARwAAWSkAABAAAAAmAAAACAAAAAAAAAAAAAAA"/>
+                <pr:smNativeData xmlns:pr="smNativeData" xmlns="smNativeData" val="SMDATA_15_Sr0aZBMAAAAlAAAAZAAAAA8BAAAAkAAAAEgAAACQAAAASAAAAAAAAAABAAAAAAAAAAEAAABQAAAAAAAAAAAA4D8AAAAAAADgPwAAAAAAAOA/AAAAAAAA4D8AAAAAAADgPwAAAAAAAOA/AAAAAAAA4D8AAAAAAADgPwAAAAAAAOA/AAAAAAAA4D8CAAAAjAAAAAAAAAAAAAAAu+DjDP///wgAAAAAAAAAAAAAAAAAAAAAAAAAAAAAAAAAAAAAZAAAAAEAAABAAAAAAAAAAAAAAAAAAAAAAAAAAAAAAAAAAAAAAAAAAAAAAAAAAAAAAAAAAAAAAAAAAAAAAAAAAAAAAAAAAAAAAAAAAAAAAAAAAAAAAAAAAAAAAAAAAAAAFAAAADwAAAAAAAAAAAAAAAAAAAkUAAAAAQAAABQAAAAUAAAAFAAAAAEAAAAAAAAAZAAAAGQAAAAAAAAAZAAAAGQAAAAVAAAAYAAAAAAAAAAAAAAADwAAACADAAAAAAAAAAAAAAEAAACgMgAAVgcAAKr4//8BAAAAf39/AAEAAABkAAAAAAAAABQAAABAHwAAAAAAACYAAAAAAAAAwOD//wAAAAAmAAAAZAAAABYAAABMAAAAAAAAAAAAAAAEAAAAAAAAAAEAAACAgIAKAAAAACgAAAAoAAAAZAAAAGQAAAAAAAAAzMzMAAAAAABQAAAAUAAAAGQAAABkAAAAAAAAABcAAAAUAAAAAAAAAAAAAAD/fwAA/38AAAAAAAAJAAAABAAAANw7IAEeAAAAaAAAAAAAAAAAAAAAAAAAAAAAAAAAAAAAECcAABAnAAAAAAAAAAAAAAAAAAAAAAAAAAAAAAAAAAAAAAAAAAAAABQAAAAAAAAAwMD/AAAAAABkAAAAMgAAAAAAAABkAAAAAAAAAH9/fwAKAAAAIgAAABgAAAAAAAAAAAAAAAAAAAAAAAAAAAAAAAAAAAAkAAAAJAAAAAAAAAAHAAAAAAAAAAAAAAAAAAAAAAAAAAAAAAAAAAAAf39/ACUAAABYAAAAAAAAAAAAAAAAAAAAAAAAAAAAAAAAAAAAAAAAAAAAAAAAAAAAAAAAAAAAAAA/AAAAAAAAAKCGAQAAAAAAAAAAAAAAAAAMAAAAAQAAAAAAAAAAAAAAAAAAAB8AAABUAAAAAAAABQAAAAEAAAAAAAAAAAAAAAAAAAAAAAAAAAAAAAAAAAAAAAAAAAAAAAJ/f38AAAAAA8zMzADAwP8Af39/AAAAAAAAAAAAAAAAAAAAAAAAAAAAIQAAABgAAAAUAAAAwTUAABsnAABARwAAWSkAABAAAAAmAAAACAAAAAAAAAAAAAAA"/>
               </a:ext>
             </a:extLst>
           </p:cNvSpPr>
@@ -1937,7 +1937,7 @@
           <a:lstStyle/>
           <a:p>
             <a:pPr/>
-            <a:fld id="{3E41019D-D3D3-14F7-9DF9-25A24FB76B70}" type="slidenum">
+            <a:fld id="{3EE51661-2FD3-B0E0-9D5D-D9B558136B8C}" type="slidenum">
               <a:t/>
             </a:fld>
           </a:p>
@@ -1975,7 +1975,7 @@
             <a:spLocks noGrp="1" noChangeArrowheads="1"/>
             <a:extLst>
               <a:ext uri="smNativeData">
-                <pr:smNativeData xmlns:pr="smNativeData" xmlns="smNativeData" val="SMDATA_15_Lb0aZBMAAAAlAAAAZAAAAA8BAAAAkAAAAEgAAACQAAAASAAAAAAAAAABAAAAAAAAAAEAAABQAAAAAAAAAAAA4D8AAAAAAADgPwAAAAAAAOA/AAAAAAAA4D8AAAAAAADgPwAAAAAAAOA/AAAAAAAA4D8AAAAAAADgPwAAAAAAAOA/AAAAAAAA4D8CAAAAjAAAAAAAAAAAAAAAu+DjDP///wgAAAAAAAAAAAAAAAAAAAAAAAAAAAAAAAAAAAAAZAAAAAEAAABAAAAAAAAAAAAAAAAAAAAAAAAAAAAAAAAAAAAAAAAAAAAAAAAAAAAAAAAAAAAAAAAAAAAAAAAAAAAAAAAAAAAAAAAAAAAAAAAAAAAAAAAAAAAAAAAAAAAAFAAAADwAAAAAAAAAAAAAAAAAAAkUAAAAAQAAABQAAAAUAAAAFAAAAAEAAAAAAAAAZAAAAGQAAAAAAAAAZAAAAGQAAAAVAAAAYAAAAAAAAAAAAAAADwAAACADAAAAAAAAAAAAAAEAAACgMgAAVgcAAKr4//8BAAAAf39/AAEAAABkAAAAAAAAABQAAABAHwAAAAAAACYAAAAAAAAAwOD//wAAAAAmAAAAZAAAABYAAABMAAAAAAAAAAAAAAAEAAAAAAAAAAEAAACAgIAKAAAAACgAAAAoAAAAZAAAAGQAAAAAAAAAzMzMAAAAAABQAAAAUAAAAGQAAABkAAAAAAAAABcAAAAUAAAAAAAAAAAAAAD/fwAA/38AAAAAAAAJAAAABAAAANw7IAEeAAAAaAAAAAAAAAAAAAAAAAAAAAAAAAAAAAAAECcAABAnAAAAAAAAAAAAAAAAAAAAAAAAAAAAAAAAAAAAAAAAAAAAABQAAAAAAAAAwMD/AAAAAABkAAAAMgAAAAAAAABkAAAAAAAAAH9/fwAKAAAAIgAAABgAAAAAAAAAAAAAAAAAAAAAAAAAAAAAAAAAAAAkAAAAJAAAAAAAAAAHAAAAAAAAAAAAAAAAAAAAAAAAAAAAAAAAAAAAf39/ACUAAABYAAAAAAAAAAAAAAAAAAAAAAAAAAAAAAAAAAAAAAAAAAAAAAAAAAAAAAAAAAAAAAA/AAAAAAAAAKCGAQAAAAAAAAAAAAAAAAAMAAAAAQAAAAAAAAAAAAAAAAAAAB8AAABUAAAAAAAABQAAAAEAAAAAAAAAAAAAAAAAAAAAAAAAAAAAAAAAAAAAAAAAAAAAAAJ/f38AAAAAA8zMzADAwP8Af39/AAAAAAAAAAAAAAAAAAAAAAAAAAAAIQAAABgAAAAUAAAAwAMAALABAABARwAAuAgAABAAAAAmAAAACAAAAAAAAAAAAAAA"/>
+                <pr:smNativeData xmlns:pr="smNativeData" xmlns="smNativeData" val="SMDATA_15_Sr0aZBMAAAAlAAAAZAAAAA8BAAAAkAAAAEgAAACQAAAASAAAAAAAAAABAAAAAAAAAAEAAABQAAAAAAAAAAAA4D8AAAAAAADgPwAAAAAAAOA/AAAAAAAA4D8AAAAAAADgPwAAAAAAAOA/AAAAAAAA4D8AAAAAAADgPwAAAAAAAOA/AAAAAAAA4D8CAAAAjAAAAAAAAAAAAAAAu+DjDP///wgAAAAAAAAAAAAAAAAAAAAAAAAAAAAAAAAAAAAAZAAAAAEAAABAAAAAAAAAAAAAAAAAAAAAAAAAAAAAAAAAAAAAAAAAAAAAAAAAAAAAAAAAAAAAAAAAAAAAAAAAAAAAAAAAAAAAAAAAAAAAAAAAAAAAAAAAAAAAAAAAAAAAFAAAADwAAAAAAAAAAAAAAAAAAAkUAAAAAQAAABQAAAAUAAAAFAAAAAEAAAAAAAAAZAAAAGQAAAAAAAAAZAAAAGQAAAAVAAAAYAAAAAAAAAAAAAAADwAAACADAAAAAAAAAAAAAAEAAACgMgAAVgcAAKr4//8BAAAAf39/AAEAAABkAAAAAAAAABQAAABAHwAAAAAAACYAAAAAAAAAwOD//wAAAAAmAAAAZAAAABYAAABMAAAAAAAAAAAAAAAEAAAAAAAAAAEAAACAgIAKAAAAACgAAAAoAAAAZAAAAGQAAAAAAAAAzMzMAAAAAABQAAAAUAAAAGQAAABkAAAAAAAAABcAAAAUAAAAAAAAAAAAAAD/fwAA/38AAAAAAAAJAAAABAAAANw7IAEeAAAAaAAAAAAAAAAAAAAAAAAAAAAAAAAAAAAAECcAABAnAAAAAAAAAAAAAAAAAAAAAAAAAAAAAAAAAAAAAAAAAAAAABQAAAAAAAAAwMD/AAAAAABkAAAAMgAAAAAAAABkAAAAAAAAAH9/fwAKAAAAIgAAABgAAAAAAAAAAAAAAAAAAAAAAAAAAAAAAAAAAAAkAAAAJAAAAAAAAAAHAAAAAAAAAAAAAAAAAAAAAAAAAAAAAAAAAAAAf39/ACUAAABYAAAAAAAAAAAAAAAAAAAAAAAAAAAAAAAAAAAAAAAAAAAAAAAAAAAAAAAAAAAAAAA/AAAAAAAAAKCGAQAAAAAAAAAAAAAAAAAMAAAAAQAAAAAAAAAAAAAAAAAAAB8AAABUAAAAAAAABQAAAAEAAAAAAAAAAAAAAAAAAAAAAAAAAAAAAAAAAAAAAAAAAAAAAAJ/f38AAAAAA8zMzADAwP8Af39/AAAAAAAAAAAAAAAAAAAAAAAAAAAAIQAAABgAAAAUAAAAwAMAALABAABARwAAuAgAABAAAAAmAAAACAAAAAAAAAAAAAAA"/>
               </a:ext>
             </a:extLst>
           </p:cNvSpPr>
@@ -2002,7 +2002,7 @@
             <a:spLocks noGrp="1" noChangeArrowheads="1"/>
             <a:extLst>
               <a:ext uri="smNativeData">
-                <pr:smNativeData xmlns:pr="smNativeData" xmlns="smNativeData" val="SMDATA_15_Lb0aZBMAAAAlAAAAZAAAAA8BAAAAkAAAAEgAAACQAAAASAAAAAAAAAABAAAAAAAAAAEAAABQAAAAAAAAAAAA4D8AAAAAAADgPwAAAAAAAOA/AAAAAAAA4D8AAAAAAADgPwAAAAAAAOA/AAAAAAAA4D8AAAAAAADgPwAAAAAAAOA/AAAAAAAA4D8CAAAAjAAAAAAAAAAAAAAAu+DjDP///wgAAAAAAAAAAAAAAAAAAAAAAAAAAAAAAAAAAAAAZAAAAAEAAABAAAAAAAAAAAAAAAAAAAAAAAAAAAAAAAAAAAAAAAAAAAAAAAAAAAAAAAAAAAAAAAAAAAAAAAAAAAAAAAAAAAAAAAAAAAAAAAAAAAAAAAAAAAAAAAAAAAAAFAAAADwAAAAAAAAAAAAAAAAAAAkUAAAAAQAAABQAAAAUAAAAFAAAAAEAAAAAAAAAZAAAAGQAAAAAAAAAZAAAAGQAAAAVAAAAYAAAAAAAAAAAAAAADwAAACADAAAAAAAAAAAAAAEAAACgMgAAVgcAAKr4//8BAAAAf39/AAEAAABkAAAAAAAAABQAAABAHwAAAAAAACYAAAAAAAAAwOD//wAAAAAmAAAAZAAAABYAAABMAAAAAAAAAAAAAAAEAAAAAAAAAAEAAACAgIAKAAAAACgAAAAoAAAAZAAAAGQAAAAAAAAAzMzMAAAAAABQAAAAUAAAAGQAAABkAAAAAAAAABcAAAAUAAAAAAAAAAAAAAD/fwAA/38AAAAAAAAJAAAABAAAANw7IAEeAAAAaAAAAAAAAAAAAAAAAAAAAAAAAAAAAAAAECcAABAnAAAAAAAAAAAAAAAAAAAAAAAAAAAAAAAAAAAAAAAAAAAAABQAAAAAAAAAwMD/AAAAAABkAAAAMgAAAAAAAABkAAAAAAAAAH9/fwAKAAAAIgAAABgAAAAAAAAAAAAAAAAAAAAAAAAAAAAAAAAAAAAkAAAAJAAAAAAAAAAHAAAAAAAAAAAAAAAAAAAAAAAAAAAAAAAAAAAAf39/ACUAAABYAAAAAAAAAAAAAAAAAAAAAAAAAAAAAAAAAAAAAAAAAAAAAAAAAAAAAAAAAAAAAAA/AAAAAAAAAKCGAQAAAAAAAAAAAAAAAAAMAAAAAQAAAAAAAAAAAAAAAAAAAB8AAABUAAAAAAAABQAAAAEAAAAAAAAAAAAAAAAAAAAAAAAAAAAAAAAAAAAAAAAAAAAAAAJ/f38AAAAAA8zMzADAwP8Af39/AAAAAAAAAAAAAAAAAAAAAAAAAAAAIQAAABgAAAAUAAAAwAMAABsnAAA/FQAAWSkAABAAAAAmAAAACAAAAAAAAAAAAAAA"/>
+                <pr:smNativeData xmlns:pr="smNativeData" xmlns="smNativeData" val="SMDATA_15_Sr0aZBMAAAAlAAAAZAAAAA8BAAAAkAAAAEgAAACQAAAASAAAAAAAAAABAAAAAAAAAAEAAABQAAAAAAAAAAAA4D8AAAAAAADgPwAAAAAAAOA/AAAAAAAA4D8AAAAAAADgPwAAAAAAAOA/AAAAAAAA4D8AAAAAAADgPwAAAAAAAOA/AAAAAAAA4D8CAAAAjAAAAAAAAAAAAAAAu+DjDP///wgAAAAAAAAAAAAAAAAAAAAAAAAAAAAAAAAAAAAAZAAAAAEAAABAAAAAAAAAAAAAAAAAAAAAAAAAAAAAAAAAAAAAAAAAAAAAAAAAAAAAAAAAAAAAAAAAAAAAAAAAAAAAAAAAAAAAAAAAAAAAAAAAAAAAAAAAAAAAAAAAAAAAFAAAADwAAAAAAAAAAAAAAAAAAAkUAAAAAQAAABQAAAAUAAAAFAAAAAEAAAAAAAAAZAAAAGQAAAAAAAAAZAAAAGQAAAAVAAAAYAAAAAAAAAAAAAAADwAAACADAAAAAAAAAAAAAAEAAACgMgAAVgcAAKr4//8BAAAAf39/AAEAAABkAAAAAAAAABQAAABAHwAAAAAAACYAAAAAAAAAwOD//wAAAAAmAAAAZAAAABYAAABMAAAAAAAAAAAAAAAEAAAAAAAAAAEAAACAgIAKAAAAACgAAAAoAAAAZAAAAGQAAAAAAAAAzMzMAAAAAABQAAAAUAAAAGQAAABkAAAAAAAAABcAAAAUAAAAAAAAAAAAAAD/fwAA/38AAAAAAAAJAAAABAAAANw7IAEeAAAAaAAAAAAAAAAAAAAAAAAAAAAAAAAAAAAAECcAABAnAAAAAAAAAAAAAAAAAAAAAAAAAAAAAAAAAAAAAAAAAAAAABQAAAAAAAAAwMD/AAAAAABkAAAAMgAAAAAAAABkAAAAAAAAAH9/fwAKAAAAIgAAABgAAAAAAAAAAAAAAAAAAAAAAAAAAAAAAAAAAAAkAAAAJAAAAAAAAAAHAAAAAAAAAAAAAAAAAAAAAAAAAAAAAAAAAAAAf39/ACUAAABYAAAAAAAAAAAAAAAAAAAAAAAAAAAAAAAAAAAAAAAAAAAAAAAAAAAAAAAAAAAAAAA/AAAAAAAAAKCGAQAAAAAAAAAAAAAAAAAMAAAAAQAAAAAAAAAAAAAAAAAAAB8AAABUAAAAAAAABQAAAAEAAAAAAAAAAAAAAAAAAAAAAAAAAAAAAAAAAAAAAAAAAAAAAAJ/f38AAAAAA8zMzADAwP8Af39/AAAAAAAAAAAAAAAAAAAAAAAAAAAAIQAAABgAAAAUAAAAwAMAABsnAAA/FQAAWSkAABAAAAAmAAAACAAAAAAAAAAAAAAA"/>
               </a:ext>
             </a:extLst>
           </p:cNvSpPr>
@@ -2016,7 +2016,7 @@
           <a:lstStyle/>
           <a:p>
             <a:pPr/>
-            <a:fld id="{3E410762-2CD3-14F1-9DF9-DAA449B76B8F}" type="datetime1">
+            <a:fld id="{3EE55F06-48D3-B0A9-9D5D-BEFC11136BEB}" type="datetime1">
               <a:t/>
             </a:fld>
           </a:p>
@@ -2029,7 +2029,7 @@
             <a:spLocks noGrp="1" noChangeArrowheads="1"/>
             <a:extLst>
               <a:ext uri="smNativeData">
-                <pr:smNativeData xmlns:pr="smNativeData" xmlns="smNativeData" val="SMDATA_15_Lb0aZBMAAAAlAAAAZAAAAA8BAAAAkAAAAEgAAACQAAAASAAAAAAAAAABAAAAAAAAAAEAAABQAAAAAAAAAAAA4D8AAAAAAADgPwAAAAAAAOA/AAAAAAAA4D8AAAAAAADgPwAAAAAAAOA/AAAAAAAA4D8AAAAAAADgPwAAAAAAAOA/AAAAAAAA4D8CAAAAjAAAAAAAAAAAAAAAu+DjDP///wgAAAAAAAAAAAAAAAAAAAAAAAAAAAAAAAAAAAAAZAAAAAEAAABAAAAAAAAAAAAAAAAAAAAAAAAAAAAAAAAAAAAAAAAAAAAAAAAAAAAAAAAAAAAAAAAAAAAAAAAAAAAAAAAAAAAAAAAAAAAAAAAAAAAAAAAAAAAAAAAAAAAAFAAAADwAAAAAAAAAAAAAAAAAAAkUAAAAAQAAABQAAAAUAAAAFAAAAAEAAAAAAAAAZAAAAGQAAAAAAAAAZAAAAGQAAAAVAAAAYAAAAAAAAAAAAAAADwAAACADAAAAAAAAAAAAAAEAAACgMgAAVgcAAKr4//8BAAAAf39/AAEAAABkAAAAAAAAABQAAABAHwAAAAAAACYAAAAAAAAAwOD//wAAAAAmAAAAZAAAABYAAABMAAAAAAAAAAAAAAAEAAAAAAAAAAEAAACAgIAKAAAAACgAAAAoAAAAZAAAAGQAAAAAAAAAzMzMAAAAAABQAAAAUAAAAGQAAABkAAAAAAAAABcAAAAUAAAAAAAAAAAAAAD/fwAA/38AAAAAAAAJAAAABAAAANw7IAEeAAAAaAAAAAAAAAAAAAAAAAAAAAAAAAAAAAAAECcAABAnAAAAAAAAAAAAAAAAAAAAAAAAAAAAAAAAAAAAAAAAAAAAABQAAAAAAAAAwMD/AAAAAABkAAAAMgAAAAAAAABkAAAAAAAAAH9/fwAKAAAAIgAAABgAAAAAAAAAAAAAAAAAAAAAAAAAAAAAAAAAAAAkAAAAJAAAAAAAAAAHAAAAAAAAAAAAAAAAAAAAAAAAAAAAAAAAAAAAf39/ACUAAABYAAAAAAAAAAAAAAAAAAAAAAAAAAAAAAAAAAAAAAAAAAAAAAAAAAAAAAAAAAAAAAA/AAAAAAAAAKCGAQAAAAAAAAAAAAAAAAAMAAAAAQAAAAAAAAAAAAAAAAAAAB8AAABUAAAAAAAABQAAAAEAAAAAAAAAAAAAAAAAAAAAAAAAAAAAAAAAAAAAAAAAAAAAAAJ/f38AAAAAA8zMzADAwP8Af39/AAAAAAAAAAAAAAAAAAAAAAAAAAAAIQAAABgAAAAUAAAAoRkAABsnAABfMQAAWSkAABAAAAAmAAAACAAAAAAAAAAAAAAA"/>
+                <pr:smNativeData xmlns:pr="smNativeData" xmlns="smNativeData" val="SMDATA_15_Sr0aZBMAAAAlAAAAZAAAAA8BAAAAkAAAAEgAAACQAAAASAAAAAAAAAABAAAAAAAAAAEAAABQAAAAAAAAAAAA4D8AAAAAAADgPwAAAAAAAOA/AAAAAAAA4D8AAAAAAADgPwAAAAAAAOA/AAAAAAAA4D8AAAAAAADgPwAAAAAAAOA/AAAAAAAA4D8CAAAAjAAAAAAAAAAAAAAAu+DjDP///wgAAAAAAAAAAAAAAAAAAAAAAAAAAAAAAAAAAAAAZAAAAAEAAABAAAAAAAAAAAAAAAAAAAAAAAAAAAAAAAAAAAAAAAAAAAAAAAAAAAAAAAAAAAAAAAAAAAAAAAAAAAAAAAAAAAAAAAAAAAAAAAAAAAAAAAAAAAAAAAAAAAAAFAAAADwAAAAAAAAAAAAAAAAAAAkUAAAAAQAAABQAAAAUAAAAFAAAAAEAAAAAAAAAZAAAAGQAAAAAAAAAZAAAAGQAAAAVAAAAYAAAAAAAAAAAAAAADwAAACADAAAAAAAAAAAAAAEAAACgMgAAVgcAAKr4//8BAAAAf39/AAEAAABkAAAAAAAAABQAAABAHwAAAAAAACYAAAAAAAAAwOD//wAAAAAmAAAAZAAAABYAAABMAAAAAAAAAAAAAAAEAAAAAAAAAAEAAACAgIAKAAAAACgAAAAoAAAAZAAAAGQAAAAAAAAAzMzMAAAAAABQAAAAUAAAAGQAAABkAAAAAAAAABcAAAAUAAAAAAAAAAAAAAD/fwAA/38AAAAAAAAJAAAABAAAANw7IAEeAAAAaAAAAAAAAAAAAAAAAAAAAAAAAAAAAAAAECcAABAnAAAAAAAAAAAAAAAAAAAAAAAAAAAAAAAAAAAAAAAAAAAAABQAAAAAAAAAwMD/AAAAAABkAAAAMgAAAAAAAABkAAAAAAAAAH9/fwAKAAAAIgAAABgAAAAAAAAAAAAAAAAAAAAAAAAAAAAAAAAAAAAkAAAAJAAAAAAAAAAHAAAAAAAAAAAAAAAAAAAAAAAAAAAAAAAAAAAAf39/ACUAAABYAAAAAAAAAAAAAAAAAAAAAAAAAAAAAAAAAAAAAAAAAAAAAAAAAAAAAAAAAAAAAAA/AAAAAAAAAKCGAQAAAAAAAAAAAAAAAAAMAAAAAQAAAAAAAAAAAAAAAAAAAB8AAABUAAAAAAAABQAAAAEAAAAAAAAAAAAAAAAAAAAAAAAAAAAAAAAAAAAAAAAAAAAAAAJ/f38AAAAAA8zMzADAwP8Af39/AAAAAAAAAAAAAAAAAAAAAAAAAAAAIQAAABgAAAAUAAAAoRkAABsnAABfMQAAWSkAABAAAAAmAAAACAAAAAAAAAAAAAAA"/>
               </a:ext>
             </a:extLst>
           </p:cNvSpPr>
@@ -2056,7 +2056,7 @@
             <a:spLocks noGrp="1" noChangeArrowheads="1"/>
             <a:extLst>
               <a:ext uri="smNativeData">
-                <pr:smNativeData xmlns:pr="smNativeData" xmlns="smNativeData" val="SMDATA_15_Lb0aZBMAAAAlAAAAZAAAAA8BAAAAkAAAAEgAAACQAAAASAAAAAAAAAABAAAAAAAAAAEAAABQAAAAAAAAAAAA4D8AAAAAAADgPwAAAAAAAOA/AAAAAAAA4D8AAAAAAADgPwAAAAAAAOA/AAAAAAAA4D8AAAAAAADgPwAAAAAAAOA/AAAAAAAA4D8CAAAAjAAAAAAAAAAAAAAAu+DjDP///wgAAAAAAAAAAAAAAAAAAAAAAAAAAAAAAAAAAAAAZAAAAAEAAABAAAAAAAAAAAAAAAAAAAAAAAAAAAAAAAAAAAAAAAAAAAAAAAAAAAAAAAAAAAAAAAAAAAAAAAAAAAAAAAAAAAAAAAAAAAAAAAAAAAAAAAAAAAAAAAAAAAAAFAAAADwAAAAAAAAAAAAAAAAAAAkUAAAAAQAAABQAAAAUAAAAFAAAAAEAAAAAAAAAZAAAAGQAAAAAAAAAZAAAAGQAAAAVAAAAYAAAAAAAAAAAAAAADwAAACADAAAAAAAAAAAAAAEAAACgMgAAVgcAAKr4//8BAAAAf39/AAEAAABkAAAAAAAAABQAAABAHwAAAAAAACYAAAAAAAAAwOD//wAAAAAmAAAAZAAAABYAAABMAAAAAAAAAAAAAAAEAAAAAAAAAAEAAACAgIAKAAAAACgAAAAoAAAAZAAAAGQAAAAAAAAAzMzMAAAAAABQAAAAUAAAAGQAAABkAAAAAAAAABcAAAAUAAAAAAAAAAAAAAD/fwAA/38AAAAAAAAJAAAABAAAANw7IAEeAAAAaAAAAAAAAAAAAAAAAAAAAAAAAAAAAAAAECcAABAnAAAAAAAAAAAAAAAAAAAAAAAAAAAAAAAAAAAAAAAAAAAAABQAAAAAAAAAwMD/AAAAAABkAAAAMgAAAAAAAABkAAAAAAAAAH9/fwAKAAAAIgAAABgAAAAAAAAAAAAAAAAAAAAAAAAAAAAAAAAAAAAkAAAAJAAAAAAAAAAHAAAAAAAAAAAAAAAAAAAAAAAAAAAAAAAAAAAAf39/ACUAAABYAAAAAAAAAAAAAAAAAAAAAAAAAAAAAAAAAAAAAAAAAAAAAAAAAAAAAAAAAAAAAAA/AAAAAAAAAKCGAQAAAAAAAAAAAAAAAAAMAAAAAQAAAAAAAAAAAAAAAAAAAB8AAABUAAAAAAAABQAAAAEAAAAAAAAAAAAAAAAAAAAAAAAAAAAAAAAAAAAAAAAAAAAAAAJ/f38AAAAAA8zMzADAwP8Af39/AAAAAAAAAAAAAAAAAAAAAAAAAAAAIQAAABgAAAAUAAAAwTUAABsnAABARwAAWSkAABAAAAAmAAAACAAAAAAAAAAAAAAA"/>
+                <pr:smNativeData xmlns:pr="smNativeData" xmlns="smNativeData" val="SMDATA_15_Sr0aZBMAAAAlAAAAZAAAAA8BAAAAkAAAAEgAAACQAAAASAAAAAAAAAABAAAAAAAAAAEAAABQAAAAAAAAAAAA4D8AAAAAAADgPwAAAAAAAOA/AAAAAAAA4D8AAAAAAADgPwAAAAAAAOA/AAAAAAAA4D8AAAAAAADgPwAAAAAAAOA/AAAAAAAA4D8CAAAAjAAAAAAAAAAAAAAAu+DjDP///wgAAAAAAAAAAAAAAAAAAAAAAAAAAAAAAAAAAAAAZAAAAAEAAABAAAAAAAAAAAAAAAAAAAAAAAAAAAAAAAAAAAAAAAAAAAAAAAAAAAAAAAAAAAAAAAAAAAAAAAAAAAAAAAAAAAAAAAAAAAAAAAAAAAAAAAAAAAAAAAAAAAAAFAAAADwAAAAAAAAAAAAAAAAAAAkUAAAAAQAAABQAAAAUAAAAFAAAAAEAAAAAAAAAZAAAAGQAAAAAAAAAZAAAAGQAAAAVAAAAYAAAAAAAAAAAAAAADwAAACADAAAAAAAAAAAAAAEAAACgMgAAVgcAAKr4//8BAAAAf39/AAEAAABkAAAAAAAAABQAAABAHwAAAAAAACYAAAAAAAAAwOD//wAAAAAmAAAAZAAAABYAAABMAAAAAAAAAAAAAAAEAAAAAAAAAAEAAACAgIAKAAAAACgAAAAoAAAAZAAAAGQAAAAAAAAAzMzMAAAAAABQAAAAUAAAAGQAAABkAAAAAAAAABcAAAAUAAAAAAAAAAAAAAD/fwAA/38AAAAAAAAJAAAABAAAANw7IAEeAAAAaAAAAAAAAAAAAAAAAAAAAAAAAAAAAAAAECcAABAnAAAAAAAAAAAAAAAAAAAAAAAAAAAAAAAAAAAAAAAAAAAAABQAAAAAAAAAwMD/AAAAAABkAAAAMgAAAAAAAABkAAAAAAAAAH9/fwAKAAAAIgAAABgAAAAAAAAAAAAAAAAAAAAAAAAAAAAAAAAAAAAkAAAAJAAAAAAAAAAHAAAAAAAAAAAAAAAAAAAAAAAAAAAAAAAAAAAAf39/ACUAAABYAAAAAAAAAAAAAAAAAAAAAAAAAAAAAAAAAAAAAAAAAAAAAAAAAAAAAAAAAAAAAAA/AAAAAAAAAKCGAQAAAAAAAAAAAAAAAAAMAAAAAQAAAAAAAAAAAAAAAAAAAB8AAABUAAAAAAAABQAAAAEAAAAAAAAAAAAAAAAAAAAAAAAAAAAAAAAAAAAAAAAAAAAAAAJ/f38AAAAAA8zMzADAwP8Af39/AAAAAAAAAAAAAAAAAAAAAAAAAAAAIQAAABgAAAAUAAAAwTUAABsnAABARwAAWSkAABAAAAAmAAAACAAAAAAAAAAAAAAA"/>
               </a:ext>
             </a:extLst>
           </p:cNvSpPr>
@@ -2070,7 +2070,7 @@
           <a:lstStyle/>
           <a:p>
             <a:pPr/>
-            <a:fld id="{3E41181E-50D3-14EE-9DF9-A6BB56B76BF3}" type="slidenum">
+            <a:fld id="{3EE55548-06D3-B0A3-9D5D-F0F61B136BA5}" type="slidenum">
               <a:t/>
             </a:fld>
           </a:p>
@@ -2108,7 +2108,7 @@
             <a:spLocks noGrp="1" noChangeArrowheads="1"/>
             <a:extLst>
               <a:ext uri="smNativeData">
-                <pr:smNativeData xmlns:pr="smNativeData" xmlns="smNativeData" val="SMDATA_15_Lb0aZBMAAAAlAAAAZAAAAA8BAAAAkAAAAEgAAACQAAAASAAAAAAAAAABAAAAAAAAAAEAAABQAAAAAAAAAAAA4D8AAAAAAADgPwAAAAAAAOA/AAAAAAAA4D8AAAAAAADgPwAAAAAAAOA/AAAAAAAA4D8AAAAAAADgPwAAAAAAAOA/AAAAAAAA4D8CAAAAjAAAAAAAAAAAAAAAu+DjDP///wgAAAAAAAAAAAAAAAAAAAAAAAAAAAAAAAAAAAAAZAAAAAEAAABAAAAAAAAAAAAAAAAAAAAAAAAAAAAAAAAAAAAAAAAAAAAAAAAAAAAAAAAAAAAAAAAAAAAAAAAAAAAAAAAAAAAAAAAAAAAAAAAAAAAAAAAAAAAAAAAAAAAAFAAAADwAAAAAAAAAAAAAAAAAAAkUAAAAAQAAABQAAAAUAAAAFAAAAAEAAAAAAAAAZAAAAGQAAAAAAAAAZAAAAGQAAAAVAAAAYAAAAAAAAAAAAAAADwAAACADAAAAAAAAAAAAAAEAAACgMgAAVgcAAKr4//8BAAAAf39/AAEAAABkAAAAAAAAABQAAABAHwAAAAAAACYAAAAAAAAAwOD//wAAAAAmAAAAZAAAABYAAABMAAAAAAAAAAAAAAAEAAAAAAAAAAEAAACAgIAKAAAAACgAAAAoAAAAZAAAAGQAAAAAAAAAzMzMAAAAAABQAAAAUAAAAGQAAABkAAAAAAAAABcAAAAUAAAAAAAAAAAAAAD/fwAA/38AAAAAAAAJAAAABAAAANw7IAEeAAAAaAAAAAAAAAAAAAAAAAAAAAAAAAAAAAAAECcAABAnAAAAAAAAAAAAAAAAAAAAAAAAAAAAAAAAAAAAAAAAAAAAABQAAAAAAAAAwMD/AAAAAABkAAAAMgAAAAAAAABkAAAAAAAAAH9/fwAKAAAAIgAAABgAAAAAAAAAAAAAAAAAAAAAAAAAAAAAAAAAAAAkAAAAJAAAAAAAAAAHAAAAAAAAAAAAAAAAAAAAAAAAAAAAAAAAAAAAf39/ACUAAABYAAAAAAAAAAAAAAAAAAAAAAAAAAAAAAAAAAAAAAAAAAAAAAAAAAAAAAAAAAAAAAA/AAAAAAAAAKCGAQAAAAAAAAAAAAAAAAAMAAAAAQAAAAAAAAAAAAAAAAAAAB8AAABUAAAAAAAABQAAAAEAAAAAAAAAAAAAAAAAAAAAAAAAAAAAAAAAAAAAAAAAAAAAAAJ/f38AAAAAA8zMzADAwP8Af39/AAAAAAAAAAAAAAAAAAAAAAAAAAAAIQAAABgAAAAUAAAAwAMAABsnAAA/FQAAWSkAABAAAAAmAAAACAAAAAAAAAAAAAAA"/>
+                <pr:smNativeData xmlns:pr="smNativeData" xmlns="smNativeData" val="SMDATA_15_Sr0aZBMAAAAlAAAAZAAAAA8BAAAAkAAAAEgAAACQAAAASAAAAAAAAAABAAAAAAAAAAEAAABQAAAAAAAAAAAA4D8AAAAAAADgPwAAAAAAAOA/AAAAAAAA4D8AAAAAAADgPwAAAAAAAOA/AAAAAAAA4D8AAAAAAADgPwAAAAAAAOA/AAAAAAAA4D8CAAAAjAAAAAAAAAAAAAAAu+DjDP///wgAAAAAAAAAAAAAAAAAAAAAAAAAAAAAAAAAAAAAZAAAAAEAAABAAAAAAAAAAAAAAAAAAAAAAAAAAAAAAAAAAAAAAAAAAAAAAAAAAAAAAAAAAAAAAAAAAAAAAAAAAAAAAAAAAAAAAAAAAAAAAAAAAAAAAAAAAAAAAAAAAAAAFAAAADwAAAAAAAAAAAAAAAAAAAkUAAAAAQAAABQAAAAUAAAAFAAAAAEAAAAAAAAAZAAAAGQAAAAAAAAAZAAAAGQAAAAVAAAAYAAAAAAAAAAAAAAADwAAACADAAAAAAAAAAAAAAEAAACgMgAAVgcAAKr4//8BAAAAf39/AAEAAABkAAAAAAAAABQAAABAHwAAAAAAACYAAAAAAAAAwOD//wAAAAAmAAAAZAAAABYAAABMAAAAAAAAAAAAAAAEAAAAAAAAAAEAAACAgIAKAAAAACgAAAAoAAAAZAAAAGQAAAAAAAAAzMzMAAAAAABQAAAAUAAAAGQAAABkAAAAAAAAABcAAAAUAAAAAAAAAAAAAAD/fwAA/38AAAAAAAAJAAAABAAAANw7IAEeAAAAaAAAAAAAAAAAAAAAAAAAAAAAAAAAAAAAECcAABAnAAAAAAAAAAAAAAAAAAAAAAAAAAAAAAAAAAAAAAAAAAAAABQAAAAAAAAAwMD/AAAAAABkAAAAMgAAAAAAAABkAAAAAAAAAH9/fwAKAAAAIgAAABgAAAAAAAAAAAAAAAAAAAAAAAAAAAAAAAAAAAAkAAAAJAAAAAAAAAAHAAAAAAAAAAAAAAAAAAAAAAAAAAAAAAAAAAAAf39/ACUAAABYAAAAAAAAAAAAAAAAAAAAAAAAAAAAAAAAAAAAAAAAAAAAAAAAAAAAAAAAAAAAAAA/AAAAAAAAAKCGAQAAAAAAAAAAAAAAAAAMAAAAAQAAAAAAAAAAAAAAAAAAAB8AAABUAAAAAAAABQAAAAEAAAAAAAAAAAAAAAAAAAAAAAAAAAAAAAAAAAAAAAAAAAAAAAJ/f38AAAAAA8zMzADAwP8Af39/AAAAAAAAAAAAAAAAAAAAAAAAAAAAIQAAABgAAAAUAAAAwAMAABsnAAA/FQAAWSkAABAAAAAmAAAACAAAAAAAAAAAAAAA"/>
               </a:ext>
             </a:extLst>
           </p:cNvSpPr>
@@ -2122,7 +2122,7 @@
           <a:lstStyle/>
           <a:p>
             <a:pPr/>
-            <a:fld id="{3E414E7E-30D3-14B8-9DF9-C6ED00B76B93}" type="datetime1">
+            <a:fld id="{3EE518C5-8BD3-B0EE-9D5D-7DBB56136B28}" type="datetime1">
               <a:t/>
             </a:fld>
           </a:p>
@@ -2135,7 +2135,7 @@
             <a:spLocks noGrp="1" noChangeArrowheads="1"/>
             <a:extLst>
               <a:ext uri="smNativeData">
-                <pr:smNativeData xmlns:pr="smNativeData" xmlns="smNativeData" val="SMDATA_15_Lb0aZBMAAAAlAAAAZAAAAA8BAAAAkAAAAEgAAACQAAAASAAAAAAAAAABAAAAAAAAAAEAAABQAAAAAAAAAAAA4D8AAAAAAADgPwAAAAAAAOA/AAAAAAAA4D8AAAAAAADgPwAAAAAAAOA/AAAAAAAA4D8AAAAAAADgPwAAAAAAAOA/AAAAAAAA4D8CAAAAjAAAAAAAAAAAAAAAu+DjDP///wgAAAAAAAAAAAAAAAAAAAAAAAAAAAAAAAAAAAAAZAAAAAEAAABAAAAAAAAAAAAAAAAAAAAAAAAAAAAAAAAAAAAAAAAAAAAAAAAAAAAAAAAAAAAAAAAAAAAAAAAAAAAAAAAAAAAAAAAAAAAAAAAAAAAAAAAAAAAAAAAAAAAAFAAAADwAAAAAAAAAAAAAAAAAAAkUAAAAAQAAABQAAAAUAAAAFAAAAAEAAAAAAAAAZAAAAGQAAAAAAAAAZAAAAGQAAAAVAAAAYAAAAAAAAAAAAAAADwAAACADAAAAAAAAAAAAAAEAAACgMgAAVgcAAKr4//8BAAAAf39/AAEAAABkAAAAAAAAABQAAABAHwAAAAAAACYAAAAAAAAAwOD//wAAAAAmAAAAZAAAABYAAABMAAAAAAAAAAAAAAAEAAAAAAAAAAEAAACAgIAKAAAAACgAAAAoAAAAZAAAAGQAAAAAAAAAzMzMAAAAAABQAAAAUAAAAGQAAABkAAAAAAAAABcAAAAUAAAAAAAAAAAAAAD/fwAA/38AAAAAAAAJAAAABAAAAAAAAAAeAAAAaAAAAAAAAAAAAAAAAAAAAAAAAAAAAAAAECcAABAnAAAAAAAAAAAAAAAAAAAAAAAAAAAAAAAAAAAAAAAAAAAAABQAAAAAAAAAwMD/AAAAAABkAAAAMgAAAAAAAABkAAAAAAAAAH9/fwAKAAAAIgAAABgAAAAAAAAAAAAAAAAAAAAAAAAAAAAAAAAAAAAkAAAAJAAAAAAAAAAHAAAAAAAAAAAAAAAAAAAAAAAAAAAAAAAAAAAAf39/ACUAAABYAAAAAAAAAAAAAAAAAAAAAAAAAAAAAAAAAAAAAAAAAAAAAAAAAAAAAAAAAAAAAAA/AAAAAAAAAKCGAQAAAAAAAAAAAAAAAAAMAAAAAQAAAAAAAAAAAAAAAAAAAB8AAABUAAAAAAAABQAAAAEAAAAAAAAAAAAAAAAAAAAAAAAAAAAAAAAAAAAAAAAAAAAAAAJ/f38AAAAAA8zMzADAwP8Af39/AAAAAAAAAAAAAAAAAAAAAAAAAAAAIQAAABgAAAAUAAAAoRkAABsnAABfMQAAWSkAABAAAAAmAAAACAAAAAAAAAAAAAAA"/>
+                <pr:smNativeData xmlns:pr="smNativeData" xmlns="smNativeData" val="SMDATA_15_Sr0aZBMAAAAlAAAAZAAAAA8BAAAAkAAAAEgAAACQAAAASAAAAAAAAAABAAAAAAAAAAEAAABQAAAAAAAAAAAA4D8AAAAAAADgPwAAAAAAAOA/AAAAAAAA4D8AAAAAAADgPwAAAAAAAOA/AAAAAAAA4D8AAAAAAADgPwAAAAAAAOA/AAAAAAAA4D8CAAAAjAAAAAAAAAAAAAAAu+DjDP///wgAAAAAAAAAAAAAAAAAAAAAAAAAAAAAAAAAAAAAZAAAAAEAAABAAAAAAAAAAAAAAAAAAAAAAAAAAAAAAAAAAAAAAAAAAAAAAAAAAAAAAAAAAAAAAAAAAAAAAAAAAAAAAAAAAAAAAAAAAAAAAAAAAAAAAAAAAAAAAAAAAAAAFAAAADwAAAAAAAAAAAAAAAAAAAkUAAAAAQAAABQAAAAUAAAAFAAAAAEAAAAAAAAAZAAAAGQAAAAAAAAAZAAAAGQAAAAVAAAAYAAAAAAAAAAAAAAADwAAACADAAAAAAAAAAAAAAEAAACgMgAAVgcAAKr4//8BAAAAf39/AAEAAABkAAAAAAAAABQAAABAHwAAAAAAACYAAAAAAAAAwOD//wAAAAAmAAAAZAAAABYAAABMAAAAAAAAAAAAAAAEAAAAAAAAAAEAAACAgIAKAAAAACgAAAAoAAAAZAAAAGQAAAAAAAAAzMzMAAAAAABQAAAAUAAAAGQAAABkAAAAAAAAABcAAAAUAAAAAAAAAAAAAAD/fwAA/38AAAAAAAAJAAAABAAAAAAAAAAeAAAAaAAAAAAAAAAAAAAAAAAAAAAAAAAAAAAAECcAABAnAAAAAAAAAAAAAAAAAAAAAAAAAAAAAAAAAAAAAAAAAAAAABQAAAAAAAAAwMD/AAAAAABkAAAAMgAAAAAAAABkAAAAAAAAAH9/fwAKAAAAIgAAABgAAAAAAAAAAAAAAAAAAAAAAAAAAAAAAAAAAAAkAAAAJAAAAAAAAAAHAAAAAAAAAAAAAAAAAAAAAAAAAAAAAAAAAAAAf39/ACUAAABYAAAAAAAAAAAAAAAAAAAAAAAAAAAAAAAAAAAAAAAAAAAAAAAAAAAAAAAAAAAAAAA/AAAAAAAAAKCGAQAAAAAAAAAAAAAAAAAMAAAAAQAAAAAAAAAAAAAAAAAAAB8AAABUAAAAAAAABQAAAAEAAAAAAAAAAAAAAAAAAAAAAAAAAAAAAAAAAAAAAAAAAAAAAAJ/f38AAAAAA8zMzADAwP8Af39/AAAAAAAAAAAAAAAAAAAAAAAAAAAAIQAAABgAAAAUAAAAoRkAABsnAABfMQAAWSkAABAAAAAmAAAACAAAAAAAAAAAAAAA"/>
               </a:ext>
             </a:extLst>
           </p:cNvSpPr>
@@ -2162,7 +2162,7 @@
             <a:spLocks noGrp="1" noChangeArrowheads="1"/>
             <a:extLst>
               <a:ext uri="smNativeData">
-                <pr:smNativeData xmlns:pr="smNativeData" xmlns="smNativeData" val="SMDATA_15_Lb0aZBMAAAAlAAAAZAAAAA8BAAAAkAAAAEgAAACQAAAASAAAAAAAAAABAAAAAAAAAAEAAABQAAAAAAAAAAAA4D8AAAAAAADgPwAAAAAAAOA/AAAAAAAA4D8AAAAAAADgPwAAAAAAAOA/AAAAAAAA4D8AAAAAAADgPwAAAAAAAOA/AAAAAAAA4D8CAAAAjAAAAAAAAAAAAAAAu+DjDP///wgAAAAAAAAAAAAAAAAAAAAAAAAAAAAAAAAAAAAAZAAAAAEAAABAAAAAAAAAAAAAAAAAAAAAAAAAAAAAAAAAAAAAAAAAAAAAAAAAAAAAAAAAAAAAAAAAAAAAAAAAAAAAAAAAAAAAAAAAAAAAAAAAAAAAAAAAAAAAAAAAAAAAFAAAADwAAAAAAAAAAAAAAAAAAAkUAAAAAQAAABQAAAAUAAAAFAAAAAEAAAAAAAAAZAAAAGQAAAAAAAAAZAAAAGQAAAAVAAAAYAAAAAAAAAAAAAAADwAAACADAAAAAAAAAAAAAAEAAACgMgAAVgcAAKr4//8BAAAAf39/AAEAAABkAAAAAAAAABQAAABAHwAAAAAAACYAAAAAAAAAwOD//wAAAAAmAAAAZAAAABYAAABMAAAAAAAAAAAAAAAEAAAAAAAAAAEAAACAgIAKAAAAACgAAAAoAAAAZAAAAGQAAAAAAAAAzMzMAAAAAABQAAAAUAAAAGQAAABkAAAAAAAAABcAAAAUAAAAAAAAAAAAAAD/fwAA/38AAAAAAAAJAAAABAAAAAAAAAAeAAAAaAAAAAAAAAAAAAAAAAAAAAAAAAAAAAAAECcAABAnAAAAAAAAAAAAAAAAAAAAAAAAAAAAAAAAAAAAAAAAAAAAABQAAAAAAAAAwMD/AAAAAABkAAAAMgAAAAAAAABkAAAAAAAAAH9/fwAKAAAAIgAAABgAAAAAAAAAAAAAAAAAAAAAAAAAAAAAAAAAAAAkAAAAJAAAAAAAAAAHAAAAAAAAAAAAAAAAAAAAAAAAAAAAAAAAAAAAf39/ACUAAABYAAAAAAAAAAAAAAAAAAAAAAAAAAAAAAAAAAAAAAAAAAAAAAAAAAAAAAAAAAAAAAA/AAAAAAAAAKCGAQAAAAAAAAAAAAAAAAAMAAAAAQAAAAAAAAAAAAAAAAAAAB8AAABUAAAAAAAABQAAAAEAAAAAAAAAAAAAAAAAAAAAAAAAAAAAAAAAAAAAAAAAAAAAAAJ/f38AAAAAA8zMzADAwP8Af39/AAAAAAAAAAAAAAAAAAAAAAAAAAAAIQAAABgAAAAUAAAAwTUAABsnAABARwAAWSkAABAAAAAmAAAACAAAAAAAAAAAAAAA"/>
+                <pr:smNativeData xmlns:pr="smNativeData" xmlns="smNativeData" val="SMDATA_15_Sr0aZBMAAAAlAAAAZAAAAA8BAAAAkAAAAEgAAACQAAAASAAAAAAAAAABAAAAAAAAAAEAAABQAAAAAAAAAAAA4D8AAAAAAADgPwAAAAAAAOA/AAAAAAAA4D8AAAAAAADgPwAAAAAAAOA/AAAAAAAA4D8AAAAAAADgPwAAAAAAAOA/AAAAAAAA4D8CAAAAjAAAAAAAAAAAAAAAu+DjDP///wgAAAAAAAAAAAAAAAAAAAAAAAAAAAAAAAAAAAAAZAAAAAEAAABAAAAAAAAAAAAAAAAAAAAAAAAAAAAAAAAAAAAAAAAAAAAAAAAAAAAAAAAAAAAAAAAAAAAAAAAAAAAAAAAAAAAAAAAAAAAAAAAAAAAAAAAAAAAAAAAAAAAAFAAAADwAAAAAAAAAAAAAAAAAAAkUAAAAAQAAABQAAAAUAAAAFAAAAAEAAAAAAAAAZAAAAGQAAAAAAAAAZAAAAGQAAAAVAAAAYAAAAAAAAAAAAAAADwAAACADAAAAAAAAAAAAAAEAAACgMgAAVgcAAKr4//8BAAAAf39/AAEAAABkAAAAAAAAABQAAABAHwAAAAAAACYAAAAAAAAAwOD//wAAAAAmAAAAZAAAABYAAABMAAAAAAAAAAAAAAAEAAAAAAAAAAEAAACAgIAKAAAAACgAAAAoAAAAZAAAAGQAAAAAAAAAzMzMAAAAAABQAAAAUAAAAGQAAABkAAAAAAAAABcAAAAUAAAAAAAAAAAAAAD/fwAA/38AAAAAAAAJAAAABAAAAAAAAAAeAAAAaAAAAAAAAAAAAAAAAAAAAAAAAAAAAAAAECcAABAnAAAAAAAAAAAAAAAAAAAAAAAAAAAAAAAAAAAAAAAAAAAAABQAAAAAAAAAwMD/AAAAAABkAAAAMgAAAAAAAABkAAAAAAAAAH9/fwAKAAAAIgAAABgAAAAAAAAAAAAAAAAAAAAAAAAAAAAAAAAAAAAkAAAAJAAAAAAAAAAHAAAAAAAAAAAAAAAAAAAAAAAAAAAAAAAAAAAAf39/ACUAAABYAAAAAAAAAAAAAAAAAAAAAAAAAAAAAAAAAAAAAAAAAAAAAAAAAAAAAAAAAAAAAAA/AAAAAAAAAKCGAQAAAAAAAAAAAAAAAAAMAAAAAQAAAAAAAAAAAAAAAAAAAB8AAABUAAAAAAAABQAAAAEAAAAAAAAAAAAAAAAAAAAAAAAAAAAAAAAAAAAAAAAAAAAAAAJ/f38AAAAAA8zMzADAwP8Af39/AAAAAAAAAAAAAAAAAAAAAAAAAAAAIQAAABgAAAAUAAAAwTUAABsnAABARwAAWSkAABAAAAAmAAAACAAAAAAAAAAAAAAA"/>
               </a:ext>
             </a:extLst>
           </p:cNvSpPr>
@@ -2176,7 +2176,7 @@
           <a:lstStyle/>
           <a:p>
             <a:pPr/>
-            <a:fld id="{3E415EE6-A8D3-14A8-9DF9-5EFD10B76B0B}" type="slidenum">
+            <a:fld id="{3EE5568E-C0D3-B0A0-9D5D-36F518136B63}" type="slidenum">
               <a:t/>
             </a:fld>
           </a:p>
@@ -2214,7 +2214,7 @@
             <a:spLocks noGrp="1" noChangeArrowheads="1"/>
             <a:extLst>
               <a:ext uri="smNativeData">
-                <pr:smNativeData xmlns:pr="smNativeData" xmlns="smNativeData" val="SMDATA_15_Lb0aZBMAAAAlAAAAZAAAAA8BAAAAkAAAAEgAAACQAAAASAAAAAAAAAACAAAAAAAAAAEAAABQAAAAAAAAAAAA4D8AAAAAAADgPwAAAAAAAOA/AAAAAAAA4D8AAAAAAADgPwAAAAAAAOA/AAAAAAAA4D8AAAAAAADgPwAAAAAAAOA/AAAAAAAA4D8CAAAAjAAAAAAAAAAAAAAAu+DjDP///wgAAAAAAAAAAAAAAAAAAAAAAAAAAAAAAAAAAAAAZAAAAAEAAABAAAAAAAAAAAAAAAAAAAAAAAAAAAAAAAAAAAAAAAAAAAAAAAAAAAAAAAAAAAAAAAAAAAAAAAAAAAAAAAAAAAAAAAAAAAAAAAAAAAAAAAAAAAAAAAAAAAAAFAAAADwAAAAAAAAAAAAAAAAAAAkUAAAAAQAAABQAAAAUAAAAFAAAAAEAAAAAAAAAZAAAAGQAAAAAAAAAZAAAAGQAAAAVAAAAYAAAAAAAAAAAAAAADwAAACADAAAAAAAAAAAAAAEAAACgMgAAVgcAAKr4//8BAAAAf39/AAEAAABkAAAAAAAAABQAAABAHwAAAAAAACYAAAAAAAAAwOD//wAAAAAmAAAAZAAAABYAAABMAAAAAAAAAAAAAAAEAAAAAAAAAAEAAACAgIAKAAAAACgAAAAoAAAAZAAAAGQAAAAAAAAAzMzMAAAAAABQAAAAUAAAAGQAAABkAAAAAAAAABcAAAAUAAAAAAAAAAAAAAD/fwAA/38AAAAAAAAJAAAABAAAAAAAAAAeAAAAaAAAAAAAAAAAAAAAAAAAAAAAAAAAAAAAECcAABAnAAAAAAAAAAAAAAAAAAAAAAAAAAAAAAAAAAAAAAAAAAAAABQAAAAAAAAAwMD/AAAAAABkAAAAMgAAAAAAAABkAAAAAAAAAH9/fwAKAAAAIgAAABgAAAAAAAAAAAAAAAAAAAAAAAAAAAAAAAAAAAAkAAAAJAAAAAAAAAAHAAAAAAAAAAAAAAAAAAAAAAAAAAAAAAAAAAAAf39/ACUAAABYAAAAAAAAAAAAAAAAAAAAAAAAAAAAAAAAAAAAAAAAAAAAAAAAAAAAAAAAAAAAAAA/AAAAAAAAAKCGAQAAAAAAAAAAAAAAAAAMAAAAAQAAAAAAAAAAAAAAAAAAAB8AAABUAAAAAAAABQAAAAEAAAAAAAAAAAAAAAAAAAAAAAAAAAAAAAAAAAAAAAAAAAAAAAJ/f38AAAAAA8zMzADAwP8Af39/AAAAAAAAAAAAAAAAAAAAAAAAAAAAIQAAABgAAAAUAAAAwAMAAK4BAABtHAAA1AgAABAAAAAmAAAACAAAAIGAAAAAAAAA"/>
+                <pr:smNativeData xmlns:pr="smNativeData" xmlns="smNativeData" val="SMDATA_15_Sr0aZBMAAAAlAAAAZAAAAA8BAAAAkAAAAEgAAACQAAAASAAAAAAAAAACAAAAAAAAAAEAAABQAAAAAAAAAAAA4D8AAAAAAADgPwAAAAAAAOA/AAAAAAAA4D8AAAAAAADgPwAAAAAAAOA/AAAAAAAA4D8AAAAAAADgPwAAAAAAAOA/AAAAAAAA4D8CAAAAjAAAAAAAAAAAAAAAu+DjDP///wgAAAAAAAAAAAAAAAAAAAAAAAAAAAAAAAAAAAAAZAAAAAEAAABAAAAAAAAAAAAAAAAAAAAAAAAAAAAAAAAAAAAAAAAAAAAAAAAAAAAAAAAAAAAAAAAAAAAAAAAAAAAAAAAAAAAAAAAAAAAAAAAAAAAAAAAAAAAAAAAAAAAAFAAAADwAAAAAAAAAAAAAAAAAAAkUAAAAAQAAABQAAAAUAAAAFAAAAAEAAAAAAAAAZAAAAGQAAAAAAAAAZAAAAGQAAAAVAAAAYAAAAAAAAAAAAAAADwAAACADAAAAAAAAAAAAAAEAAACgMgAAVgcAAKr4//8BAAAAf39/AAEAAABkAAAAAAAAABQAAABAHwAAAAAAACYAAAAAAAAAwOD//wAAAAAmAAAAZAAAABYAAABMAAAAAAAAAAAAAAAEAAAAAAAAAAEAAACAgIAKAAAAACgAAAAoAAAAZAAAAGQAAAAAAAAAzMzMAAAAAABQAAAAUAAAAGQAAABkAAAAAAAAABcAAAAUAAAAAAAAAAAAAAD/fwAA/38AAAAAAAAJAAAABAAAAAAAAAAeAAAAaAAAAAAAAAAAAAAAAAAAAAAAAAAAAAAAECcAABAnAAAAAAAAAAAAAAAAAAAAAAAAAAAAAAAAAAAAAAAAAAAAABQAAAAAAAAAwMD/AAAAAABkAAAAMgAAAAAAAABkAAAAAAAAAH9/fwAKAAAAIgAAABgAAAAAAAAAAAAAAAAAAAAAAAAAAAAAAAAAAAAkAAAAJAAAAAAAAAAHAAAAAAAAAAAAAAAAAAAAAAAAAAAAAAAAAAAAf39/ACUAAABYAAAAAAAAAAAAAAAAAAAAAAAAAAAAAAAAAAAAAAAAAAAAAAAAAAAAAAAAAAAAAAA/AAAAAAAAAKCGAQAAAAAAAAAAAAAAAAAMAAAAAQAAAAAAAAAAAAAAAAAAAB8AAABUAAAAAAAABQAAAAEAAAAAAAAAAAAAAAAAAAAAAAAAAAAAAAAAAAAAAAAAAAAAAAJ/f38AAAAAA8zMzADAwP8Af39/AAAAAAAAAAAAAAAAAAAAAAAAAAAAIQAAABgAAAAUAAAAwAMAAK4BAABtHAAA1AgAABAAAAAmAAAACAAAAIGAAAAAAAAA"/>
               </a:ext>
             </a:extLst>
           </p:cNvSpPr>
@@ -2254,7 +2254,7 @@
             <a:spLocks noGrp="1" noChangeArrowheads="1"/>
             <a:extLst>
               <a:ext uri="smNativeData">
-                <pr:smNativeData xmlns:pr="smNativeData" xmlns="smNativeData" val="SMDATA_15_Lb0aZBMAAAAlAAAAZAAAAA8BAAAAkAAAAEgAAACQAAAASAAAAAAAAAAAAAAAAAAAAAEAAABQAAAAAAAAAAAA4D8AAAAAAADgPwAAAAAAAOA/AAAAAAAA4D8AAAAAAADgPwAAAAAAAOA/AAAAAAAA4D8AAAAAAADgPwAAAAAAAOA/AAAAAAAA4D8CAAAAjAAAAAAAAAAAAAAAu+DjDP///wgAAAAAAAAAAAAAAAAAAAAAAAAAAAAAAAAAAAAAZAAAAAEAAABAAAAAAAAAAAAAAAAAAAAAAAAAAAAAAAAAAAAAAAAAAAAAAAAAAAAAAAAAAAAAAAAAAAAAAAAAAAAAAAAAAAAAAAAAAAAAAAAAAAAAAAAAAAAAAAAAAAAAFAAAADwAAAAAAAAAAAAAAAAAAAkUAAAAAQAAABQAAAAUAAAAFAAAAAEAAAAAAAAAZAAAAGQAAAAAAAAAZAAAAGQAAAAVAAAAYAAAAAAAAAAAAAAADwAAACADAAAAAAAAAAAAAAEAAACgMgAAVgcAAKr4//8BAAAAf39/AAEAAABkAAAAAAAAABQAAABAHwAAAAAAACYAAAAAAAAAwOD//wAAAAAmAAAAZAAAABYAAABMAAAAAAAAAAAAAAAEAAAAAAAAAAEAAACAgIAKAAAAACgAAAAoAAAAZAAAAGQAAAAAAAAAzMzMAAAAAABQAAAAUAAAAGQAAABkAAAAAAAAABcAAAAUAAAAAAAAAAAAAAD/fwAA/38AAAAAAAAJAAAABAAAAAAAAAAeAAAAaAAAAAAAAAAAAAAAAAAAAAAAAAAAAAAAECcAABAnAAAAAAAAAAAAAAAAAAAAAAAAAAAAAAAAAAAAAAAAAAAAABQAAAAAAAAAwMD/AAAAAABkAAAAMgAAAAAAAABkAAAAAAAAAH9/fwAKAAAAIgAAABgAAAAAAAAAAAAAAAAAAAAAAAAAAAAAAAAAAAAkAAAAJAAAAAAAAAAHAAAAAAAAAAAAAAAAAAAAAAAAAAAAAAAAAAAAf39/ACUAAABYAAAAAAAAAAAAAAAAAAAAAAAAAAAAAAAAAAAAAAAAAAAAAAAAAAAAAAAAAAAAAAA/AAAAAAAAAKCGAQAAAAAAAAAAAAAAAAAMAAAAAQAAAAAAAAAAAAAAAAAAAB8AAABUAAAAAAAABQAAAAEAAAAAAAAAAAAAAAAAAAAAAAAAAAAAAAAAAAAAAAAAAAAAAAJ/f38AAAAAA8zMzADAwP8Af39/AAAAAAAAAAAAAAAAAAAAAAAAAAAAIQAAABgAAAAUAAAAUx0AAK4BAABARwAAsCUAABAAAAAmAAAACAAAAAGAAAAAAAAA"/>
+                <pr:smNativeData xmlns:pr="smNativeData" xmlns="smNativeData" val="SMDATA_15_Sr0aZBMAAAAlAAAAZAAAAA8BAAAAkAAAAEgAAACQAAAASAAAAAAAAAAAAAAAAAAAAAEAAABQAAAAAAAAAAAA4D8AAAAAAADgPwAAAAAAAOA/AAAAAAAA4D8AAAAAAADgPwAAAAAAAOA/AAAAAAAA4D8AAAAAAADgPwAAAAAAAOA/AAAAAAAA4D8CAAAAjAAAAAAAAAAAAAAAu+DjDP///wgAAAAAAAAAAAAAAAAAAAAAAAAAAAAAAAAAAAAAZAAAAAEAAABAAAAAAAAAAAAAAAAAAAAAAAAAAAAAAAAAAAAAAAAAAAAAAAAAAAAAAAAAAAAAAAAAAAAAAAAAAAAAAAAAAAAAAAAAAAAAAAAAAAAAAAAAAAAAAAAAAAAAFAAAADwAAAAAAAAAAAAAAAAAAAkUAAAAAQAAABQAAAAUAAAAFAAAAAEAAAAAAAAAZAAAAGQAAAAAAAAAZAAAAGQAAAAVAAAAYAAAAAAAAAAAAAAADwAAACADAAAAAAAAAAAAAAEAAACgMgAAVgcAAKr4//8BAAAAf39/AAEAAABkAAAAAAAAABQAAABAHwAAAAAAACYAAAAAAAAAwOD//wAAAAAmAAAAZAAAABYAAABMAAAAAAAAAAAAAAAEAAAAAAAAAAEAAACAgIAKAAAAACgAAAAoAAAAZAAAAGQAAAAAAAAAzMzMAAAAAABQAAAAUAAAAGQAAABkAAAAAAAAABcAAAAUAAAAAAAAAAAAAAD/fwAA/38AAAAAAAAJAAAABAAAAAAAAAAeAAAAaAAAAAAAAAAAAAAAAAAAAAAAAAAAAAAAECcAABAnAAAAAAAAAAAAAAAAAAAAAAAAAAAAAAAAAAAAAAAAAAAAABQAAAAAAAAAwMD/AAAAAABkAAAAMgAAAAAAAABkAAAAAAAAAH9/fwAKAAAAIgAAABgAAAAAAAAAAAAAAAAAAAAAAAAAAAAAAAAAAAAkAAAAJAAAAAAAAAAHAAAAAAAAAAAAAAAAAAAAAAAAAAAAAAAAAAAAf39/ACUAAABYAAAAAAAAAAAAAAAAAAAAAAAAAAAAAAAAAAAAAAAAAAAAAAAAAAAAAAAAAAAAAAA/AAAAAAAAAKCGAQAAAAAAAAAAAAAAAAAMAAAAAQAAAAAAAAAAAAAAAAAAAB8AAABUAAAAAAAABQAAAAEAAAAAAAAAAAAAAAAAAAAAAAAAAAAAAAAAAAAAAAAAAAAAAAJ/f38AAAAAA8zMzADAwP8Af39/AAAAAAAAAAAAAAAAAAAAAAAAAAAAIQAAABgAAAAUAAAAUx0AAK4BAABARwAAsCUAABAAAAAmAAAACAAAAAGAAAAAAAAA"/>
               </a:ext>
             </a:extLst>
           </p:cNvSpPr>
@@ -2338,7 +2338,7 @@
             <a:spLocks noGrp="1" noChangeArrowheads="1"/>
             <a:extLst>
               <a:ext uri="smNativeData">
-                <pr:smNativeData xmlns:pr="smNativeData" xmlns="smNativeData" val="SMDATA_15_Lb0aZBMAAAAlAAAAZAAAAA8BAAAAkAAAAEgAAACQAAAASAAAAAAAAAAAAAAAAAAAAAEAAABQAAAAAAAAAAAA4D8AAAAAAADgPwAAAAAAAOA/AAAAAAAA4D8AAAAAAADgPwAAAAAAAOA/AAAAAAAA4D8AAAAAAADgPwAAAAAAAOA/AAAAAAAA4D8CAAAAjAAAAAAAAAAAAAAAu+DjDP///wgAAAAAAAAAAAAAAAAAAAAAAAAAAAAAAAAAAAAAZAAAAAEAAABAAAAAAAAAAAAAAAAAAAAAAAAAAAAAAAAAAAAAAAAAAAAAAAAAAAAAAAAAAAAAAAAAAAAAAAAAAAAAAAAAAAAAAAAAAAAAAAAAAAAAAAAAAAAAAAAAAAAAFAAAADwAAAAAAAAAAAAAAAAAAAkUAAAAAQAAABQAAAAUAAAAFAAAAAEAAAAAAAAAZAAAAGQAAAAAAAAAZAAAAGQAAAAVAAAAYAAAAAAAAAAAAAAADwAAACADAAAAAAAAAAAAAAEAAACgMgAAVgcAAKr4//8BAAAAf39/AAEAAABkAAAAAAAAABQAAABAHwAAAAAAACYAAAAAAAAAwOD//wAAAAAmAAAAZAAAABYAAABMAAAAAAAAAAAAAAAEAAAAAAAAAAEAAACAgIAKAAAAACgAAAAoAAAAZAAAAGQAAAAAAAAAzMzMAAAAAABQAAAAUAAAAGQAAABkAAAAAAAAABcAAAAUAAAAAAAAAAAAAAD/fwAA/38AAAAAAAAJAAAABAAAAAAAAAAeAAAAaAAAAAAAAAAAAAAAAAAAAAAAAAAAAAAAECcAABAnAAAAAAAAAAAAAAAAAAAAAAAAAAAAAAAAAAAAAAAAAAAAABQAAAAAAAAAwMD/AAAAAABkAAAAMgAAAAAAAABkAAAAAAAAAH9/fwAKAAAAIgAAABgAAAAAAAAAAAAAAAAAAAAAAAAAAAAAAAAAAAAkAAAAJAAAAAAAAAAHAAAAAAAAAAAAAAAAAAAAAAAAAAAAAAAAAAAAf39/ACUAAABYAAAAAAAAAAAAAAAAAAAAAAAAAAAAAAAAAAAAAAAAAAAAAAAAAAAAAAAAAAAAAAA/AAAAAAAAAKCGAQAAAAAAAAAAAAAAAAAMAAAAAQAAAAAAAAAAAAAAAAAAAB8AAABUAAAAAAAABQAAAAEAAAAAAAAAAAAAAAAAAAAAAAAAAAAAAAAAAAAAAAAAAAAAAAJ/f38AAAAAA8zMzADAwP8Af39/AAAAAAAAAAAAAAAAAAAAAAAAAAAAIQAAABgAAAAUAAAAwAMAANQIAABtHAAAsCUAABAAAAAmAAAACAAAAAGAAAAAAAAA"/>
+                <pr:smNativeData xmlns:pr="smNativeData" xmlns="smNativeData" val="SMDATA_15_Sr0aZBMAAAAlAAAAZAAAAA8BAAAAkAAAAEgAAACQAAAASAAAAAAAAAAAAAAAAAAAAAEAAABQAAAAAAAAAAAA4D8AAAAAAADgPwAAAAAAAOA/AAAAAAAA4D8AAAAAAADgPwAAAAAAAOA/AAAAAAAA4D8AAAAAAADgPwAAAAAAAOA/AAAAAAAA4D8CAAAAjAAAAAAAAAAAAAAAu+DjDP///wgAAAAAAAAAAAAAAAAAAAAAAAAAAAAAAAAAAAAAZAAAAAEAAABAAAAAAAAAAAAAAAAAAAAAAAAAAAAAAAAAAAAAAAAAAAAAAAAAAAAAAAAAAAAAAAAAAAAAAAAAAAAAAAAAAAAAAAAAAAAAAAAAAAAAAAAAAAAAAAAAAAAAFAAAADwAAAAAAAAAAAAAAAAAAAkUAAAAAQAAABQAAAAUAAAAFAAAAAEAAAAAAAAAZAAAAGQAAAAAAAAAZAAAAGQAAAAVAAAAYAAAAAAAAAAAAAAADwAAACADAAAAAAAAAAAAAAEAAACgMgAAVgcAAKr4//8BAAAAf39/AAEAAABkAAAAAAAAABQAAABAHwAAAAAAACYAAAAAAAAAwOD//wAAAAAmAAAAZAAAABYAAABMAAAAAAAAAAAAAAAEAAAAAAAAAAEAAACAgIAKAAAAACgAAAAoAAAAZAAAAGQAAAAAAAAAzMzMAAAAAABQAAAAUAAAAGQAAABkAAAAAAAAABcAAAAUAAAAAAAAAAAAAAD/fwAA/38AAAAAAAAJAAAABAAAAAAAAAAeAAAAaAAAAAAAAAAAAAAAAAAAAAAAAAAAAAAAECcAABAnAAAAAAAAAAAAAAAAAAAAAAAAAAAAAAAAAAAAAAAAAAAAABQAAAAAAAAAwMD/AAAAAABkAAAAMgAAAAAAAABkAAAAAAAAAH9/fwAKAAAAIgAAABgAAAAAAAAAAAAAAAAAAAAAAAAAAAAAAAAAAAAkAAAAJAAAAAAAAAAHAAAAAAAAAAAAAAAAAAAAAAAAAAAAAAAAAAAAf39/ACUAAABYAAAAAAAAAAAAAAAAAAAAAAAAAAAAAAAAAAAAAAAAAAAAAAAAAAAAAAAAAAAAAAA/AAAAAAAAAKCGAQAAAAAAAAAAAAAAAAAMAAAAAQAAAAAAAAAAAAAAAAAAAB8AAABUAAAAAAAABQAAAAEAAAAAAAAAAAAAAAAAAAAAAAAAAAAAAAAAAAAAAAAAAAAAAAJ/f38AAAAAA8zMzADAwP8Af39/AAAAAAAAAAAAAAAAAAAAAAAAAAAAIQAAABgAAAAUAAAAwAMAANQIAABtHAAAsCUAABAAAAAmAAAACAAAAAGAAAAAAAAA"/>
               </a:ext>
             </a:extLst>
           </p:cNvSpPr>
@@ -2407,7 +2407,7 @@
             <a:spLocks noGrp="1" noChangeArrowheads="1"/>
             <a:extLst>
               <a:ext uri="smNativeData">
-                <pr:smNativeData xmlns:pr="smNativeData" xmlns="smNativeData" val="SMDATA_15_Lb0aZBMAAAAlAAAAZAAAAA8BAAAAkAAAAEgAAACQAAAASAAAAAAAAAABAAAAAAAAAAEAAABQAAAAAAAAAAAA4D8AAAAAAADgPwAAAAAAAOA/AAAAAAAA4D8AAAAAAADgPwAAAAAAAOA/AAAAAAAA4D8AAAAAAADgPwAAAAAAAOA/AAAAAAAA4D8CAAAAjAAAAAAAAAAAAAAAu+DjDP///wgAAAAAAAAAAAAAAAAAAAAAAAAAAAAAAAAAAAAAZAAAAAEAAABAAAAAAAAAAAAAAAAAAAAAAAAAAAAAAAAAAAAAAAAAAAAAAAAAAAAAAAAAAAAAAAAAAAAAAAAAAAAAAAAAAAAAAAAAAAAAAAAAAAAAAAAAAAAAAAAAAAAAFAAAADwAAAAAAAAAAAAAAAAAAAkUAAAAAQAAABQAAAAUAAAAFAAAAAEAAAAAAAAAZAAAAGQAAAAAAAAAZAAAAGQAAAAVAAAAYAAAAAAAAAAAAAAADwAAACADAAAAAAAAAAAAAAEAAACgMgAAVgcAAKr4//8BAAAAf39/AAEAAABkAAAAAAAAABQAAABAHwAAAAAAACYAAAAAAAAAwOD//wAAAAAmAAAAZAAAABYAAABMAAAAAAAAAAAAAAAEAAAAAAAAAAEAAACAgIAKAAAAACgAAAAoAAAAZAAAAGQAAAAAAAAAzMzMAAAAAABQAAAAUAAAAGQAAABkAAAAAAAAABcAAAAUAAAAAAAAAAAAAAD/fwAA/38AAAAAAAAJAAAABAAAAAAAAAAeAAAAaAAAAAAAAAAAAAAAAAAAAAAAAAAAAAAAECcAABAnAAAAAAAAAAAAAAAAAAAAAAAAAAAAAAAAAAAAAAAAAAAAABQAAAAAAAAAwMD/AAAAAABkAAAAMgAAAAAAAABkAAAAAAAAAH9/fwAKAAAAIgAAABgAAAAAAAAAAAAAAAAAAAAAAAAAAAAAAAAAAAAkAAAAJAAAAAAAAAAHAAAAAAAAAAAAAAAAAAAAAAAAAAAAAAAAAAAAf39/ACUAAABYAAAAAAAAAAAAAAAAAAAAAAAAAAAAAAAAAAAAAAAAAAAAAAAAAAAAAAAAAAAAAAA/AAAAAAAAAKCGAQAAAAAAAAAAAAAAAAAMAAAAAQAAAAAAAAAAAAAAAAAAAB8AAABUAAAAAAAABQAAAAEAAAAAAAAAAAAAAAAAAAAAAAAAAAAAAAAAAAAAAAAAAAAAAAJ/f38AAAAAA8zMzADAwP8Af39/AAAAAAAAAAAAAAAAAAAAAAAAAAAAIQAAABgAAAAUAAAAwAMAABsnAAA/FQAAWSkAABAAAAAmAAAACAAAAAAAAAAAAAAA"/>
+                <pr:smNativeData xmlns:pr="smNativeData" xmlns="smNativeData" val="SMDATA_15_Sr0aZBMAAAAlAAAAZAAAAA8BAAAAkAAAAEgAAACQAAAASAAAAAAAAAABAAAAAAAAAAEAAABQAAAAAAAAAAAA4D8AAAAAAADgPwAAAAAAAOA/AAAAAAAA4D8AAAAAAADgPwAAAAAAAOA/AAAAAAAA4D8AAAAAAADgPwAAAAAAAOA/AAAAAAAA4D8CAAAAjAAAAAAAAAAAAAAAu+DjDP///wgAAAAAAAAAAAAAAAAAAAAAAAAAAAAAAAAAAAAAZAAAAAEAAABAAAAAAAAAAAAAAAAAAAAAAAAAAAAAAAAAAAAAAAAAAAAAAAAAAAAAAAAAAAAAAAAAAAAAAAAAAAAAAAAAAAAAAAAAAAAAAAAAAAAAAAAAAAAAAAAAAAAAFAAAADwAAAAAAAAAAAAAAAAAAAkUAAAAAQAAABQAAAAUAAAAFAAAAAEAAAAAAAAAZAAAAGQAAAAAAAAAZAAAAGQAAAAVAAAAYAAAAAAAAAAAAAAADwAAACADAAAAAAAAAAAAAAEAAACgMgAAVgcAAKr4//8BAAAAf39/AAEAAABkAAAAAAAAABQAAABAHwAAAAAAACYAAAAAAAAAwOD//wAAAAAmAAAAZAAAABYAAABMAAAAAAAAAAAAAAAEAAAAAAAAAAEAAACAgIAKAAAAACgAAAAoAAAAZAAAAGQAAAAAAAAAzMzMAAAAAABQAAAAUAAAAGQAAABkAAAAAAAAABcAAAAUAAAAAAAAAAAAAAD/fwAA/38AAAAAAAAJAAAABAAAAAAAAAAeAAAAaAAAAAAAAAAAAAAAAAAAAAAAAAAAAAAAECcAABAnAAAAAAAAAAAAAAAAAAAAAAAAAAAAAAAAAAAAAAAAAAAAABQAAAAAAAAAwMD/AAAAAABkAAAAMgAAAAAAAABkAAAAAAAAAH9/fwAKAAAAIgAAABgAAAAAAAAAAAAAAAAAAAAAAAAAAAAAAAAAAAAkAAAAJAAAAAAAAAAHAAAAAAAAAAAAAAAAAAAAAAAAAAAAAAAAAAAAf39/ACUAAABYAAAAAAAAAAAAAAAAAAAAAAAAAAAAAAAAAAAAAAAAAAAAAAAAAAAAAAAAAAAAAAA/AAAAAAAAAKCGAQAAAAAAAAAAAAAAAAAMAAAAAQAAAAAAAAAAAAAAAAAAAB8AAABUAAAAAAAABQAAAAEAAAAAAAAAAAAAAAAAAAAAAAAAAAAAAAAAAAAAAAAAAAAAAAJ/f38AAAAAA8zMzADAwP8Af39/AAAAAAAAAAAAAAAAAAAAAAAAAAAAIQAAABgAAAAUAAAAwAMAABsnAAA/FQAAWSkAABAAAAAmAAAACAAAAAAAAAAAAAAA"/>
               </a:ext>
             </a:extLst>
           </p:cNvSpPr>
@@ -2421,7 +2421,7 @@
           <a:lstStyle/>
           <a:p>
             <a:pPr/>
-            <a:fld id="{3E41339B-D5D3-14C5-9DF9-23907DB76B76}" type="datetime1">
+            <a:fld id="{3EE57BC7-89D3-B08D-9D5D-7FD835136B2A}" type="datetime1">
               <a:t/>
             </a:fld>
           </a:p>
@@ -2434,7 +2434,7 @@
             <a:spLocks noGrp="1" noChangeArrowheads="1"/>
             <a:extLst>
               <a:ext uri="smNativeData">
-                <pr:smNativeData xmlns:pr="smNativeData" xmlns="smNativeData" val="SMDATA_15_Lb0aZBMAAAAlAAAAZAAAAA8BAAAAkAAAAEgAAACQAAAASAAAAAAAAAABAAAAAAAAAAEAAABQAAAAAAAAAAAA4D8AAAAAAADgPwAAAAAAAOA/AAAAAAAA4D8AAAAAAADgPwAAAAAAAOA/AAAAAAAA4D8AAAAAAADgPwAAAAAAAOA/AAAAAAAA4D8CAAAAjAAAAAAAAAAAAAAAu+DjDP///wgAAAAAAAAAAAAAAAAAAAAAAAAAAAAAAAAAAAAAZAAAAAEAAABAAAAAAAAAAAAAAAAAAAAAAAAAAAAAAAAAAAAAAAAAAAAAAAAAAAAAAAAAAAAAAAAAAAAAAAAAAAAAAAAAAAAAAAAAAAAAAAAAAAAAAAAAAAAAAAAAAAAAFAAAADwAAAAAAAAAAAAAAAAAAAkUAAAAAQAAABQAAAAUAAAAFAAAAAEAAAAAAAAAZAAAAGQAAAAAAAAAZAAAAGQAAAAVAAAAYAAAAAAAAAAAAAAADwAAACADAAAAAAAAAAAAAAEAAACgMgAAVgcAAKr4//8BAAAAf39/AAEAAABkAAAAAAAAABQAAABAHwAAAAAAACYAAAAAAAAAwOD//wAAAAAmAAAAZAAAABYAAABMAAAAAAAAAAAAAAAEAAAAAAAAAAEAAACAgIAKAAAAACgAAAAoAAAAZAAAAGQAAAAAAAAAzMzMAAAAAABQAAAAUAAAAGQAAABkAAAAAAAAABcAAAAUAAAAAAAAAAAAAAD/fwAA/38AAAAAAAAJAAAABAAAAHNwY0IeAAAAaAAAAAAAAAAAAAAAAAAAAAAAAAAAAAAAECcAABAnAAAAAAAAAAAAAAAAAAAAAAAAAAAAAAAAAAAAAAAAAAAAABQAAAAAAAAAwMD/AAAAAABkAAAAMgAAAAAAAABkAAAAAAAAAH9/fwAKAAAAIgAAABgAAAAAAAAAAAAAAAAAAAAAAAAAAAAAAAAAAAAkAAAAJAAAAAAAAAAHAAAAAAAAAAAAAAAAAAAAAAAAAAAAAAAAAAAAf39/ACUAAABYAAAAAAAAAAAAAAAAAAAAAAAAAAAAAAAAAAAAAAAAAAAAAAAAAAAAAAAAAAAAAAA/AAAAAAAAAKCGAQAAAAAAAAAAAAAAAAAMAAAAAQAAAAAAAAAAAAAAAAAAAB8AAABUAAAAAAAABQAAAAEAAAAAAAAAAAAAAAAAAAAAAAAAAAAAAAAAAAAAAAAAAAAAAAJ/f38AAAAAA8zMzADAwP8Af39/AAAAAAAAAAAAAAAAAAAAAAAAAAAAIQAAABgAAAAUAAAAoRkAABsnAABfMQAAWSkAABAAAAAmAAAACAAAAAAAAAAAAAAA"/>
+                <pr:smNativeData xmlns:pr="smNativeData" xmlns="smNativeData" val="SMDATA_15_Sr0aZBMAAAAlAAAAZAAAAA8BAAAAkAAAAEgAAACQAAAASAAAAAAAAAABAAAAAAAAAAEAAABQAAAAAAAAAAAA4D8AAAAAAADgPwAAAAAAAOA/AAAAAAAA4D8AAAAAAADgPwAAAAAAAOA/AAAAAAAA4D8AAAAAAADgPwAAAAAAAOA/AAAAAAAA4D8CAAAAjAAAAAAAAAAAAAAAu+DjDP///wgAAAAAAAAAAAAAAAAAAAAAAAAAAAAAAAAAAAAAZAAAAAEAAABAAAAAAAAAAAAAAAAAAAAAAAAAAAAAAAAAAAAAAAAAAAAAAAAAAAAAAAAAAAAAAAAAAAAAAAAAAAAAAAAAAAAAAAAAAAAAAAAAAAAAAAAAAAAAAAAAAAAAFAAAADwAAAAAAAAAAAAAAAAAAAkUAAAAAQAAABQAAAAUAAAAFAAAAAEAAAAAAAAAZAAAAGQAAAAAAAAAZAAAAGQAAAAVAAAAYAAAAAAAAAAAAAAADwAAACADAAAAAAAAAAAAAAEAAACgMgAAVgcAAKr4//8BAAAAf39/AAEAAABkAAAAAAAAABQAAABAHwAAAAAAACYAAAAAAAAAwOD//wAAAAAmAAAAZAAAABYAAABMAAAAAAAAAAAAAAAEAAAAAAAAAAEAAACAgIAKAAAAACgAAAAoAAAAZAAAAGQAAAAAAAAAzMzMAAAAAABQAAAAUAAAAGQAAABkAAAAAAAAABcAAAAUAAAAAAAAAAAAAAD/fwAA/38AAAAAAAAJAAAABAAAAHNwY0IeAAAAaAAAAAAAAAAAAAAAAAAAAAAAAAAAAAAAECcAABAnAAAAAAAAAAAAAAAAAAAAAAAAAAAAAAAAAAAAAAAAAAAAABQAAAAAAAAAwMD/AAAAAABkAAAAMgAAAAAAAABkAAAAAAAAAH9/fwAKAAAAIgAAABgAAAAAAAAAAAAAAAAAAAAAAAAAAAAAAAAAAAAkAAAAJAAAAAAAAAAHAAAAAAAAAAAAAAAAAAAAAAAAAAAAAAAAAAAAf39/ACUAAABYAAAAAAAAAAAAAAAAAAAAAAAAAAAAAAAAAAAAAAAAAAAAAAAAAAAAAAAAAAAAAAA/AAAAAAAAAKCGAQAAAAAAAAAAAAAAAAAMAAAAAQAAAAAAAAAAAAAAAAAAAB8AAABUAAAAAAAABQAAAAEAAAAAAAAAAAAAAAAAAAAAAAAAAAAAAAAAAAAAAAAAAAAAAAJ/f38AAAAAA8zMzADAwP8Af39/AAAAAAAAAAAAAAAAAAAAAAAAAAAAIQAAABgAAAAUAAAAoRkAABsnAABfMQAAWSkAABAAAAAmAAAACAAAAAAAAAAAAAAA"/>
               </a:ext>
             </a:extLst>
           </p:cNvSpPr>
@@ -2461,7 +2461,7 @@
             <a:spLocks noGrp="1" noChangeArrowheads="1"/>
             <a:extLst>
               <a:ext uri="smNativeData">
-                <pr:smNativeData xmlns:pr="smNativeData" xmlns="smNativeData" val="SMDATA_15_Lb0aZBMAAAAlAAAAZAAAAA8BAAAAkAAAAEgAAACQAAAASAAAAAAAAAABAAAAAAAAAAEAAABQAAAAAAAAAAAA4D8AAAAAAADgPwAAAAAAAOA/AAAAAAAA4D8AAAAAAADgPwAAAAAAAOA/AAAAAAAA4D8AAAAAAADgPwAAAAAAAOA/AAAAAAAA4D8CAAAAjAAAAAAAAAAAAAAAu+DjDP///wgAAAAAAAAAAAAAAAAAAAAAAAAAAAAAAAAAAAAAZAAAAAEAAABAAAAAAAAAAAAAAAAAAAAAAAAAAAAAAAAAAAAAAAAAAAAAAAAAAAAAAAAAAAAAAAAAAAAAAAAAAAAAAAAAAAAAAAAAAAAAAAAAAAAAAAAAAAAAAAAAAAAAFAAAADwAAAAAAAAAAAAAAAAAAAkUAAAAAQAAABQAAAAUAAAAFAAAAAEAAAAAAAAAZAAAAGQAAAAAAAAAZAAAAGQAAAAVAAAAYAAAAAAAAAAAAAAADwAAACADAAAAAAAAAAAAAAEAAACgMgAAVgcAAKr4//8BAAAAf39/AAEAAABkAAAAAAAAABQAAABAHwAAAAAAACYAAAAAAAAAwOD//wAAAAAmAAAAZAAAABYAAABMAAAAAAAAAAAAAAAEAAAAAAAAAAEAAACAgIAKAAAAACgAAAAoAAAAZAAAAGQAAAAAAAAAzMzMAAAAAABQAAAAUAAAAGQAAABkAAAAAAAAABcAAAAUAAAAAAAAAAAAAAD/fwAA/38AAAAAAAAJAAAABAAAAAAAAAAeAAAAaAAAAAAAAAAAAAAAAAAAAAAAAAAAAAAAECcAABAnAAAAAAAAAAAAAAAAAAAAAAAAAAAAAAAAAAAAAAAAAAAAABQAAAAAAAAAwMD/AAAAAABkAAAAMgAAAAAAAABkAAAAAAAAAH9/fwAKAAAAIgAAABgAAAAAAAAAAAAAAAAAAAAAAAAAAAAAAAAAAAAkAAAAJAAAAAAAAAAHAAAAAAAAAAAAAAAAAAAAAAAAAAAAAAAAAAAAf39/ACUAAABYAAAAAAAAAAAAAAAAAAAAAAAAAAAAAAAAAAAAAAAAAAAAAAAAAAAAAAAAAAAAAAA/AAAAAAAAAKCGAQAAAAAAAAAAAAAAAAAMAAAAAQAAAAAAAAAAAAAAAAAAAB8AAABUAAAAAAAABQAAAAEAAAAAAAAAAAAAAAAAAAAAAAAAAAAAAAAAAAAAAAAAAAAAAAJ/f38AAAAAA8zMzADAwP8Af39/AAAAAAAAAAAAAAAAAAAAAAAAAAAAIQAAABgAAAAUAAAAwTUAABsnAABARwAAWSkAABAAAAAmAAAACAAAAAAAAAAAAAAA"/>
+                <pr:smNativeData xmlns:pr="smNativeData" xmlns="smNativeData" val="SMDATA_15_Sr0aZBMAAAAlAAAAZAAAAA8BAAAAkAAAAEgAAACQAAAASAAAAAAAAAABAAAAAAAAAAEAAABQAAAAAAAAAAAA4D8AAAAAAADgPwAAAAAAAOA/AAAAAAAA4D8AAAAAAADgPwAAAAAAAOA/AAAAAAAA4D8AAAAAAADgPwAAAAAAAOA/AAAAAAAA4D8CAAAAjAAAAAAAAAAAAAAAu+DjDP///wgAAAAAAAAAAAAAAAAAAAAAAAAAAAAAAAAAAAAAZAAAAAEAAABAAAAAAAAAAAAAAAAAAAAAAAAAAAAAAAAAAAAAAAAAAAAAAAAAAAAAAAAAAAAAAAAAAAAAAAAAAAAAAAAAAAAAAAAAAAAAAAAAAAAAAAAAAAAAAAAAAAAAFAAAADwAAAAAAAAAAAAAAAAAAAkUAAAAAQAAABQAAAAUAAAAFAAAAAEAAAAAAAAAZAAAAGQAAAAAAAAAZAAAAGQAAAAVAAAAYAAAAAAAAAAAAAAADwAAACADAAAAAAAAAAAAAAEAAACgMgAAVgcAAKr4//8BAAAAf39/AAEAAABkAAAAAAAAABQAAABAHwAAAAAAACYAAAAAAAAAwOD//wAAAAAmAAAAZAAAABYAAABMAAAAAAAAAAAAAAAEAAAAAAAAAAEAAACAgIAKAAAAACgAAAAoAAAAZAAAAGQAAAAAAAAAzMzMAAAAAABQAAAAUAAAAGQAAABkAAAAAAAAABcAAAAUAAAAAAAAAAAAAAD/fwAA/38AAAAAAAAJAAAABAAAAAAAAAAeAAAAaAAAAAAAAAAAAAAAAAAAAAAAAAAAAAAAECcAABAnAAAAAAAAAAAAAAAAAAAAAAAAAAAAAAAAAAAAAAAAAAAAABQAAAAAAAAAwMD/AAAAAABkAAAAMgAAAAAAAABkAAAAAAAAAH9/fwAKAAAAIgAAABgAAAAAAAAAAAAAAAAAAAAAAAAAAAAAAAAAAAAkAAAAJAAAAAAAAAAHAAAAAAAAAAAAAAAAAAAAAAAAAAAAAAAAAAAAf39/ACUAAABYAAAAAAAAAAAAAAAAAAAAAAAAAAAAAAAAAAAAAAAAAAAAAAAAAAAAAAAAAAAAAAA/AAAAAAAAAKCGAQAAAAAAAAAAAAAAAAAMAAAAAQAAAAAAAAAAAAAAAAAAAB8AAABUAAAAAAAABQAAAAEAAAAAAAAAAAAAAAAAAAAAAAAAAAAAAAAAAAAAAAAAAAAAAAJ/f38AAAAAA8zMzADAwP8Af39/AAAAAAAAAAAAAAAAAAAAAAAAAAAAIQAAABgAAAAUAAAAwTUAABsnAABARwAAWSkAABAAAAAmAAAACAAAAAAAAAAAAAAA"/>
               </a:ext>
             </a:extLst>
           </p:cNvSpPr>
@@ -2475,7 +2475,7 @@
           <a:lstStyle/>
           <a:p>
             <a:pPr/>
-            <a:fld id="{3E412C78-36D3-14DA-9DF9-C08F62B76B95}" type="slidenum">
+            <a:fld id="{3EE57570-3ED3-B083-9D5D-C8D63B136B9D}" type="slidenum">
               <a:t/>
             </a:fld>
           </a:p>
@@ -2513,7 +2513,7 @@
             <a:spLocks noGrp="1" noChangeArrowheads="1"/>
             <a:extLst>
               <a:ext uri="smNativeData">
-                <pr:smNativeData xmlns:pr="smNativeData" xmlns="smNativeData" val="SMDATA_15_Lb0aZBMAAAAlAAAAZAAAAA8BAAAAkAAAAEgAAACQAAAASAAAAAAAAAACAAAAAAAAAAEAAABQAAAAAAAAAAAA4D8AAAAAAADgPwAAAAAAAOA/AAAAAAAA4D8AAAAAAADgPwAAAAAAAOA/AAAAAAAA4D8AAAAAAADgPwAAAAAAAOA/AAAAAAAA4D8CAAAAjAAAAAAAAAAAAAAAu+DjDP///wgAAAAAAAAAAAAAAAAAAAAAAAAAAAAAAAAAAAAAZAAAAAEAAABAAAAAAAAAAAAAAAAAAAAAAAAAAAAAAAAAAAAAAAAAAAAAAAAAAAAAAAAAAAAAAAAAAAAAAAAAAAAAAAAAAAAAAAAAAAAAAAAAAAAAAAAAAAAAAAAAAAAAFAAAADwAAAAAAAAAAAAAAAAAAAkUAAAAAQAAABQAAAAUAAAAFAAAAAEAAAAAAAAAZAAAAGQAAAAAAAAAZAAAAGQAAAAVAAAAYAAAAAAAAAAAAAAADwAAACADAAAAAAAAAAAAAAEAAACgMgAAVgcAAKr4//8BAAAAf39/AAEAAABkAAAAAAAAABQAAABAHwAAAAAAACYAAAAAAAAAwOD//wAAAAAmAAAAZAAAABYAAABMAAAAAAAAAAAAAAAEAAAAAAAAAAEAAACAgIAKAAAAACgAAAAoAAAAZAAAAGQAAAAAAAAAzMzMAAAAAABQAAAAUAAAAGQAAABkAAAAAAAAABcAAAAUAAAAAAAAAAAAAAD/fwAA/38AAAAAAAAJAAAABAAAAAAAAAAeAAAAaAAAAAAAAAAAAAAAAAAAAAAAAAAAAAAAECcAABAnAAAAAAAAAAAAAAAAAAAAAAAAAAAAAAAAAAAAAAAAAAAAABQAAAAAAAAAwMD/AAAAAABkAAAAMgAAAAAAAABkAAAAAAAAAH9/fwAKAAAAIgAAABgAAAAAAAAAAAAAAAAAAAAAAAAAAAAAAAAAAAAkAAAAJAAAAAAAAAAHAAAAAAAAAAAAAAAAAAAAAAAAAAAAAAAAAAAAf39/ACUAAABYAAAAAAAAAAAAAAAAAAAAAAAAAAAAAAAAAAAAAAAAAAAAAAAAAAAAAAAAAAAAAAA/AAAAAAAAAKCGAQAAAAAAAAAAAAAAAAAMAAAAAQAAAAAAAAAAAAAAAAAAAB8AAABUAAAAAAAABQAAAAEAAAAAAAAAAAAAAAAAAAAAAAAAAAAAAAAAAAAAAAAAAAAAAAJ/f38AAAAAA8zMzADAwP8Af39/AAAAAAAAAAAAAAAAAAAAAAAAAAAAIQAAABgAAAAUAAAAsw4AAIgdAACzOwAABCEAABAAAAAmAAAACAAAAIGAAAAAAAAA"/>
+                <pr:smNativeData xmlns:pr="smNativeData" xmlns="smNativeData" val="SMDATA_15_Sr0aZBMAAAAlAAAAZAAAAA8BAAAAkAAAAEgAAACQAAAASAAAAAAAAAACAAAAAAAAAAEAAABQAAAAAAAAAAAA4D8AAAAAAADgPwAAAAAAAOA/AAAAAAAA4D8AAAAAAADgPwAAAAAAAOA/AAAAAAAA4D8AAAAAAADgPwAAAAAAAOA/AAAAAAAA4D8CAAAAjAAAAAAAAAAAAAAAu+DjDP///wgAAAAAAAAAAAAAAAAAAAAAAAAAAAAAAAAAAAAAZAAAAAEAAABAAAAAAAAAAAAAAAAAAAAAAAAAAAAAAAAAAAAAAAAAAAAAAAAAAAAAAAAAAAAAAAAAAAAAAAAAAAAAAAAAAAAAAAAAAAAAAAAAAAAAAAAAAAAAAAAAAAAAFAAAADwAAAAAAAAAAAAAAAAAAAkUAAAAAQAAABQAAAAUAAAAFAAAAAEAAAAAAAAAZAAAAGQAAAAAAAAAZAAAAGQAAAAVAAAAYAAAAAAAAAAAAAAADwAAACADAAAAAAAAAAAAAAEAAACgMgAAVgcAAKr4//8BAAAAf39/AAEAAABkAAAAAAAAABQAAABAHwAAAAAAACYAAAAAAAAAwOD//wAAAAAmAAAAZAAAABYAAABMAAAAAAAAAAAAAAAEAAAAAAAAAAEAAACAgIAKAAAAACgAAAAoAAAAZAAAAGQAAAAAAAAAzMzMAAAAAABQAAAAUAAAAGQAAABkAAAAAAAAABcAAAAUAAAAAAAAAAAAAAD/fwAA/38AAAAAAAAJAAAABAAAAAAAAAAeAAAAaAAAAAAAAAAAAAAAAAAAAAAAAAAAAAAAECcAABAnAAAAAAAAAAAAAAAAAAAAAAAAAAAAAAAAAAAAAAAAAAAAABQAAAAAAAAAwMD/AAAAAABkAAAAMgAAAAAAAABkAAAAAAAAAH9/fwAKAAAAIgAAABgAAAAAAAAAAAAAAAAAAAAAAAAAAAAAAAAAAAAkAAAAJAAAAAAAAAAHAAAAAAAAAAAAAAAAAAAAAAAAAAAAAAAAAAAAf39/ACUAAABYAAAAAAAAAAAAAAAAAAAAAAAAAAAAAAAAAAAAAAAAAAAAAAAAAAAAAAAAAAAAAAA/AAAAAAAAAKCGAQAAAAAAAAAAAAAAAAAMAAAAAQAAAAAAAAAAAAAAAAAAAB8AAABUAAAAAAAABQAAAAEAAAAAAAAAAAAAAAAAAAAAAAAAAAAAAAAAAAAAAAAAAAAAAAJ/f38AAAAAA8zMzADAwP8Af39/AAAAAAAAAAAAAAAAAAAAAAAAAAAAIQAAABgAAAAUAAAAsw4AAIgdAACzOwAABCEAABAAAAAmAAAACAAAAIGAAAAAAAAA"/>
               </a:ext>
             </a:extLst>
           </p:cNvSpPr>
@@ -2553,7 +2553,7 @@
             <a:spLocks noGrp="1" noChangeArrowheads="1"/>
             <a:extLst>
               <a:ext uri="smNativeData">
-                <pr:smNativeData xmlns:pr="smNativeData" xmlns="smNativeData" val="SMDATA_15_Lb0aZBMAAAAlAAAAZAAAAA8BAAAAkAAAAEgAAACQAAAASAAAAAAAAAAAAAAAAAAAAAEAAABQAAAAAAAAAAAA4D8AAAAAAADgPwAAAAAAAOA/AAAAAAAA4D8AAAAAAADgPwAAAAAAAOA/AAAAAAAA4D8AAAAAAADgPwAAAAAAAOA/AAAAAAAA4D8CAAAAjAAAAAAAAAAAAAAAu+DjDP///wgAAAAAAAAAAAAAAAAAAAAAAAAAAAAAAAAAAAAAZAAAAAEAAABAAAAAAAAAAAAAAAAAAAAAAAAAAAAAAAAAAAAAAAAAAAAAAAAAAAAAAAAAAAAAAAAAAAAAAAAAAAAAAAAAAAAAAAAAAAAAAAAAAAAAAAAAAAAAAAAAAAAAFAAAADwAAAAAAAAAAAAAAAAAAAkUAAAAAQAAABQAAAAUAAAAFAAAAAEAAAAAAAAAZAAAAGQAAAAAAAAAZAAAAGQAAAAVAAAAYAAAAAAAAAAAAAAADwAAACADAAAAAAAAAAAAAAEAAACgMgAAVgcAAKr4//8BAAAAf39/AAEAAABkAAAAAAAAABQAAABAHwAAAAAAACYAAAAAAAAAwOD//wAAAAAmAAAAZAAAABYAAABMAAAAAAAAAAAAAAAEAAAAAAAAAAEAAACAgIAKAAAAACgAAAAoAAAAZAAAAGQAAAAAAAAAzMzMAAAAAABQAAAAUAAAAGQAAABkAAAAAAAAABcAAAAUAAAAAAAAAAAAAAD/fwAA/38AAAAAAAAJAAAABAAAAAAAAAAeAAAAaAAAAAAAAAAAAAAAAAAAAAAAAAAAAAAAECcAABAnAAAAAAAAAAAAAAAAAAAAAAAAAAAAAAAAAAAAAAAAAAAAABQAAAAAAAAAwMD/AAAAAABkAAAAMgAAAAAAAABkAAAAAAAAAH9/fwAKAAAAIgAAABgAAAAAAAAAAAAAAAAAAAAAAAAAAAAAAAAAAAAkAAAAJAAAAAAAAAAHAAAAAAAAAAAAAAAAAAAAAAAAAAAAAAAAAAAAf39/ACUAAABYAAAAAAAAAAAAAAAAAAAAAAAAAAAAAAAAAAAAAAAAAAAAAAAAAAAAAAAAAAAAAAA/AAAAAAAAAKCGAQAAAAAAAAAAAAAAAAAMAAAAAQAAAAAAAAAAAAAAAAAAAB8AAABUAAAAAAAABQAAAAEAAAAAAAAAAAAAAAAAAAAAAAAAAAAAAAAAAAAAAAAAAAAAAAJ/f38AAAAAA8zMzADAwP8Af39/AAAAAAAAAAAAAAAAAAAAAAAAAAAAIQAAABgAAAAUAAAAsw4AAMYDAACzOwAAFh0AABAAAAAmAAAACAAAAAGAAAAAAAAA"/>
+                <pr:smNativeData xmlns:pr="smNativeData" xmlns="smNativeData" val="SMDATA_15_Sr0aZBMAAAAlAAAAZAAAAA8BAAAAkAAAAEgAAACQAAAASAAAAAAAAAAAAAAAAAAAAAEAAABQAAAAAAAAAAAA4D8AAAAAAADgPwAAAAAAAOA/AAAAAAAA4D8AAAAAAADgPwAAAAAAAOA/AAAAAAAA4D8AAAAAAADgPwAAAAAAAOA/AAAAAAAA4D8CAAAAjAAAAAAAAAAAAAAAu+DjDP///wgAAAAAAAAAAAAAAAAAAAAAAAAAAAAAAAAAAAAAZAAAAAEAAABAAAAAAAAAAAAAAAAAAAAAAAAAAAAAAAAAAAAAAAAAAAAAAAAAAAAAAAAAAAAAAAAAAAAAAAAAAAAAAAAAAAAAAAAAAAAAAAAAAAAAAAAAAAAAAAAAAAAAFAAAADwAAAAAAAAAAAAAAAAAAAkUAAAAAQAAABQAAAAUAAAAFAAAAAEAAAAAAAAAZAAAAGQAAAAAAAAAZAAAAGQAAAAVAAAAYAAAAAAAAAAAAAAADwAAACADAAAAAAAAAAAAAAEAAACgMgAAVgcAAKr4//8BAAAAf39/AAEAAABkAAAAAAAAABQAAABAHwAAAAAAACYAAAAAAAAAwOD//wAAAAAmAAAAZAAAABYAAABMAAAAAAAAAAAAAAAEAAAAAAAAAAEAAACAgIAKAAAAACgAAAAoAAAAZAAAAGQAAAAAAAAAzMzMAAAAAABQAAAAUAAAAGQAAABkAAAAAAAAABcAAAAUAAAAAAAAAAAAAAD/fwAA/38AAAAAAAAJAAAABAAAAAAAAAAeAAAAaAAAAAAAAAAAAAAAAAAAAAAAAAAAAAAAECcAABAnAAAAAAAAAAAAAAAAAAAAAAAAAAAAAAAAAAAAAAAAAAAAABQAAAAAAAAAwMD/AAAAAABkAAAAMgAAAAAAAABkAAAAAAAAAH9/fwAKAAAAIgAAABgAAAAAAAAAAAAAAAAAAAAAAAAAAAAAAAAAAAAkAAAAJAAAAAAAAAAHAAAAAAAAAAAAAAAAAAAAAAAAAAAAAAAAAAAAf39/ACUAAABYAAAAAAAAAAAAAAAAAAAAAAAAAAAAAAAAAAAAAAAAAAAAAAAAAAAAAAAAAAAAAAA/AAAAAAAAAKCGAQAAAAAAAAAAAAAAAAAMAAAAAQAAAAAAAAAAAAAAAAAAAB8AAABUAAAAAAAABQAAAAEAAAAAAAAAAAAAAAAAAAAAAAAAAAAAAAAAAAAAAAAAAAAAAAJ/f38AAAAAA8zMzADAwP8Af39/AAAAAAAAAAAAAAAAAAAAAAAAAAAAIQAAABgAAAAUAAAAsw4AAMYDAACzOwAAFh0AABAAAAAmAAAACAAAAAGAAAAAAAAA"/>
               </a:ext>
             </a:extLst>
           </p:cNvSpPr>
@@ -2622,7 +2622,7 @@
             <a:spLocks noGrp="1" noChangeArrowheads="1"/>
             <a:extLst>
               <a:ext uri="smNativeData">
-                <pr:smNativeData xmlns:pr="smNativeData" xmlns="smNativeData" val="SMDATA_15_Lb0aZBMAAAAlAAAAZAAAAA8BAAAAkAAAAEgAAACQAAAASAAAAAAAAAAAAAAAAAAAAAEAAABQAAAAAAAAAAAA4D8AAAAAAADgPwAAAAAAAOA/AAAAAAAA4D8AAAAAAADgPwAAAAAAAOA/AAAAAAAA4D8AAAAAAADgPwAAAAAAAOA/AAAAAAAA4D8CAAAAjAAAAAAAAAAAAAAAu+DjDP///wgAAAAAAAAAAAAAAAAAAAAAAAAAAAAAAAAAAAAAZAAAAAEAAABAAAAAAAAAAAAAAAAAAAAAAAAAAAAAAAAAAAAAAAAAAAAAAAAAAAAAAAAAAAAAAAAAAAAAAAAAAAAAAAAAAAAAAAAAAAAAAAAAAAAAAAAAAAAAAAAAAAAAFAAAADwAAAAAAAAAAAAAAAAAAAkUAAAAAQAAABQAAAAUAAAAFAAAAAEAAAAAAAAAZAAAAGQAAAAAAAAAZAAAAGQAAAAVAAAAYAAAAAAAAAAAAAAADwAAACADAAAAAAAAAAAAAAEAAACgMgAAVgcAAKr4//8BAAAAf39/AAEAAABkAAAAAAAAABQAAABAHwAAAAAAACYAAAAAAAAAwOD//wAAAAAmAAAAZAAAABYAAABMAAAAAAAAAAAAAAAEAAAAAAAAAAEAAACAgIAKAAAAACgAAAAoAAAAZAAAAGQAAAAAAAAAzMzMAAAAAABQAAAAUAAAAGQAAABkAAAAAAAAABcAAAAUAAAAAAAAAAAAAAD/fwAA/38AAAAAAAAJAAAABAAAAAAAAAAeAAAAaAAAAAAAAAAAAAAAAAAAAAAAAAAAAAAAECcAABAnAAAAAAAAAAAAAAAAAAAAAAAAAAAAAAAAAAAAAAAAAAAAABQAAAAAAAAAwMD/AAAAAABkAAAAMgAAAAAAAABkAAAAAAAAAH9/fwAKAAAAIgAAABgAAAAAAAAAAAAAAAAAAAAAAAAAAAAAAAAAAAAkAAAAJAAAAAAAAAAHAAAAAAAAAAAAAAAAAAAAAAAAAAAAAAAAAAAAf39/ACUAAABYAAAAAAAAAAAAAAAAAAAAAAAAAAAAAAAAAAAAAAAAAAAAAAAAAAAAAAAAAAAAAAA/AAAAAAAAAKCGAQAAAAAAAAAAAAAAAAAMAAAAAQAAAAAAAAAAAAAAAAAAAB8AAABUAAAAAAAABQAAAAEAAAAAAAAAAAAAAAAAAAAAAAAAAAAAAAAAAAAAAAAAAAAAAAJ/f38AAAAAA8zMzADAwP8Af39/AAAAAAAAAAAAAAAAAAAAAAAAAAAAIQAAABgAAAAUAAAAsw4AAAQhAACzOwAA+CUAABAAAAAmAAAACAAAAAGAAAAAAAAA"/>
+                <pr:smNativeData xmlns:pr="smNativeData" xmlns="smNativeData" val="SMDATA_15_Sr0aZBMAAAAlAAAAZAAAAA8BAAAAkAAAAEgAAACQAAAASAAAAAAAAAAAAAAAAAAAAAEAAABQAAAAAAAAAAAA4D8AAAAAAADgPwAAAAAAAOA/AAAAAAAA4D8AAAAAAADgPwAAAAAAAOA/AAAAAAAA4D8AAAAAAADgPwAAAAAAAOA/AAAAAAAA4D8CAAAAjAAAAAAAAAAAAAAAu+DjDP///wgAAAAAAAAAAAAAAAAAAAAAAAAAAAAAAAAAAAAAZAAAAAEAAABAAAAAAAAAAAAAAAAAAAAAAAAAAAAAAAAAAAAAAAAAAAAAAAAAAAAAAAAAAAAAAAAAAAAAAAAAAAAAAAAAAAAAAAAAAAAAAAAAAAAAAAAAAAAAAAAAAAAAFAAAADwAAAAAAAAAAAAAAAAAAAkUAAAAAQAAABQAAAAUAAAAFAAAAAEAAAAAAAAAZAAAAGQAAAAAAAAAZAAAAGQAAAAVAAAAYAAAAAAAAAAAAAAADwAAACADAAAAAAAAAAAAAAEAAACgMgAAVgcAAKr4//8BAAAAf39/AAEAAABkAAAAAAAAABQAAABAHwAAAAAAACYAAAAAAAAAwOD//wAAAAAmAAAAZAAAABYAAABMAAAAAAAAAAAAAAAEAAAAAAAAAAEAAACAgIAKAAAAACgAAAAoAAAAZAAAAGQAAAAAAAAAzMzMAAAAAABQAAAAUAAAAGQAAABkAAAAAAAAABcAAAAUAAAAAAAAAAAAAAD/fwAA/38AAAAAAAAJAAAABAAAAAAAAAAeAAAAaAAAAAAAAAAAAAAAAAAAAAAAAAAAAAAAECcAABAnAAAAAAAAAAAAAAAAAAAAAAAAAAAAAAAAAAAAAAAAAAAAABQAAAAAAAAAwMD/AAAAAABkAAAAMgAAAAAAAABkAAAAAAAAAH9/fwAKAAAAIgAAABgAAAAAAAAAAAAAAAAAAAAAAAAAAAAAAAAAAAAkAAAAJAAAAAAAAAAHAAAAAAAAAAAAAAAAAAAAAAAAAAAAAAAAAAAAf39/ACUAAABYAAAAAAAAAAAAAAAAAAAAAAAAAAAAAAAAAAAAAAAAAAAAAAAAAAAAAAAAAAAAAAA/AAAAAAAAAKCGAQAAAAAAAAAAAAAAAAAMAAAAAQAAAAAAAAAAAAAAAAAAAB8AAABUAAAAAAAABQAAAAEAAAAAAAAAAAAAAAAAAAAAAAAAAAAAAAAAAAAAAAAAAAAAAAJ/f38AAAAAA8zMzADAwP8Af39/AAAAAAAAAAAAAAAAAAAAAAAAAAAAIQAAABgAAAAUAAAAsw4AAAQhAACzOwAA+CUAABAAAAAmAAAACAAAAAGAAAAAAAAA"/>
               </a:ext>
             </a:extLst>
           </p:cNvSpPr>
@@ -2691,7 +2691,7 @@
             <a:spLocks noGrp="1" noChangeArrowheads="1"/>
             <a:extLst>
               <a:ext uri="smNativeData">
-                <pr:smNativeData xmlns:pr="smNativeData" xmlns="smNativeData" val="SMDATA_15_Lb0aZBMAAAAlAAAAZAAAAA8BAAAAkAAAAEgAAACQAAAASAAAAAAAAAABAAAAAAAAAAEAAABQAAAAAAAAAAAA4D8AAAAAAADgPwAAAAAAAOA/AAAAAAAA4D8AAAAAAADgPwAAAAAAAOA/AAAAAAAA4D8AAAAAAADgPwAAAAAAAOA/AAAAAAAA4D8CAAAAjAAAAAAAAAAAAAAAu+DjDP///wgAAAAAAAAAAAAAAAAAAAAAAAAAAAAAAAAAAAAAZAAAAAEAAABAAAAAAAAAAAAAAAAAAAAAAAAAAAAAAAAAAAAAAAAAAAAAAAAAAAAAAAAAAAAAAAAAAAAAAAAAAAAAAAAAAAAAAAAAAAAAAAAAAAAAAAAAAAAAAAAAAAAAFAAAADwAAAAAAAAAAAAAAAAAAAkUAAAAAQAAABQAAAAUAAAAFAAAAAEAAAAAAAAAZAAAAGQAAAAAAAAAZAAAAGQAAAAVAAAAYAAAAAAAAAAAAAAADwAAACADAAAAAAAAAAAAAAEAAACgMgAAVgcAAKr4//8BAAAAf39/AAEAAABkAAAAAAAAABQAAABAHwAAAAAAACYAAAAAAAAAwOD//wAAAAAmAAAAZAAAABYAAABMAAAAAAAAAAAAAAAEAAAAAAAAAAEAAACAgIAKAAAAACgAAAAoAAAAZAAAAGQAAAAAAAAAzMzMAAAAAABQAAAAUAAAAGQAAABkAAAAAAAAABcAAAAUAAAAAAAAAAAAAAD/fwAA/38AAAAAAAAJAAAABAAAAAAAAAAeAAAAaAAAAAAAAAAAAAAAAAAAAAAAAAAAAAAAECcAABAnAAAAAAAAAAAAAAAAAAAAAAAAAAAAAAAAAAAAAAAAAAAAABQAAAAAAAAAwMD/AAAAAABkAAAAMgAAAAAAAABkAAAAAAAAAH9/fwAKAAAAIgAAABgAAAAAAAAAAAAAAAAAAAAAAAAAAAAAAAAAAAAkAAAAJAAAAAAAAAAHAAAAAAAAAAAAAAAAAAAAAAAAAAAAAAAAAAAAf39/ACUAAABYAAAAAAAAAAAAAAAAAAAAAAAAAAAAAAAAAAAAAAAAAAAAAAAAAAAAAAAAAAAAAAA/AAAAAAAAAKCGAQAAAAAAAAAAAAAAAAAMAAAAAQAAAAAAAAAAAAAAAAAAAB8AAABUAAAAAAAABQAAAAEAAAAAAAAAAAAAAAAAAAAAAAAAAAAAAAAAAAAAAAAAAAAAAAJ/f38AAAAAA8zMzADAwP8Af39/AAAAAAAAAAAAAAAAAAAAAAAAAAAAIQAAABgAAAAUAAAAwAMAABsnAAA/FQAAWSkAABAAAAAmAAAACAAAAAAAAAAAAAAA"/>
+                <pr:smNativeData xmlns:pr="smNativeData" xmlns="smNativeData" val="SMDATA_15_Sr0aZBMAAAAlAAAAZAAAAA8BAAAAkAAAAEgAAACQAAAASAAAAAAAAAABAAAAAAAAAAEAAABQAAAAAAAAAAAA4D8AAAAAAADgPwAAAAAAAOA/AAAAAAAA4D8AAAAAAADgPwAAAAAAAOA/AAAAAAAA4D8AAAAAAADgPwAAAAAAAOA/AAAAAAAA4D8CAAAAjAAAAAAAAAAAAAAAu+DjDP///wgAAAAAAAAAAAAAAAAAAAAAAAAAAAAAAAAAAAAAZAAAAAEAAABAAAAAAAAAAAAAAAAAAAAAAAAAAAAAAAAAAAAAAAAAAAAAAAAAAAAAAAAAAAAAAAAAAAAAAAAAAAAAAAAAAAAAAAAAAAAAAAAAAAAAAAAAAAAAAAAAAAAAFAAAADwAAAAAAAAAAAAAAAAAAAkUAAAAAQAAABQAAAAUAAAAFAAAAAEAAAAAAAAAZAAAAGQAAAAAAAAAZAAAAGQAAAAVAAAAYAAAAAAAAAAAAAAADwAAACADAAAAAAAAAAAAAAEAAACgMgAAVgcAAKr4//8BAAAAf39/AAEAAABkAAAAAAAAABQAAABAHwAAAAAAACYAAAAAAAAAwOD//wAAAAAmAAAAZAAAABYAAABMAAAAAAAAAAAAAAAEAAAAAAAAAAEAAACAgIAKAAAAACgAAAAoAAAAZAAAAGQAAAAAAAAAzMzMAAAAAABQAAAAUAAAAGQAAABkAAAAAAAAABcAAAAUAAAAAAAAAAAAAAD/fwAA/38AAAAAAAAJAAAABAAAAAAAAAAeAAAAaAAAAAAAAAAAAAAAAAAAAAAAAAAAAAAAECcAABAnAAAAAAAAAAAAAAAAAAAAAAAAAAAAAAAAAAAAAAAAAAAAABQAAAAAAAAAwMD/AAAAAABkAAAAMgAAAAAAAABkAAAAAAAAAH9/fwAKAAAAIgAAABgAAAAAAAAAAAAAAAAAAAAAAAAAAAAAAAAAAAAkAAAAJAAAAAAAAAAHAAAAAAAAAAAAAAAAAAAAAAAAAAAAAAAAAAAAf39/ACUAAABYAAAAAAAAAAAAAAAAAAAAAAAAAAAAAAAAAAAAAAAAAAAAAAAAAAAAAAAAAAAAAAA/AAAAAAAAAKCGAQAAAAAAAAAAAAAAAAAMAAAAAQAAAAAAAAAAAAAAAAAAAB8AAABUAAAAAAAABQAAAAEAAAAAAAAAAAAAAAAAAAAAAAAAAAAAAAAAAAAAAAAAAAAAAAJ/f38AAAAAA8zMzADAwP8Af39/AAAAAAAAAAAAAAAAAAAAAAAAAAAAIQAAABgAAAAUAAAAwAMAABsnAAA/FQAAWSkAABAAAAAmAAAACAAAAAAAAAAAAAAA"/>
               </a:ext>
             </a:extLst>
           </p:cNvSpPr>
@@ -2705,7 +2705,7 @@
           <a:lstStyle/>
           <a:p>
             <a:pPr/>
-            <a:fld id="{3E4133BE-F0D3-14C5-9DF9-06907DB76B53}" type="datetime1">
+            <a:fld id="{3EE57D2E-60D3-B08B-9D5D-96DE33136BC3}" type="datetime1">
               <a:t/>
             </a:fld>
           </a:p>
@@ -2718,7 +2718,7 @@
             <a:spLocks noGrp="1" noChangeArrowheads="1"/>
             <a:extLst>
               <a:ext uri="smNativeData">
-                <pr:smNativeData xmlns:pr="smNativeData" xmlns="smNativeData" val="SMDATA_15_Lb0aZBMAAAAlAAAAZAAAAA8BAAAAkAAAAEgAAACQAAAASAAAAAAAAAABAAAAAAAAAAEAAABQAAAAAAAAAAAA4D8AAAAAAADgPwAAAAAAAOA/AAAAAAAA4D8AAAAAAADgPwAAAAAAAOA/AAAAAAAA4D8AAAAAAADgPwAAAAAAAOA/AAAAAAAA4D8CAAAAjAAAAAAAAAAAAAAAu+DjDP///wgAAAAAAAAAAAAAAAAAAAAAAAAAAAAAAAAAAAAAZAAAAAEAAABAAAAAAAAAAAAAAAAAAAAAAAAAAAAAAAAAAAAAAAAAAAAAAAAAAAAAAAAAAAAAAAAAAAAAAAAAAAAAAAAAAAAAAAAAAAAAAAAAAAAAAAAAAAAAAAAAAAAAFAAAADwAAAAAAAAAAAAAAAAAAAkUAAAAAQAAABQAAAAUAAAAFAAAAAEAAAAAAAAAZAAAAGQAAAAAAAAAZAAAAGQAAAAVAAAAYAAAAAAAAAAAAAAADwAAACADAAAAAAAAAAAAAAEAAACgMgAAVgcAAKr4//8BAAAAf39/AAEAAABkAAAAAAAAABQAAABAHwAAAAAAACYAAAAAAAAAwOD//wAAAAAmAAAAZAAAABYAAABMAAAAAAAAAAAAAAAEAAAAAAAAAAEAAACAgIAKAAAAACgAAAAoAAAAZAAAAGQAAAAAAAAAzMzMAAAAAABQAAAAUAAAAGQAAABkAAAAAAAAABcAAAAUAAAAAAAAAAAAAAD/fwAA/38AAAAAAAAJAAAABAAAAAAAAAAeAAAAaAAAAAAAAAAAAAAAAAAAAAAAAAAAAAAAECcAABAnAAAAAAAAAAAAAAAAAAAAAAAAAAAAAAAAAAAAAAAAAAAAABQAAAAAAAAAwMD/AAAAAABkAAAAMgAAAAAAAABkAAAAAAAAAH9/fwAKAAAAIgAAABgAAAAAAAAAAAAAAAAAAAAAAAAAAAAAAAAAAAAkAAAAJAAAAAAAAAAHAAAAAAAAAAAAAAAAAAAAAAAAAAAAAAAAAAAAf39/ACUAAABYAAAAAAAAAAAAAAAAAAAAAAAAAAAAAAAAAAAAAAAAAAAAAAAAAAAAAAAAAAAAAAA/AAAAAAAAAKCGAQAAAAAAAAAAAAAAAAAMAAAAAQAAAAAAAAAAAAAAAAAAAB8AAABUAAAAAAAABQAAAAEAAAAAAAAAAAAAAAAAAAAAAAAAAAAAAAAAAAAAAAAAAAAAAAJ/f38AAAAAA8zMzADAwP8Af39/AAAAAAAAAAAAAAAAAAAAAAAAAAAAIQAAABgAAAAUAAAAoRkAABsnAABfMQAAWSkAABAAAAAmAAAACAAAAAAAAAAAAAAA"/>
+                <pr:smNativeData xmlns:pr="smNativeData" xmlns="smNativeData" val="SMDATA_15_Sr0aZBMAAAAlAAAAZAAAAA8BAAAAkAAAAEgAAACQAAAASAAAAAAAAAABAAAAAAAAAAEAAABQAAAAAAAAAAAA4D8AAAAAAADgPwAAAAAAAOA/AAAAAAAA4D8AAAAAAADgPwAAAAAAAOA/AAAAAAAA4D8AAAAAAADgPwAAAAAAAOA/AAAAAAAA4D8CAAAAjAAAAAAAAAAAAAAAu+DjDP///wgAAAAAAAAAAAAAAAAAAAAAAAAAAAAAAAAAAAAAZAAAAAEAAABAAAAAAAAAAAAAAAAAAAAAAAAAAAAAAAAAAAAAAAAAAAAAAAAAAAAAAAAAAAAAAAAAAAAAAAAAAAAAAAAAAAAAAAAAAAAAAAAAAAAAAAAAAAAAAAAAAAAAFAAAADwAAAAAAAAAAAAAAAAAAAkUAAAAAQAAABQAAAAUAAAAFAAAAAEAAAAAAAAAZAAAAGQAAAAAAAAAZAAAAGQAAAAVAAAAYAAAAAAAAAAAAAAADwAAACADAAAAAAAAAAAAAAEAAACgMgAAVgcAAKr4//8BAAAAf39/AAEAAABkAAAAAAAAABQAAABAHwAAAAAAACYAAAAAAAAAwOD//wAAAAAmAAAAZAAAABYAAABMAAAAAAAAAAAAAAAEAAAAAAAAAAEAAACAgIAKAAAAACgAAAAoAAAAZAAAAGQAAAAAAAAAzMzMAAAAAABQAAAAUAAAAGQAAABkAAAAAAAAABcAAAAUAAAAAAAAAAAAAAD/fwAA/38AAAAAAAAJAAAABAAAAAAAAAAeAAAAaAAAAAAAAAAAAAAAAAAAAAAAAAAAAAAAECcAABAnAAAAAAAAAAAAAAAAAAAAAAAAAAAAAAAAAAAAAAAAAAAAABQAAAAAAAAAwMD/AAAAAABkAAAAMgAAAAAAAABkAAAAAAAAAH9/fwAKAAAAIgAAABgAAAAAAAAAAAAAAAAAAAAAAAAAAAAAAAAAAAAkAAAAJAAAAAAAAAAHAAAAAAAAAAAAAAAAAAAAAAAAAAAAAAAAAAAAf39/ACUAAABYAAAAAAAAAAAAAAAAAAAAAAAAAAAAAAAAAAAAAAAAAAAAAAAAAAAAAAAAAAAAAAA/AAAAAAAAAKCGAQAAAAAAAAAAAAAAAAAMAAAAAQAAAAAAAAAAAAAAAAAAAB8AAABUAAAAAAAABQAAAAEAAAAAAAAAAAAAAAAAAAAAAAAAAAAAAAAAAAAAAAAAAAAAAAJ/f38AAAAAA8zMzADAwP8Af39/AAAAAAAAAAAAAAAAAAAAAAAAAAAAIQAAABgAAAAUAAAAoRkAABsnAABfMQAAWSkAABAAAAAmAAAACAAAAAAAAAAAAAAA"/>
               </a:ext>
             </a:extLst>
           </p:cNvSpPr>
@@ -2745,7 +2745,7 @@
             <a:spLocks noGrp="1" noChangeArrowheads="1"/>
             <a:extLst>
               <a:ext uri="smNativeData">
-                <pr:smNativeData xmlns:pr="smNativeData" xmlns="smNativeData" val="SMDATA_15_Lb0aZBMAAAAlAAAAZAAAAA8BAAAAkAAAAEgAAACQAAAASAAAAAAAAAABAAAAAAAAAAEAAABQAAAAAAAAAAAA4D8AAAAAAADgPwAAAAAAAOA/AAAAAAAA4D8AAAAAAADgPwAAAAAAAOA/AAAAAAAA4D8AAAAAAADgPwAAAAAAAOA/AAAAAAAA4D8CAAAAjAAAAAAAAAAAAAAAu+DjDP///wgAAAAAAAAAAAAAAAAAAAAAAAAAAAAAAAAAAAAAZAAAAAEAAABAAAAAAAAAAAAAAAAAAAAAAAAAAAAAAAAAAAAAAAAAAAAAAAAAAAAAAAAAAAAAAAAAAAAAAAAAAAAAAAAAAAAAAAAAAAAAAAAAAAAAAAAAAAAAAAAAAAAAFAAAADwAAAAAAAAAAAAAAAAAAAkUAAAAAQAAABQAAAAUAAAAFAAAAAEAAAAAAAAAZAAAAGQAAAAAAAAAZAAAAGQAAAAVAAAAYAAAAAAAAAAAAAAADwAAACADAAAAAAAAAAAAAAEAAACgMgAAVgcAAKr4//8BAAAAf39/AAEAAABkAAAAAAAAABQAAABAHwAAAAAAACYAAAAAAAAAwOD//wAAAAAmAAAAZAAAABYAAABMAAAAAAAAAAAAAAAEAAAAAAAAAAEAAACAgIAKAAAAACgAAAAoAAAAZAAAAGQAAAAAAAAAzMzMAAAAAABQAAAAUAAAAGQAAABkAAAAAAAAABcAAAAUAAAAAAAAAAAAAAD/fwAA/38AAAAAAAAJAAAABAAAAAAAAAAeAAAAaAAAAAAAAAAAAAAAAAAAAAAAAAAAAAAAECcAABAnAAAAAAAAAAAAAAAAAAAAAAAAAAAAAAAAAAAAAAAAAAAAABQAAAAAAAAAwMD/AAAAAABkAAAAMgAAAAAAAABkAAAAAAAAAH9/fwAKAAAAIgAAABgAAAAAAAAAAAAAAAAAAAAAAAAAAAAAAAAAAAAkAAAAJAAAAAAAAAAHAAAAAAAAAAAAAAAAAAAAAAAAAAAAAAAAAAAAf39/ACUAAABYAAAAAAAAAAAAAAAAAAAAAAAAAAAAAAAAAAAAAAAAAAAAAAAAAAAAAAAAAAAAAAA/AAAAAAAAAKCGAQAAAAAAAAAAAAAAAAAMAAAAAQAAAAAAAAAAAAAAAAAAAB8AAABUAAAAAAAABQAAAAEAAAAAAAAAAAAAAAAAAAAAAAAAAAAAAAAAAAAAAAAAAAAAAAJ/f38AAAAAA8zMzADAwP8Af39/AAAAAAAAAAAAAAAAAAAAAAAAAAAAIQAAABgAAAAUAAAAwTUAABsnAABARwAAWSkAABAAAAAmAAAACAAAAAAAAAAAAAAA"/>
+                <pr:smNativeData xmlns:pr="smNativeData" xmlns="smNativeData" val="SMDATA_15_Sr0aZBMAAAAlAAAAZAAAAA8BAAAAkAAAAEgAAACQAAAASAAAAAAAAAABAAAAAAAAAAEAAABQAAAAAAAAAAAA4D8AAAAAAADgPwAAAAAAAOA/AAAAAAAA4D8AAAAAAADgPwAAAAAAAOA/AAAAAAAA4D8AAAAAAADgPwAAAAAAAOA/AAAAAAAA4D8CAAAAjAAAAAAAAAAAAAAAu+DjDP///wgAAAAAAAAAAAAAAAAAAAAAAAAAAAAAAAAAAAAAZAAAAAEAAABAAAAAAAAAAAAAAAAAAAAAAAAAAAAAAAAAAAAAAAAAAAAAAAAAAAAAAAAAAAAAAAAAAAAAAAAAAAAAAAAAAAAAAAAAAAAAAAAAAAAAAAAAAAAAAAAAAAAAFAAAADwAAAAAAAAAAAAAAAAAAAkUAAAAAQAAABQAAAAUAAAAFAAAAAEAAAAAAAAAZAAAAGQAAAAAAAAAZAAAAGQAAAAVAAAAYAAAAAAAAAAAAAAADwAAACADAAAAAAAAAAAAAAEAAACgMgAAVgcAAKr4//8BAAAAf39/AAEAAABkAAAAAAAAABQAAABAHwAAAAAAACYAAAAAAAAAwOD//wAAAAAmAAAAZAAAABYAAABMAAAAAAAAAAAAAAAEAAAAAAAAAAEAAACAgIAKAAAAACgAAAAoAAAAZAAAAGQAAAAAAAAAzMzMAAAAAABQAAAAUAAAAGQAAABkAAAAAAAAABcAAAAUAAAAAAAAAAAAAAD/fwAA/38AAAAAAAAJAAAABAAAAAAAAAAeAAAAaAAAAAAAAAAAAAAAAAAAAAAAAAAAAAAAECcAABAnAAAAAAAAAAAAAAAAAAAAAAAAAAAAAAAAAAAAAAAAAAAAABQAAAAAAAAAwMD/AAAAAABkAAAAMgAAAAAAAABkAAAAAAAAAH9/fwAKAAAAIgAAABgAAAAAAAAAAAAAAAAAAAAAAAAAAAAAAAAAAAAkAAAAJAAAAAAAAAAHAAAAAAAAAAAAAAAAAAAAAAAAAAAAAAAAAAAAf39/ACUAAABYAAAAAAAAAAAAAAAAAAAAAAAAAAAAAAAAAAAAAAAAAAAAAAAAAAAAAAAAAAAAAAA/AAAAAAAAAKCGAQAAAAAAAAAAAAAAAAAMAAAAAQAAAAAAAAAAAAAAAAAAAB8AAABUAAAAAAAABQAAAAEAAAAAAAAAAAAAAAAAAAAAAAAAAAAAAAAAAAAAAAAAAAAAAAJ/f38AAAAAA8zMzADAwP8Af39/AAAAAAAAAAAAAAAAAAAAAAAAAAAAIQAAABgAAAAUAAAAwTUAABsnAABARwAAWSkAABAAAAAmAAAACAAAAAAAAAAAAAAA"/>
               </a:ext>
             </a:extLst>
           </p:cNvSpPr>
@@ -2759,7 +2759,7 @@
           <a:lstStyle/>
           <a:p>
             <a:pPr/>
-            <a:fld id="{3E415772-3CD3-14A1-9DF9-CAF419B76B9F}" type="slidenum">
+            <a:fld id="{3EE52E50-1ED3-B0D8-9D5D-E88D60136BBD}" type="slidenum">
               <a:t/>
             </a:fld>
           </a:p>
@@ -2805,7 +2805,7 @@
             <a:spLocks noGrp="1" noChangeArrowheads="1"/>
             <a:extLst>
               <a:ext uri="smNativeData">
-                <pr:smNativeData xmlns:pr="smNativeData" xmlns="smNativeData" val="SMDATA_15_Lb0aZBMAAAAlAAAAZAAAAA8BAAAAkAAAAEgAAACQAAAASAAAAAAAAAABAAAAAAAAAAEAAABQAAAAAAAAAAAA4D8AAAAAAADgPwAAAAAAAOA/AAAAAAAA4D8AAAAAAADgPwAAAAAAAOA/AAAAAAAA4D8AAAAAAADgPwAAAAAAAOA/AAAAAAAA4D8CAAAAjAAAAAAAAAAAAAAAu+DjDP///wgAAAAAAAAAAAAAAAAAAAAAAAAAAAAAAAAAAAAAZAAAAAEAAABAAAAAAAAAAAAAAAAAAAAAAAAAAAAAAAAAAAAAAAAAAAAAAAAAAAAAAAAAAAAAAAAAAAAAAAAAAAAAAAAAAAAAAAAAAAAAAAAAAAAAAAAAAAAAAAAAAAAAFAAAADwAAAAAAAAAAAAAAAAAAAkUAAAAAQAAABQAAAAUAAAAFAAAAAEAAAAAAAAAZAAAAGQAAAAAAAAAZAAAAGQAAAAVAAAAYAAAAAAAAAAAAAAADwAAACADAAAAAAAAAAAAAAEAAACgMgAAVgcAAKr4//8BAAAAf39/AAEAAABkAAAAAAAAABQAAABAHwAAAAAAACYAAAAAAAAAwOD//wAAAAAmAAAAZAAAABYAAABMAAAAAAAAAAAAAAAEAAAAAAAAAAEAAACAgIAKAAAAACgAAAAoAAAAZAAAAGQAAAAAAAAAzMzMAAAAAABQAAAAUAAAAGQAAABkAAAAAAAAABcAAAAUAAAAAAAAAAAAAAD/fwAA/38AAAAAAAAJAAAABAAAAHsAfAAeAAAAaAAAAAAAAAAAAAAAAAAAAAAAAAAAAAAAECcAABAnAAAAAAAAAAAAAAAAAAAAAAAAAAAAAAAAAAAAAAAAAAAAABQAAAAAAAAAwMD/AAAAAABkAAAAMgAAAAAAAABkAAAAAAAAAH9/fwAKAAAAIgAAABgAAAAAAAAAAAAAAAAAAAAAAAAAAAAAAAAAAAAkAAAAJAAAAAAAAAAHAAAAAAAAAAAAAAAAAAAAAAAAAAAAAAAAAAAAf39/ACUAAABYAAAAAAAAAAAAAAAAAAAAAAAAAAAAAAAAAAAAAAAAAAAAAAAAAAAAAAAAAAAAAAA/AAAAAAAAAKCGAQAAAAAAAAAAAAAAAAAMAAAAAQAAAAAAAAAAAAAAAAAAAB8AAABUAAAAAAAABQAAAAEAAAAAAAAAAAAAAAAAAAAAAAAAAAAAAAAAAAAAAAAAAAAAAAJ/f38AAAAAA8zMzADAwP8Af39/AAAAAAAAAAAAAAAAAAAAAAAAAAAAIQAAABgAAAAUAAAAwAMAALABAABARwAAuAgAABAAAAAmAAAACAAAAP//////////"/>
+                <pr:smNativeData xmlns:pr="smNativeData" xmlns="smNativeData" val="SMDATA_15_Sr0aZBMAAAAlAAAAZAAAAA8BAAAAkAAAAEgAAACQAAAASAAAAAAAAAABAAAAAAAAAAEAAABQAAAAAAAAAAAA4D8AAAAAAADgPwAAAAAAAOA/AAAAAAAA4D8AAAAAAADgPwAAAAAAAOA/AAAAAAAA4D8AAAAAAADgPwAAAAAAAOA/AAAAAAAA4D8CAAAAjAAAAAAAAAAAAAAAu+DjDP///wgAAAAAAAAAAAAAAAAAAAAAAAAAAAAAAAAAAAAAZAAAAAEAAABAAAAAAAAAAAAAAAAAAAAAAAAAAAAAAAAAAAAAAAAAAAAAAAAAAAAAAAAAAAAAAAAAAAAAAAAAAAAAAAAAAAAAAAAAAAAAAAAAAAAAAAAAAAAAAAAAAAAAFAAAADwAAAAAAAAAAAAAAAAAAAkUAAAAAQAAABQAAAAUAAAAFAAAAAEAAAAAAAAAZAAAAGQAAAAAAAAAZAAAAGQAAAAVAAAAYAAAAAAAAAAAAAAADwAAACADAAAAAAAAAAAAAAEAAACgMgAAVgcAAKr4//8BAAAAf39/AAEAAABkAAAAAAAAABQAAABAHwAAAAAAACYAAAAAAAAAwOD//wAAAAAmAAAAZAAAABYAAABMAAAAAAAAAAAAAAAEAAAAAAAAAAEAAACAgIAKAAAAACgAAAAoAAAAZAAAAGQAAAAAAAAAzMzMAAAAAABQAAAAUAAAAGQAAABkAAAAAAAAABcAAAAUAAAAAAAAAAAAAAD/fwAA/38AAAAAAAAJAAAABAAAAHsAfAAeAAAAaAAAAAAAAAAAAAAAAAAAAAAAAAAAAAAAECcAABAnAAAAAAAAAAAAAAAAAAAAAAAAAAAAAAAAAAAAAAAAAAAAABQAAAAAAAAAwMD/AAAAAABkAAAAMgAAAAAAAABkAAAAAAAAAH9/fwAKAAAAIgAAABgAAAAAAAAAAAAAAAAAAAAAAAAAAAAAAAAAAAAkAAAAJAAAAAAAAAAHAAAAAAAAAAAAAAAAAAAAAAAAAAAAAAAAAAAAf39/ACUAAABYAAAAAAAAAAAAAAAAAAAAAAAAAAAAAAAAAAAAAAAAAAAAAAAAAAAAAAAAAAAAAAA/AAAAAAAAAKCGAQAAAAAAAAAAAAAAAAAMAAAAAQAAAAAAAAAAAAAAAAAAAB8AAABUAAAAAAAABQAAAAEAAAAAAAAAAAAAAAAAAAAAAAAAAAAAAAAAAAAAAAAAAAAAAAJ/f38AAAAAA8zMzADAwP8Af39/AAAAAAAAAAAAAAAAAAAAAAAAAAAAIQAAABgAAAAUAAAAwAMAALABAABARwAAuAgAABAAAAAmAAAACAAAAP//////////"/>
               </a:ext>
             </a:extLst>
           </p:cNvSpPr>
@@ -2849,7 +2849,7 @@
             <a:spLocks noGrp="1" noChangeArrowheads="1"/>
             <a:extLst>
               <a:ext uri="smNativeData">
-                <pr:smNativeData xmlns:pr="smNativeData" xmlns="smNativeData" val="SMDATA_15_Lb0aZBMAAAAlAAAAZAAAAA8BAAAAkAAAAEgAAACQAAAASAAAAAAAAAAAAAAAAAAAAAEAAABQAAAAAAAAAAAA4D8AAAAAAADgPwAAAAAAAOA/AAAAAAAA4D8AAAAAAADgPwAAAAAAAOA/AAAAAAAA4D8AAAAAAADgPwAAAAAAAOA/AAAAAAAA4D8CAAAAjAAAAAAAAAAAAAAAu+DjDP///wgAAAAAAAAAAAAAAAAAAAAAAAAAAAAAAAAAAAAAZAAAAAEAAABAAAAAAAAAAAAAAAAAAAAAAAAAAAAAAAAAAAAAAAAAAAAAAAAAAAAAAAAAAAAAAAAAAAAAAAAAAAAAAAAAAAAAAAAAAAAAAAAAAAAAAAAAAAAAAAAAAAAAFAAAADwAAAAAAAAAAAAAAAAAAAkUAAAAAQAAABQAAAAUAAAAFAAAAAEAAAAAAAAAZAAAAGQAAAAAAAAAZAAAAGQAAAAVAAAAYAAAAAAAAAAAAAAADwAAACADAAAAAAAAAAAAAAEAAACgMgAAVgcAAKr4//8BAAAAf39/AAEAAABkAAAAAAAAABQAAABAHwAAAAAAACYAAAAAAAAAwOD//wAAAAAmAAAAZAAAABYAAABMAAAAAAAAAAAAAAAEAAAAAAAAAAEAAACAgIAKAAAAACgAAAAoAAAAZAAAAGQAAAAAAAAAzMzMAAAAAABQAAAAUAAAAGQAAABkAAAAAAAAABcAAAAUAAAAAAAAAAAAAAD/fwAA/38AAAAAAAAJAAAABAAAAHsAfAAeAAAAaAAAAAAAAAAAAAAAAAAAAAAAAAAAAAAAECcAABAnAAAAAAAAAAAAAAAAAAAAAAAAAAAAAAAAAAAAAAAAAAAAABQAAAAAAAAAwMD/AAAAAABkAAAAMgAAAAAAAABkAAAAAAAAAH9/fwAKAAAAIgAAABgAAAAAAAAAAAAAAAAAAAAAAAAAAAAAAAAAAAAkAAAAJAAAAAAAAAAHAAAAAAAAAAAAAAAAAAAAAAAAAAAAAAAAAAAAf39/ACUAAABYAAAAAAAAAAAAAAAAAAAAAAAAAAAAAAAAAAAAAAAAAAAAAAAAAAAAAAAAAAAAAAA/AAAAAAAAAKCGAQAAAAAAAAAAAAAAAAAMAAAAAQAAAAAAAAAAAAAAAAAAAB8AAABUAAAAAAAABQAAAAEAAAAAAAAAAAAAAAAAAAAAAAAAAAAAAAAAAAAAAAAAAAAAAAJ/f38AAAAAA8zMzADAwP8Af39/AAAAAAAAAAAAAAAAAAAAAAAAAAAAIQAAABgAAAAUAAAAwAMAANgJAABARwAAsCUAABAAAAAmAAAACAAAAP//////////"/>
+                <pr:smNativeData xmlns:pr="smNativeData" xmlns="smNativeData" val="SMDATA_15_Sr0aZBMAAAAlAAAAZAAAAA8BAAAAkAAAAEgAAACQAAAASAAAAAAAAAAAAAAAAAAAAAEAAABQAAAAAAAAAAAA4D8AAAAAAADgPwAAAAAAAOA/AAAAAAAA4D8AAAAAAADgPwAAAAAAAOA/AAAAAAAA4D8AAAAAAADgPwAAAAAAAOA/AAAAAAAA4D8CAAAAjAAAAAAAAAAAAAAAu+DjDP///wgAAAAAAAAAAAAAAAAAAAAAAAAAAAAAAAAAAAAAZAAAAAEAAABAAAAAAAAAAAAAAAAAAAAAAAAAAAAAAAAAAAAAAAAAAAAAAAAAAAAAAAAAAAAAAAAAAAAAAAAAAAAAAAAAAAAAAAAAAAAAAAAAAAAAAAAAAAAAAAAAAAAAFAAAADwAAAAAAAAAAAAAAAAAAAkUAAAAAQAAABQAAAAUAAAAFAAAAAEAAAAAAAAAZAAAAGQAAAAAAAAAZAAAAGQAAAAVAAAAYAAAAAAAAAAAAAAADwAAACADAAAAAAAAAAAAAAEAAACgMgAAVgcAAKr4//8BAAAAf39/AAEAAABkAAAAAAAAABQAAABAHwAAAAAAACYAAAAAAAAAwOD//wAAAAAmAAAAZAAAABYAAABMAAAAAAAAAAAAAAAEAAAAAAAAAAEAAACAgIAKAAAAACgAAAAoAAAAZAAAAGQAAAAAAAAAzMzMAAAAAABQAAAAUAAAAGQAAABkAAAAAAAAABcAAAAUAAAAAAAAAAAAAAD/fwAA/38AAAAAAAAJAAAABAAAAHsAfAAeAAAAaAAAAAAAAAAAAAAAAAAAAAAAAAAAAAAAECcAABAnAAAAAAAAAAAAAAAAAAAAAAAAAAAAAAAAAAAAAAAAAAAAABQAAAAAAAAAwMD/AAAAAABkAAAAMgAAAAAAAABkAAAAAAAAAH9/fwAKAAAAIgAAABgAAAAAAAAAAAAAAAAAAAAAAAAAAAAAAAAAAAAkAAAAJAAAAAAAAAAHAAAAAAAAAAAAAAAAAAAAAAAAAAAAAAAAAAAAf39/ACUAAABYAAAAAAAAAAAAAAAAAAAAAAAAAAAAAAAAAAAAAAAAAAAAAAAAAAAAAAAAAAAAAAA/AAAAAAAAAKCGAQAAAAAAAAAAAAAAAAAMAAAAAQAAAAAAAAAAAAAAAAAAAB8AAABUAAAAAAAABQAAAAEAAAAAAAAAAAAAAAAAAAAAAAAAAAAAAAAAAAAAAAAAAAAAAAJ/f38AAAAAA8zMzADAwP8Af39/AAAAAAAAAAAAAAAAAAAAAAAAAAAAIQAAABgAAAAUAAAAwAMAANgJAABARwAAsCUAABAAAAAmAAAACAAAAP//////////"/>
               </a:ext>
             </a:extLst>
           </p:cNvSpPr>
@@ -2917,7 +2917,7 @@
             <a:spLocks noGrp="1" noChangeArrowheads="1"/>
             <a:extLst>
               <a:ext uri="smNativeData">
-                <pr:smNativeData xmlns:pr="smNativeData" xmlns="smNativeData" val="SMDATA_15_Lb0aZBMAAAAlAAAAZAAAAA8BAAAAkAAAAEgAAACQAAAASAAAAAAAAAABAAAAAAAAAAEAAABQAAAAAAAAAAAA4D8AAAAAAADgPwAAAAAAAOA/AAAAAAAA4D8AAAAAAADgPwAAAAAAAOA/AAAAAAAA4D8AAAAAAADgPwAAAAAAAOA/AAAAAAAA4D8CAAAAjAAAAAAAAAAAAAAAu+DjDP///wgAAAAAAAAAAAAAAAAAAAAAAAAAAAAAAAAAAAAAZAAAAAEAAABAAAAAAAAAAAAAAAAAAAAAAAAAAAAAAAAAAAAAAAAAAAAAAAAAAAAAAAAAAAAAAAAAAAAAAAAAAAAAAAAAAAAAAAAAAAAAAAAAAAAAAAAAAAAAAAAAAAAAFAAAADwAAAAAAAAAAAAAAAAAAAkUAAAAAQAAABQAAAAUAAAAFAAAAAEAAAAAAAAAZAAAAGQAAAAAAAAAZAAAAGQAAAAVAAAAYAAAAAAAAAAAAAAADwAAACADAAAAAAAAAAAAAAEAAACgMgAAVgcAAKr4//8BAAAAf39/AAEAAABkAAAAAAAAABQAAABAHwAAAAAAACYAAAAAAAAAwOD//wAAAAAmAAAAZAAAABYAAABMAAAAAAAAAAAAAAAEAAAAAAAAAAEAAACAgIAKAAAAACgAAAAoAAAAZAAAAGQAAAAAAAAAzMzMAAAAAABQAAAAUAAAAGQAAABkAAAAAAAAABcAAAAUAAAAAAAAAAAAAAD/fwAA/38AAAAAAAAJAAAABAAAAHsAfAAeAAAAaAAAAAAAAAAAAAAAAAAAAAAAAAAAAAAAECcAABAnAAAAAAAAAAAAAAAAAAAAAAAAAAAAAAAAAAAAAAAAAAAAABQAAAAAAAAAwMD/AAAAAABkAAAAMgAAAAAAAABkAAAAAAAAAH9/fwAKAAAAIgAAABgAAAAAAAAAAAAAAAAAAAAAAAAAAAAAAAAAAAAkAAAAJAAAAAAAAAAHAAAAAAAAAAAAAAAAAAAAAAAAAAAAAAAAAAAAf39/ACUAAABYAAAAAAAAAAAAAAAAAAAAAAAAAAAAAAAAAAAAAAAAAAAAAAAAAAAAAAAAAAAAAAA/AAAAAAAAAKCGAQAAAAAAAAAAAAAAAAAMAAAAAQAAAAAAAAAAAAAAAAAAAB8AAABUAAAAAAAABQAAAAEAAAAAAAAAAAAAAAAAAAAAAAAAAAAAAAAAAAAAAAAAAAAAAAJ/f38AAAAAA8zMzADAwP8Af39/AAAAAAAAAAAAAAAAAAAAAAAAAAAAIQAAABgAAAAUAAAAwAMAABsnAAA/FQAAWSkAABAAAAAmAAAACAAAAP//////////"/>
+                <pr:smNativeData xmlns:pr="smNativeData" xmlns="smNativeData" val="SMDATA_15_Sr0aZBMAAAAlAAAAZAAAAA8BAAAAkAAAAEgAAACQAAAASAAAAAAAAAABAAAAAAAAAAEAAABQAAAAAAAAAAAA4D8AAAAAAADgPwAAAAAAAOA/AAAAAAAA4D8AAAAAAADgPwAAAAAAAOA/AAAAAAAA4D8AAAAAAADgPwAAAAAAAOA/AAAAAAAA4D8CAAAAjAAAAAAAAAAAAAAAu+DjDP///wgAAAAAAAAAAAAAAAAAAAAAAAAAAAAAAAAAAAAAZAAAAAEAAABAAAAAAAAAAAAAAAAAAAAAAAAAAAAAAAAAAAAAAAAAAAAAAAAAAAAAAAAAAAAAAAAAAAAAAAAAAAAAAAAAAAAAAAAAAAAAAAAAAAAAAAAAAAAAAAAAAAAAFAAAADwAAAAAAAAAAAAAAAAAAAkUAAAAAQAAABQAAAAUAAAAFAAAAAEAAAAAAAAAZAAAAGQAAAAAAAAAZAAAAGQAAAAVAAAAYAAAAAAAAAAAAAAADwAAACADAAAAAAAAAAAAAAEAAACgMgAAVgcAAKr4//8BAAAAf39/AAEAAABkAAAAAAAAABQAAABAHwAAAAAAACYAAAAAAAAAwOD//wAAAAAmAAAAZAAAABYAAABMAAAAAAAAAAAAAAAEAAAAAAAAAAEAAACAgIAKAAAAACgAAAAoAAAAZAAAAGQAAAAAAAAAzMzMAAAAAABQAAAAUAAAAGQAAABkAAAAAAAAABcAAAAUAAAAAAAAAAAAAAD/fwAA/38AAAAAAAAJAAAABAAAAHsAfAAeAAAAaAAAAAAAAAAAAAAAAAAAAAAAAAAAAAAAECcAABAnAAAAAAAAAAAAAAAAAAAAAAAAAAAAAAAAAAAAAAAAAAAAABQAAAAAAAAAwMD/AAAAAABkAAAAMgAAAAAAAABkAAAAAAAAAH9/fwAKAAAAIgAAABgAAAAAAAAAAAAAAAAAAAAAAAAAAAAAAAAAAAAkAAAAJAAAAAAAAAAHAAAAAAAAAAAAAAAAAAAAAAAAAAAAAAAAAAAAf39/ACUAAABYAAAAAAAAAAAAAAAAAAAAAAAAAAAAAAAAAAAAAAAAAAAAAAAAAAAAAAAAAAAAAAA/AAAAAAAAAKCGAQAAAAAAAAAAAAAAAAAMAAAAAQAAAAAAAAAAAAAAAAAAAB8AAABUAAAAAAAABQAAAAEAAAAAAAAAAAAAAAAAAAAAAAAAAAAAAAAAAAAAAAAAAAAAAAJ/f38AAAAAA8zMzADAwP8Af39/AAAAAAAAAAAAAAAAAAAAAAAAAAAAIQAAABgAAAAUAAAAwAMAABsnAAA/FQAAWSkAABAAAAAmAAAACAAAAP//////////"/>
               </a:ext>
             </a:extLst>
           </p:cNvSpPr>
@@ -2952,7 +2952,7 @@
           </a:lstStyle>
           <a:p>
             <a:pPr/>
-            <a:fld id="{3E41186F-21D3-14EE-9DF9-D7BB56B76B82}" type="datetime1">
+            <a:fld id="{3EE556BA-F4D3-B0A0-9D5D-02F518136B57}" type="datetime1">
               <a:t/>
             </a:fld>
           </a:p>
@@ -2965,7 +2965,7 @@
             <a:spLocks noGrp="1" noChangeArrowheads="1"/>
             <a:extLst>
               <a:ext uri="smNativeData">
-                <pr:smNativeData xmlns:pr="smNativeData" xmlns="smNativeData" val="SMDATA_15_Lb0aZBMAAAAlAAAAZAAAAA8BAAAAkAAAAEgAAACQAAAASAAAAAAAAAABAAAAAAAAAAEAAABQAAAAAAAAAAAA4D8AAAAAAADgPwAAAAAAAOA/AAAAAAAA4D8AAAAAAADgPwAAAAAAAOA/AAAAAAAA4D8AAAAAAADgPwAAAAAAAOA/AAAAAAAA4D8CAAAAjAAAAAAAAAAAAAAAu+DjDP///wgAAAAAAAAAAAAAAAAAAAAAAAAAAAAAAAAAAAAAZAAAAAEAAABAAAAAAAAAAAAAAAAAAAAAAAAAAAAAAAAAAAAAAAAAAAAAAAAAAAAAAAAAAAAAAAAAAAAAAAAAAAAAAAAAAAAAAAAAAAAAAAAAAAAAAAAAAAAAAAAAAAAAFAAAADwAAAAAAAAAAAAAAAAAAAkUAAAAAQAAABQAAAAUAAAAFAAAAAEAAAAAAAAAZAAAAGQAAAAAAAAAZAAAAGQAAAAVAAAAYAAAAAAAAAAAAAAADwAAACADAAAAAAAAAAAAAAEAAACgMgAAVgcAAKr4//8BAAAAf39/AAEAAABkAAAAAAAAABQAAABAHwAAAAAAACYAAAAAAAAAwOD//wAAAAAmAAAAZAAAABYAAABMAAAAAAAAAAAAAAAEAAAAAAAAAAEAAACAgIAKAAAAACgAAAAoAAAAZAAAAGQAAAAAAAAAzMzMAAAAAABQAAAAUAAAAGQAAABkAAAAAAAAABcAAAAUAAAAAAAAAAAAAAD/fwAA/38AAAAAAAAJAAAABAAAAAAAAAAeAAAAaAAAAAAAAAAAAAAAAAAAAAAAAAAAAAAAECcAABAnAAAAAAAAAAAAAAAAAAAAAAAAAAAAAAAAAAAAAAAAAAAAABQAAAAAAAAAwMD/AAAAAABkAAAAMgAAAAAAAABkAAAAAAAAAH9/fwAKAAAAIgAAABgAAAAAAAAAAAAAAAAAAAAAAAAAAAAAAAAAAAAkAAAAJAAAAAAAAAAHAAAAAAAAAAAAAAAAAAAAAAAAAAAAAAAAAAAAf39/ACUAAABYAAAAAAAAAAAAAAAAAAAAAAAAAAAAAAAAAAAAAAAAAAAAAAAAAAAAAAAAAAAAAAA/AAAAAAAAAKCGAQAAAAAAAAAAAAAAAAAMAAAAAQAAAAAAAAAAAAAAAAAAAB8AAABUAAAAAAAABQAAAAEAAAAAAAAAAAAAAAAAAAAAAAAAAAAAAAAAAAAAAAAAAAAAAAJ/f38AAAAAA8zMzADAwP8Af39/AAAAAAAAAAAAAAAAAAAAAAAAAAAAIQAAABgAAAAUAAAAoRkAABsnAABfMQAAWSkAABAAAAAmAAAACAAAAP//////////"/>
+                <pr:smNativeData xmlns:pr="smNativeData" xmlns="smNativeData" val="SMDATA_15_Sr0aZBMAAAAlAAAAZAAAAA8BAAAAkAAAAEgAAACQAAAASAAAAAAAAAABAAAAAAAAAAEAAABQAAAAAAAAAAAA4D8AAAAAAADgPwAAAAAAAOA/AAAAAAAA4D8AAAAAAADgPwAAAAAAAOA/AAAAAAAA4D8AAAAAAADgPwAAAAAAAOA/AAAAAAAA4D8CAAAAjAAAAAAAAAAAAAAAu+DjDP///wgAAAAAAAAAAAAAAAAAAAAAAAAAAAAAAAAAAAAAZAAAAAEAAABAAAAAAAAAAAAAAAAAAAAAAAAAAAAAAAAAAAAAAAAAAAAAAAAAAAAAAAAAAAAAAAAAAAAAAAAAAAAAAAAAAAAAAAAAAAAAAAAAAAAAAAAAAAAAAAAAAAAAFAAAADwAAAAAAAAAAAAAAAAAAAkUAAAAAQAAABQAAAAUAAAAFAAAAAEAAAAAAAAAZAAAAGQAAAAAAAAAZAAAAGQAAAAVAAAAYAAAAAAAAAAAAAAADwAAACADAAAAAAAAAAAAAAEAAACgMgAAVgcAAKr4//8BAAAAf39/AAEAAABkAAAAAAAAABQAAABAHwAAAAAAACYAAAAAAAAAwOD//wAAAAAmAAAAZAAAABYAAABMAAAAAAAAAAAAAAAEAAAAAAAAAAEAAACAgIAKAAAAACgAAAAoAAAAZAAAAGQAAAAAAAAAzMzMAAAAAABQAAAAUAAAAGQAAABkAAAAAAAAABcAAAAUAAAAAAAAAAAAAAD/fwAA/38AAAAAAAAJAAAABAAAAAAAAAAeAAAAaAAAAAAAAAAAAAAAAAAAAAAAAAAAAAAAECcAABAnAAAAAAAAAAAAAAAAAAAAAAAAAAAAAAAAAAAAAAAAAAAAABQAAAAAAAAAwMD/AAAAAABkAAAAMgAAAAAAAABkAAAAAAAAAH9/fwAKAAAAIgAAABgAAAAAAAAAAAAAAAAAAAAAAAAAAAAAAAAAAAAkAAAAJAAAAAAAAAAHAAAAAAAAAAAAAAAAAAAAAAAAAAAAAAAAAAAAf39/ACUAAABYAAAAAAAAAAAAAAAAAAAAAAAAAAAAAAAAAAAAAAAAAAAAAAAAAAAAAAAAAAAAAAA/AAAAAAAAAKCGAQAAAAAAAAAAAAAAAAAMAAAAAQAAAAAAAAAAAAAAAAAAAB8AAABUAAAAAAAABQAAAAEAAAAAAAAAAAAAAAAAAAAAAAAAAAAAAAAAAAAAAAAAAAAAAAJ/f38AAAAAA8zMzADAwP8Af39/AAAAAAAAAAAAAAAAAAAAAAAAAAAAIQAAABgAAAAUAAAAoRkAABsnAABfMQAAWSkAABAAAAAmAAAACAAAAP//////////"/>
               </a:ext>
             </a:extLst>
           </p:cNvSpPr>
@@ -3013,7 +3013,7 @@
             <a:spLocks noGrp="1" noChangeArrowheads="1"/>
             <a:extLst>
               <a:ext uri="smNativeData">
-                <pr:smNativeData xmlns:pr="smNativeData" xmlns="smNativeData" val="SMDATA_15_Lb0aZBMAAAAlAAAAZAAAAA8BAAAAkAAAAEgAAACQAAAASAAAAAAAAAABAAAAAAAAAAEAAABQAAAAAAAAAAAA4D8AAAAAAADgPwAAAAAAAOA/AAAAAAAA4D8AAAAAAADgPwAAAAAAAOA/AAAAAAAA4D8AAAAAAADgPwAAAAAAAOA/AAAAAAAA4D8CAAAAjAAAAAAAAAAAAAAAu+DjDP///wgAAAAAAAAAAAAAAAAAAAAAAAAAAAAAAAAAAAAAZAAAAAEAAABAAAAAAAAAAAAAAAAAAAAAAAAAAAAAAAAAAAAAAAAAAAAAAAAAAAAAAAAAAAAAAAAAAAAAAAAAAAAAAAAAAAAAAAAAAAAAAAAAAAAAAAAAAAAAAAAAAAAAFAAAADwAAAAAAAAAAAAAAAAAAAkUAAAAAQAAABQAAAAUAAAAFAAAAAEAAAAAAAAAZAAAAGQAAAAAAAAAZAAAAGQAAAAVAAAAYAAAAAAAAAAAAAAADwAAACADAAAAAAAAAAAAAAEAAACgMgAAVgcAAKr4//8BAAAAf39/AAEAAABkAAAAAAAAABQAAABAHwAAAAAAACYAAAAAAAAAwOD//wAAAAAmAAAAZAAAABYAAABMAAAAAAAAAAAAAAAEAAAAAAAAAAEAAACAgIAKAAAAACgAAAAoAAAAZAAAAGQAAAAAAAAAzMzMAAAAAABQAAAAUAAAAGQAAABkAAAAAAAAABcAAAAUAAAAAAAAAAAAAAD/fwAA/38AAAAAAAAJAAAABAAAAP////8eAAAAaAAAAAAAAAAAAAAAAAAAAAAAAAAAAAAAECcAABAnAAAAAAAAAAAAAAAAAAAAAAAAAAAAAAAAAAAAAAAAAAAAABQAAAAAAAAAwMD/AAAAAABkAAAAMgAAAAAAAABkAAAAAAAAAH9/fwAKAAAAIgAAABgAAAAAAAAAAAAAAAAAAAAAAAAAAAAAAAAAAAAkAAAAJAAAAAAAAAAHAAAAAAAAAAAAAAAAAAAAAAAAAAAAAAAAAAAAf39/ACUAAABYAAAAAAAAAAAAAAAAAAAAAAAAAAAAAAAAAAAAAAAAAAAAAAAAAAAAAAAAAAAAAAA/AAAAAAAAAKCGAQAAAAAAAAAAAAAAAAAMAAAAAQAAAAAAAAAAAAAAAAAAAB8AAABUAAAAAAAABQAAAAEAAAAAAAAAAAAAAAAAAAAAAAAAAAAAAAAAAAAAAAAAAAAAAAJ/f38AAAAAA8zMzADAwP8Af39/AAAAAAAAAAAAAAAAAAAAAAAAAAAAIQAAABgAAAAUAAAAwTUAABsnAABARwAAWSkAABAAAAAmAAAACAAAAP//////////"/>
+                <pr:smNativeData xmlns:pr="smNativeData" xmlns="smNativeData" val="SMDATA_15_Sr0aZBMAAAAlAAAAZAAAAA8BAAAAkAAAAEgAAACQAAAASAAAAAAAAAABAAAAAAAAAAEAAABQAAAAAAAAAAAA4D8AAAAAAADgPwAAAAAAAOA/AAAAAAAA4D8AAAAAAADgPwAAAAAAAOA/AAAAAAAA4D8AAAAAAADgPwAAAAAAAOA/AAAAAAAA4D8CAAAAjAAAAAAAAAAAAAAAu+DjDP///wgAAAAAAAAAAAAAAAAAAAAAAAAAAAAAAAAAAAAAZAAAAAEAAABAAAAAAAAAAAAAAAAAAAAAAAAAAAAAAAAAAAAAAAAAAAAAAAAAAAAAAAAAAAAAAAAAAAAAAAAAAAAAAAAAAAAAAAAAAAAAAAAAAAAAAAAAAAAAAAAAAAAAFAAAADwAAAAAAAAAAAAAAAAAAAkUAAAAAQAAABQAAAAUAAAAFAAAAAEAAAAAAAAAZAAAAGQAAAAAAAAAZAAAAGQAAAAVAAAAYAAAAAAAAAAAAAAADwAAACADAAAAAAAAAAAAAAEAAACgMgAAVgcAAKr4//8BAAAAf39/AAEAAABkAAAAAAAAABQAAABAHwAAAAAAACYAAAAAAAAAwOD//wAAAAAmAAAAZAAAABYAAABMAAAAAAAAAAAAAAAEAAAAAAAAAAEAAACAgIAKAAAAACgAAAAoAAAAZAAAAGQAAAAAAAAAzMzMAAAAAABQAAAAUAAAAGQAAABkAAAAAAAAABcAAAAUAAAAAAAAAAAAAAD/fwAA/38AAAAAAAAJAAAABAAAAP////8eAAAAaAAAAAAAAAAAAAAAAAAAAAAAAAAAAAAAECcAABAnAAAAAAAAAAAAAAAAAAAAAAAAAAAAAAAAAAAAAAAAAAAAABQAAAAAAAAAwMD/AAAAAABkAAAAMgAAAAAAAABkAAAAAAAAAH9/fwAKAAAAIgAAABgAAAAAAAAAAAAAAAAAAAAAAAAAAAAAAAAAAAAkAAAAJAAAAAAAAAAHAAAAAAAAAAAAAAAAAAAAAAAAAAAAAAAAAAAAf39/ACUAAABYAAAAAAAAAAAAAAAAAAAAAAAAAAAAAAAAAAAAAAAAAAAAAAAAAAAAAAAAAAAAAAA/AAAAAAAAAKCGAQAAAAAAAAAAAAAAAAAMAAAAAQAAAAAAAAAAAAAAAAAAAB8AAABUAAAAAAAABQAAAAEAAAAAAAAAAAAAAAAAAAAAAAAAAAAAAAAAAAAAAAAAAAAAAAJ/f38AAAAAA8zMzADAwP8Af39/AAAAAAAAAAAAAAAAAAAAAAAAAAAAIQAAABgAAAAUAAAAwTUAABsnAABARwAAWSkAABAAAAAmAAAACAAAAP//////////"/>
               </a:ext>
             </a:extLst>
           </p:cNvSpPr>
@@ -3048,7 +3048,7 @@
           </a:lstStyle>
           <a:p>
             <a:pPr/>
-            <a:fld id="{3E41414A-04D3-14B7-9DF9-F2E20FB76BA7}" type="slidenum">
+            <a:fld id="{3EE54BFD-B3D3-B0BD-9D5D-45E805136B10}" type="slidenum">
               <a:t/>
             </a:fld>
           </a:p>
@@ -3720,6 +3720,40 @@
           <a:chExt cx="0" cy="0"/>
         </a:xfrm>
       </p:grpSpPr>
+      <p:sp>
+        <p:nvSpPr>
+          <p:cNvPr id="2" name="사각형1"/>
+          <p:cNvSpPr>
+            <a:extLst>
+              <a:ext uri="smNativeData">
+                <pr:smNativeData xmlns:pr="smNativeData" xmlns="smNativeData" val="SMDATA_15_Sr0aZBMAAAAlAAAAZAAAAA8BAAAAkAAAAEgAAACQAAAASAAAAAAAAAAAAAAAAAAAAAEAAABQAAAAAAAAAAAA4D8AAAAAAADgPwAAAAAAAOA/AAAAAAAA4D8AAAAAAADgPwAAAAAAAOA/AAAAAAAA4D8AAAAAAADgPwAAAAAAAOA/AAAAAAAA4D8CAAAAjAAAAAEAAAAAAAAAu+DjDP///wgAAAAAAAAAAAAAAAAAAAAAAAAAAAAAAAAAAAAAZAAAAAEAAABAAAAAAAAAAAAAAAAAAAAAAAAAAAAAAAAAAAAAAAAAAAAAAAAAAAAAAAAAAAAAAAAAAAAAAAAAAAAAAAAAAAAAAAAAAAAAAAAAAAAAAAAAAAAAAAAAAAAAFAAAADwAAAABAAAAAAAAAAAAAAkUAAAAAQAAABQAAAAUAAAAFAAAAAEAAAAAAAAAZAAAAGQAAAAAAAAAZAAAAGQAAAAVAAAAYAAAAAAAAAAAAAAADwAAACADAAAAAAAAAAAAAAEAAACgMgAAVgcAAKr4//8BAAAAf39/AAEAAABkAAAAAAAAABQAAABAHwAAAAAAACYAAAAAAAAAwOD//wAAAAAmAAAAZAAAABYAAABMAAAAAAAAAAAAAAAEAAAAAAAAAAEAAACAgIAKAAAAACgAAAAoAAAAZAAAAGQAAAAAAAAAzMzMAAAAAABQAAAAUAAAAGQAAABkAAAAAAAAABcAAAAUAAAAAAAAAAAAAAD/fwAA/38AAAAAAAAJAAAABAAAAAAAAAAeAAAAaAAAAAAAAAAAAAAAAAAAAAAAAAAAAAAAECcAABAnAAAAAAAAAAAAAAAAAAAAAAAAAAAAAAAAAAAAAAAAAAAAABQAAAAAAAAAwMD/AAAAAABkAAAAMgAAAAAAAABkAAAAAAAAAH9/fwAKAAAAIgAAABgAAAAAAAAAAAAAAAAAAAAAAAAAAAAAAAAAAAAkAAAAJAAAAAAAAAAHAAAAAAAAAAAAAAAAAAAAAAAAAAAAAAAAAAAAf39/ACUAAABYAAAAAAAAAAAAAAAAAAAAAAAAAAAAAAAAAAAAAAAAAAAAAAAAAAAAAAAAAAAAAAA/AAAAAAAAAKCGAQAAAAAAAAAAAAAAAAAMAAAAAQAAAAAAAAAAAAAAAAAAAB8AAABUAAAAu+DjBf///wEAAAAAAAAAAAAAAAAAAAAAAAAAAAAAAAAAAAAAAAAAAAAAAAJ/f38AgICAA8zMzADAwP8Af39/AAAAAAAAAAAAAAAAAAAAAAAAAAAAIQAAABgAAAAUAAAApgIAAIgDAACRDgAAtgkAAAAAAAAmAAAACAAAAP//////////"/>
+              </a:ext>
+            </a:extLst>
+          </p:cNvSpPr>
+          <p:nvPr/>
+        </p:nvSpPr>
+        <p:spPr>
+          <a:xfrm>
+            <a:off x="430530" y="574040"/>
+            <a:ext cx="1937385" cy="1004570"/>
+          </a:xfrm>
+          <a:prstGeom prst="rect">
+            <a:avLst/>
+          </a:prstGeom>
+          <a:solidFill>
+            <a:schemeClr val="accent1"/>
+          </a:solidFill>
+          <a:ln w="12700" cap="flat" cmpd="sng" algn="ctr">
+            <a:solidFill>
+              <a:schemeClr val="tx1"/>
+            </a:solidFill>
+            <a:prstDash val="solid"/>
+            <a:headEnd type="none"/>
+            <a:tailEnd type="none"/>
+          </a:ln>
+          <a:effectLst/>
+        </p:spPr>
+      </p:sp>
     </p:spTree>
   </p:cSld>
   <p:clrMapOvr>
